--- a/poster.pptx
+++ b/poster.pptx
@@ -3893,7 +3893,7 @@
               <a:graphicData uri="http://schemas.openxmlformats.org/presentationml/2006/ole">
                 <mc:AlternateContent xmlns:mc="http://schemas.openxmlformats.org/markup-compatibility/2006">
                   <mc:Choice xmlns:v="urn:schemas-microsoft-com:vml" Requires="v">
-                    <p:oleObj spid="_x0000_s1079" name="Image" r:id="rId8" imgW="1828440" imgH="1117440" progId="Photoshop.Image.13">
+                    <p:oleObj spid="_x0000_s1088" name="Image" r:id="rId8" imgW="1828440" imgH="1117440" progId="Photoshop.Image.13">
                       <p:embed/>
                     </p:oleObj>
                   </mc:Choice>
@@ -3950,7 +3950,7 @@
               <a:graphicData uri="http://schemas.openxmlformats.org/presentationml/2006/ole">
                 <mc:AlternateContent xmlns:mc="http://schemas.openxmlformats.org/markup-compatibility/2006">
                   <mc:Choice xmlns:v="urn:schemas-microsoft-com:vml" Requires="v">
-                    <p:oleObj spid="_x0000_s1080" name="Image" r:id="rId10" imgW="1828440" imgH="1117440" progId="Photoshop.Image.13">
+                    <p:oleObj spid="_x0000_s1089" name="Image" r:id="rId10" imgW="1828440" imgH="1117440" progId="Photoshop.Image.13">
                       <p:embed/>
                     </p:oleObj>
                   </mc:Choice>
@@ -5133,7 +5133,7 @@
             <a:graphicData uri="http://schemas.openxmlformats.org/presentationml/2006/ole">
               <mc:AlternateContent xmlns:mc="http://schemas.openxmlformats.org/markup-compatibility/2006">
                 <mc:Choice xmlns:v="urn:schemas-microsoft-com:vml" Requires="v">
-                  <p:oleObj spid="_x0000_s1081" name="Image" r:id="rId12" imgW="4571280" imgH="1688760" progId="Photoshop.Image.13">
+                  <p:oleObj spid="_x0000_s1090" name="Image" r:id="rId12" imgW="4571280" imgH="1688760" progId="Photoshop.Image.13">
                     <p:embed/>
                   </p:oleObj>
                 </mc:Choice>
@@ -5217,7 +5217,7 @@
             <a:graphicData uri="http://schemas.openxmlformats.org/presentationml/2006/ole">
               <mc:AlternateContent xmlns:mc="http://schemas.openxmlformats.org/markup-compatibility/2006">
                 <mc:Choice xmlns:v="urn:schemas-microsoft-com:vml" Requires="v">
-                  <p:oleObj spid="_x0000_s1082" name="Image" r:id="rId15" imgW="1574280" imgH="1053720" progId="Photoshop.Image.13">
+                  <p:oleObj spid="_x0000_s1091" name="Image" r:id="rId15" imgW="1574280" imgH="1053720" progId="Photoshop.Image.13">
                     <p:embed/>
                   </p:oleObj>
                 </mc:Choice>
@@ -7226,7 +7226,7 @@
               <a:graphicData uri="http://schemas.openxmlformats.org/presentationml/2006/ole">
                 <mc:AlternateContent xmlns:mc="http://schemas.openxmlformats.org/markup-compatibility/2006">
                   <mc:Choice xmlns:v="urn:schemas-microsoft-com:vml" Requires="v">
-                    <p:oleObj spid="_x0000_s2103" name="Image" r:id="rId8" imgW="1828440" imgH="1117440" progId="Photoshop.Image.13">
+                    <p:oleObj spid="_x0000_s2112" name="Image" r:id="rId8" imgW="1828440" imgH="1117440" progId="Photoshop.Image.13">
                       <p:embed/>
                     </p:oleObj>
                   </mc:Choice>
@@ -7283,7 +7283,7 @@
               <a:graphicData uri="http://schemas.openxmlformats.org/presentationml/2006/ole">
                 <mc:AlternateContent xmlns:mc="http://schemas.openxmlformats.org/markup-compatibility/2006">
                   <mc:Choice xmlns:v="urn:schemas-microsoft-com:vml" Requires="v">
-                    <p:oleObj spid="_x0000_s2104" name="Image" r:id="rId10" imgW="1828440" imgH="1117440" progId="Photoshop.Image.13">
+                    <p:oleObj spid="_x0000_s2113" name="Image" r:id="rId10" imgW="1828440" imgH="1117440" progId="Photoshop.Image.13">
                       <p:embed/>
                     </p:oleObj>
                   </mc:Choice>
@@ -8466,7 +8466,7 @@
             <a:graphicData uri="http://schemas.openxmlformats.org/presentationml/2006/ole">
               <mc:AlternateContent xmlns:mc="http://schemas.openxmlformats.org/markup-compatibility/2006">
                 <mc:Choice xmlns:v="urn:schemas-microsoft-com:vml" Requires="v">
-                  <p:oleObj spid="_x0000_s2105" name="Image" r:id="rId12" imgW="4571280" imgH="1688760" progId="Photoshop.Image.13">
+                  <p:oleObj spid="_x0000_s2114" name="Image" r:id="rId12" imgW="4571280" imgH="1688760" progId="Photoshop.Image.13">
                     <p:embed/>
                   </p:oleObj>
                 </mc:Choice>
@@ -8550,7 +8550,7 @@
             <a:graphicData uri="http://schemas.openxmlformats.org/presentationml/2006/ole">
               <mc:AlternateContent xmlns:mc="http://schemas.openxmlformats.org/markup-compatibility/2006">
                 <mc:Choice xmlns:v="urn:schemas-microsoft-com:vml" Requires="v">
-                  <p:oleObj spid="_x0000_s2106" name="Image" r:id="rId15" imgW="1574280" imgH="1053720" progId="Photoshop.Image.13">
+                  <p:oleObj spid="_x0000_s2115" name="Image" r:id="rId15" imgW="1574280" imgH="1053720" progId="Photoshop.Image.13">
                     <p:embed/>
                   </p:oleObj>
                 </mc:Choice>
@@ -9378,11 +9378,7 @@
           <a:p>
             <a:r>
               <a:rPr lang="en-US" dirty="0" smtClean="0"/>
-              <a:t>The Visual Dialog task has been at the forefront of deep learning research and excellent performance has already been achieved. Visual Dialog is about training a network to learn information about images, and be able to answer questions and have a conversation about those images. It involves being able to encode the relevant information (such as the images, th</a:t>
-            </a:r>
-            <a:r>
-              <a:rPr lang="en-US" dirty="0" smtClean="0"/>
-              <a:t>e captions for the images, and the questions and answers about the images) into a meaningful representation, as well as being able to decode that representation and come out with a correct answer</a:t>
+              <a:t>The Visual Dialog task has been at the forefront of deep learning research and excellent performance has already been achieved. Visual Dialog is about training a network to learn information about images, and be able to answer questions and have a conversation about those images. It involves being able to encode the relevant information (such as the images, the captions for the images, and the questions and answers about the images) into a meaningful representation, as well as being able to decode that representation and come out with a correct answer</a:t>
             </a:r>
             <a:r>
               <a:rPr lang="en-US" smtClean="0"/>
@@ -9425,12 +9421,20 @@
             <p:ph type="body" sz="quarter" idx="20"/>
           </p:nvPr>
         </p:nvSpPr>
-        <p:spPr/>
+        <p:spPr>
+          <a:xfrm>
+            <a:off x="576462" y="14232814"/>
+            <a:ext cx="12949224" cy="643172"/>
+          </a:xfrm>
+        </p:spPr>
         <p:txBody>
           <a:bodyPr/>
           <a:lstStyle/>
           <a:p>
-            <a:endParaRPr lang="en-US"/>
+            <a:r>
+              <a:rPr lang="en-US" smtClean="0"/>
+              <a:t>Models</a:t>
+            </a:r>
           </a:p>
         </p:txBody>
       </p:sp>
@@ -9449,7 +9453,11 @@
           <a:bodyPr/>
           <a:lstStyle/>
           <a:p>
-            <a:endParaRPr lang="en-US"/>
+            <a:r>
+              <a:rPr lang="en-US" dirty="0" smtClean="0"/>
+              <a:t>Experiments</a:t>
+            </a:r>
+            <a:endParaRPr lang="en-US" dirty="0"/>
           </a:p>
         </p:txBody>
       </p:sp>
@@ -9482,12 +9490,21 @@
             <p:ph type="body" sz="quarter" idx="27"/>
           </p:nvPr>
         </p:nvSpPr>
-        <p:spPr/>
+        <p:spPr>
+          <a:xfrm>
+            <a:off x="13856717" y="19787377"/>
+            <a:ext cx="12942336" cy="643172"/>
+          </a:xfrm>
+        </p:spPr>
         <p:txBody>
           <a:bodyPr/>
           <a:lstStyle/>
           <a:p>
-            <a:endParaRPr lang="en-US"/>
+            <a:r>
+              <a:rPr lang="en-US" dirty="0" smtClean="0"/>
+              <a:t>Conclusion</a:t>
+            </a:r>
+            <a:endParaRPr lang="en-US" dirty="0"/>
           </a:p>
         </p:txBody>
       </p:sp>
@@ -9501,12 +9518,17 @@
             <p:ph type="body" sz="quarter" idx="28"/>
           </p:nvPr>
         </p:nvSpPr>
-        <p:spPr/>
+        <p:spPr>
+          <a:xfrm>
+            <a:off x="13856717" y="20418960"/>
+            <a:ext cx="12947298" cy="728455"/>
+          </a:xfrm>
+        </p:spPr>
         <p:txBody>
           <a:bodyPr/>
           <a:lstStyle/>
           <a:p>
-            <a:endParaRPr lang="en-US"/>
+            <a:endParaRPr lang="en-US" dirty="0"/>
           </a:p>
         </p:txBody>
       </p:sp>
@@ -9525,7 +9547,11 @@
           <a:bodyPr/>
           <a:lstStyle/>
           <a:p>
-            <a:endParaRPr lang="en-US"/>
+            <a:r>
+              <a:rPr lang="en-US" dirty="0" smtClean="0"/>
+              <a:t>Acknowledgement</a:t>
+            </a:r>
+            <a:endParaRPr lang="en-US" dirty="0"/>
           </a:p>
         </p:txBody>
       </p:sp>
@@ -9613,7 +9639,11 @@
             </a:r>
             <a:r>
               <a:rPr lang="en-US" dirty="0" smtClean="0"/>
-              <a:t> Du, Fred Li, </a:t>
+              <a:t> </a:t>
+            </a:r>
+            <a:r>
+              <a:rPr lang="en-US" dirty="0" smtClean="0"/>
+              <a:t>Du, </a:t>
             </a:r>
             <a:r>
               <a:rPr lang="en-US" dirty="0" err="1" smtClean="0"/>
@@ -9626,6 +9656,10 @@
             <a:r>
               <a:rPr lang="en-US" dirty="0" err="1" smtClean="0"/>
               <a:t>Arunapuram</a:t>
+            </a:r>
+            <a:r>
+              <a:rPr lang="en-US" dirty="0"/>
+              <a:t>, Fred Li</a:t>
             </a:r>
             <a:endParaRPr lang="en-US" dirty="0"/>
           </a:p>
@@ -9651,6 +9685,415 @@
             <a:r>
               <a:rPr lang="en-US" dirty="0" smtClean="0"/>
               <a:t>Visual Dialog</a:t>
+            </a:r>
+            <a:endParaRPr lang="en-US" dirty="0"/>
+          </a:p>
+        </p:txBody>
+      </p:sp>
+      <p:sp>
+        <p:nvSpPr>
+          <p:cNvPr id="15" name="Text Placeholder 85"/>
+          <p:cNvSpPr txBox="1">
+            <a:spLocks/>
+          </p:cNvSpPr>
+          <p:nvPr/>
+        </p:nvSpPr>
+        <p:spPr>
+          <a:xfrm>
+            <a:off x="13846682" y="15996905"/>
+            <a:ext cx="12945893" cy="643172"/>
+          </a:xfrm>
+          <a:prstGeom prst="rect">
+            <a:avLst/>
+          </a:prstGeom>
+          <a:noFill/>
+        </p:spPr>
+        <p:txBody>
+          <a:bodyPr wrap="square" lIns="78446" tIns="78446" rIns="78446" bIns="78446" anchor="ctr" anchorCtr="0">
+            <a:spAutoFit/>
+          </a:bodyPr>
+          <a:lstStyle>
+            <a:lvl1pPr marL="0" indent="0" algn="ctr" defTabSz="3388829" rtl="0" eaLnBrk="1" latinLnBrk="0" hangingPunct="1">
+              <a:spcBef>
+                <a:spcPct val="20000"/>
+              </a:spcBef>
+              <a:buFont typeface="Arial" pitchFamily="34" charset="0"/>
+              <a:buNone/>
+              <a:defRPr sz="3150" b="1" u="sng" kern="1200" baseline="0">
+                <a:solidFill>
+                  <a:schemeClr val="accent5">
+                    <a:lumMod val="50000"/>
+                  </a:schemeClr>
+                </a:solidFill>
+                <a:latin typeface="+mn-lt"/>
+                <a:ea typeface="+mn-ea"/>
+                <a:cs typeface="+mn-cs"/>
+              </a:defRPr>
+            </a:lvl1pPr>
+            <a:lvl2pPr marL="2753424" indent="-1059009" algn="l" defTabSz="3388829" rtl="0" eaLnBrk="1" latinLnBrk="0" hangingPunct="1">
+              <a:spcBef>
+                <a:spcPct val="20000"/>
+              </a:spcBef>
+              <a:buFont typeface="Arial" pitchFamily="34" charset="0"/>
+              <a:buChar char="–"/>
+              <a:defRPr sz="10440" kern="1200">
+                <a:solidFill>
+                  <a:schemeClr val="tx1"/>
+                </a:solidFill>
+                <a:latin typeface="+mn-lt"/>
+                <a:ea typeface="+mn-ea"/>
+                <a:cs typeface="+mn-cs"/>
+              </a:defRPr>
+            </a:lvl2pPr>
+            <a:lvl3pPr marL="4236037" indent="-847208" algn="l" defTabSz="3388829" rtl="0" eaLnBrk="1" latinLnBrk="0" hangingPunct="1">
+              <a:spcBef>
+                <a:spcPct val="20000"/>
+              </a:spcBef>
+              <a:buFont typeface="Arial" pitchFamily="34" charset="0"/>
+              <a:buChar char="•"/>
+              <a:defRPr sz="8910" kern="1200">
+                <a:solidFill>
+                  <a:schemeClr val="tx1"/>
+                </a:solidFill>
+                <a:latin typeface="+mn-lt"/>
+                <a:ea typeface="+mn-ea"/>
+                <a:cs typeface="+mn-cs"/>
+              </a:defRPr>
+            </a:lvl3pPr>
+            <a:lvl4pPr marL="5930452" indent="-847208" algn="l" defTabSz="3388829" rtl="0" eaLnBrk="1" latinLnBrk="0" hangingPunct="1">
+              <a:spcBef>
+                <a:spcPct val="20000"/>
+              </a:spcBef>
+              <a:buFont typeface="Arial" pitchFamily="34" charset="0"/>
+              <a:buChar char="–"/>
+              <a:defRPr sz="7470" kern="1200">
+                <a:solidFill>
+                  <a:schemeClr val="tx1"/>
+                </a:solidFill>
+                <a:latin typeface="+mn-lt"/>
+                <a:ea typeface="+mn-ea"/>
+                <a:cs typeface="+mn-cs"/>
+              </a:defRPr>
+            </a:lvl4pPr>
+            <a:lvl5pPr marL="7624866" indent="-847208" algn="l" defTabSz="3388829" rtl="0" eaLnBrk="1" latinLnBrk="0" hangingPunct="1">
+              <a:spcBef>
+                <a:spcPct val="20000"/>
+              </a:spcBef>
+              <a:buFont typeface="Arial" pitchFamily="34" charset="0"/>
+              <a:buChar char="»"/>
+              <a:defRPr sz="7470" kern="1200">
+                <a:solidFill>
+                  <a:schemeClr val="tx1"/>
+                </a:solidFill>
+                <a:latin typeface="+mn-lt"/>
+                <a:ea typeface="+mn-ea"/>
+                <a:cs typeface="+mn-cs"/>
+              </a:defRPr>
+            </a:lvl5pPr>
+            <a:lvl6pPr marL="9319281" indent="-847208" algn="l" defTabSz="3388829" rtl="0" eaLnBrk="1" latinLnBrk="0" hangingPunct="1">
+              <a:spcBef>
+                <a:spcPct val="20000"/>
+              </a:spcBef>
+              <a:buFont typeface="Arial" pitchFamily="34" charset="0"/>
+              <a:buChar char="•"/>
+              <a:defRPr sz="7470" kern="1200">
+                <a:solidFill>
+                  <a:schemeClr val="tx1"/>
+                </a:solidFill>
+                <a:latin typeface="+mn-lt"/>
+                <a:ea typeface="+mn-ea"/>
+                <a:cs typeface="+mn-cs"/>
+              </a:defRPr>
+            </a:lvl6pPr>
+            <a:lvl7pPr marL="11013695" indent="-847208" algn="l" defTabSz="3388829" rtl="0" eaLnBrk="1" latinLnBrk="0" hangingPunct="1">
+              <a:spcBef>
+                <a:spcPct val="20000"/>
+              </a:spcBef>
+              <a:buFont typeface="Arial" pitchFamily="34" charset="0"/>
+              <a:buChar char="•"/>
+              <a:defRPr sz="7470" kern="1200">
+                <a:solidFill>
+                  <a:schemeClr val="tx1"/>
+                </a:solidFill>
+                <a:latin typeface="+mn-lt"/>
+                <a:ea typeface="+mn-ea"/>
+                <a:cs typeface="+mn-cs"/>
+              </a:defRPr>
+            </a:lvl7pPr>
+            <a:lvl8pPr marL="12708110" indent="-847208" algn="l" defTabSz="3388829" rtl="0" eaLnBrk="1" latinLnBrk="0" hangingPunct="1">
+              <a:spcBef>
+                <a:spcPct val="20000"/>
+              </a:spcBef>
+              <a:buFont typeface="Arial" pitchFamily="34" charset="0"/>
+              <a:buChar char="•"/>
+              <a:defRPr sz="7470" kern="1200">
+                <a:solidFill>
+                  <a:schemeClr val="tx1"/>
+                </a:solidFill>
+                <a:latin typeface="+mn-lt"/>
+                <a:ea typeface="+mn-ea"/>
+                <a:cs typeface="+mn-cs"/>
+              </a:defRPr>
+            </a:lvl8pPr>
+            <a:lvl9pPr marL="14402525" indent="-847208" algn="l" defTabSz="3388829" rtl="0" eaLnBrk="1" latinLnBrk="0" hangingPunct="1">
+              <a:spcBef>
+                <a:spcPct val="20000"/>
+              </a:spcBef>
+              <a:buFont typeface="Arial" pitchFamily="34" charset="0"/>
+              <a:buChar char="•"/>
+              <a:defRPr sz="7470" kern="1200">
+                <a:solidFill>
+                  <a:schemeClr val="tx1"/>
+                </a:solidFill>
+                <a:latin typeface="+mn-lt"/>
+                <a:ea typeface="+mn-ea"/>
+                <a:cs typeface="+mn-cs"/>
+              </a:defRPr>
+            </a:lvl9pPr>
+          </a:lstStyle>
+          <a:p>
+            <a:r>
+              <a:rPr lang="en-US" dirty="0" smtClean="0"/>
+              <a:t>Data and Technical Requirements</a:t>
+            </a:r>
+            <a:endParaRPr lang="en-US" dirty="0"/>
+          </a:p>
+        </p:txBody>
+      </p:sp>
+      <p:sp>
+        <p:nvSpPr>
+          <p:cNvPr id="16" name="Text Placeholder 88"/>
+          <p:cNvSpPr txBox="1">
+            <a:spLocks/>
+          </p:cNvSpPr>
+          <p:nvPr/>
+        </p:nvSpPr>
+        <p:spPr>
+          <a:xfrm>
+            <a:off x="13856717" y="16671967"/>
+            <a:ext cx="12947298" cy="2855832"/>
+          </a:xfrm>
+          <a:prstGeom prst="rect">
+            <a:avLst/>
+          </a:prstGeom>
+        </p:spPr>
+        <p:txBody>
+          <a:bodyPr wrap="square" lIns="196113" tIns="196113" rIns="196113" bIns="196113">
+            <a:spAutoFit/>
+          </a:bodyPr>
+          <a:lstStyle>
+            <a:lvl1pPr marL="0" indent="0" algn="l" defTabSz="3388829" rtl="0" eaLnBrk="1" latinLnBrk="0" hangingPunct="1">
+              <a:spcBef>
+                <a:spcPct val="20000"/>
+              </a:spcBef>
+              <a:buFont typeface="Arial" pitchFamily="34" charset="0"/>
+              <a:buNone/>
+              <a:defRPr sz="2160" kern="1200">
+                <a:solidFill>
+                  <a:schemeClr val="accent5">
+                    <a:lumMod val="50000"/>
+                  </a:schemeClr>
+                </a:solidFill>
+                <a:latin typeface="Times New Roman" panose="02020603050405020304" pitchFamily="18" charset="0"/>
+                <a:ea typeface="+mn-ea"/>
+                <a:cs typeface="Times New Roman" panose="02020603050405020304" pitchFamily="18" charset="0"/>
+              </a:defRPr>
+            </a:lvl1pPr>
+            <a:lvl2pPr marL="1147260" indent="-441254" algn="l" defTabSz="3388829" rtl="0" eaLnBrk="1" latinLnBrk="0" hangingPunct="1">
+              <a:spcBef>
+                <a:spcPct val="20000"/>
+              </a:spcBef>
+              <a:buFont typeface="Arial" pitchFamily="34" charset="0"/>
+              <a:buChar char="–"/>
+              <a:defRPr sz="1980" kern="1200">
+                <a:solidFill>
+                  <a:schemeClr val="tx1"/>
+                </a:solidFill>
+                <a:latin typeface="Trebuchet MS" pitchFamily="34" charset="0"/>
+                <a:ea typeface="+mn-ea"/>
+                <a:cs typeface="+mn-cs"/>
+              </a:defRPr>
+            </a:lvl2pPr>
+            <a:lvl3pPr marL="1588514" indent="-441254" algn="l" defTabSz="3388829" rtl="0" eaLnBrk="1" latinLnBrk="0" hangingPunct="1">
+              <a:spcBef>
+                <a:spcPct val="20000"/>
+              </a:spcBef>
+              <a:buFont typeface="Arial" pitchFamily="34" charset="0"/>
+              <a:buChar char="•"/>
+              <a:defRPr sz="1980" kern="1200">
+                <a:solidFill>
+                  <a:schemeClr val="tx1"/>
+                </a:solidFill>
+                <a:latin typeface="Trebuchet MS" pitchFamily="34" charset="0"/>
+                <a:ea typeface="+mn-ea"/>
+                <a:cs typeface="+mn-cs"/>
+              </a:defRPr>
+            </a:lvl3pPr>
+            <a:lvl4pPr marL="2073893" indent="-485379" algn="l" defTabSz="3388829" rtl="0" eaLnBrk="1" latinLnBrk="0" hangingPunct="1">
+              <a:spcBef>
+                <a:spcPct val="20000"/>
+              </a:spcBef>
+              <a:buFont typeface="Arial" pitchFamily="34" charset="0"/>
+              <a:buChar char="–"/>
+              <a:defRPr sz="1980" kern="1200">
+                <a:solidFill>
+                  <a:schemeClr val="tx1"/>
+                </a:solidFill>
+                <a:latin typeface="Trebuchet MS" pitchFamily="34" charset="0"/>
+                <a:ea typeface="+mn-ea"/>
+                <a:cs typeface="+mn-cs"/>
+              </a:defRPr>
+            </a:lvl4pPr>
+            <a:lvl5pPr marL="2426896" indent="-353003" algn="l" defTabSz="3388829" rtl="0" eaLnBrk="1" latinLnBrk="0" hangingPunct="1">
+              <a:spcBef>
+                <a:spcPct val="20000"/>
+              </a:spcBef>
+              <a:buFont typeface="Arial" pitchFamily="34" charset="0"/>
+              <a:buChar char="»"/>
+              <a:defRPr sz="1980" kern="1200">
+                <a:solidFill>
+                  <a:schemeClr val="tx1"/>
+                </a:solidFill>
+                <a:latin typeface="Trebuchet MS" pitchFamily="34" charset="0"/>
+                <a:ea typeface="+mn-ea"/>
+                <a:cs typeface="+mn-cs"/>
+              </a:defRPr>
+            </a:lvl5pPr>
+            <a:lvl6pPr marL="9319281" indent="-847208" algn="l" defTabSz="3388829" rtl="0" eaLnBrk="1" latinLnBrk="0" hangingPunct="1">
+              <a:spcBef>
+                <a:spcPct val="20000"/>
+              </a:spcBef>
+              <a:buFont typeface="Arial" pitchFamily="34" charset="0"/>
+              <a:buChar char="•"/>
+              <a:defRPr sz="7470" kern="1200">
+                <a:solidFill>
+                  <a:schemeClr val="tx1"/>
+                </a:solidFill>
+                <a:latin typeface="+mn-lt"/>
+                <a:ea typeface="+mn-ea"/>
+                <a:cs typeface="+mn-cs"/>
+              </a:defRPr>
+            </a:lvl6pPr>
+            <a:lvl7pPr marL="11013695" indent="-847208" algn="l" defTabSz="3388829" rtl="0" eaLnBrk="1" latinLnBrk="0" hangingPunct="1">
+              <a:spcBef>
+                <a:spcPct val="20000"/>
+              </a:spcBef>
+              <a:buFont typeface="Arial" pitchFamily="34" charset="0"/>
+              <a:buChar char="•"/>
+              <a:defRPr sz="7470" kern="1200">
+                <a:solidFill>
+                  <a:schemeClr val="tx1"/>
+                </a:solidFill>
+                <a:latin typeface="+mn-lt"/>
+                <a:ea typeface="+mn-ea"/>
+                <a:cs typeface="+mn-cs"/>
+              </a:defRPr>
+            </a:lvl7pPr>
+            <a:lvl8pPr marL="12708110" indent="-847208" algn="l" defTabSz="3388829" rtl="0" eaLnBrk="1" latinLnBrk="0" hangingPunct="1">
+              <a:spcBef>
+                <a:spcPct val="20000"/>
+              </a:spcBef>
+              <a:buFont typeface="Arial" pitchFamily="34" charset="0"/>
+              <a:buChar char="•"/>
+              <a:defRPr sz="7470" kern="1200">
+                <a:solidFill>
+                  <a:schemeClr val="tx1"/>
+                </a:solidFill>
+                <a:latin typeface="+mn-lt"/>
+                <a:ea typeface="+mn-ea"/>
+                <a:cs typeface="+mn-cs"/>
+              </a:defRPr>
+            </a:lvl8pPr>
+            <a:lvl9pPr marL="14402525" indent="-847208" algn="l" defTabSz="3388829" rtl="0" eaLnBrk="1" latinLnBrk="0" hangingPunct="1">
+              <a:spcBef>
+                <a:spcPct val="20000"/>
+              </a:spcBef>
+              <a:buFont typeface="Arial" pitchFamily="34" charset="0"/>
+              <a:buChar char="•"/>
+              <a:defRPr sz="7470" kern="1200">
+                <a:solidFill>
+                  <a:schemeClr val="tx1"/>
+                </a:solidFill>
+                <a:latin typeface="+mn-lt"/>
+                <a:ea typeface="+mn-ea"/>
+                <a:cs typeface="+mn-cs"/>
+              </a:defRPr>
+            </a:lvl9pPr>
+          </a:lstStyle>
+          <a:p>
+            <a:r>
+              <a:rPr lang="en-US" dirty="0"/>
+              <a:t>Our Visual Dialog system involves in deep learning approaches such as CNNs and RNNs with </a:t>
+            </a:r>
+            <a:r>
+              <a:rPr lang="en-US" dirty="0" smtClean="0"/>
+              <a:t>attention </a:t>
+            </a:r>
+            <a:r>
+              <a:rPr lang="en-US" dirty="0"/>
+              <a:t>to better understanding the images and questions. Therefore, also based on literature research, we decide to deploy the network based on </a:t>
+            </a:r>
+            <a:r>
+              <a:rPr lang="en-US" dirty="0" err="1"/>
+              <a:t>Pytorch</a:t>
+            </a:r>
+            <a:r>
+              <a:rPr lang="en-US" dirty="0"/>
+              <a:t> with GPUs on Amazon Web Service. </a:t>
+            </a:r>
+            <a:endParaRPr lang="en-US" dirty="0"/>
+          </a:p>
+          <a:p>
+            <a:r>
+              <a:rPr lang="en-US" dirty="0"/>
+              <a:t>In this project, we use </a:t>
+            </a:r>
+            <a:r>
+              <a:rPr lang="en-US" dirty="0" err="1"/>
+              <a:t>VisDial</a:t>
+            </a:r>
+            <a:r>
+              <a:rPr lang="en-US" dirty="0"/>
+              <a:t> v0.9 dataset, which contains 83k dialogs on COCO-train and 40K on COCO-</a:t>
+            </a:r>
+            <a:r>
+              <a:rPr lang="en-US" dirty="0" err="1"/>
+              <a:t>val</a:t>
+            </a:r>
+            <a:r>
+              <a:rPr lang="en-US" dirty="0"/>
+              <a:t> images. We use the 83k as training and split the 40K into 5k for validation and 35k for test. </a:t>
+            </a:r>
+            <a:endParaRPr lang="en-US" dirty="0"/>
+          </a:p>
+          <a:p>
+            <a:r>
+              <a:rPr lang="en-US" dirty="0"/>
+              <a:t>Our work is based on </a:t>
+            </a:r>
+            <a:r>
+              <a:rPr lang="en-US" dirty="0" err="1"/>
+              <a:t>Pytorch</a:t>
+            </a:r>
+            <a:r>
+              <a:rPr lang="en-US" dirty="0"/>
+              <a:t>, due to GPU memory limitation, we reduce the size of hidden layer in </a:t>
+            </a:r>
+            <a:r>
+              <a:rPr lang="en-US" dirty="0" err="1"/>
+              <a:t>GRUCell</a:t>
+            </a:r>
+            <a:r>
+              <a:rPr lang="en-US" dirty="0"/>
+              <a:t>, aiming to produce the same comparable results with less parameters and further improve- </a:t>
+            </a:r>
+            <a:r>
+              <a:rPr lang="en-US" dirty="0" err="1"/>
+              <a:t>ments</a:t>
+            </a:r>
+            <a:r>
+              <a:rPr lang="en-US" dirty="0"/>
+              <a:t>. </a:t>
             </a:r>
             <a:endParaRPr lang="en-US" dirty="0"/>
           </a:p>

--- a/poster.pptx
+++ b/poster.pptx
@@ -3893,7 +3893,7 @@
               <a:graphicData uri="http://schemas.openxmlformats.org/presentationml/2006/ole">
                 <mc:AlternateContent xmlns:mc="http://schemas.openxmlformats.org/markup-compatibility/2006">
                   <mc:Choice xmlns:v="urn:schemas-microsoft-com:vml" Requires="v">
-                    <p:oleObj spid="_x0000_s1088" name="Image" r:id="rId8" imgW="1828440" imgH="1117440" progId="Photoshop.Image.13">
+                    <p:oleObj spid="_x0000_s1092" name="Image" r:id="rId8" imgW="1828440" imgH="1117440" progId="Photoshop.Image.13">
                       <p:embed/>
                     </p:oleObj>
                   </mc:Choice>
@@ -3950,7 +3950,7 @@
               <a:graphicData uri="http://schemas.openxmlformats.org/presentationml/2006/ole">
                 <mc:AlternateContent xmlns:mc="http://schemas.openxmlformats.org/markup-compatibility/2006">
                   <mc:Choice xmlns:v="urn:schemas-microsoft-com:vml" Requires="v">
-                    <p:oleObj spid="_x0000_s1089" name="Image" r:id="rId10" imgW="1828440" imgH="1117440" progId="Photoshop.Image.13">
+                    <p:oleObj spid="_x0000_s1093" name="Image" r:id="rId10" imgW="1828440" imgH="1117440" progId="Photoshop.Image.13">
                       <p:embed/>
                     </p:oleObj>
                   </mc:Choice>
@@ -5133,7 +5133,7 @@
             <a:graphicData uri="http://schemas.openxmlformats.org/presentationml/2006/ole">
               <mc:AlternateContent xmlns:mc="http://schemas.openxmlformats.org/markup-compatibility/2006">
                 <mc:Choice xmlns:v="urn:schemas-microsoft-com:vml" Requires="v">
-                  <p:oleObj spid="_x0000_s1090" name="Image" r:id="rId12" imgW="4571280" imgH="1688760" progId="Photoshop.Image.13">
+                  <p:oleObj spid="_x0000_s1094" name="Image" r:id="rId12" imgW="4571280" imgH="1688760" progId="Photoshop.Image.13">
                     <p:embed/>
                   </p:oleObj>
                 </mc:Choice>
@@ -5217,7 +5217,7 @@
             <a:graphicData uri="http://schemas.openxmlformats.org/presentationml/2006/ole">
               <mc:AlternateContent xmlns:mc="http://schemas.openxmlformats.org/markup-compatibility/2006">
                 <mc:Choice xmlns:v="urn:schemas-microsoft-com:vml" Requires="v">
-                  <p:oleObj spid="_x0000_s1091" name="Image" r:id="rId15" imgW="1574280" imgH="1053720" progId="Photoshop.Image.13">
+                  <p:oleObj spid="_x0000_s1095" name="Image" r:id="rId15" imgW="1574280" imgH="1053720" progId="Photoshop.Image.13">
                     <p:embed/>
                   </p:oleObj>
                 </mc:Choice>
@@ -7226,7 +7226,7 @@
               <a:graphicData uri="http://schemas.openxmlformats.org/presentationml/2006/ole">
                 <mc:AlternateContent xmlns:mc="http://schemas.openxmlformats.org/markup-compatibility/2006">
                   <mc:Choice xmlns:v="urn:schemas-microsoft-com:vml" Requires="v">
-                    <p:oleObj spid="_x0000_s2112" name="Image" r:id="rId8" imgW="1828440" imgH="1117440" progId="Photoshop.Image.13">
+                    <p:oleObj spid="_x0000_s2116" name="Image" r:id="rId8" imgW="1828440" imgH="1117440" progId="Photoshop.Image.13">
                       <p:embed/>
                     </p:oleObj>
                   </mc:Choice>
@@ -7283,7 +7283,7 @@
               <a:graphicData uri="http://schemas.openxmlformats.org/presentationml/2006/ole">
                 <mc:AlternateContent xmlns:mc="http://schemas.openxmlformats.org/markup-compatibility/2006">
                   <mc:Choice xmlns:v="urn:schemas-microsoft-com:vml" Requires="v">
-                    <p:oleObj spid="_x0000_s2113" name="Image" r:id="rId10" imgW="1828440" imgH="1117440" progId="Photoshop.Image.13">
+                    <p:oleObj spid="_x0000_s2117" name="Image" r:id="rId10" imgW="1828440" imgH="1117440" progId="Photoshop.Image.13">
                       <p:embed/>
                     </p:oleObj>
                   </mc:Choice>
@@ -8466,7 +8466,7 @@
             <a:graphicData uri="http://schemas.openxmlformats.org/presentationml/2006/ole">
               <mc:AlternateContent xmlns:mc="http://schemas.openxmlformats.org/markup-compatibility/2006">
                 <mc:Choice xmlns:v="urn:schemas-microsoft-com:vml" Requires="v">
-                  <p:oleObj spid="_x0000_s2114" name="Image" r:id="rId12" imgW="4571280" imgH="1688760" progId="Photoshop.Image.13">
+                  <p:oleObj spid="_x0000_s2118" name="Image" r:id="rId12" imgW="4571280" imgH="1688760" progId="Photoshop.Image.13">
                     <p:embed/>
                   </p:oleObj>
                 </mc:Choice>
@@ -8550,7 +8550,7 @@
             <a:graphicData uri="http://schemas.openxmlformats.org/presentationml/2006/ole">
               <mc:AlternateContent xmlns:mc="http://schemas.openxmlformats.org/markup-compatibility/2006">
                 <mc:Choice xmlns:v="urn:schemas-microsoft-com:vml" Requires="v">
-                  <p:oleObj spid="_x0000_s2115" name="Image" r:id="rId15" imgW="1574280" imgH="1053720" progId="Photoshop.Image.13">
+                  <p:oleObj spid="_x0000_s2119" name="Image" r:id="rId15" imgW="1574280" imgH="1053720" progId="Photoshop.Image.13">
                     <p:embed/>
                   </p:oleObj>
                 </mc:Choice>
@@ -9432,7 +9432,7 @@
           <a:lstStyle/>
           <a:p>
             <a:r>
-              <a:rPr lang="en-US" smtClean="0"/>
+              <a:rPr lang="en-US" dirty="0" smtClean="0"/>
               <a:t>Models</a:t>
             </a:r>
           </a:p>
@@ -9570,7 +9570,7 @@
           <a:bodyPr/>
           <a:lstStyle/>
           <a:p>
-            <a:endParaRPr lang="en-US"/>
+            <a:endParaRPr lang="en-US" dirty="0"/>
           </a:p>
         </p:txBody>
       </p:sp>
@@ -10085,11 +10085,11 @@
             </a:r>
             <a:r>
               <a:rPr lang="en-US" dirty="0"/>
-              <a:t>, aiming to produce the same comparable results with less parameters and further improve- </a:t>
+              <a:t>, aiming to produce the same comparable results with less parameters and further </a:t>
             </a:r>
             <a:r>
-              <a:rPr lang="en-US" dirty="0" err="1"/>
-              <a:t>ments</a:t>
+              <a:rPr lang="en-US" dirty="0" smtClean="0"/>
+              <a:t>improvements</a:t>
             </a:r>
             <a:r>
               <a:rPr lang="en-US" dirty="0"/>

--- a/poster.pptx
+++ b/poster.pptx
@@ -694,6 +694,91 @@
 </p:notesMaster>
 </file>
 
+<file path=ppt/notesSlides/notesSlide1.xml><?xml version="1.0" encoding="utf-8"?>
+<p:notes xmlns:a="http://schemas.openxmlformats.org/drawingml/2006/main" xmlns:r="http://schemas.openxmlformats.org/officeDocument/2006/relationships" xmlns:p="http://schemas.openxmlformats.org/presentationml/2006/main">
+  <p:cSld>
+    <p:spTree>
+      <p:nvGrpSpPr>
+        <p:cNvPr id="1" name=""/>
+        <p:cNvGrpSpPr/>
+        <p:nvPr/>
+      </p:nvGrpSpPr>
+      <p:grpSpPr>
+        <a:xfrm>
+          <a:off x="0" y="0"/>
+          <a:ext cx="0" cy="0"/>
+          <a:chOff x="0" y="0"/>
+          <a:chExt cx="0" cy="0"/>
+        </a:xfrm>
+      </p:grpSpPr>
+      <p:sp>
+        <p:nvSpPr>
+          <p:cNvPr id="2" name="Slide Image Placeholder 1"/>
+          <p:cNvSpPr>
+            <a:spLocks noGrp="1" noRot="1" noChangeAspect="1"/>
+          </p:cNvSpPr>
+          <p:nvPr>
+            <p:ph type="sldImg"/>
+          </p:nvPr>
+        </p:nvSpPr>
+        <p:spPr/>
+      </p:sp>
+      <p:sp>
+        <p:nvSpPr>
+          <p:cNvPr id="3" name="Notes Placeholder 2"/>
+          <p:cNvSpPr>
+            <a:spLocks noGrp="1"/>
+          </p:cNvSpPr>
+          <p:nvPr>
+            <p:ph type="body" idx="1"/>
+          </p:nvPr>
+        </p:nvSpPr>
+        <p:spPr/>
+        <p:txBody>
+          <a:bodyPr/>
+          <a:lstStyle/>
+          <a:p>
+            <a:endParaRPr lang="en-US" dirty="0"/>
+          </a:p>
+        </p:txBody>
+      </p:sp>
+      <p:sp>
+        <p:nvSpPr>
+          <p:cNvPr id="4" name="Slide Number Placeholder 3"/>
+          <p:cNvSpPr>
+            <a:spLocks noGrp="1"/>
+          </p:cNvSpPr>
+          <p:nvPr>
+            <p:ph type="sldNum" sz="quarter" idx="10"/>
+          </p:nvPr>
+        </p:nvSpPr>
+        <p:spPr/>
+        <p:txBody>
+          <a:bodyPr/>
+          <a:lstStyle/>
+          <a:p>
+            <a:fld id="{26A1A87D-CAF7-4BDC-A0D3-C0DBEDE81619}" type="slidenum">
+              <a:rPr lang="en-US" smtClean="0"/>
+              <a:pPr/>
+              <a:t>1</a:t>
+            </a:fld>
+            <a:endParaRPr lang="en-US" dirty="0"/>
+          </a:p>
+        </p:txBody>
+      </p:sp>
+    </p:spTree>
+    <p:extLst>
+      <p:ext uri="{BB962C8B-B14F-4D97-AF65-F5344CB8AC3E}">
+        <p14:creationId xmlns:p14="http://schemas.microsoft.com/office/powerpoint/2010/main" val="112078317"/>
+      </p:ext>
+    </p:extLst>
+  </p:cSld>
+  <p:clrMapOvr>
+    <a:masterClrMapping/>
+  </p:clrMapOvr>
+</p:notes>
+</file>
+
 <file path=ppt/slideLayouts/slideLayout1.xml><?xml version="1.0" encoding="utf-8"?>
 <p:sldLayout xmlns:a="http://schemas.openxmlformats.org/drawingml/2006/main" xmlns:r="http://schemas.openxmlformats.org/officeDocument/2006/relationships" xmlns:p="http://schemas.openxmlformats.org/presentationml/2006/main" preserve="1" userDrawn="1">
   <p:cSld name="1_Standard 4 columns">
@@ -3893,7 +3978,7 @@
               <a:graphicData uri="http://schemas.openxmlformats.org/presentationml/2006/ole">
                 <mc:AlternateContent xmlns:mc="http://schemas.openxmlformats.org/markup-compatibility/2006">
                   <mc:Choice xmlns:v="urn:schemas-microsoft-com:vml" Requires="v">
-                    <p:oleObj spid="_x0000_s1092" name="Image" r:id="rId8" imgW="1828440" imgH="1117440" progId="Photoshop.Image.13">
+                    <p:oleObj spid="_x0000_s1104" name="Image" r:id="rId8" imgW="1828440" imgH="1117440" progId="Photoshop.Image.13">
                       <p:embed/>
                     </p:oleObj>
                   </mc:Choice>
@@ -3950,7 +4035,7 @@
               <a:graphicData uri="http://schemas.openxmlformats.org/presentationml/2006/ole">
                 <mc:AlternateContent xmlns:mc="http://schemas.openxmlformats.org/markup-compatibility/2006">
                   <mc:Choice xmlns:v="urn:schemas-microsoft-com:vml" Requires="v">
-                    <p:oleObj spid="_x0000_s1093" name="Image" r:id="rId10" imgW="1828440" imgH="1117440" progId="Photoshop.Image.13">
+                    <p:oleObj spid="_x0000_s1105" name="Image" r:id="rId10" imgW="1828440" imgH="1117440" progId="Photoshop.Image.13">
                       <p:embed/>
                     </p:oleObj>
                   </mc:Choice>
@@ -5133,7 +5218,7 @@
             <a:graphicData uri="http://schemas.openxmlformats.org/presentationml/2006/ole">
               <mc:AlternateContent xmlns:mc="http://schemas.openxmlformats.org/markup-compatibility/2006">
                 <mc:Choice xmlns:v="urn:schemas-microsoft-com:vml" Requires="v">
-                  <p:oleObj spid="_x0000_s1094" name="Image" r:id="rId12" imgW="4571280" imgH="1688760" progId="Photoshop.Image.13">
+                  <p:oleObj spid="_x0000_s1106" name="Image" r:id="rId12" imgW="4571280" imgH="1688760" progId="Photoshop.Image.13">
                     <p:embed/>
                   </p:oleObj>
                 </mc:Choice>
@@ -5217,7 +5302,7 @@
             <a:graphicData uri="http://schemas.openxmlformats.org/presentationml/2006/ole">
               <mc:AlternateContent xmlns:mc="http://schemas.openxmlformats.org/markup-compatibility/2006">
                 <mc:Choice xmlns:v="urn:schemas-microsoft-com:vml" Requires="v">
-                  <p:oleObj spid="_x0000_s1095" name="Image" r:id="rId15" imgW="1574280" imgH="1053720" progId="Photoshop.Image.13">
+                  <p:oleObj spid="_x0000_s1107" name="Image" r:id="rId15" imgW="1574280" imgH="1053720" progId="Photoshop.Image.13">
                     <p:embed/>
                   </p:oleObj>
                 </mc:Choice>
@@ -7226,7 +7311,7 @@
               <a:graphicData uri="http://schemas.openxmlformats.org/presentationml/2006/ole">
                 <mc:AlternateContent xmlns:mc="http://schemas.openxmlformats.org/markup-compatibility/2006">
                   <mc:Choice xmlns:v="urn:schemas-microsoft-com:vml" Requires="v">
-                    <p:oleObj spid="_x0000_s2116" name="Image" r:id="rId8" imgW="1828440" imgH="1117440" progId="Photoshop.Image.13">
+                    <p:oleObj spid="_x0000_s2128" name="Image" r:id="rId8" imgW="1828440" imgH="1117440" progId="Photoshop.Image.13">
                       <p:embed/>
                     </p:oleObj>
                   </mc:Choice>
@@ -7283,7 +7368,7 @@
               <a:graphicData uri="http://schemas.openxmlformats.org/presentationml/2006/ole">
                 <mc:AlternateContent xmlns:mc="http://schemas.openxmlformats.org/markup-compatibility/2006">
                   <mc:Choice xmlns:v="urn:schemas-microsoft-com:vml" Requires="v">
-                    <p:oleObj spid="_x0000_s2117" name="Image" r:id="rId10" imgW="1828440" imgH="1117440" progId="Photoshop.Image.13">
+                    <p:oleObj spid="_x0000_s2129" name="Image" r:id="rId10" imgW="1828440" imgH="1117440" progId="Photoshop.Image.13">
                       <p:embed/>
                     </p:oleObj>
                   </mc:Choice>
@@ -8466,7 +8551,7 @@
             <a:graphicData uri="http://schemas.openxmlformats.org/presentationml/2006/ole">
               <mc:AlternateContent xmlns:mc="http://schemas.openxmlformats.org/markup-compatibility/2006">
                 <mc:Choice xmlns:v="urn:schemas-microsoft-com:vml" Requires="v">
-                  <p:oleObj spid="_x0000_s2118" name="Image" r:id="rId12" imgW="4571280" imgH="1688760" progId="Photoshop.Image.13">
+                  <p:oleObj spid="_x0000_s2130" name="Image" r:id="rId12" imgW="4571280" imgH="1688760" progId="Photoshop.Image.13">
                     <p:embed/>
                   </p:oleObj>
                 </mc:Choice>
@@ -8550,7 +8635,7 @@
             <a:graphicData uri="http://schemas.openxmlformats.org/presentationml/2006/ole">
               <mc:AlternateContent xmlns:mc="http://schemas.openxmlformats.org/markup-compatibility/2006">
                 <mc:Choice xmlns:v="urn:schemas-microsoft-com:vml" Requires="v">
-                  <p:oleObj spid="_x0000_s2119" name="Image" r:id="rId15" imgW="1574280" imgH="1053720" progId="Photoshop.Image.13">
+                  <p:oleObj spid="_x0000_s2131" name="Image" r:id="rId15" imgW="1574280" imgH="1053720" progId="Photoshop.Image.13">
                     <p:embed/>
                   </p:oleObj>
                 </mc:Choice>
@@ -9368,21 +9453,18 @@
         </p:nvSpPr>
         <p:spPr>
           <a:xfrm>
-            <a:off x="565119" y="5875819"/>
-            <a:ext cx="12956288" cy="2058050"/>
+            <a:off x="576461" y="5875819"/>
+            <a:ext cx="12944945" cy="3720043"/>
           </a:xfrm>
         </p:spPr>
         <p:txBody>
           <a:bodyPr/>
           <a:lstStyle/>
           <a:p>
-            <a:r>
-              <a:rPr lang="en-US" dirty="0" smtClean="0"/>
-              <a:t>The Visual Dialog task has been at the forefront of deep learning research and excellent performance has already been achieved. Visual Dialog is about training a network to learn information about images, and be able to answer questions and have a conversation about those images. It involves being able to encode the relevant information (such as the images, the captions for the images, and the questions and answers about the images) into a meaningful representation, as well as being able to decode that representation and come out with a correct answer</a:t>
-            </a:r>
-            <a:r>
-              <a:rPr lang="en-US" smtClean="0"/>
-              <a:t>. </a:t>
+            <a:pPr algn="just"/>
+            <a:r>
+              <a:rPr lang="en-US" dirty="0"/>
+              <a:t>The Visual Dialog task has been at the forefront of deep learning research and excellent performance has already been achieved. Visual Dialog is about training a network to learn information about images, and be able to answer questions and have a conversation about those images. It involves being able to encode the relevant information (such as the images, the captions for the images, and the questions and answers about the images) into a meaningful representation, as well as being able to decode that representation and come out with a correct answer. In our project, we attempt to first reproduce the state-of-the-art method using the widely used Visual Dialog dataset, which outperforms many other sophisticated baselines. This method uses a Late Fusion encoder with a discriminative decoder.  We also decrease the model size and still obtain comparable results by using an attention mechanism. Finally, we attempt to propose a new algorithm for further improvements and outperform the existing methods.</a:t>
             </a:r>
             <a:endParaRPr lang="en-US" dirty="0"/>
           </a:p>
@@ -9405,7 +9487,7 @@
           <a:p>
             <a:r>
               <a:rPr lang="en-US" dirty="0" smtClean="0"/>
-              <a:t>Abstract</a:t>
+              <a:t>Overview</a:t>
             </a:r>
             <a:endParaRPr lang="en-US" dirty="0"/>
           </a:p>
@@ -9433,7 +9515,7 @@
           <a:p>
             <a:r>
               <a:rPr lang="en-US" dirty="0" smtClean="0"/>
-              <a:t>Models</a:t>
+              <a:t>Models challenge goals</a:t>
             </a:r>
           </a:p>
         </p:txBody>
@@ -9471,12 +9553,35 @@
             <p:ph type="body" sz="quarter" idx="26"/>
           </p:nvPr>
         </p:nvSpPr>
-        <p:spPr/>
+        <p:spPr>
+          <a:xfrm>
+            <a:off x="13846682" y="5875819"/>
+            <a:ext cx="12955929" cy="1792144"/>
+          </a:xfrm>
+        </p:spPr>
         <p:txBody>
           <a:bodyPr/>
           <a:lstStyle/>
           <a:p>
-            <a:endParaRPr lang="en-US"/>
+            <a:r>
+              <a:rPr lang="en-US" b="1" dirty="0" smtClean="0"/>
+              <a:t>Evaluation</a:t>
+            </a:r>
+            <a:r>
+              <a:rPr lang="en-US" dirty="0" smtClean="0"/>
+              <a:t>: We conduct the experiments on the retrieval task, which is evaluated with Mean Reciprocal Rank (MRR) and Recall at N (R@N).</a:t>
+            </a:r>
+          </a:p>
+          <a:p>
+            <a:r>
+              <a:rPr lang="en-US" b="1" dirty="0" smtClean="0"/>
+              <a:t>Limitation</a:t>
+            </a:r>
+            <a:r>
+              <a:rPr lang="en-US" dirty="0" smtClean="0"/>
+              <a:t>: Due to hardware constraints, we use smaller hidden size (200) and word embedding size (200) as opposed to 512 and 300 in Das et al.. We are able to get results that are close to what were reported by the authors.</a:t>
+            </a:r>
+            <a:endParaRPr lang="en-US" dirty="0"/>
           </a:p>
         </p:txBody>
       </p:sp>
@@ -9542,7 +9647,12 @@
             <p:ph type="body" sz="quarter" idx="29"/>
           </p:nvPr>
         </p:nvSpPr>
-        <p:spPr/>
+        <p:spPr>
+          <a:xfrm>
+            <a:off x="13856718" y="27207296"/>
+            <a:ext cx="12935857" cy="643172"/>
+          </a:xfrm>
+        </p:spPr>
         <p:txBody>
           <a:bodyPr/>
           <a:lstStyle/>
@@ -9565,12 +9675,40 @@
             <p:ph type="body" sz="quarter" idx="30"/>
           </p:nvPr>
         </p:nvSpPr>
-        <p:spPr/>
+        <p:spPr>
+          <a:xfrm>
+            <a:off x="13856717" y="27854261"/>
+            <a:ext cx="12935858" cy="1060854"/>
+          </a:xfrm>
+        </p:spPr>
         <p:txBody>
           <a:bodyPr/>
           <a:lstStyle/>
           <a:p>
-            <a:endParaRPr lang="en-US" dirty="0"/>
+            <a:r>
+              <a:rPr lang="en-US" dirty="0" smtClean="0"/>
+              <a:t>We would like to thank Professor </a:t>
+            </a:r>
+            <a:r>
+              <a:rPr lang="en-US" dirty="0" err="1"/>
+              <a:t>Bhiksha</a:t>
+            </a:r>
+            <a:r>
+              <a:rPr lang="en-US" dirty="0"/>
+              <a:t> </a:t>
+            </a:r>
+            <a:r>
+              <a:rPr lang="en-US" dirty="0" smtClean="0"/>
+              <a:t>Raj</a:t>
+            </a:r>
+            <a:r>
+              <a:rPr lang="en-US" dirty="0"/>
+              <a:t> </a:t>
+            </a:r>
+            <a:r>
+              <a:rPr lang="en-US" dirty="0" smtClean="0"/>
+              <a:t>and all teaching assistants, for all the supports and suggestions during this semester.</a:t>
+            </a:r>
           </a:p>
         </p:txBody>
       </p:sp>
@@ -9584,12 +9722,37 @@
             <p:ph type="body" sz="quarter" idx="96"/>
           </p:nvPr>
         </p:nvSpPr>
-        <p:spPr/>
+        <p:spPr>
+          <a:xfrm>
+            <a:off x="565119" y="14865828"/>
+            <a:ext cx="12957406" cy="1393252"/>
+          </a:xfrm>
+        </p:spPr>
         <p:txBody>
           <a:bodyPr/>
           <a:lstStyle/>
           <a:p>
-            <a:endParaRPr lang="en-US"/>
+            <a:r>
+              <a:rPr lang="en-US" dirty="0" smtClean="0"/>
+              <a:t>In this project, we introduce a family of neural encoder-decoder models for Visual Dialog with 2 encoders </a:t>
+            </a:r>
+            <a:r>
+              <a:rPr lang="mr-IN" dirty="0" smtClean="0"/>
+              <a:t>–</a:t>
+            </a:r>
+            <a:r>
+              <a:rPr lang="en-US" dirty="0" smtClean="0"/>
+              <a:t> Late Fusion, Sequential Matching </a:t>
+            </a:r>
+            <a:r>
+              <a:rPr lang="mr-IN" dirty="0" smtClean="0"/>
+              <a:t>–</a:t>
+            </a:r>
+            <a:r>
+              <a:rPr lang="en-US" dirty="0" smtClean="0"/>
+              <a:t> and 2 decoders (generative and discriminative), which are comparable to a number of sophisticated baselines.</a:t>
+            </a:r>
+            <a:endParaRPr lang="en-US" dirty="0"/>
           </a:p>
         </p:txBody>
       </p:sp>
@@ -9659,7 +9822,15 @@
             </a:r>
             <a:r>
               <a:rPr lang="en-US" dirty="0"/>
-              <a:t>, Fred Li</a:t>
+              <a:t>, </a:t>
+            </a:r>
+            <a:r>
+              <a:rPr lang="en-US" dirty="0" err="1" smtClean="0"/>
+              <a:t>Tianhao</a:t>
+            </a:r>
+            <a:r>
+              <a:rPr lang="en-US" dirty="0" smtClean="0"/>
+              <a:t> Li</a:t>
             </a:r>
             <a:endParaRPr lang="en-US" dirty="0"/>
           </a:p>
@@ -10099,6 +10270,1729 @@
           </a:p>
         </p:txBody>
       </p:sp>
+      <p:sp>
+        <p:nvSpPr>
+          <p:cNvPr id="17" name="Text Placeholder 89"/>
+          <p:cNvSpPr txBox="1">
+            <a:spLocks/>
+          </p:cNvSpPr>
+          <p:nvPr/>
+        </p:nvSpPr>
+        <p:spPr>
+          <a:xfrm>
+            <a:off x="13856718" y="28604296"/>
+            <a:ext cx="12935857" cy="643172"/>
+          </a:xfrm>
+          <a:prstGeom prst="rect">
+            <a:avLst/>
+          </a:prstGeom>
+          <a:noFill/>
+        </p:spPr>
+        <p:txBody>
+          <a:bodyPr wrap="square" lIns="78446" tIns="78446" rIns="78446" bIns="78446" anchor="ctr" anchorCtr="0">
+            <a:spAutoFit/>
+          </a:bodyPr>
+          <a:lstStyle>
+            <a:lvl1pPr marL="0" indent="0" algn="ctr" defTabSz="3388829" rtl="0" eaLnBrk="1" latinLnBrk="0" hangingPunct="1">
+              <a:spcBef>
+                <a:spcPct val="20000"/>
+              </a:spcBef>
+              <a:buFont typeface="Arial" pitchFamily="34" charset="0"/>
+              <a:buNone/>
+              <a:defRPr sz="3150" b="1" u="sng" kern="1200" baseline="0">
+                <a:solidFill>
+                  <a:schemeClr val="accent5">
+                    <a:lumMod val="50000"/>
+                  </a:schemeClr>
+                </a:solidFill>
+                <a:latin typeface="+mn-lt"/>
+                <a:ea typeface="+mn-ea"/>
+                <a:cs typeface="+mn-cs"/>
+              </a:defRPr>
+            </a:lvl1pPr>
+            <a:lvl2pPr marL="2753424" indent="-1059009" algn="l" defTabSz="3388829" rtl="0" eaLnBrk="1" latinLnBrk="0" hangingPunct="1">
+              <a:spcBef>
+                <a:spcPct val="20000"/>
+              </a:spcBef>
+              <a:buFont typeface="Arial" pitchFamily="34" charset="0"/>
+              <a:buChar char="–"/>
+              <a:defRPr sz="10440" kern="1200">
+                <a:solidFill>
+                  <a:schemeClr val="tx1"/>
+                </a:solidFill>
+                <a:latin typeface="+mn-lt"/>
+                <a:ea typeface="+mn-ea"/>
+                <a:cs typeface="+mn-cs"/>
+              </a:defRPr>
+            </a:lvl2pPr>
+            <a:lvl3pPr marL="4236037" indent="-847208" algn="l" defTabSz="3388829" rtl="0" eaLnBrk="1" latinLnBrk="0" hangingPunct="1">
+              <a:spcBef>
+                <a:spcPct val="20000"/>
+              </a:spcBef>
+              <a:buFont typeface="Arial" pitchFamily="34" charset="0"/>
+              <a:buChar char="•"/>
+              <a:defRPr sz="8910" kern="1200">
+                <a:solidFill>
+                  <a:schemeClr val="tx1"/>
+                </a:solidFill>
+                <a:latin typeface="+mn-lt"/>
+                <a:ea typeface="+mn-ea"/>
+                <a:cs typeface="+mn-cs"/>
+              </a:defRPr>
+            </a:lvl3pPr>
+            <a:lvl4pPr marL="5930452" indent="-847208" algn="l" defTabSz="3388829" rtl="0" eaLnBrk="1" latinLnBrk="0" hangingPunct="1">
+              <a:spcBef>
+                <a:spcPct val="20000"/>
+              </a:spcBef>
+              <a:buFont typeface="Arial" pitchFamily="34" charset="0"/>
+              <a:buChar char="–"/>
+              <a:defRPr sz="7470" kern="1200">
+                <a:solidFill>
+                  <a:schemeClr val="tx1"/>
+                </a:solidFill>
+                <a:latin typeface="+mn-lt"/>
+                <a:ea typeface="+mn-ea"/>
+                <a:cs typeface="+mn-cs"/>
+              </a:defRPr>
+            </a:lvl4pPr>
+            <a:lvl5pPr marL="7624866" indent="-847208" algn="l" defTabSz="3388829" rtl="0" eaLnBrk="1" latinLnBrk="0" hangingPunct="1">
+              <a:spcBef>
+                <a:spcPct val="20000"/>
+              </a:spcBef>
+              <a:buFont typeface="Arial" pitchFamily="34" charset="0"/>
+              <a:buChar char="»"/>
+              <a:defRPr sz="7470" kern="1200">
+                <a:solidFill>
+                  <a:schemeClr val="tx1"/>
+                </a:solidFill>
+                <a:latin typeface="+mn-lt"/>
+                <a:ea typeface="+mn-ea"/>
+                <a:cs typeface="+mn-cs"/>
+              </a:defRPr>
+            </a:lvl5pPr>
+            <a:lvl6pPr marL="9319281" indent="-847208" algn="l" defTabSz="3388829" rtl="0" eaLnBrk="1" latinLnBrk="0" hangingPunct="1">
+              <a:spcBef>
+                <a:spcPct val="20000"/>
+              </a:spcBef>
+              <a:buFont typeface="Arial" pitchFamily="34" charset="0"/>
+              <a:buChar char="•"/>
+              <a:defRPr sz="7470" kern="1200">
+                <a:solidFill>
+                  <a:schemeClr val="tx1"/>
+                </a:solidFill>
+                <a:latin typeface="+mn-lt"/>
+                <a:ea typeface="+mn-ea"/>
+                <a:cs typeface="+mn-cs"/>
+              </a:defRPr>
+            </a:lvl6pPr>
+            <a:lvl7pPr marL="11013695" indent="-847208" algn="l" defTabSz="3388829" rtl="0" eaLnBrk="1" latinLnBrk="0" hangingPunct="1">
+              <a:spcBef>
+                <a:spcPct val="20000"/>
+              </a:spcBef>
+              <a:buFont typeface="Arial" pitchFamily="34" charset="0"/>
+              <a:buChar char="•"/>
+              <a:defRPr sz="7470" kern="1200">
+                <a:solidFill>
+                  <a:schemeClr val="tx1"/>
+                </a:solidFill>
+                <a:latin typeface="+mn-lt"/>
+                <a:ea typeface="+mn-ea"/>
+                <a:cs typeface="+mn-cs"/>
+              </a:defRPr>
+            </a:lvl7pPr>
+            <a:lvl8pPr marL="12708110" indent="-847208" algn="l" defTabSz="3388829" rtl="0" eaLnBrk="1" latinLnBrk="0" hangingPunct="1">
+              <a:spcBef>
+                <a:spcPct val="20000"/>
+              </a:spcBef>
+              <a:buFont typeface="Arial" pitchFamily="34" charset="0"/>
+              <a:buChar char="•"/>
+              <a:defRPr sz="7470" kern="1200">
+                <a:solidFill>
+                  <a:schemeClr val="tx1"/>
+                </a:solidFill>
+                <a:latin typeface="+mn-lt"/>
+                <a:ea typeface="+mn-ea"/>
+                <a:cs typeface="+mn-cs"/>
+              </a:defRPr>
+            </a:lvl8pPr>
+            <a:lvl9pPr marL="14402525" indent="-847208" algn="l" defTabSz="3388829" rtl="0" eaLnBrk="1" latinLnBrk="0" hangingPunct="1">
+              <a:spcBef>
+                <a:spcPct val="20000"/>
+              </a:spcBef>
+              <a:buFont typeface="Arial" pitchFamily="34" charset="0"/>
+              <a:buChar char="•"/>
+              <a:defRPr sz="7470" kern="1200">
+                <a:solidFill>
+                  <a:schemeClr val="tx1"/>
+                </a:solidFill>
+                <a:latin typeface="+mn-lt"/>
+                <a:ea typeface="+mn-ea"/>
+                <a:cs typeface="+mn-cs"/>
+              </a:defRPr>
+            </a:lvl9pPr>
+          </a:lstStyle>
+          <a:p>
+            <a:r>
+              <a:rPr lang="en-US" dirty="0" smtClean="0"/>
+              <a:t>Author</a:t>
+            </a:r>
+            <a:endParaRPr lang="en-US" dirty="0"/>
+          </a:p>
+        </p:txBody>
+      </p:sp>
+      <p:sp>
+        <p:nvSpPr>
+          <p:cNvPr id="18" name="Text Placeholder 90"/>
+          <p:cNvSpPr txBox="1">
+            <a:spLocks/>
+          </p:cNvSpPr>
+          <p:nvPr/>
+        </p:nvSpPr>
+        <p:spPr>
+          <a:xfrm>
+            <a:off x="16651743" y="29247468"/>
+            <a:ext cx="7352283" cy="1925129"/>
+          </a:xfrm>
+          <a:prstGeom prst="rect">
+            <a:avLst/>
+          </a:prstGeom>
+        </p:spPr>
+        <p:txBody>
+          <a:bodyPr wrap="square" lIns="196113" tIns="196113" rIns="196113" bIns="196113">
+            <a:spAutoFit/>
+          </a:bodyPr>
+          <a:lstStyle>
+            <a:lvl1pPr marL="0" indent="0" algn="l" defTabSz="3388829" rtl="0" eaLnBrk="1" latinLnBrk="0" hangingPunct="1">
+              <a:spcBef>
+                <a:spcPct val="20000"/>
+              </a:spcBef>
+              <a:buFont typeface="Arial" pitchFamily="34" charset="0"/>
+              <a:buNone/>
+              <a:defRPr sz="2160" kern="1200">
+                <a:solidFill>
+                  <a:schemeClr val="accent5">
+                    <a:lumMod val="50000"/>
+                  </a:schemeClr>
+                </a:solidFill>
+                <a:latin typeface="Times New Roman" panose="02020603050405020304" pitchFamily="18" charset="0"/>
+                <a:ea typeface="+mn-ea"/>
+                <a:cs typeface="Times New Roman" panose="02020603050405020304" pitchFamily="18" charset="0"/>
+              </a:defRPr>
+            </a:lvl1pPr>
+            <a:lvl2pPr marL="1147260" indent="-441254" algn="l" defTabSz="3388829" rtl="0" eaLnBrk="1" latinLnBrk="0" hangingPunct="1">
+              <a:spcBef>
+                <a:spcPct val="20000"/>
+              </a:spcBef>
+              <a:buFont typeface="Arial" pitchFamily="34" charset="0"/>
+              <a:buChar char="–"/>
+              <a:defRPr sz="1980" kern="1200">
+                <a:solidFill>
+                  <a:schemeClr val="tx1"/>
+                </a:solidFill>
+                <a:latin typeface="Trebuchet MS" pitchFamily="34" charset="0"/>
+                <a:ea typeface="+mn-ea"/>
+                <a:cs typeface="+mn-cs"/>
+              </a:defRPr>
+            </a:lvl2pPr>
+            <a:lvl3pPr marL="1588514" indent="-441254" algn="l" defTabSz="3388829" rtl="0" eaLnBrk="1" latinLnBrk="0" hangingPunct="1">
+              <a:spcBef>
+                <a:spcPct val="20000"/>
+              </a:spcBef>
+              <a:buFont typeface="Arial" pitchFamily="34" charset="0"/>
+              <a:buChar char="•"/>
+              <a:defRPr sz="1980" kern="1200">
+                <a:solidFill>
+                  <a:schemeClr val="tx1"/>
+                </a:solidFill>
+                <a:latin typeface="Trebuchet MS" pitchFamily="34" charset="0"/>
+                <a:ea typeface="+mn-ea"/>
+                <a:cs typeface="+mn-cs"/>
+              </a:defRPr>
+            </a:lvl3pPr>
+            <a:lvl4pPr marL="2073893" indent="-485379" algn="l" defTabSz="3388829" rtl="0" eaLnBrk="1" latinLnBrk="0" hangingPunct="1">
+              <a:spcBef>
+                <a:spcPct val="20000"/>
+              </a:spcBef>
+              <a:buFont typeface="Arial" pitchFamily="34" charset="0"/>
+              <a:buChar char="–"/>
+              <a:defRPr sz="1980" kern="1200">
+                <a:solidFill>
+                  <a:schemeClr val="tx1"/>
+                </a:solidFill>
+                <a:latin typeface="Trebuchet MS" pitchFamily="34" charset="0"/>
+                <a:ea typeface="+mn-ea"/>
+                <a:cs typeface="+mn-cs"/>
+              </a:defRPr>
+            </a:lvl4pPr>
+            <a:lvl5pPr marL="2426896" indent="-353003" algn="l" defTabSz="3388829" rtl="0" eaLnBrk="1" latinLnBrk="0" hangingPunct="1">
+              <a:spcBef>
+                <a:spcPct val="20000"/>
+              </a:spcBef>
+              <a:buFont typeface="Arial" pitchFamily="34" charset="0"/>
+              <a:buChar char="»"/>
+              <a:defRPr sz="1980" kern="1200">
+                <a:solidFill>
+                  <a:schemeClr val="tx1"/>
+                </a:solidFill>
+                <a:latin typeface="Trebuchet MS" pitchFamily="34" charset="0"/>
+                <a:ea typeface="+mn-ea"/>
+                <a:cs typeface="+mn-cs"/>
+              </a:defRPr>
+            </a:lvl5pPr>
+            <a:lvl6pPr marL="9319281" indent="-847208" algn="l" defTabSz="3388829" rtl="0" eaLnBrk="1" latinLnBrk="0" hangingPunct="1">
+              <a:spcBef>
+                <a:spcPct val="20000"/>
+              </a:spcBef>
+              <a:buFont typeface="Arial" pitchFamily="34" charset="0"/>
+              <a:buChar char="•"/>
+              <a:defRPr sz="7470" kern="1200">
+                <a:solidFill>
+                  <a:schemeClr val="tx1"/>
+                </a:solidFill>
+                <a:latin typeface="+mn-lt"/>
+                <a:ea typeface="+mn-ea"/>
+                <a:cs typeface="+mn-cs"/>
+              </a:defRPr>
+            </a:lvl6pPr>
+            <a:lvl7pPr marL="11013695" indent="-847208" algn="l" defTabSz="3388829" rtl="0" eaLnBrk="1" latinLnBrk="0" hangingPunct="1">
+              <a:spcBef>
+                <a:spcPct val="20000"/>
+              </a:spcBef>
+              <a:buFont typeface="Arial" pitchFamily="34" charset="0"/>
+              <a:buChar char="•"/>
+              <a:defRPr sz="7470" kern="1200">
+                <a:solidFill>
+                  <a:schemeClr val="tx1"/>
+                </a:solidFill>
+                <a:latin typeface="+mn-lt"/>
+                <a:ea typeface="+mn-ea"/>
+                <a:cs typeface="+mn-cs"/>
+              </a:defRPr>
+            </a:lvl7pPr>
+            <a:lvl8pPr marL="12708110" indent="-847208" algn="l" defTabSz="3388829" rtl="0" eaLnBrk="1" latinLnBrk="0" hangingPunct="1">
+              <a:spcBef>
+                <a:spcPct val="20000"/>
+              </a:spcBef>
+              <a:buFont typeface="Arial" pitchFamily="34" charset="0"/>
+              <a:buChar char="•"/>
+              <a:defRPr sz="7470" kern="1200">
+                <a:solidFill>
+                  <a:schemeClr val="tx1"/>
+                </a:solidFill>
+                <a:latin typeface="+mn-lt"/>
+                <a:ea typeface="+mn-ea"/>
+                <a:cs typeface="+mn-cs"/>
+              </a:defRPr>
+            </a:lvl8pPr>
+            <a:lvl9pPr marL="14402525" indent="-847208" algn="l" defTabSz="3388829" rtl="0" eaLnBrk="1" latinLnBrk="0" hangingPunct="1">
+              <a:spcBef>
+                <a:spcPct val="20000"/>
+              </a:spcBef>
+              <a:buFont typeface="Arial" pitchFamily="34" charset="0"/>
+              <a:buChar char="•"/>
+              <a:defRPr sz="7470" kern="1200">
+                <a:solidFill>
+                  <a:schemeClr val="tx1"/>
+                </a:solidFill>
+                <a:latin typeface="+mn-lt"/>
+                <a:ea typeface="+mn-ea"/>
+                <a:cs typeface="+mn-cs"/>
+              </a:defRPr>
+            </a:lvl9pPr>
+          </a:lstStyle>
+          <a:p>
+            <a:r>
+              <a:rPr lang="en-US" dirty="0" err="1" smtClean="0"/>
+              <a:t>Wenchao</a:t>
+            </a:r>
+            <a:r>
+              <a:rPr lang="en-US" dirty="0" smtClean="0"/>
+              <a:t> Du, LTI, SCS, </a:t>
+            </a:r>
+            <a:r>
+              <a:rPr lang="en-US" dirty="0" smtClean="0">
+                <a:hlinkClick r:id="rId3"/>
+              </a:rPr>
+              <a:t>wenchaod@andrew.cmu.edu</a:t>
+            </a:r>
+            <a:endParaRPr lang="en-US" dirty="0" smtClean="0"/>
+          </a:p>
+          <a:p>
+            <a:r>
+              <a:rPr lang="en-US" dirty="0" err="1" smtClean="0"/>
+              <a:t>Hanfu</a:t>
+            </a:r>
+            <a:r>
+              <a:rPr lang="en-US" dirty="0" smtClean="0"/>
+              <a:t> Zhang, ISR, SCS, </a:t>
+            </a:r>
+            <a:r>
+              <a:rPr lang="en-US" dirty="0" smtClean="0">
+                <a:hlinkClick r:id="rId4"/>
+              </a:rPr>
+              <a:t>hanfuz@andrew.cmu.edu</a:t>
+            </a:r>
+            <a:endParaRPr lang="en-US" dirty="0" smtClean="0"/>
+          </a:p>
+          <a:p>
+            <a:r>
+              <a:rPr lang="en-US" dirty="0"/>
+              <a:t>Prashant </a:t>
+            </a:r>
+            <a:r>
+              <a:rPr lang="en-US" dirty="0" err="1" smtClean="0"/>
+              <a:t>Arunapuram</a:t>
+            </a:r>
+            <a:r>
+              <a:rPr lang="en-US" dirty="0" smtClean="0"/>
+              <a:t>, ECE, SCE, </a:t>
+            </a:r>
+            <a:r>
+              <a:rPr lang="en-US" dirty="0" smtClean="0">
+                <a:hlinkClick r:id="rId5"/>
+              </a:rPr>
+              <a:t>parunapu@andrew.cmu.edu</a:t>
+            </a:r>
+            <a:endParaRPr lang="en-US" dirty="0"/>
+          </a:p>
+          <a:p>
+            <a:r>
+              <a:rPr lang="en-US" dirty="0" err="1" smtClean="0"/>
+              <a:t>Tianhao</a:t>
+            </a:r>
+            <a:r>
+              <a:rPr lang="en-US" dirty="0" smtClean="0"/>
+              <a:t> Li, ISR, SCS, </a:t>
+            </a:r>
+            <a:r>
+              <a:rPr lang="en-US" dirty="0" smtClean="0">
+                <a:hlinkClick r:id="rId6"/>
+              </a:rPr>
+              <a:t>tianhaol@andrew.cmu.edu</a:t>
+            </a:r>
+            <a:endParaRPr lang="en-US" dirty="0" smtClean="0"/>
+          </a:p>
+        </p:txBody>
+      </p:sp>
+      <p:sp>
+        <p:nvSpPr>
+          <p:cNvPr id="19" name="Text Placeholder 89"/>
+          <p:cNvSpPr txBox="1">
+            <a:spLocks/>
+          </p:cNvSpPr>
+          <p:nvPr/>
+        </p:nvSpPr>
+        <p:spPr>
+          <a:xfrm>
+            <a:off x="13856718" y="24514896"/>
+            <a:ext cx="12935857" cy="643172"/>
+          </a:xfrm>
+          <a:prstGeom prst="rect">
+            <a:avLst/>
+          </a:prstGeom>
+          <a:noFill/>
+        </p:spPr>
+        <p:txBody>
+          <a:bodyPr wrap="square" lIns="78446" tIns="78446" rIns="78446" bIns="78446" anchor="ctr" anchorCtr="0">
+            <a:spAutoFit/>
+          </a:bodyPr>
+          <a:lstStyle>
+            <a:lvl1pPr marL="0" indent="0" algn="ctr" defTabSz="3388829" rtl="0" eaLnBrk="1" latinLnBrk="0" hangingPunct="1">
+              <a:spcBef>
+                <a:spcPct val="20000"/>
+              </a:spcBef>
+              <a:buFont typeface="Arial" pitchFamily="34" charset="0"/>
+              <a:buNone/>
+              <a:defRPr sz="3150" b="1" u="sng" kern="1200" baseline="0">
+                <a:solidFill>
+                  <a:schemeClr val="accent5">
+                    <a:lumMod val="50000"/>
+                  </a:schemeClr>
+                </a:solidFill>
+                <a:latin typeface="+mn-lt"/>
+                <a:ea typeface="+mn-ea"/>
+                <a:cs typeface="+mn-cs"/>
+              </a:defRPr>
+            </a:lvl1pPr>
+            <a:lvl2pPr marL="2753424" indent="-1059009" algn="l" defTabSz="3388829" rtl="0" eaLnBrk="1" latinLnBrk="0" hangingPunct="1">
+              <a:spcBef>
+                <a:spcPct val="20000"/>
+              </a:spcBef>
+              <a:buFont typeface="Arial" pitchFamily="34" charset="0"/>
+              <a:buChar char="–"/>
+              <a:defRPr sz="10440" kern="1200">
+                <a:solidFill>
+                  <a:schemeClr val="tx1"/>
+                </a:solidFill>
+                <a:latin typeface="+mn-lt"/>
+                <a:ea typeface="+mn-ea"/>
+                <a:cs typeface="+mn-cs"/>
+              </a:defRPr>
+            </a:lvl2pPr>
+            <a:lvl3pPr marL="4236037" indent="-847208" algn="l" defTabSz="3388829" rtl="0" eaLnBrk="1" latinLnBrk="0" hangingPunct="1">
+              <a:spcBef>
+                <a:spcPct val="20000"/>
+              </a:spcBef>
+              <a:buFont typeface="Arial" pitchFamily="34" charset="0"/>
+              <a:buChar char="•"/>
+              <a:defRPr sz="8910" kern="1200">
+                <a:solidFill>
+                  <a:schemeClr val="tx1"/>
+                </a:solidFill>
+                <a:latin typeface="+mn-lt"/>
+                <a:ea typeface="+mn-ea"/>
+                <a:cs typeface="+mn-cs"/>
+              </a:defRPr>
+            </a:lvl3pPr>
+            <a:lvl4pPr marL="5930452" indent="-847208" algn="l" defTabSz="3388829" rtl="0" eaLnBrk="1" latinLnBrk="0" hangingPunct="1">
+              <a:spcBef>
+                <a:spcPct val="20000"/>
+              </a:spcBef>
+              <a:buFont typeface="Arial" pitchFamily="34" charset="0"/>
+              <a:buChar char="–"/>
+              <a:defRPr sz="7470" kern="1200">
+                <a:solidFill>
+                  <a:schemeClr val="tx1"/>
+                </a:solidFill>
+                <a:latin typeface="+mn-lt"/>
+                <a:ea typeface="+mn-ea"/>
+                <a:cs typeface="+mn-cs"/>
+              </a:defRPr>
+            </a:lvl4pPr>
+            <a:lvl5pPr marL="7624866" indent="-847208" algn="l" defTabSz="3388829" rtl="0" eaLnBrk="1" latinLnBrk="0" hangingPunct="1">
+              <a:spcBef>
+                <a:spcPct val="20000"/>
+              </a:spcBef>
+              <a:buFont typeface="Arial" pitchFamily="34" charset="0"/>
+              <a:buChar char="»"/>
+              <a:defRPr sz="7470" kern="1200">
+                <a:solidFill>
+                  <a:schemeClr val="tx1"/>
+                </a:solidFill>
+                <a:latin typeface="+mn-lt"/>
+                <a:ea typeface="+mn-ea"/>
+                <a:cs typeface="+mn-cs"/>
+              </a:defRPr>
+            </a:lvl5pPr>
+            <a:lvl6pPr marL="9319281" indent="-847208" algn="l" defTabSz="3388829" rtl="0" eaLnBrk="1" latinLnBrk="0" hangingPunct="1">
+              <a:spcBef>
+                <a:spcPct val="20000"/>
+              </a:spcBef>
+              <a:buFont typeface="Arial" pitchFamily="34" charset="0"/>
+              <a:buChar char="•"/>
+              <a:defRPr sz="7470" kern="1200">
+                <a:solidFill>
+                  <a:schemeClr val="tx1"/>
+                </a:solidFill>
+                <a:latin typeface="+mn-lt"/>
+                <a:ea typeface="+mn-ea"/>
+                <a:cs typeface="+mn-cs"/>
+              </a:defRPr>
+            </a:lvl6pPr>
+            <a:lvl7pPr marL="11013695" indent="-847208" algn="l" defTabSz="3388829" rtl="0" eaLnBrk="1" latinLnBrk="0" hangingPunct="1">
+              <a:spcBef>
+                <a:spcPct val="20000"/>
+              </a:spcBef>
+              <a:buFont typeface="Arial" pitchFamily="34" charset="0"/>
+              <a:buChar char="•"/>
+              <a:defRPr sz="7470" kern="1200">
+                <a:solidFill>
+                  <a:schemeClr val="tx1"/>
+                </a:solidFill>
+                <a:latin typeface="+mn-lt"/>
+                <a:ea typeface="+mn-ea"/>
+                <a:cs typeface="+mn-cs"/>
+              </a:defRPr>
+            </a:lvl7pPr>
+            <a:lvl8pPr marL="12708110" indent="-847208" algn="l" defTabSz="3388829" rtl="0" eaLnBrk="1" latinLnBrk="0" hangingPunct="1">
+              <a:spcBef>
+                <a:spcPct val="20000"/>
+              </a:spcBef>
+              <a:buFont typeface="Arial" pitchFamily="34" charset="0"/>
+              <a:buChar char="•"/>
+              <a:defRPr sz="7470" kern="1200">
+                <a:solidFill>
+                  <a:schemeClr val="tx1"/>
+                </a:solidFill>
+                <a:latin typeface="+mn-lt"/>
+                <a:ea typeface="+mn-ea"/>
+                <a:cs typeface="+mn-cs"/>
+              </a:defRPr>
+            </a:lvl8pPr>
+            <a:lvl9pPr marL="14402525" indent="-847208" algn="l" defTabSz="3388829" rtl="0" eaLnBrk="1" latinLnBrk="0" hangingPunct="1">
+              <a:spcBef>
+                <a:spcPct val="20000"/>
+              </a:spcBef>
+              <a:buFont typeface="Arial" pitchFamily="34" charset="0"/>
+              <a:buChar char="•"/>
+              <a:defRPr sz="7470" kern="1200">
+                <a:solidFill>
+                  <a:schemeClr val="tx1"/>
+                </a:solidFill>
+                <a:latin typeface="+mn-lt"/>
+                <a:ea typeface="+mn-ea"/>
+                <a:cs typeface="+mn-cs"/>
+              </a:defRPr>
+            </a:lvl9pPr>
+          </a:lstStyle>
+          <a:p>
+            <a:r>
+              <a:rPr lang="en-US" dirty="0" smtClean="0"/>
+              <a:t>Related Work</a:t>
+            </a:r>
+            <a:endParaRPr lang="en-US" dirty="0"/>
+          </a:p>
+        </p:txBody>
+      </p:sp>
+      <p:sp>
+        <p:nvSpPr>
+          <p:cNvPr id="20" name="Text Placeholder 90"/>
+          <p:cNvSpPr txBox="1">
+            <a:spLocks/>
+          </p:cNvSpPr>
+          <p:nvPr/>
+        </p:nvSpPr>
+        <p:spPr>
+          <a:xfrm>
+            <a:off x="13856717" y="25161861"/>
+            <a:ext cx="12935858" cy="2796714"/>
+          </a:xfrm>
+          <a:prstGeom prst="rect">
+            <a:avLst/>
+          </a:prstGeom>
+        </p:spPr>
+        <p:txBody>
+          <a:bodyPr wrap="square" lIns="196113" tIns="196113" rIns="196113" bIns="196113">
+            <a:spAutoFit/>
+          </a:bodyPr>
+          <a:lstStyle>
+            <a:lvl1pPr marL="0" indent="0" algn="l" defTabSz="3388829" rtl="0" eaLnBrk="1" latinLnBrk="0" hangingPunct="1">
+              <a:spcBef>
+                <a:spcPct val="20000"/>
+              </a:spcBef>
+              <a:buFont typeface="Arial" pitchFamily="34" charset="0"/>
+              <a:buNone/>
+              <a:defRPr sz="2160" kern="1200">
+                <a:solidFill>
+                  <a:schemeClr val="accent5">
+                    <a:lumMod val="50000"/>
+                  </a:schemeClr>
+                </a:solidFill>
+                <a:latin typeface="Times New Roman" panose="02020603050405020304" pitchFamily="18" charset="0"/>
+                <a:ea typeface="+mn-ea"/>
+                <a:cs typeface="Times New Roman" panose="02020603050405020304" pitchFamily="18" charset="0"/>
+              </a:defRPr>
+            </a:lvl1pPr>
+            <a:lvl2pPr marL="1147260" indent="-441254" algn="l" defTabSz="3388829" rtl="0" eaLnBrk="1" latinLnBrk="0" hangingPunct="1">
+              <a:spcBef>
+                <a:spcPct val="20000"/>
+              </a:spcBef>
+              <a:buFont typeface="Arial" pitchFamily="34" charset="0"/>
+              <a:buChar char="–"/>
+              <a:defRPr sz="1980" kern="1200">
+                <a:solidFill>
+                  <a:schemeClr val="tx1"/>
+                </a:solidFill>
+                <a:latin typeface="Trebuchet MS" pitchFamily="34" charset="0"/>
+                <a:ea typeface="+mn-ea"/>
+                <a:cs typeface="+mn-cs"/>
+              </a:defRPr>
+            </a:lvl2pPr>
+            <a:lvl3pPr marL="1588514" indent="-441254" algn="l" defTabSz="3388829" rtl="0" eaLnBrk="1" latinLnBrk="0" hangingPunct="1">
+              <a:spcBef>
+                <a:spcPct val="20000"/>
+              </a:spcBef>
+              <a:buFont typeface="Arial" pitchFamily="34" charset="0"/>
+              <a:buChar char="•"/>
+              <a:defRPr sz="1980" kern="1200">
+                <a:solidFill>
+                  <a:schemeClr val="tx1"/>
+                </a:solidFill>
+                <a:latin typeface="Trebuchet MS" pitchFamily="34" charset="0"/>
+                <a:ea typeface="+mn-ea"/>
+                <a:cs typeface="+mn-cs"/>
+              </a:defRPr>
+            </a:lvl3pPr>
+            <a:lvl4pPr marL="2073893" indent="-485379" algn="l" defTabSz="3388829" rtl="0" eaLnBrk="1" latinLnBrk="0" hangingPunct="1">
+              <a:spcBef>
+                <a:spcPct val="20000"/>
+              </a:spcBef>
+              <a:buFont typeface="Arial" pitchFamily="34" charset="0"/>
+              <a:buChar char="–"/>
+              <a:defRPr sz="1980" kern="1200">
+                <a:solidFill>
+                  <a:schemeClr val="tx1"/>
+                </a:solidFill>
+                <a:latin typeface="Trebuchet MS" pitchFamily="34" charset="0"/>
+                <a:ea typeface="+mn-ea"/>
+                <a:cs typeface="+mn-cs"/>
+              </a:defRPr>
+            </a:lvl4pPr>
+            <a:lvl5pPr marL="2426896" indent="-353003" algn="l" defTabSz="3388829" rtl="0" eaLnBrk="1" latinLnBrk="0" hangingPunct="1">
+              <a:spcBef>
+                <a:spcPct val="20000"/>
+              </a:spcBef>
+              <a:buFont typeface="Arial" pitchFamily="34" charset="0"/>
+              <a:buChar char="»"/>
+              <a:defRPr sz="1980" kern="1200">
+                <a:solidFill>
+                  <a:schemeClr val="tx1"/>
+                </a:solidFill>
+                <a:latin typeface="Trebuchet MS" pitchFamily="34" charset="0"/>
+                <a:ea typeface="+mn-ea"/>
+                <a:cs typeface="+mn-cs"/>
+              </a:defRPr>
+            </a:lvl5pPr>
+            <a:lvl6pPr marL="9319281" indent="-847208" algn="l" defTabSz="3388829" rtl="0" eaLnBrk="1" latinLnBrk="0" hangingPunct="1">
+              <a:spcBef>
+                <a:spcPct val="20000"/>
+              </a:spcBef>
+              <a:buFont typeface="Arial" pitchFamily="34" charset="0"/>
+              <a:buChar char="•"/>
+              <a:defRPr sz="7470" kern="1200">
+                <a:solidFill>
+                  <a:schemeClr val="tx1"/>
+                </a:solidFill>
+                <a:latin typeface="+mn-lt"/>
+                <a:ea typeface="+mn-ea"/>
+                <a:cs typeface="+mn-cs"/>
+              </a:defRPr>
+            </a:lvl6pPr>
+            <a:lvl7pPr marL="11013695" indent="-847208" algn="l" defTabSz="3388829" rtl="0" eaLnBrk="1" latinLnBrk="0" hangingPunct="1">
+              <a:spcBef>
+                <a:spcPct val="20000"/>
+              </a:spcBef>
+              <a:buFont typeface="Arial" pitchFamily="34" charset="0"/>
+              <a:buChar char="•"/>
+              <a:defRPr sz="7470" kern="1200">
+                <a:solidFill>
+                  <a:schemeClr val="tx1"/>
+                </a:solidFill>
+                <a:latin typeface="+mn-lt"/>
+                <a:ea typeface="+mn-ea"/>
+                <a:cs typeface="+mn-cs"/>
+              </a:defRPr>
+            </a:lvl7pPr>
+            <a:lvl8pPr marL="12708110" indent="-847208" algn="l" defTabSz="3388829" rtl="0" eaLnBrk="1" latinLnBrk="0" hangingPunct="1">
+              <a:spcBef>
+                <a:spcPct val="20000"/>
+              </a:spcBef>
+              <a:buFont typeface="Arial" pitchFamily="34" charset="0"/>
+              <a:buChar char="•"/>
+              <a:defRPr sz="7470" kern="1200">
+                <a:solidFill>
+                  <a:schemeClr val="tx1"/>
+                </a:solidFill>
+                <a:latin typeface="+mn-lt"/>
+                <a:ea typeface="+mn-ea"/>
+                <a:cs typeface="+mn-cs"/>
+              </a:defRPr>
+            </a:lvl8pPr>
+            <a:lvl9pPr marL="14402525" indent="-847208" algn="l" defTabSz="3388829" rtl="0" eaLnBrk="1" latinLnBrk="0" hangingPunct="1">
+              <a:spcBef>
+                <a:spcPct val="20000"/>
+              </a:spcBef>
+              <a:buFont typeface="Arial" pitchFamily="34" charset="0"/>
+              <a:buChar char="•"/>
+              <a:defRPr sz="7470" kern="1200">
+                <a:solidFill>
+                  <a:schemeClr val="tx1"/>
+                </a:solidFill>
+                <a:latin typeface="+mn-lt"/>
+                <a:ea typeface="+mn-ea"/>
+                <a:cs typeface="+mn-cs"/>
+              </a:defRPr>
+            </a:lvl9pPr>
+          </a:lstStyle>
+          <a:p>
+            <a:pPr algn="just"/>
+            <a:r>
+              <a:rPr lang="zh-CN" altLang="en-US" sz="2000" dirty="0" smtClean="0"/>
+              <a:t>  </a:t>
+            </a:r>
+            <a:r>
+              <a:rPr lang="en-US" sz="2000" dirty="0" err="1" smtClean="0"/>
+              <a:t>Akshay</a:t>
+            </a:r>
+            <a:r>
+              <a:rPr lang="en-US" sz="2000" dirty="0" smtClean="0"/>
+              <a:t> </a:t>
+            </a:r>
+            <a:r>
+              <a:rPr lang="en-US" sz="2000" dirty="0"/>
+              <a:t>Kumar Gupta. </a:t>
+            </a:r>
+            <a:r>
+              <a:rPr lang="en-US" sz="2000" b="1" i="1" dirty="0"/>
+              <a:t>Survey of visual question answering: Datasets and techniques.</a:t>
+            </a:r>
+            <a:r>
+              <a:rPr lang="en-US" sz="2000" b="1" dirty="0"/>
+              <a:t> </a:t>
+            </a:r>
+            <a:r>
+              <a:rPr lang="en-US" sz="2000" i="1" dirty="0" err="1" smtClean="0"/>
+              <a:t>CoRR</a:t>
+            </a:r>
+            <a:r>
+              <a:rPr lang="en-US" sz="2000" dirty="0" smtClean="0"/>
+              <a:t>,</a:t>
+            </a:r>
+            <a:r>
+              <a:rPr lang="zh-CN" altLang="en-US" sz="2000" dirty="0" smtClean="0"/>
+              <a:t> </a:t>
+            </a:r>
+            <a:r>
+              <a:rPr lang="en-US" sz="2000" dirty="0" smtClean="0"/>
+              <a:t>abs/1705.03865</a:t>
+            </a:r>
+            <a:r>
+              <a:rPr lang="en-US" sz="2000" dirty="0"/>
+              <a:t>, 2017</a:t>
+            </a:r>
+            <a:r>
+              <a:rPr lang="en-US" sz="2000" dirty="0" smtClean="0"/>
+              <a:t>.</a:t>
+            </a:r>
+            <a:endParaRPr lang="zh-CN" altLang="en-US" sz="2000" dirty="0" smtClean="0"/>
+          </a:p>
+          <a:p>
+            <a:pPr algn="just"/>
+            <a:r>
+              <a:rPr lang="zh-CN" altLang="en-US" sz="2000" dirty="0" smtClean="0"/>
+              <a:t>  </a:t>
+            </a:r>
+            <a:r>
+              <a:rPr lang="en-US" sz="2000" dirty="0" smtClean="0"/>
+              <a:t>Abhishek </a:t>
+            </a:r>
+            <a:r>
+              <a:rPr lang="en-US" sz="2000" dirty="0"/>
+              <a:t>Das, </a:t>
+            </a:r>
+            <a:r>
+              <a:rPr lang="en-US" sz="2000" dirty="0" err="1"/>
+              <a:t>Satwik</a:t>
+            </a:r>
+            <a:r>
+              <a:rPr lang="en-US" sz="2000" dirty="0"/>
+              <a:t> </a:t>
+            </a:r>
+            <a:r>
+              <a:rPr lang="en-US" sz="2000" dirty="0" err="1"/>
+              <a:t>Kottur</a:t>
+            </a:r>
+            <a:r>
+              <a:rPr lang="en-US" sz="2000" dirty="0"/>
+              <a:t>, </a:t>
+            </a:r>
+            <a:r>
+              <a:rPr lang="en-US" sz="2000" dirty="0" err="1"/>
+              <a:t>Khushi</a:t>
+            </a:r>
+            <a:r>
+              <a:rPr lang="en-US" sz="2000" dirty="0"/>
+              <a:t> Gupta, </a:t>
+            </a:r>
+            <a:r>
+              <a:rPr lang="en-US" sz="2000" dirty="0" err="1"/>
+              <a:t>Avi</a:t>
+            </a:r>
+            <a:r>
+              <a:rPr lang="en-US" sz="2000" dirty="0"/>
+              <a:t> Singh, </a:t>
+            </a:r>
+            <a:r>
+              <a:rPr lang="en-US" sz="2000" dirty="0" err="1"/>
+              <a:t>Deshraj</a:t>
+            </a:r>
+            <a:r>
+              <a:rPr lang="en-US" sz="2000" dirty="0"/>
+              <a:t> Yadav, Jose ́ M. F. </a:t>
+            </a:r>
+            <a:r>
+              <a:rPr lang="en-US" sz="2000" dirty="0" err="1"/>
+              <a:t>Moura</a:t>
+            </a:r>
+            <a:r>
+              <a:rPr lang="en-US" sz="2000" dirty="0"/>
+              <a:t>, Devi Parikh, and </a:t>
+            </a:r>
+            <a:r>
+              <a:rPr lang="en-US" sz="2000" dirty="0" err="1"/>
+              <a:t>Dhruv</a:t>
+            </a:r>
+            <a:r>
+              <a:rPr lang="en-US" sz="2000" dirty="0"/>
+              <a:t> </a:t>
+            </a:r>
+            <a:r>
+              <a:rPr lang="en-US" sz="2000" dirty="0" err="1" smtClean="0"/>
+              <a:t>Batra</a:t>
+            </a:r>
+            <a:r>
+              <a:rPr lang="en-US" sz="2000" dirty="0" smtClean="0"/>
+              <a:t>. </a:t>
+            </a:r>
+            <a:r>
+              <a:rPr lang="en-US" sz="2000" b="1" i="1" dirty="0" smtClean="0"/>
+              <a:t>Visual </a:t>
+            </a:r>
+            <a:r>
+              <a:rPr lang="en-US" sz="2000" b="1" i="1" dirty="0"/>
+              <a:t>dialog.</a:t>
+            </a:r>
+            <a:r>
+              <a:rPr lang="en-US" sz="2000" dirty="0"/>
+              <a:t> </a:t>
+            </a:r>
+            <a:r>
+              <a:rPr lang="en-US" sz="2000" i="1" dirty="0" smtClean="0"/>
+              <a:t>IEEE </a:t>
+            </a:r>
+            <a:r>
+              <a:rPr lang="en-US" sz="2000" i="1" dirty="0"/>
+              <a:t>Conference on Computer Vision and Pattern Recognition, CVPR 2017</a:t>
+            </a:r>
+            <a:r>
+              <a:rPr lang="en-US" sz="2000" dirty="0" smtClean="0"/>
+              <a:t>.</a:t>
+            </a:r>
+          </a:p>
+          <a:p>
+            <a:r>
+              <a:rPr lang="en-US" sz="2000" dirty="0" smtClean="0"/>
+              <a:t>  Yu </a:t>
+            </a:r>
+            <a:r>
+              <a:rPr lang="en-US" sz="2000" dirty="0"/>
+              <a:t>Wu, Wei Wu, Ming Zhou, and </a:t>
+            </a:r>
+            <a:r>
+              <a:rPr lang="en-US" sz="2000" dirty="0" err="1"/>
+              <a:t>Zhoujun</a:t>
+            </a:r>
+            <a:r>
+              <a:rPr lang="en-US" sz="2000" dirty="0"/>
+              <a:t> Li. </a:t>
+            </a:r>
+            <a:r>
+              <a:rPr lang="en-US" sz="2000" b="1" i="1" dirty="0"/>
+              <a:t>Sequential match network: A new architecture for </a:t>
+            </a:r>
+            <a:r>
+              <a:rPr lang="en-US" sz="2000" b="1" i="1" dirty="0" smtClean="0"/>
+              <a:t>multi-turn </a:t>
+            </a:r>
+            <a:r>
+              <a:rPr lang="en-US" sz="2000" b="1" i="1" dirty="0"/>
+              <a:t>response selection in retrieval-based </a:t>
+            </a:r>
+            <a:r>
+              <a:rPr lang="en-US" sz="2000" b="1" i="1" dirty="0" err="1"/>
+              <a:t>chatbots</a:t>
+            </a:r>
+            <a:r>
+              <a:rPr lang="en-US" sz="2000" b="1" i="1" dirty="0"/>
+              <a:t>. </a:t>
+            </a:r>
+            <a:r>
+              <a:rPr lang="en-US" sz="2000" i="1" dirty="0" err="1"/>
+              <a:t>CoRR</a:t>
+            </a:r>
+            <a:r>
+              <a:rPr lang="en-US" sz="2000" dirty="0"/>
+              <a:t>, abs/1612.01627, 2016. </a:t>
+            </a:r>
+            <a:endParaRPr lang="en-US" sz="2000" dirty="0"/>
+          </a:p>
+          <a:p>
+            <a:pPr algn="just"/>
+            <a:r>
+              <a:rPr lang="en-US" sz="2000" dirty="0" smtClean="0"/>
+              <a:t> </a:t>
+            </a:r>
+            <a:endParaRPr lang="en-US" sz="2000" dirty="0"/>
+          </a:p>
+          <a:p>
+            <a:pPr algn="just"/>
+            <a:r>
+              <a:rPr lang="en-US" sz="2000" dirty="0" smtClean="0"/>
+              <a:t> </a:t>
+            </a:r>
+            <a:endParaRPr lang="en-US" sz="2000" dirty="0"/>
+          </a:p>
+        </p:txBody>
+      </p:sp>
+      <p:pic>
+        <p:nvPicPr>
+          <p:cNvPr id="3" name="Picture 2"/>
+          <p:cNvPicPr>
+            <a:picLocks noChangeAspect="1"/>
+          </p:cNvPicPr>
+          <p:nvPr/>
+        </p:nvPicPr>
+        <p:blipFill>
+          <a:blip r:embed="rId7">
+            <a:extLst>
+              <a:ext uri="{28A0092B-C50C-407E-A947-70E740481C1C}">
+                <a14:useLocalDpi xmlns:a14="http://schemas.microsoft.com/office/drawing/2010/main" val="0"/>
+              </a:ext>
+            </a:extLst>
+          </a:blip>
+          <a:stretch>
+            <a:fillRect/>
+          </a:stretch>
+        </p:blipFill>
+        <p:spPr>
+          <a:xfrm>
+            <a:off x="2059794" y="16660171"/>
+            <a:ext cx="9982559" cy="3335433"/>
+          </a:xfrm>
+          <a:prstGeom prst="rect">
+            <a:avLst/>
+          </a:prstGeom>
+        </p:spPr>
+      </p:pic>
+      <p:sp>
+        <p:nvSpPr>
+          <p:cNvPr id="23" name="Text Placeholder 84"/>
+          <p:cNvSpPr txBox="1">
+            <a:spLocks/>
+          </p:cNvSpPr>
+          <p:nvPr/>
+        </p:nvSpPr>
+        <p:spPr>
+          <a:xfrm>
+            <a:off x="576461" y="15996905"/>
+            <a:ext cx="12949224" cy="643172"/>
+          </a:xfrm>
+          <a:prstGeom prst="rect">
+            <a:avLst/>
+          </a:prstGeom>
+          <a:noFill/>
+        </p:spPr>
+        <p:txBody>
+          <a:bodyPr wrap="square" lIns="78446" tIns="78446" rIns="78446" bIns="78446" anchor="ctr" anchorCtr="0">
+            <a:spAutoFit/>
+          </a:bodyPr>
+          <a:lstStyle>
+            <a:lvl1pPr marL="0" indent="0" algn="ctr" defTabSz="3388829" rtl="0" eaLnBrk="1" latinLnBrk="0" hangingPunct="1">
+              <a:spcBef>
+                <a:spcPct val="20000"/>
+              </a:spcBef>
+              <a:buFont typeface="Arial" pitchFamily="34" charset="0"/>
+              <a:buNone/>
+              <a:defRPr sz="3150" b="1" u="sng" kern="1200" baseline="0">
+                <a:solidFill>
+                  <a:schemeClr val="accent5">
+                    <a:lumMod val="50000"/>
+                  </a:schemeClr>
+                </a:solidFill>
+                <a:latin typeface="+mn-lt"/>
+                <a:ea typeface="+mn-ea"/>
+                <a:cs typeface="+mn-cs"/>
+              </a:defRPr>
+            </a:lvl1pPr>
+            <a:lvl2pPr marL="2753424" indent="-1059009" algn="l" defTabSz="3388829" rtl="0" eaLnBrk="1" latinLnBrk="0" hangingPunct="1">
+              <a:spcBef>
+                <a:spcPct val="20000"/>
+              </a:spcBef>
+              <a:buFont typeface="Arial" pitchFamily="34" charset="0"/>
+              <a:buChar char="–"/>
+              <a:defRPr sz="10440" kern="1200">
+                <a:solidFill>
+                  <a:schemeClr val="tx1"/>
+                </a:solidFill>
+                <a:latin typeface="+mn-lt"/>
+                <a:ea typeface="+mn-ea"/>
+                <a:cs typeface="+mn-cs"/>
+              </a:defRPr>
+            </a:lvl2pPr>
+            <a:lvl3pPr marL="4236037" indent="-847208" algn="l" defTabSz="3388829" rtl="0" eaLnBrk="1" latinLnBrk="0" hangingPunct="1">
+              <a:spcBef>
+                <a:spcPct val="20000"/>
+              </a:spcBef>
+              <a:buFont typeface="Arial" pitchFamily="34" charset="0"/>
+              <a:buChar char="•"/>
+              <a:defRPr sz="8910" kern="1200">
+                <a:solidFill>
+                  <a:schemeClr val="tx1"/>
+                </a:solidFill>
+                <a:latin typeface="+mn-lt"/>
+                <a:ea typeface="+mn-ea"/>
+                <a:cs typeface="+mn-cs"/>
+              </a:defRPr>
+            </a:lvl3pPr>
+            <a:lvl4pPr marL="5930452" indent="-847208" algn="l" defTabSz="3388829" rtl="0" eaLnBrk="1" latinLnBrk="0" hangingPunct="1">
+              <a:spcBef>
+                <a:spcPct val="20000"/>
+              </a:spcBef>
+              <a:buFont typeface="Arial" pitchFamily="34" charset="0"/>
+              <a:buChar char="–"/>
+              <a:defRPr sz="7470" kern="1200">
+                <a:solidFill>
+                  <a:schemeClr val="tx1"/>
+                </a:solidFill>
+                <a:latin typeface="+mn-lt"/>
+                <a:ea typeface="+mn-ea"/>
+                <a:cs typeface="+mn-cs"/>
+              </a:defRPr>
+            </a:lvl4pPr>
+            <a:lvl5pPr marL="7624866" indent="-847208" algn="l" defTabSz="3388829" rtl="0" eaLnBrk="1" latinLnBrk="0" hangingPunct="1">
+              <a:spcBef>
+                <a:spcPct val="20000"/>
+              </a:spcBef>
+              <a:buFont typeface="Arial" pitchFamily="34" charset="0"/>
+              <a:buChar char="»"/>
+              <a:defRPr sz="7470" kern="1200">
+                <a:solidFill>
+                  <a:schemeClr val="tx1"/>
+                </a:solidFill>
+                <a:latin typeface="+mn-lt"/>
+                <a:ea typeface="+mn-ea"/>
+                <a:cs typeface="+mn-cs"/>
+              </a:defRPr>
+            </a:lvl5pPr>
+            <a:lvl6pPr marL="9319281" indent="-847208" algn="l" defTabSz="3388829" rtl="0" eaLnBrk="1" latinLnBrk="0" hangingPunct="1">
+              <a:spcBef>
+                <a:spcPct val="20000"/>
+              </a:spcBef>
+              <a:buFont typeface="Arial" pitchFamily="34" charset="0"/>
+              <a:buChar char="•"/>
+              <a:defRPr sz="7470" kern="1200">
+                <a:solidFill>
+                  <a:schemeClr val="tx1"/>
+                </a:solidFill>
+                <a:latin typeface="+mn-lt"/>
+                <a:ea typeface="+mn-ea"/>
+                <a:cs typeface="+mn-cs"/>
+              </a:defRPr>
+            </a:lvl6pPr>
+            <a:lvl7pPr marL="11013695" indent="-847208" algn="l" defTabSz="3388829" rtl="0" eaLnBrk="1" latinLnBrk="0" hangingPunct="1">
+              <a:spcBef>
+                <a:spcPct val="20000"/>
+              </a:spcBef>
+              <a:buFont typeface="Arial" pitchFamily="34" charset="0"/>
+              <a:buChar char="•"/>
+              <a:defRPr sz="7470" kern="1200">
+                <a:solidFill>
+                  <a:schemeClr val="tx1"/>
+                </a:solidFill>
+                <a:latin typeface="+mn-lt"/>
+                <a:ea typeface="+mn-ea"/>
+                <a:cs typeface="+mn-cs"/>
+              </a:defRPr>
+            </a:lvl7pPr>
+            <a:lvl8pPr marL="12708110" indent="-847208" algn="l" defTabSz="3388829" rtl="0" eaLnBrk="1" latinLnBrk="0" hangingPunct="1">
+              <a:spcBef>
+                <a:spcPct val="20000"/>
+              </a:spcBef>
+              <a:buFont typeface="Arial" pitchFamily="34" charset="0"/>
+              <a:buChar char="•"/>
+              <a:defRPr sz="7470" kern="1200">
+                <a:solidFill>
+                  <a:schemeClr val="tx1"/>
+                </a:solidFill>
+                <a:latin typeface="+mn-lt"/>
+                <a:ea typeface="+mn-ea"/>
+                <a:cs typeface="+mn-cs"/>
+              </a:defRPr>
+            </a:lvl8pPr>
+            <a:lvl9pPr marL="14402525" indent="-847208" algn="l" defTabSz="3388829" rtl="0" eaLnBrk="1" latinLnBrk="0" hangingPunct="1">
+              <a:spcBef>
+                <a:spcPct val="20000"/>
+              </a:spcBef>
+              <a:buFont typeface="Arial" pitchFamily="34" charset="0"/>
+              <a:buChar char="•"/>
+              <a:defRPr sz="7470" kern="1200">
+                <a:solidFill>
+                  <a:schemeClr val="tx1"/>
+                </a:solidFill>
+                <a:latin typeface="+mn-lt"/>
+                <a:ea typeface="+mn-ea"/>
+                <a:cs typeface="+mn-cs"/>
+              </a:defRPr>
+            </a:lvl9pPr>
+          </a:lstStyle>
+          <a:p>
+            <a:r>
+              <a:rPr lang="en-US" dirty="0" smtClean="0"/>
+              <a:t>Late fusion - Discriminative</a:t>
+            </a:r>
+            <a:endParaRPr lang="en-US" dirty="0" smtClean="0"/>
+          </a:p>
+        </p:txBody>
+      </p:sp>
+      <p:sp>
+        <p:nvSpPr>
+          <p:cNvPr id="25" name="Text Placeholder 84"/>
+          <p:cNvSpPr txBox="1">
+            <a:spLocks/>
+          </p:cNvSpPr>
+          <p:nvPr/>
+        </p:nvSpPr>
+        <p:spPr>
+          <a:xfrm>
+            <a:off x="535622" y="22549016"/>
+            <a:ext cx="12949224" cy="643172"/>
+          </a:xfrm>
+          <a:prstGeom prst="rect">
+            <a:avLst/>
+          </a:prstGeom>
+          <a:noFill/>
+        </p:spPr>
+        <p:txBody>
+          <a:bodyPr wrap="square" lIns="78446" tIns="78446" rIns="78446" bIns="78446" anchor="ctr" anchorCtr="0">
+            <a:spAutoFit/>
+          </a:bodyPr>
+          <a:lstStyle>
+            <a:lvl1pPr marL="0" indent="0" algn="ctr" defTabSz="3388829" rtl="0" eaLnBrk="1" latinLnBrk="0" hangingPunct="1">
+              <a:spcBef>
+                <a:spcPct val="20000"/>
+              </a:spcBef>
+              <a:buFont typeface="Arial" pitchFamily="34" charset="0"/>
+              <a:buNone/>
+              <a:defRPr sz="3150" b="1" u="sng" kern="1200" baseline="0">
+                <a:solidFill>
+                  <a:schemeClr val="accent5">
+                    <a:lumMod val="50000"/>
+                  </a:schemeClr>
+                </a:solidFill>
+                <a:latin typeface="+mn-lt"/>
+                <a:ea typeface="+mn-ea"/>
+                <a:cs typeface="+mn-cs"/>
+              </a:defRPr>
+            </a:lvl1pPr>
+            <a:lvl2pPr marL="2753424" indent="-1059009" algn="l" defTabSz="3388829" rtl="0" eaLnBrk="1" latinLnBrk="0" hangingPunct="1">
+              <a:spcBef>
+                <a:spcPct val="20000"/>
+              </a:spcBef>
+              <a:buFont typeface="Arial" pitchFamily="34" charset="0"/>
+              <a:buChar char="–"/>
+              <a:defRPr sz="10440" kern="1200">
+                <a:solidFill>
+                  <a:schemeClr val="tx1"/>
+                </a:solidFill>
+                <a:latin typeface="+mn-lt"/>
+                <a:ea typeface="+mn-ea"/>
+                <a:cs typeface="+mn-cs"/>
+              </a:defRPr>
+            </a:lvl2pPr>
+            <a:lvl3pPr marL="4236037" indent="-847208" algn="l" defTabSz="3388829" rtl="0" eaLnBrk="1" latinLnBrk="0" hangingPunct="1">
+              <a:spcBef>
+                <a:spcPct val="20000"/>
+              </a:spcBef>
+              <a:buFont typeface="Arial" pitchFamily="34" charset="0"/>
+              <a:buChar char="•"/>
+              <a:defRPr sz="8910" kern="1200">
+                <a:solidFill>
+                  <a:schemeClr val="tx1"/>
+                </a:solidFill>
+                <a:latin typeface="+mn-lt"/>
+                <a:ea typeface="+mn-ea"/>
+                <a:cs typeface="+mn-cs"/>
+              </a:defRPr>
+            </a:lvl3pPr>
+            <a:lvl4pPr marL="5930452" indent="-847208" algn="l" defTabSz="3388829" rtl="0" eaLnBrk="1" latinLnBrk="0" hangingPunct="1">
+              <a:spcBef>
+                <a:spcPct val="20000"/>
+              </a:spcBef>
+              <a:buFont typeface="Arial" pitchFamily="34" charset="0"/>
+              <a:buChar char="–"/>
+              <a:defRPr sz="7470" kern="1200">
+                <a:solidFill>
+                  <a:schemeClr val="tx1"/>
+                </a:solidFill>
+                <a:latin typeface="+mn-lt"/>
+                <a:ea typeface="+mn-ea"/>
+                <a:cs typeface="+mn-cs"/>
+              </a:defRPr>
+            </a:lvl4pPr>
+            <a:lvl5pPr marL="7624866" indent="-847208" algn="l" defTabSz="3388829" rtl="0" eaLnBrk="1" latinLnBrk="0" hangingPunct="1">
+              <a:spcBef>
+                <a:spcPct val="20000"/>
+              </a:spcBef>
+              <a:buFont typeface="Arial" pitchFamily="34" charset="0"/>
+              <a:buChar char="»"/>
+              <a:defRPr sz="7470" kern="1200">
+                <a:solidFill>
+                  <a:schemeClr val="tx1"/>
+                </a:solidFill>
+                <a:latin typeface="+mn-lt"/>
+                <a:ea typeface="+mn-ea"/>
+                <a:cs typeface="+mn-cs"/>
+              </a:defRPr>
+            </a:lvl5pPr>
+            <a:lvl6pPr marL="9319281" indent="-847208" algn="l" defTabSz="3388829" rtl="0" eaLnBrk="1" latinLnBrk="0" hangingPunct="1">
+              <a:spcBef>
+                <a:spcPct val="20000"/>
+              </a:spcBef>
+              <a:buFont typeface="Arial" pitchFamily="34" charset="0"/>
+              <a:buChar char="•"/>
+              <a:defRPr sz="7470" kern="1200">
+                <a:solidFill>
+                  <a:schemeClr val="tx1"/>
+                </a:solidFill>
+                <a:latin typeface="+mn-lt"/>
+                <a:ea typeface="+mn-ea"/>
+                <a:cs typeface="+mn-cs"/>
+              </a:defRPr>
+            </a:lvl6pPr>
+            <a:lvl7pPr marL="11013695" indent="-847208" algn="l" defTabSz="3388829" rtl="0" eaLnBrk="1" latinLnBrk="0" hangingPunct="1">
+              <a:spcBef>
+                <a:spcPct val="20000"/>
+              </a:spcBef>
+              <a:buFont typeface="Arial" pitchFamily="34" charset="0"/>
+              <a:buChar char="•"/>
+              <a:defRPr sz="7470" kern="1200">
+                <a:solidFill>
+                  <a:schemeClr val="tx1"/>
+                </a:solidFill>
+                <a:latin typeface="+mn-lt"/>
+                <a:ea typeface="+mn-ea"/>
+                <a:cs typeface="+mn-cs"/>
+              </a:defRPr>
+            </a:lvl7pPr>
+            <a:lvl8pPr marL="12708110" indent="-847208" algn="l" defTabSz="3388829" rtl="0" eaLnBrk="1" latinLnBrk="0" hangingPunct="1">
+              <a:spcBef>
+                <a:spcPct val="20000"/>
+              </a:spcBef>
+              <a:buFont typeface="Arial" pitchFamily="34" charset="0"/>
+              <a:buChar char="•"/>
+              <a:defRPr sz="7470" kern="1200">
+                <a:solidFill>
+                  <a:schemeClr val="tx1"/>
+                </a:solidFill>
+                <a:latin typeface="+mn-lt"/>
+                <a:ea typeface="+mn-ea"/>
+                <a:cs typeface="+mn-cs"/>
+              </a:defRPr>
+            </a:lvl8pPr>
+            <a:lvl9pPr marL="14402525" indent="-847208" algn="l" defTabSz="3388829" rtl="0" eaLnBrk="1" latinLnBrk="0" hangingPunct="1">
+              <a:spcBef>
+                <a:spcPct val="20000"/>
+              </a:spcBef>
+              <a:buFont typeface="Arial" pitchFamily="34" charset="0"/>
+              <a:buChar char="•"/>
+              <a:defRPr sz="7470" kern="1200">
+                <a:solidFill>
+                  <a:schemeClr val="tx1"/>
+                </a:solidFill>
+                <a:latin typeface="+mn-lt"/>
+                <a:ea typeface="+mn-ea"/>
+                <a:cs typeface="+mn-cs"/>
+              </a:defRPr>
+            </a:lvl9pPr>
+          </a:lstStyle>
+          <a:p>
+            <a:r>
+              <a:rPr lang="en-US" dirty="0" smtClean="0"/>
+              <a:t>Sequential Matching - Discriminative</a:t>
+            </a:r>
+            <a:endParaRPr lang="en-US" dirty="0" smtClean="0"/>
+          </a:p>
+        </p:txBody>
+      </p:sp>
+      <p:sp>
+        <p:nvSpPr>
+          <p:cNvPr id="26" name="Text Placeholder 84"/>
+          <p:cNvSpPr txBox="1">
+            <a:spLocks/>
+          </p:cNvSpPr>
+          <p:nvPr/>
+        </p:nvSpPr>
+        <p:spPr>
+          <a:xfrm>
+            <a:off x="576461" y="25907429"/>
+            <a:ext cx="12949224" cy="643172"/>
+          </a:xfrm>
+          <a:prstGeom prst="rect">
+            <a:avLst/>
+          </a:prstGeom>
+          <a:noFill/>
+        </p:spPr>
+        <p:txBody>
+          <a:bodyPr wrap="square" lIns="78446" tIns="78446" rIns="78446" bIns="78446" anchor="ctr" anchorCtr="0">
+            <a:spAutoFit/>
+          </a:bodyPr>
+          <a:lstStyle>
+            <a:lvl1pPr marL="0" indent="0" algn="ctr" defTabSz="3388829" rtl="0" eaLnBrk="1" latinLnBrk="0" hangingPunct="1">
+              <a:spcBef>
+                <a:spcPct val="20000"/>
+              </a:spcBef>
+              <a:buFont typeface="Arial" pitchFamily="34" charset="0"/>
+              <a:buNone/>
+              <a:defRPr sz="3150" b="1" u="sng" kern="1200" baseline="0">
+                <a:solidFill>
+                  <a:schemeClr val="accent5">
+                    <a:lumMod val="50000"/>
+                  </a:schemeClr>
+                </a:solidFill>
+                <a:latin typeface="+mn-lt"/>
+                <a:ea typeface="+mn-ea"/>
+                <a:cs typeface="+mn-cs"/>
+              </a:defRPr>
+            </a:lvl1pPr>
+            <a:lvl2pPr marL="2753424" indent="-1059009" algn="l" defTabSz="3388829" rtl="0" eaLnBrk="1" latinLnBrk="0" hangingPunct="1">
+              <a:spcBef>
+                <a:spcPct val="20000"/>
+              </a:spcBef>
+              <a:buFont typeface="Arial" pitchFamily="34" charset="0"/>
+              <a:buChar char="–"/>
+              <a:defRPr sz="10440" kern="1200">
+                <a:solidFill>
+                  <a:schemeClr val="tx1"/>
+                </a:solidFill>
+                <a:latin typeface="+mn-lt"/>
+                <a:ea typeface="+mn-ea"/>
+                <a:cs typeface="+mn-cs"/>
+              </a:defRPr>
+            </a:lvl2pPr>
+            <a:lvl3pPr marL="4236037" indent="-847208" algn="l" defTabSz="3388829" rtl="0" eaLnBrk="1" latinLnBrk="0" hangingPunct="1">
+              <a:spcBef>
+                <a:spcPct val="20000"/>
+              </a:spcBef>
+              <a:buFont typeface="Arial" pitchFamily="34" charset="0"/>
+              <a:buChar char="•"/>
+              <a:defRPr sz="8910" kern="1200">
+                <a:solidFill>
+                  <a:schemeClr val="tx1"/>
+                </a:solidFill>
+                <a:latin typeface="+mn-lt"/>
+                <a:ea typeface="+mn-ea"/>
+                <a:cs typeface="+mn-cs"/>
+              </a:defRPr>
+            </a:lvl3pPr>
+            <a:lvl4pPr marL="5930452" indent="-847208" algn="l" defTabSz="3388829" rtl="0" eaLnBrk="1" latinLnBrk="0" hangingPunct="1">
+              <a:spcBef>
+                <a:spcPct val="20000"/>
+              </a:spcBef>
+              <a:buFont typeface="Arial" pitchFamily="34" charset="0"/>
+              <a:buChar char="–"/>
+              <a:defRPr sz="7470" kern="1200">
+                <a:solidFill>
+                  <a:schemeClr val="tx1"/>
+                </a:solidFill>
+                <a:latin typeface="+mn-lt"/>
+                <a:ea typeface="+mn-ea"/>
+                <a:cs typeface="+mn-cs"/>
+              </a:defRPr>
+            </a:lvl4pPr>
+            <a:lvl5pPr marL="7624866" indent="-847208" algn="l" defTabSz="3388829" rtl="0" eaLnBrk="1" latinLnBrk="0" hangingPunct="1">
+              <a:spcBef>
+                <a:spcPct val="20000"/>
+              </a:spcBef>
+              <a:buFont typeface="Arial" pitchFamily="34" charset="0"/>
+              <a:buChar char="»"/>
+              <a:defRPr sz="7470" kern="1200">
+                <a:solidFill>
+                  <a:schemeClr val="tx1"/>
+                </a:solidFill>
+                <a:latin typeface="+mn-lt"/>
+                <a:ea typeface="+mn-ea"/>
+                <a:cs typeface="+mn-cs"/>
+              </a:defRPr>
+            </a:lvl5pPr>
+            <a:lvl6pPr marL="9319281" indent="-847208" algn="l" defTabSz="3388829" rtl="0" eaLnBrk="1" latinLnBrk="0" hangingPunct="1">
+              <a:spcBef>
+                <a:spcPct val="20000"/>
+              </a:spcBef>
+              <a:buFont typeface="Arial" pitchFamily="34" charset="0"/>
+              <a:buChar char="•"/>
+              <a:defRPr sz="7470" kern="1200">
+                <a:solidFill>
+                  <a:schemeClr val="tx1"/>
+                </a:solidFill>
+                <a:latin typeface="+mn-lt"/>
+                <a:ea typeface="+mn-ea"/>
+                <a:cs typeface="+mn-cs"/>
+              </a:defRPr>
+            </a:lvl6pPr>
+            <a:lvl7pPr marL="11013695" indent="-847208" algn="l" defTabSz="3388829" rtl="0" eaLnBrk="1" latinLnBrk="0" hangingPunct="1">
+              <a:spcBef>
+                <a:spcPct val="20000"/>
+              </a:spcBef>
+              <a:buFont typeface="Arial" pitchFamily="34" charset="0"/>
+              <a:buChar char="•"/>
+              <a:defRPr sz="7470" kern="1200">
+                <a:solidFill>
+                  <a:schemeClr val="tx1"/>
+                </a:solidFill>
+                <a:latin typeface="+mn-lt"/>
+                <a:ea typeface="+mn-ea"/>
+                <a:cs typeface="+mn-cs"/>
+              </a:defRPr>
+            </a:lvl7pPr>
+            <a:lvl8pPr marL="12708110" indent="-847208" algn="l" defTabSz="3388829" rtl="0" eaLnBrk="1" latinLnBrk="0" hangingPunct="1">
+              <a:spcBef>
+                <a:spcPct val="20000"/>
+              </a:spcBef>
+              <a:buFont typeface="Arial" pitchFamily="34" charset="0"/>
+              <a:buChar char="•"/>
+              <a:defRPr sz="7470" kern="1200">
+                <a:solidFill>
+                  <a:schemeClr val="tx1"/>
+                </a:solidFill>
+                <a:latin typeface="+mn-lt"/>
+                <a:ea typeface="+mn-ea"/>
+                <a:cs typeface="+mn-cs"/>
+              </a:defRPr>
+            </a:lvl8pPr>
+            <a:lvl9pPr marL="14402525" indent="-847208" algn="l" defTabSz="3388829" rtl="0" eaLnBrk="1" latinLnBrk="0" hangingPunct="1">
+              <a:spcBef>
+                <a:spcPct val="20000"/>
+              </a:spcBef>
+              <a:buFont typeface="Arial" pitchFamily="34" charset="0"/>
+              <a:buChar char="•"/>
+              <a:defRPr sz="7470" kern="1200">
+                <a:solidFill>
+                  <a:schemeClr val="tx1"/>
+                </a:solidFill>
+                <a:latin typeface="+mn-lt"/>
+                <a:ea typeface="+mn-ea"/>
+                <a:cs typeface="+mn-cs"/>
+              </a:defRPr>
+            </a:lvl9pPr>
+          </a:lstStyle>
+          <a:p>
+            <a:r>
+              <a:rPr lang="en-US" dirty="0" smtClean="0"/>
+              <a:t>Late fusion - Generative</a:t>
+            </a:r>
+            <a:endParaRPr lang="en-US" dirty="0" smtClean="0"/>
+          </a:p>
+        </p:txBody>
+      </p:sp>
+      <p:sp>
+        <p:nvSpPr>
+          <p:cNvPr id="27" name="Text Placeholder 91"/>
+          <p:cNvSpPr txBox="1">
+            <a:spLocks/>
+          </p:cNvSpPr>
+          <p:nvPr/>
+        </p:nvSpPr>
+        <p:spPr>
+          <a:xfrm>
+            <a:off x="581612" y="26568059"/>
+            <a:ext cx="12957406" cy="728455"/>
+          </a:xfrm>
+          <a:prstGeom prst="rect">
+            <a:avLst/>
+          </a:prstGeom>
+        </p:spPr>
+        <p:txBody>
+          <a:bodyPr wrap="square" lIns="196113" tIns="196113" rIns="196113" bIns="196113">
+            <a:spAutoFit/>
+          </a:bodyPr>
+          <a:lstStyle>
+            <a:lvl1pPr marL="0" indent="0" algn="l" defTabSz="3388829" rtl="0" eaLnBrk="1" latinLnBrk="0" hangingPunct="1">
+              <a:spcBef>
+                <a:spcPct val="20000"/>
+              </a:spcBef>
+              <a:buFont typeface="Arial" pitchFamily="34" charset="0"/>
+              <a:buNone/>
+              <a:defRPr sz="2160" kern="1200">
+                <a:solidFill>
+                  <a:schemeClr val="accent5">
+                    <a:lumMod val="50000"/>
+                  </a:schemeClr>
+                </a:solidFill>
+                <a:latin typeface="Times New Roman" panose="02020603050405020304" pitchFamily="18" charset="0"/>
+                <a:ea typeface="+mn-ea"/>
+                <a:cs typeface="Times New Roman" panose="02020603050405020304" pitchFamily="18" charset="0"/>
+              </a:defRPr>
+            </a:lvl1pPr>
+            <a:lvl2pPr marL="1147260" indent="-441254" algn="l" defTabSz="3388829" rtl="0" eaLnBrk="1" latinLnBrk="0" hangingPunct="1">
+              <a:spcBef>
+                <a:spcPct val="20000"/>
+              </a:spcBef>
+              <a:buFont typeface="Arial" pitchFamily="34" charset="0"/>
+              <a:buChar char="–"/>
+              <a:defRPr sz="1980" kern="1200">
+                <a:solidFill>
+                  <a:schemeClr val="tx1"/>
+                </a:solidFill>
+                <a:latin typeface="Trebuchet MS" pitchFamily="34" charset="0"/>
+                <a:ea typeface="+mn-ea"/>
+                <a:cs typeface="+mn-cs"/>
+              </a:defRPr>
+            </a:lvl2pPr>
+            <a:lvl3pPr marL="1588514" indent="-441254" algn="l" defTabSz="3388829" rtl="0" eaLnBrk="1" latinLnBrk="0" hangingPunct="1">
+              <a:spcBef>
+                <a:spcPct val="20000"/>
+              </a:spcBef>
+              <a:buFont typeface="Arial" pitchFamily="34" charset="0"/>
+              <a:buChar char="•"/>
+              <a:defRPr sz="1980" kern="1200">
+                <a:solidFill>
+                  <a:schemeClr val="tx1"/>
+                </a:solidFill>
+                <a:latin typeface="Trebuchet MS" pitchFamily="34" charset="0"/>
+                <a:ea typeface="+mn-ea"/>
+                <a:cs typeface="+mn-cs"/>
+              </a:defRPr>
+            </a:lvl3pPr>
+            <a:lvl4pPr marL="2073893" indent="-485379" algn="l" defTabSz="3388829" rtl="0" eaLnBrk="1" latinLnBrk="0" hangingPunct="1">
+              <a:spcBef>
+                <a:spcPct val="20000"/>
+              </a:spcBef>
+              <a:buFont typeface="Arial" pitchFamily="34" charset="0"/>
+              <a:buChar char="–"/>
+              <a:defRPr sz="1980" kern="1200">
+                <a:solidFill>
+                  <a:schemeClr val="tx1"/>
+                </a:solidFill>
+                <a:latin typeface="Trebuchet MS" pitchFamily="34" charset="0"/>
+                <a:ea typeface="+mn-ea"/>
+                <a:cs typeface="+mn-cs"/>
+              </a:defRPr>
+            </a:lvl4pPr>
+            <a:lvl5pPr marL="2426896" indent="-353003" algn="l" defTabSz="3388829" rtl="0" eaLnBrk="1" latinLnBrk="0" hangingPunct="1">
+              <a:spcBef>
+                <a:spcPct val="20000"/>
+              </a:spcBef>
+              <a:buFont typeface="Arial" pitchFamily="34" charset="0"/>
+              <a:buChar char="»"/>
+              <a:defRPr sz="1980" kern="1200">
+                <a:solidFill>
+                  <a:schemeClr val="tx1"/>
+                </a:solidFill>
+                <a:latin typeface="Trebuchet MS" pitchFamily="34" charset="0"/>
+                <a:ea typeface="+mn-ea"/>
+                <a:cs typeface="+mn-cs"/>
+              </a:defRPr>
+            </a:lvl5pPr>
+            <a:lvl6pPr marL="9319281" indent="-847208" algn="l" defTabSz="3388829" rtl="0" eaLnBrk="1" latinLnBrk="0" hangingPunct="1">
+              <a:spcBef>
+                <a:spcPct val="20000"/>
+              </a:spcBef>
+              <a:buFont typeface="Arial" pitchFamily="34" charset="0"/>
+              <a:buChar char="•"/>
+              <a:defRPr sz="7470" kern="1200">
+                <a:solidFill>
+                  <a:schemeClr val="tx1"/>
+                </a:solidFill>
+                <a:latin typeface="+mn-lt"/>
+                <a:ea typeface="+mn-ea"/>
+                <a:cs typeface="+mn-cs"/>
+              </a:defRPr>
+            </a:lvl6pPr>
+            <a:lvl7pPr marL="11013695" indent="-847208" algn="l" defTabSz="3388829" rtl="0" eaLnBrk="1" latinLnBrk="0" hangingPunct="1">
+              <a:spcBef>
+                <a:spcPct val="20000"/>
+              </a:spcBef>
+              <a:buFont typeface="Arial" pitchFamily="34" charset="0"/>
+              <a:buChar char="•"/>
+              <a:defRPr sz="7470" kern="1200">
+                <a:solidFill>
+                  <a:schemeClr val="tx1"/>
+                </a:solidFill>
+                <a:latin typeface="+mn-lt"/>
+                <a:ea typeface="+mn-ea"/>
+                <a:cs typeface="+mn-cs"/>
+              </a:defRPr>
+            </a:lvl7pPr>
+            <a:lvl8pPr marL="12708110" indent="-847208" algn="l" defTabSz="3388829" rtl="0" eaLnBrk="1" latinLnBrk="0" hangingPunct="1">
+              <a:spcBef>
+                <a:spcPct val="20000"/>
+              </a:spcBef>
+              <a:buFont typeface="Arial" pitchFamily="34" charset="0"/>
+              <a:buChar char="•"/>
+              <a:defRPr sz="7470" kern="1200">
+                <a:solidFill>
+                  <a:schemeClr val="tx1"/>
+                </a:solidFill>
+                <a:latin typeface="+mn-lt"/>
+                <a:ea typeface="+mn-ea"/>
+                <a:cs typeface="+mn-cs"/>
+              </a:defRPr>
+            </a:lvl8pPr>
+            <a:lvl9pPr marL="14402525" indent="-847208" algn="l" defTabSz="3388829" rtl="0" eaLnBrk="1" latinLnBrk="0" hangingPunct="1">
+              <a:spcBef>
+                <a:spcPct val="20000"/>
+              </a:spcBef>
+              <a:buFont typeface="Arial" pitchFamily="34" charset="0"/>
+              <a:buChar char="•"/>
+              <a:defRPr sz="7470" kern="1200">
+                <a:solidFill>
+                  <a:schemeClr val="tx1"/>
+                </a:solidFill>
+                <a:latin typeface="+mn-lt"/>
+                <a:ea typeface="+mn-ea"/>
+                <a:cs typeface="+mn-cs"/>
+              </a:defRPr>
+            </a:lvl9pPr>
+          </a:lstStyle>
+          <a:p>
+            <a:r>
+              <a:rPr lang="en-US" dirty="0" smtClean="0"/>
+              <a:t>In this part, we </a:t>
+            </a:r>
+            <a:endParaRPr lang="en-US" dirty="0"/>
+          </a:p>
+        </p:txBody>
+      </p:sp>
+      <p:pic>
+        <p:nvPicPr>
+          <p:cNvPr id="4" name="Picture 3"/>
+          <p:cNvPicPr>
+            <a:picLocks noChangeAspect="1"/>
+          </p:cNvPicPr>
+          <p:nvPr/>
+        </p:nvPicPr>
+        <p:blipFill>
+          <a:blip r:embed="rId8">
+            <a:extLst>
+              <a:ext uri="{28A0092B-C50C-407E-A947-70E740481C1C}">
+                <a14:useLocalDpi xmlns:a14="http://schemas.microsoft.com/office/drawing/2010/main" val="0"/>
+              </a:ext>
+            </a:extLst>
+          </a:blip>
+          <a:stretch>
+            <a:fillRect/>
+          </a:stretch>
+        </p:blipFill>
+        <p:spPr>
+          <a:xfrm>
+            <a:off x="832551" y="26020428"/>
+            <a:ext cx="12422541" cy="4549564"/>
+          </a:xfrm>
+          <a:prstGeom prst="rect">
+            <a:avLst/>
+          </a:prstGeom>
+        </p:spPr>
+      </p:pic>
+      <p:pic>
+        <p:nvPicPr>
+          <p:cNvPr id="5" name="Picture 4"/>
+          <p:cNvPicPr>
+            <a:picLocks noChangeAspect="1"/>
+          </p:cNvPicPr>
+          <p:nvPr/>
+        </p:nvPicPr>
+        <p:blipFill>
+          <a:blip r:embed="rId9">
+            <a:extLst>
+              <a:ext uri="{28A0092B-C50C-407E-A947-70E740481C1C}">
+                <a14:useLocalDpi xmlns:a14="http://schemas.microsoft.com/office/drawing/2010/main" val="0"/>
+              </a:ext>
+            </a:extLst>
+          </a:blip>
+          <a:stretch>
+            <a:fillRect/>
+          </a:stretch>
+        </p:blipFill>
+        <p:spPr>
+          <a:xfrm>
+            <a:off x="1238864" y="20143242"/>
+            <a:ext cx="12300154" cy="4353671"/>
+          </a:xfrm>
+          <a:prstGeom prst="rect">
+            <a:avLst/>
+          </a:prstGeom>
+        </p:spPr>
+      </p:pic>
     </p:spTree>
     <p:extLst>
       <p:ext uri="{BB962C8B-B14F-4D97-AF65-F5344CB8AC3E}">

--- a/poster.pptx
+++ b/poster.pptx
@@ -256,7 +256,7 @@
             <a:fld id="{0158C5BC-9A70-462C-B28D-9600239EAC64}" type="datetimeFigureOut">
               <a:rPr lang="en-US" smtClean="0"/>
               <a:pPr/>
-              <a:t>5/5/18</a:t>
+              <a:t>5/6/18</a:t>
             </a:fld>
             <a:endParaRPr lang="en-US"/>
           </a:p>
@@ -423,7 +423,7 @@
             <a:fld id="{E6CC2317-6751-4CD4-9995-8782DD78E936}" type="datetimeFigureOut">
               <a:rPr lang="en-US" smtClean="0"/>
               <a:pPr/>
-              <a:t>5/5/18</a:t>
+              <a:t>5/6/18</a:t>
             </a:fld>
             <a:endParaRPr lang="en-US" dirty="0"/>
           </a:p>
@@ -3978,7 +3978,7 @@
               <a:graphicData uri="http://schemas.openxmlformats.org/presentationml/2006/ole">
                 <mc:AlternateContent xmlns:mc="http://schemas.openxmlformats.org/markup-compatibility/2006">
                   <mc:Choice xmlns:v="urn:schemas-microsoft-com:vml" Requires="v">
-                    <p:oleObj spid="_x0000_s1104" name="Image" r:id="rId8" imgW="1828440" imgH="1117440" progId="Photoshop.Image.13">
+                    <p:oleObj spid="_x0000_s1117" name="Image" r:id="rId8" imgW="1828440" imgH="1117440" progId="Photoshop.Image.13">
                       <p:embed/>
                     </p:oleObj>
                   </mc:Choice>
@@ -4035,7 +4035,7 @@
               <a:graphicData uri="http://schemas.openxmlformats.org/presentationml/2006/ole">
                 <mc:AlternateContent xmlns:mc="http://schemas.openxmlformats.org/markup-compatibility/2006">
                   <mc:Choice xmlns:v="urn:schemas-microsoft-com:vml" Requires="v">
-                    <p:oleObj spid="_x0000_s1105" name="Image" r:id="rId10" imgW="1828440" imgH="1117440" progId="Photoshop.Image.13">
+                    <p:oleObj spid="_x0000_s1118" name="Image" r:id="rId10" imgW="1828440" imgH="1117440" progId="Photoshop.Image.13">
                       <p:embed/>
                     </p:oleObj>
                   </mc:Choice>
@@ -5218,7 +5218,7 @@
             <a:graphicData uri="http://schemas.openxmlformats.org/presentationml/2006/ole">
               <mc:AlternateContent xmlns:mc="http://schemas.openxmlformats.org/markup-compatibility/2006">
                 <mc:Choice xmlns:v="urn:schemas-microsoft-com:vml" Requires="v">
-                  <p:oleObj spid="_x0000_s1106" name="Image" r:id="rId12" imgW="4571280" imgH="1688760" progId="Photoshop.Image.13">
+                  <p:oleObj spid="_x0000_s1119" name="Image" r:id="rId12" imgW="4571280" imgH="1688760" progId="Photoshop.Image.13">
                     <p:embed/>
                   </p:oleObj>
                 </mc:Choice>
@@ -5302,7 +5302,7 @@
             <a:graphicData uri="http://schemas.openxmlformats.org/presentationml/2006/ole">
               <mc:AlternateContent xmlns:mc="http://schemas.openxmlformats.org/markup-compatibility/2006">
                 <mc:Choice xmlns:v="urn:schemas-microsoft-com:vml" Requires="v">
-                  <p:oleObj spid="_x0000_s1107" name="Image" r:id="rId15" imgW="1574280" imgH="1053720" progId="Photoshop.Image.13">
+                  <p:oleObj spid="_x0000_s1120" name="Image" r:id="rId15" imgW="1574280" imgH="1053720" progId="Photoshop.Image.13">
                     <p:embed/>
                   </p:oleObj>
                 </mc:Choice>
@@ -7311,7 +7311,7 @@
               <a:graphicData uri="http://schemas.openxmlformats.org/presentationml/2006/ole">
                 <mc:AlternateContent xmlns:mc="http://schemas.openxmlformats.org/markup-compatibility/2006">
                   <mc:Choice xmlns:v="urn:schemas-microsoft-com:vml" Requires="v">
-                    <p:oleObj spid="_x0000_s2128" name="Image" r:id="rId8" imgW="1828440" imgH="1117440" progId="Photoshop.Image.13">
+                    <p:oleObj spid="_x0000_s2141" name="Image" r:id="rId8" imgW="1828440" imgH="1117440" progId="Photoshop.Image.13">
                       <p:embed/>
                     </p:oleObj>
                   </mc:Choice>
@@ -7368,7 +7368,7 @@
               <a:graphicData uri="http://schemas.openxmlformats.org/presentationml/2006/ole">
                 <mc:AlternateContent xmlns:mc="http://schemas.openxmlformats.org/markup-compatibility/2006">
                   <mc:Choice xmlns:v="urn:schemas-microsoft-com:vml" Requires="v">
-                    <p:oleObj spid="_x0000_s2129" name="Image" r:id="rId10" imgW="1828440" imgH="1117440" progId="Photoshop.Image.13">
+                    <p:oleObj spid="_x0000_s2142" name="Image" r:id="rId10" imgW="1828440" imgH="1117440" progId="Photoshop.Image.13">
                       <p:embed/>
                     </p:oleObj>
                   </mc:Choice>
@@ -8551,7 +8551,7 @@
             <a:graphicData uri="http://schemas.openxmlformats.org/presentationml/2006/ole">
               <mc:AlternateContent xmlns:mc="http://schemas.openxmlformats.org/markup-compatibility/2006">
                 <mc:Choice xmlns:v="urn:schemas-microsoft-com:vml" Requires="v">
-                  <p:oleObj spid="_x0000_s2130" name="Image" r:id="rId12" imgW="4571280" imgH="1688760" progId="Photoshop.Image.13">
+                  <p:oleObj spid="_x0000_s2143" name="Image" r:id="rId12" imgW="4571280" imgH="1688760" progId="Photoshop.Image.13">
                     <p:embed/>
                   </p:oleObj>
                 </mc:Choice>
@@ -8635,7 +8635,7 @@
             <a:graphicData uri="http://schemas.openxmlformats.org/presentationml/2006/ole">
               <mc:AlternateContent xmlns:mc="http://schemas.openxmlformats.org/markup-compatibility/2006">
                 <mc:Choice xmlns:v="urn:schemas-microsoft-com:vml" Requires="v">
-                  <p:oleObj spid="_x0000_s2131" name="Image" r:id="rId15" imgW="1574280" imgH="1053720" progId="Photoshop.Image.13">
+                  <p:oleObj spid="_x0000_s2144" name="Image" r:id="rId15" imgW="1574280" imgH="1053720" progId="Photoshop.Image.13">
                     <p:embed/>
                   </p:oleObj>
                 </mc:Choice>
@@ -9466,7 +9466,6 @@
               <a:rPr lang="en-US" dirty="0"/>
               <a:t>The Visual Dialog task has been at the forefront of deep learning research and excellent performance has already been achieved. Visual Dialog is about training a network to learn information about images, and be able to answer questions and have a conversation about those images. It involves being able to encode the relevant information (such as the images, the captions for the images, and the questions and answers about the images) into a meaningful representation, as well as being able to decode that representation and come out with a correct answer. In our project, we attempt to first reproduce the state-of-the-art method using the widely used Visual Dialog dataset, which outperforms many other sophisticated baselines. This method uses a Late Fusion encoder with a discriminative decoder.  We also decrease the model size and still obtain comparable results by using an attention mechanism. Finally, we attempt to propose a new algorithm for further improvements and outperform the existing methods.</a:t>
             </a:r>
-            <a:endParaRPr lang="en-US" dirty="0"/>
           </a:p>
         </p:txBody>
       </p:sp>
@@ -9505,7 +9504,7 @@
         </p:nvSpPr>
         <p:spPr>
           <a:xfrm>
-            <a:off x="576462" y="14232814"/>
+            <a:off x="565119" y="9738626"/>
             <a:ext cx="12949224" cy="643172"/>
           </a:xfrm>
         </p:spPr>
@@ -9515,8 +9514,9 @@
           <a:p>
             <a:r>
               <a:rPr lang="en-US" dirty="0" smtClean="0"/>
-              <a:t>Models challenge goals</a:t>
-            </a:r>
+              <a:t>Models</a:t>
+            </a:r>
+            <a:endParaRPr lang="en-US" dirty="0" smtClean="0"/>
           </a:p>
         </p:txBody>
       </p:sp>
@@ -9724,7 +9724,7 @@
         </p:nvSpPr>
         <p:spPr>
           <a:xfrm>
-            <a:off x="565119" y="14865828"/>
+            <a:off x="614329" y="10735310"/>
             <a:ext cx="12957406" cy="1393252"/>
           </a:xfrm>
         </p:spPr>
@@ -9802,11 +9802,7 @@
             </a:r>
             <a:r>
               <a:rPr lang="en-US" dirty="0" smtClean="0"/>
-              <a:t> </a:t>
-            </a:r>
-            <a:r>
-              <a:rPr lang="en-US" dirty="0" smtClean="0"/>
-              <a:t>Du, </a:t>
+              <a:t> Du, </a:t>
             </a:r>
             <a:r>
               <a:rPr lang="en-US" dirty="0" err="1" smtClean="0"/>
@@ -10212,7 +10208,6 @@
               <a:rPr lang="en-US" dirty="0"/>
               <a:t> with GPUs on Amazon Web Service. </a:t>
             </a:r>
-            <a:endParaRPr lang="en-US" dirty="0"/>
           </a:p>
           <a:p>
             <a:r>
@@ -10235,7 +10230,6 @@
               <a:rPr lang="en-US" dirty="0"/>
               <a:t> images. We use the 83k as training and split the 40K into 5k for validation and 35k for test. </a:t>
             </a:r>
-            <a:endParaRPr lang="en-US" dirty="0"/>
           </a:p>
           <a:p>
             <a:r>
@@ -10266,7 +10260,6 @@
               <a:rPr lang="en-US" dirty="0"/>
               <a:t>. </a:t>
             </a:r>
-            <a:endParaRPr lang="en-US" dirty="0"/>
           </a:p>
         </p:txBody>
       </p:sp>
@@ -10645,7 +10638,27 @@
             </a:r>
             <a:r>
               <a:rPr lang="en-US" dirty="0" smtClean="0"/>
-              <a:t>, ECE, SCE, </a:t>
+              <a:t>, </a:t>
+            </a:r>
+            <a:r>
+              <a:rPr lang="en-US" dirty="0" smtClean="0"/>
+              <a:t>CIT</a:t>
+            </a:r>
+            <a:r>
+              <a:rPr lang="en-US" dirty="0" smtClean="0"/>
+              <a:t>, </a:t>
+            </a:r>
+            <a:r>
+              <a:rPr lang="en-US" dirty="0"/>
+              <a:t>E</a:t>
+            </a:r>
+            <a:r>
+              <a:rPr lang="en-US" dirty="0" smtClean="0"/>
+              <a:t>CE</a:t>
+            </a:r>
+            <a:r>
+              <a:rPr lang="en-US" dirty="0" smtClean="0"/>
+              <a:t>, </a:t>
             </a:r>
             <a:r>
               <a:rPr lang="en-US" dirty="0" smtClean="0">
@@ -11204,7 +11217,6 @@
               <a:rPr lang="en-US" sz="2000" dirty="0"/>
               <a:t>, abs/1612.01627, 2016. </a:t>
             </a:r>
-            <a:endParaRPr lang="en-US" sz="2000" dirty="0"/>
           </a:p>
           <a:p>
             <a:pPr algn="just"/>
@@ -11246,7 +11258,7 @@
         </p:blipFill>
         <p:spPr>
           <a:xfrm>
-            <a:off x="2059794" y="16660171"/>
+            <a:off x="2018952" y="13194858"/>
             <a:ext cx="9982559" cy="3335433"/>
           </a:xfrm>
           <a:prstGeom prst="rect">
@@ -11264,7 +11276,7 @@
         </p:nvSpPr>
         <p:spPr>
           <a:xfrm>
-            <a:off x="576461" y="15996905"/>
+            <a:off x="535621" y="12340124"/>
             <a:ext cx="12949224" cy="643172"/>
           </a:xfrm>
           <a:prstGeom prst="rect">
@@ -11417,10 +11429,17 @@
           </a:lstStyle>
           <a:p>
             <a:r>
-              <a:rPr lang="en-US" dirty="0" smtClean="0"/>
-              <a:t>Late fusion - Discriminative</a:t>
-            </a:r>
-            <a:endParaRPr lang="en-US" dirty="0" smtClean="0"/>
+              <a:rPr lang="en-US" b="0" dirty="0" smtClean="0"/>
+              <a:t>Late </a:t>
+            </a:r>
+            <a:r>
+              <a:rPr lang="en-US" b="0" dirty="0" smtClean="0"/>
+              <a:t>Fusion </a:t>
+            </a:r>
+            <a:r>
+              <a:rPr lang="en-US" b="0" dirty="0" smtClean="0"/>
+              <a:t>- Discriminative</a:t>
+            </a:r>
           </a:p>
         </p:txBody>
       </p:sp>
@@ -11434,7 +11453,7 @@
         </p:nvSpPr>
         <p:spPr>
           <a:xfrm>
-            <a:off x="535622" y="22549016"/>
+            <a:off x="535621" y="18494227"/>
             <a:ext cx="12949224" cy="643172"/>
           </a:xfrm>
           <a:prstGeom prst="rect">
@@ -11587,10 +11606,9 @@
           </a:lstStyle>
           <a:p>
             <a:r>
-              <a:rPr lang="en-US" dirty="0" smtClean="0"/>
+              <a:rPr lang="en-US" b="0" dirty="0" smtClean="0"/>
               <a:t>Sequential Matching - Discriminative</a:t>
             </a:r>
-            <a:endParaRPr lang="en-US" dirty="0" smtClean="0"/>
           </a:p>
         </p:txBody>
       </p:sp>
@@ -11604,7 +11622,7 @@
         </p:nvSpPr>
         <p:spPr>
           <a:xfrm>
-            <a:off x="576461" y="25907429"/>
+            <a:off x="576461" y="24777687"/>
             <a:ext cx="12949224" cy="643172"/>
           </a:xfrm>
           <a:prstGeom prst="rect">
@@ -11757,179 +11775,17 @@
           </a:lstStyle>
           <a:p>
             <a:r>
-              <a:rPr lang="en-US" dirty="0" smtClean="0"/>
-              <a:t>Late fusion - Generative</a:t>
-            </a:r>
-            <a:endParaRPr lang="en-US" dirty="0" smtClean="0"/>
-          </a:p>
-        </p:txBody>
-      </p:sp>
-      <p:sp>
-        <p:nvSpPr>
-          <p:cNvPr id="27" name="Text Placeholder 91"/>
-          <p:cNvSpPr txBox="1">
-            <a:spLocks/>
-          </p:cNvSpPr>
-          <p:nvPr/>
-        </p:nvSpPr>
-        <p:spPr>
-          <a:xfrm>
-            <a:off x="581612" y="26568059"/>
-            <a:ext cx="12957406" cy="728455"/>
-          </a:xfrm>
-          <a:prstGeom prst="rect">
-            <a:avLst/>
-          </a:prstGeom>
-        </p:spPr>
-        <p:txBody>
-          <a:bodyPr wrap="square" lIns="196113" tIns="196113" rIns="196113" bIns="196113">
-            <a:spAutoFit/>
-          </a:bodyPr>
-          <a:lstStyle>
-            <a:lvl1pPr marL="0" indent="0" algn="l" defTabSz="3388829" rtl="0" eaLnBrk="1" latinLnBrk="0" hangingPunct="1">
-              <a:spcBef>
-                <a:spcPct val="20000"/>
-              </a:spcBef>
-              <a:buFont typeface="Arial" pitchFamily="34" charset="0"/>
-              <a:buNone/>
-              <a:defRPr sz="2160" kern="1200">
-                <a:solidFill>
-                  <a:schemeClr val="accent5">
-                    <a:lumMod val="50000"/>
-                  </a:schemeClr>
-                </a:solidFill>
-                <a:latin typeface="Times New Roman" panose="02020603050405020304" pitchFamily="18" charset="0"/>
-                <a:ea typeface="+mn-ea"/>
-                <a:cs typeface="Times New Roman" panose="02020603050405020304" pitchFamily="18" charset="0"/>
-              </a:defRPr>
-            </a:lvl1pPr>
-            <a:lvl2pPr marL="1147260" indent="-441254" algn="l" defTabSz="3388829" rtl="0" eaLnBrk="1" latinLnBrk="0" hangingPunct="1">
-              <a:spcBef>
-                <a:spcPct val="20000"/>
-              </a:spcBef>
-              <a:buFont typeface="Arial" pitchFamily="34" charset="0"/>
-              <a:buChar char="–"/>
-              <a:defRPr sz="1980" kern="1200">
-                <a:solidFill>
-                  <a:schemeClr val="tx1"/>
-                </a:solidFill>
-                <a:latin typeface="Trebuchet MS" pitchFamily="34" charset="0"/>
-                <a:ea typeface="+mn-ea"/>
-                <a:cs typeface="+mn-cs"/>
-              </a:defRPr>
-            </a:lvl2pPr>
-            <a:lvl3pPr marL="1588514" indent="-441254" algn="l" defTabSz="3388829" rtl="0" eaLnBrk="1" latinLnBrk="0" hangingPunct="1">
-              <a:spcBef>
-                <a:spcPct val="20000"/>
-              </a:spcBef>
-              <a:buFont typeface="Arial" pitchFamily="34" charset="0"/>
-              <a:buChar char="•"/>
-              <a:defRPr sz="1980" kern="1200">
-                <a:solidFill>
-                  <a:schemeClr val="tx1"/>
-                </a:solidFill>
-                <a:latin typeface="Trebuchet MS" pitchFamily="34" charset="0"/>
-                <a:ea typeface="+mn-ea"/>
-                <a:cs typeface="+mn-cs"/>
-              </a:defRPr>
-            </a:lvl3pPr>
-            <a:lvl4pPr marL="2073893" indent="-485379" algn="l" defTabSz="3388829" rtl="0" eaLnBrk="1" latinLnBrk="0" hangingPunct="1">
-              <a:spcBef>
-                <a:spcPct val="20000"/>
-              </a:spcBef>
-              <a:buFont typeface="Arial" pitchFamily="34" charset="0"/>
-              <a:buChar char="–"/>
-              <a:defRPr sz="1980" kern="1200">
-                <a:solidFill>
-                  <a:schemeClr val="tx1"/>
-                </a:solidFill>
-                <a:latin typeface="Trebuchet MS" pitchFamily="34" charset="0"/>
-                <a:ea typeface="+mn-ea"/>
-                <a:cs typeface="+mn-cs"/>
-              </a:defRPr>
-            </a:lvl4pPr>
-            <a:lvl5pPr marL="2426896" indent="-353003" algn="l" defTabSz="3388829" rtl="0" eaLnBrk="1" latinLnBrk="0" hangingPunct="1">
-              <a:spcBef>
-                <a:spcPct val="20000"/>
-              </a:spcBef>
-              <a:buFont typeface="Arial" pitchFamily="34" charset="0"/>
-              <a:buChar char="»"/>
-              <a:defRPr sz="1980" kern="1200">
-                <a:solidFill>
-                  <a:schemeClr val="tx1"/>
-                </a:solidFill>
-                <a:latin typeface="Trebuchet MS" pitchFamily="34" charset="0"/>
-                <a:ea typeface="+mn-ea"/>
-                <a:cs typeface="+mn-cs"/>
-              </a:defRPr>
-            </a:lvl5pPr>
-            <a:lvl6pPr marL="9319281" indent="-847208" algn="l" defTabSz="3388829" rtl="0" eaLnBrk="1" latinLnBrk="0" hangingPunct="1">
-              <a:spcBef>
-                <a:spcPct val="20000"/>
-              </a:spcBef>
-              <a:buFont typeface="Arial" pitchFamily="34" charset="0"/>
-              <a:buChar char="•"/>
-              <a:defRPr sz="7470" kern="1200">
-                <a:solidFill>
-                  <a:schemeClr val="tx1"/>
-                </a:solidFill>
-                <a:latin typeface="+mn-lt"/>
-                <a:ea typeface="+mn-ea"/>
-                <a:cs typeface="+mn-cs"/>
-              </a:defRPr>
-            </a:lvl6pPr>
-            <a:lvl7pPr marL="11013695" indent="-847208" algn="l" defTabSz="3388829" rtl="0" eaLnBrk="1" latinLnBrk="0" hangingPunct="1">
-              <a:spcBef>
-                <a:spcPct val="20000"/>
-              </a:spcBef>
-              <a:buFont typeface="Arial" pitchFamily="34" charset="0"/>
-              <a:buChar char="•"/>
-              <a:defRPr sz="7470" kern="1200">
-                <a:solidFill>
-                  <a:schemeClr val="tx1"/>
-                </a:solidFill>
-                <a:latin typeface="+mn-lt"/>
-                <a:ea typeface="+mn-ea"/>
-                <a:cs typeface="+mn-cs"/>
-              </a:defRPr>
-            </a:lvl7pPr>
-            <a:lvl8pPr marL="12708110" indent="-847208" algn="l" defTabSz="3388829" rtl="0" eaLnBrk="1" latinLnBrk="0" hangingPunct="1">
-              <a:spcBef>
-                <a:spcPct val="20000"/>
-              </a:spcBef>
-              <a:buFont typeface="Arial" pitchFamily="34" charset="0"/>
-              <a:buChar char="•"/>
-              <a:defRPr sz="7470" kern="1200">
-                <a:solidFill>
-                  <a:schemeClr val="tx1"/>
-                </a:solidFill>
-                <a:latin typeface="+mn-lt"/>
-                <a:ea typeface="+mn-ea"/>
-                <a:cs typeface="+mn-cs"/>
-              </a:defRPr>
-            </a:lvl8pPr>
-            <a:lvl9pPr marL="14402525" indent="-847208" algn="l" defTabSz="3388829" rtl="0" eaLnBrk="1" latinLnBrk="0" hangingPunct="1">
-              <a:spcBef>
-                <a:spcPct val="20000"/>
-              </a:spcBef>
-              <a:buFont typeface="Arial" pitchFamily="34" charset="0"/>
-              <a:buChar char="•"/>
-              <a:defRPr sz="7470" kern="1200">
-                <a:solidFill>
-                  <a:schemeClr val="tx1"/>
-                </a:solidFill>
-                <a:latin typeface="+mn-lt"/>
-                <a:ea typeface="+mn-ea"/>
-                <a:cs typeface="+mn-cs"/>
-              </a:defRPr>
-            </a:lvl9pPr>
-          </a:lstStyle>
-          <a:p>
-            <a:r>
-              <a:rPr lang="en-US" dirty="0" smtClean="0"/>
-              <a:t>In this part, we </a:t>
-            </a:r>
-            <a:endParaRPr lang="en-US" dirty="0"/>
+              <a:rPr lang="en-US" b="0" dirty="0" smtClean="0"/>
+              <a:t>Late </a:t>
+            </a:r>
+            <a:r>
+              <a:rPr lang="en-US" b="0" dirty="0" smtClean="0"/>
+              <a:t>Fusion with Attention </a:t>
+            </a:r>
+            <a:r>
+              <a:rPr lang="en-US" b="0" dirty="0" smtClean="0"/>
+              <a:t>- Generative</a:t>
+            </a:r>
           </a:p>
         </p:txBody>
       </p:sp>
@@ -11955,8 +11811,8 @@
         </p:blipFill>
         <p:spPr>
           <a:xfrm>
-            <a:off x="832551" y="26020428"/>
-            <a:ext cx="12422541" cy="4549564"/>
+            <a:off x="881761" y="19348961"/>
+            <a:ext cx="12422541" cy="4001933"/>
           </a:xfrm>
           <a:prstGeom prst="rect">
             <a:avLst/>
@@ -11985,7 +11841,7 @@
         </p:blipFill>
         <p:spPr>
           <a:xfrm>
-            <a:off x="1238864" y="20143242"/>
+            <a:off x="860154" y="25632421"/>
             <a:ext cx="12300154" cy="4353671"/>
           </a:xfrm>
           <a:prstGeom prst="rect">

--- a/poster.pptx
+++ b/poster.pptx
@@ -3978,7 +3978,7 @@
               <a:graphicData uri="http://schemas.openxmlformats.org/presentationml/2006/ole">
                 <mc:AlternateContent xmlns:mc="http://schemas.openxmlformats.org/markup-compatibility/2006">
                   <mc:Choice xmlns:v="urn:schemas-microsoft-com:vml" Requires="v">
-                    <p:oleObj spid="_x0000_s1117" name="Image" r:id="rId8" imgW="1828440" imgH="1117440" progId="Photoshop.Image.13">
+                    <p:oleObj spid="_x0000_s1130" name="Image" r:id="rId8" imgW="1828440" imgH="1117440" progId="Photoshop.Image.13">
                       <p:embed/>
                     </p:oleObj>
                   </mc:Choice>
@@ -4035,7 +4035,7 @@
               <a:graphicData uri="http://schemas.openxmlformats.org/presentationml/2006/ole">
                 <mc:AlternateContent xmlns:mc="http://schemas.openxmlformats.org/markup-compatibility/2006">
                   <mc:Choice xmlns:v="urn:schemas-microsoft-com:vml" Requires="v">
-                    <p:oleObj spid="_x0000_s1118" name="Image" r:id="rId10" imgW="1828440" imgH="1117440" progId="Photoshop.Image.13">
+                    <p:oleObj spid="_x0000_s1131" name="Image" r:id="rId10" imgW="1828440" imgH="1117440" progId="Photoshop.Image.13">
                       <p:embed/>
                     </p:oleObj>
                   </mc:Choice>
@@ -5218,7 +5218,7 @@
             <a:graphicData uri="http://schemas.openxmlformats.org/presentationml/2006/ole">
               <mc:AlternateContent xmlns:mc="http://schemas.openxmlformats.org/markup-compatibility/2006">
                 <mc:Choice xmlns:v="urn:schemas-microsoft-com:vml" Requires="v">
-                  <p:oleObj spid="_x0000_s1119" name="Image" r:id="rId12" imgW="4571280" imgH="1688760" progId="Photoshop.Image.13">
+                  <p:oleObj spid="_x0000_s1132" name="Image" r:id="rId12" imgW="4571280" imgH="1688760" progId="Photoshop.Image.13">
                     <p:embed/>
                   </p:oleObj>
                 </mc:Choice>
@@ -5302,7 +5302,7 @@
             <a:graphicData uri="http://schemas.openxmlformats.org/presentationml/2006/ole">
               <mc:AlternateContent xmlns:mc="http://schemas.openxmlformats.org/markup-compatibility/2006">
                 <mc:Choice xmlns:v="urn:schemas-microsoft-com:vml" Requires="v">
-                  <p:oleObj spid="_x0000_s1120" name="Image" r:id="rId15" imgW="1574280" imgH="1053720" progId="Photoshop.Image.13">
+                  <p:oleObj spid="_x0000_s1133" name="Image" r:id="rId15" imgW="1574280" imgH="1053720" progId="Photoshop.Image.13">
                     <p:embed/>
                   </p:oleObj>
                 </mc:Choice>
@@ -7311,7 +7311,7 @@
               <a:graphicData uri="http://schemas.openxmlformats.org/presentationml/2006/ole">
                 <mc:AlternateContent xmlns:mc="http://schemas.openxmlformats.org/markup-compatibility/2006">
                   <mc:Choice xmlns:v="urn:schemas-microsoft-com:vml" Requires="v">
-                    <p:oleObj spid="_x0000_s2141" name="Image" r:id="rId8" imgW="1828440" imgH="1117440" progId="Photoshop.Image.13">
+                    <p:oleObj spid="_x0000_s2154" name="Image" r:id="rId8" imgW="1828440" imgH="1117440" progId="Photoshop.Image.13">
                       <p:embed/>
                     </p:oleObj>
                   </mc:Choice>
@@ -7368,7 +7368,7 @@
               <a:graphicData uri="http://schemas.openxmlformats.org/presentationml/2006/ole">
                 <mc:AlternateContent xmlns:mc="http://schemas.openxmlformats.org/markup-compatibility/2006">
                   <mc:Choice xmlns:v="urn:schemas-microsoft-com:vml" Requires="v">
-                    <p:oleObj spid="_x0000_s2142" name="Image" r:id="rId10" imgW="1828440" imgH="1117440" progId="Photoshop.Image.13">
+                    <p:oleObj spid="_x0000_s2155" name="Image" r:id="rId10" imgW="1828440" imgH="1117440" progId="Photoshop.Image.13">
                       <p:embed/>
                     </p:oleObj>
                   </mc:Choice>
@@ -8551,7 +8551,7 @@
             <a:graphicData uri="http://schemas.openxmlformats.org/presentationml/2006/ole">
               <mc:AlternateContent xmlns:mc="http://schemas.openxmlformats.org/markup-compatibility/2006">
                 <mc:Choice xmlns:v="urn:schemas-microsoft-com:vml" Requires="v">
-                  <p:oleObj spid="_x0000_s2143" name="Image" r:id="rId12" imgW="4571280" imgH="1688760" progId="Photoshop.Image.13">
+                  <p:oleObj spid="_x0000_s2156" name="Image" r:id="rId12" imgW="4571280" imgH="1688760" progId="Photoshop.Image.13">
                     <p:embed/>
                   </p:oleObj>
                 </mc:Choice>
@@ -8635,7 +8635,7 @@
             <a:graphicData uri="http://schemas.openxmlformats.org/presentationml/2006/ole">
               <mc:AlternateContent xmlns:mc="http://schemas.openxmlformats.org/markup-compatibility/2006">
                 <mc:Choice xmlns:v="urn:schemas-microsoft-com:vml" Requires="v">
-                  <p:oleObj spid="_x0000_s2144" name="Image" r:id="rId15" imgW="1574280" imgH="1053720" progId="Photoshop.Image.13">
+                  <p:oleObj spid="_x0000_s2157" name="Image" r:id="rId15" imgW="1574280" imgH="1053720" progId="Photoshop.Image.13">
                     <p:embed/>
                   </p:oleObj>
                 </mc:Choice>
@@ -9463,7 +9463,11 @@
           <a:p>
             <a:pPr algn="just"/>
             <a:r>
-              <a:rPr lang="en-US" dirty="0"/>
+              <a:rPr lang="en-US" dirty="0">
+                <a:solidFill>
+                  <a:schemeClr val="tx1"/>
+                </a:solidFill>
+              </a:rPr>
               <a:t>The Visual Dialog task has been at the forefront of deep learning research and excellent performance has already been achieved. Visual Dialog is about training a network to learn information about images, and be able to answer questions and have a conversation about those images. It involves being able to encode the relevant information (such as the images, the captions for the images, and the questions and answers about the images) into a meaningful representation, as well as being able to decode that representation and come out with a correct answer. In our project, we attempt to first reproduce the state-of-the-art method using the widely used Visual Dialog dataset, which outperforms many other sophisticated baselines. This method uses a Late Fusion encoder with a discriminative decoder.  We also decrease the model size and still obtain comparable results by using an attention mechanism. Finally, we attempt to propose a new algorithm for further improvements and outperform the existing methods.</a:t>
             </a:r>
           </a:p>
@@ -9504,7 +9508,7 @@
         </p:nvSpPr>
         <p:spPr>
           <a:xfrm>
-            <a:off x="565119" y="9738626"/>
+            <a:off x="572182" y="9616503"/>
             <a:ext cx="12949224" cy="643172"/>
           </a:xfrm>
         </p:spPr>
@@ -9516,7 +9520,6 @@
               <a:rPr lang="en-US" dirty="0" smtClean="0"/>
               <a:t>Models</a:t>
             </a:r>
-            <a:endParaRPr lang="en-US" dirty="0" smtClean="0"/>
           </a:p>
         </p:txBody>
       </p:sp>
@@ -9564,24 +9567,44 @@
           <a:lstStyle/>
           <a:p>
             <a:r>
-              <a:rPr lang="en-US" b="1" dirty="0" smtClean="0"/>
+              <a:rPr lang="en-US" b="1" dirty="0" smtClean="0">
+                <a:solidFill>
+                  <a:schemeClr val="tx1"/>
+                </a:solidFill>
+              </a:rPr>
               <a:t>Evaluation</a:t>
             </a:r>
             <a:r>
-              <a:rPr lang="en-US" dirty="0" smtClean="0"/>
+              <a:rPr lang="en-US" dirty="0" smtClean="0">
+                <a:solidFill>
+                  <a:schemeClr val="tx1"/>
+                </a:solidFill>
+              </a:rPr>
               <a:t>: We conduct the experiments on the retrieval task, which is evaluated with Mean Reciprocal Rank (MRR) and Recall at N (R@N).</a:t>
             </a:r>
           </a:p>
           <a:p>
             <a:r>
-              <a:rPr lang="en-US" b="1" dirty="0" smtClean="0"/>
+              <a:rPr lang="en-US" b="1" dirty="0" smtClean="0">
+                <a:solidFill>
+                  <a:schemeClr val="tx1"/>
+                </a:solidFill>
+              </a:rPr>
               <a:t>Limitation</a:t>
             </a:r>
             <a:r>
-              <a:rPr lang="en-US" dirty="0" smtClean="0"/>
+              <a:rPr lang="en-US" dirty="0" smtClean="0">
+                <a:solidFill>
+                  <a:schemeClr val="tx1"/>
+                </a:solidFill>
+              </a:rPr>
               <a:t>: Due to hardware constraints, we use smaller hidden size (200) and word embedding size (200) as opposed to 512 and 300 in Das et al.. We are able to get results that are close to what were reported by the authors.</a:t>
             </a:r>
-            <a:endParaRPr lang="en-US" dirty="0"/>
+            <a:endParaRPr lang="en-US" dirty="0">
+              <a:solidFill>
+                <a:schemeClr val="tx1"/>
+              </a:solidFill>
+            </a:endParaRPr>
           </a:p>
         </p:txBody>
       </p:sp>
@@ -9724,7 +9747,7 @@
         </p:nvSpPr>
         <p:spPr>
           <a:xfrm>
-            <a:off x="614329" y="10735310"/>
+            <a:off x="614328" y="10103878"/>
             <a:ext cx="12957406" cy="1393252"/>
           </a:xfrm>
         </p:spPr>
@@ -9733,26 +9756,50 @@
           <a:lstStyle/>
           <a:p>
             <a:r>
-              <a:rPr lang="en-US" dirty="0" smtClean="0"/>
+              <a:rPr lang="en-US" dirty="0" smtClean="0">
+                <a:solidFill>
+                  <a:schemeClr val="tx1"/>
+                </a:solidFill>
+              </a:rPr>
               <a:t>In this project, we introduce a family of neural encoder-decoder models for Visual Dialog with 2 encoders </a:t>
             </a:r>
             <a:r>
-              <a:rPr lang="mr-IN" dirty="0" smtClean="0"/>
+              <a:rPr lang="mr-IN" dirty="0" smtClean="0">
+                <a:solidFill>
+                  <a:schemeClr val="tx1"/>
+                </a:solidFill>
+              </a:rPr>
               <a:t>–</a:t>
             </a:r>
             <a:r>
-              <a:rPr lang="en-US" dirty="0" smtClean="0"/>
+              <a:rPr lang="en-US" dirty="0" smtClean="0">
+                <a:solidFill>
+                  <a:schemeClr val="tx1"/>
+                </a:solidFill>
+              </a:rPr>
               <a:t> Late Fusion, Sequential Matching </a:t>
             </a:r>
             <a:r>
-              <a:rPr lang="mr-IN" dirty="0" smtClean="0"/>
+              <a:rPr lang="mr-IN" dirty="0" smtClean="0">
+                <a:solidFill>
+                  <a:schemeClr val="tx1"/>
+                </a:solidFill>
+              </a:rPr>
               <a:t>–</a:t>
             </a:r>
             <a:r>
-              <a:rPr lang="en-US" dirty="0" smtClean="0"/>
+              <a:rPr lang="en-US" dirty="0" smtClean="0">
+                <a:solidFill>
+                  <a:schemeClr val="tx1"/>
+                </a:solidFill>
+              </a:rPr>
               <a:t> and 2 decoders (generative and discriminative), which are comparable to a number of sophisticated baselines.</a:t>
             </a:r>
-            <a:endParaRPr lang="en-US" dirty="0"/>
+            <a:endParaRPr lang="en-US" dirty="0">
+              <a:solidFill>
+                <a:schemeClr val="tx1"/>
+              </a:solidFill>
+            </a:endParaRPr>
           </a:p>
         </p:txBody>
       </p:sp>
@@ -10189,75 +10236,143 @@
           </a:lstStyle>
           <a:p>
             <a:r>
-              <a:rPr lang="en-US" dirty="0"/>
+              <a:rPr lang="en-US" dirty="0">
+                <a:solidFill>
+                  <a:schemeClr val="tx1"/>
+                </a:solidFill>
+              </a:rPr>
               <a:t>Our Visual Dialog system involves in deep learning approaches such as CNNs and RNNs with </a:t>
             </a:r>
             <a:r>
-              <a:rPr lang="en-US" dirty="0" smtClean="0"/>
+              <a:rPr lang="en-US" dirty="0" smtClean="0">
+                <a:solidFill>
+                  <a:schemeClr val="tx1"/>
+                </a:solidFill>
+              </a:rPr>
               <a:t>attention </a:t>
             </a:r>
             <a:r>
-              <a:rPr lang="en-US" dirty="0"/>
+              <a:rPr lang="en-US" dirty="0">
+                <a:solidFill>
+                  <a:schemeClr val="tx1"/>
+                </a:solidFill>
+              </a:rPr>
               <a:t>to better understanding the images and questions. Therefore, also based on literature research, we decide to deploy the network based on </a:t>
             </a:r>
             <a:r>
-              <a:rPr lang="en-US" dirty="0" err="1"/>
+              <a:rPr lang="en-US" dirty="0" err="1">
+                <a:solidFill>
+                  <a:schemeClr val="tx1"/>
+                </a:solidFill>
+              </a:rPr>
               <a:t>Pytorch</a:t>
             </a:r>
             <a:r>
-              <a:rPr lang="en-US" dirty="0"/>
+              <a:rPr lang="en-US" dirty="0">
+                <a:solidFill>
+                  <a:schemeClr val="tx1"/>
+                </a:solidFill>
+              </a:rPr>
               <a:t> with GPUs on Amazon Web Service. </a:t>
             </a:r>
           </a:p>
           <a:p>
             <a:r>
-              <a:rPr lang="en-US" dirty="0"/>
+              <a:rPr lang="en-US" dirty="0">
+                <a:solidFill>
+                  <a:schemeClr val="tx1"/>
+                </a:solidFill>
+              </a:rPr>
               <a:t>In this project, we use </a:t>
             </a:r>
             <a:r>
-              <a:rPr lang="en-US" dirty="0" err="1"/>
+              <a:rPr lang="en-US" dirty="0" err="1">
+                <a:solidFill>
+                  <a:schemeClr val="tx1"/>
+                </a:solidFill>
+              </a:rPr>
               <a:t>VisDial</a:t>
             </a:r>
             <a:r>
-              <a:rPr lang="en-US" dirty="0"/>
+              <a:rPr lang="en-US" dirty="0">
+                <a:solidFill>
+                  <a:schemeClr val="tx1"/>
+                </a:solidFill>
+              </a:rPr>
               <a:t> v0.9 dataset, which contains 83k dialogs on COCO-train and 40K on COCO-</a:t>
             </a:r>
             <a:r>
-              <a:rPr lang="en-US" dirty="0" err="1"/>
+              <a:rPr lang="en-US" dirty="0" err="1">
+                <a:solidFill>
+                  <a:schemeClr val="tx1"/>
+                </a:solidFill>
+              </a:rPr>
               <a:t>val</a:t>
             </a:r>
             <a:r>
-              <a:rPr lang="en-US" dirty="0"/>
+              <a:rPr lang="en-US" dirty="0">
+                <a:solidFill>
+                  <a:schemeClr val="tx1"/>
+                </a:solidFill>
+              </a:rPr>
               <a:t> images. We use the 83k as training and split the 40K into 5k for validation and 35k for test. </a:t>
             </a:r>
           </a:p>
           <a:p>
             <a:r>
-              <a:rPr lang="en-US" dirty="0"/>
+              <a:rPr lang="en-US" dirty="0">
+                <a:solidFill>
+                  <a:schemeClr val="tx1"/>
+                </a:solidFill>
+              </a:rPr>
               <a:t>Our work is based on </a:t>
             </a:r>
             <a:r>
-              <a:rPr lang="en-US" dirty="0" err="1"/>
+              <a:rPr lang="en-US" dirty="0" err="1">
+                <a:solidFill>
+                  <a:schemeClr val="tx1"/>
+                </a:solidFill>
+              </a:rPr>
               <a:t>Pytorch</a:t>
             </a:r>
             <a:r>
-              <a:rPr lang="en-US" dirty="0"/>
+              <a:rPr lang="en-US" dirty="0">
+                <a:solidFill>
+                  <a:schemeClr val="tx1"/>
+                </a:solidFill>
+              </a:rPr>
               <a:t>, due to GPU memory limitation, we reduce the size of hidden layer in </a:t>
             </a:r>
             <a:r>
-              <a:rPr lang="en-US" dirty="0" err="1"/>
+              <a:rPr lang="en-US" dirty="0" err="1">
+                <a:solidFill>
+                  <a:schemeClr val="tx1"/>
+                </a:solidFill>
+              </a:rPr>
               <a:t>GRUCell</a:t>
             </a:r>
             <a:r>
-              <a:rPr lang="en-US" dirty="0"/>
+              <a:rPr lang="en-US" dirty="0">
+                <a:solidFill>
+                  <a:schemeClr val="tx1"/>
+                </a:solidFill>
+              </a:rPr>
               <a:t>, aiming to produce the same comparable results with less parameters and further </a:t>
             </a:r>
             <a:r>
-              <a:rPr lang="en-US" dirty="0" smtClean="0"/>
+              <a:rPr lang="en-US" dirty="0" smtClean="0">
+                <a:solidFill>
+                  <a:schemeClr val="tx1"/>
+                </a:solidFill>
+              </a:rPr>
               <a:t>improvements</a:t>
             </a:r>
             <a:r>
-              <a:rPr lang="en-US" dirty="0"/>
+              <a:rPr lang="en-US" dirty="0">
+                <a:solidFill>
+                  <a:schemeClr val="tx1"/>
+                </a:solidFill>
+              </a:rPr>
               <a:t>. </a:t>
             </a:r>
           </a:p>
@@ -10638,15 +10753,7 @@
             </a:r>
             <a:r>
               <a:rPr lang="en-US" dirty="0" smtClean="0"/>
-              <a:t>, </a:t>
-            </a:r>
-            <a:r>
-              <a:rPr lang="en-US" dirty="0" smtClean="0"/>
-              <a:t>CIT</a:t>
-            </a:r>
-            <a:r>
-              <a:rPr lang="en-US" dirty="0" smtClean="0"/>
-              <a:t>, </a:t>
+              <a:t>, CIT, </a:t>
             </a:r>
             <a:r>
               <a:rPr lang="en-US" dirty="0"/>
@@ -10654,11 +10761,7 @@
             </a:r>
             <a:r>
               <a:rPr lang="en-US" dirty="0" smtClean="0"/>
-              <a:t>CE</a:t>
-            </a:r>
-            <a:r>
-              <a:rPr lang="en-US" dirty="0" smtClean="0"/>
-              <a:t>, </a:t>
+              <a:t>CE, </a:t>
             </a:r>
             <a:r>
               <a:rPr lang="en-US" dirty="0" smtClean="0">
@@ -11258,7 +11361,7 @@
         </p:blipFill>
         <p:spPr>
           <a:xfrm>
-            <a:off x="2018952" y="13194858"/>
+            <a:off x="2018950" y="12222780"/>
             <a:ext cx="9982559" cy="3335433"/>
           </a:xfrm>
           <a:prstGeom prst="rect">
@@ -11276,7 +11379,7 @@
         </p:nvSpPr>
         <p:spPr>
           <a:xfrm>
-            <a:off x="535621" y="12340124"/>
+            <a:off x="535618" y="11429675"/>
             <a:ext cx="12949224" cy="643172"/>
           </a:xfrm>
           <a:prstGeom prst="rect">
@@ -11430,15 +11533,7 @@
           <a:p>
             <a:r>
               <a:rPr lang="en-US" b="0" dirty="0" smtClean="0"/>
-              <a:t>Late </a:t>
-            </a:r>
-            <a:r>
-              <a:rPr lang="en-US" b="0" dirty="0" smtClean="0"/>
-              <a:t>Fusion </a:t>
-            </a:r>
-            <a:r>
-              <a:rPr lang="en-US" b="0" dirty="0" smtClean="0"/>
-              <a:t>- Discriminative</a:t>
+              <a:t>Late Fusion - Discriminative</a:t>
             </a:r>
           </a:p>
         </p:txBody>
@@ -11453,7 +11548,7 @@
         </p:nvSpPr>
         <p:spPr>
           <a:xfrm>
-            <a:off x="535621" y="18494227"/>
+            <a:off x="535618" y="17684427"/>
             <a:ext cx="12949224" cy="643172"/>
           </a:xfrm>
           <a:prstGeom prst="rect">
@@ -11622,7 +11717,7 @@
         </p:nvSpPr>
         <p:spPr>
           <a:xfrm>
-            <a:off x="576461" y="24777687"/>
+            <a:off x="535618" y="23788194"/>
             <a:ext cx="12949224" cy="643172"/>
           </a:xfrm>
           <a:prstGeom prst="rect">
@@ -11776,15 +11871,7 @@
           <a:p>
             <a:r>
               <a:rPr lang="en-US" b="0" dirty="0" smtClean="0"/>
-              <a:t>Late </a:t>
-            </a:r>
-            <a:r>
-              <a:rPr lang="en-US" b="0" dirty="0" smtClean="0"/>
-              <a:t>Fusion with Attention </a:t>
-            </a:r>
-            <a:r>
-              <a:rPr lang="en-US" b="0" dirty="0" smtClean="0"/>
-              <a:t>- Generative</a:t>
+              <a:t>Late Fusion with Attention - Generative</a:t>
             </a:r>
           </a:p>
         </p:txBody>
@@ -11811,7 +11898,7 @@
         </p:blipFill>
         <p:spPr>
           <a:xfrm>
-            <a:off x="881761" y="19348961"/>
+            <a:off x="881761" y="18438716"/>
             <a:ext cx="12422541" cy="4001933"/>
           </a:xfrm>
           <a:prstGeom prst="rect">
@@ -11841,7 +11928,7 @@
         </p:blipFill>
         <p:spPr>
           <a:xfrm>
-            <a:off x="860154" y="25632421"/>
+            <a:off x="896717" y="24529267"/>
             <a:ext cx="12300154" cy="4353671"/>
           </a:xfrm>
           <a:prstGeom prst="rect">
@@ -11849,6 +11936,80 @@
           </a:prstGeom>
         </p:spPr>
       </p:pic>
+      <p:sp>
+        <p:nvSpPr>
+          <p:cNvPr id="2" name="TextBox 1"/>
+          <p:cNvSpPr txBox="1"/>
+          <p:nvPr/>
+        </p:nvSpPr>
+        <p:spPr>
+          <a:xfrm>
+            <a:off x="1161806" y="15818984"/>
+            <a:ext cx="11862449" cy="1754326"/>
+          </a:xfrm>
+          <a:prstGeom prst="rect">
+            <a:avLst/>
+          </a:prstGeom>
+          <a:noFill/>
+        </p:spPr>
+        <p:txBody>
+          <a:bodyPr wrap="square" rtlCol="0">
+            <a:spAutoFit/>
+          </a:bodyPr>
+          <a:lstStyle/>
+          <a:p>
+            <a:r>
+              <a:rPr lang="en-US" sz="2160" dirty="0" smtClean="0">
+                <a:latin typeface="Times New Roman" panose="02020603050405020304" pitchFamily="18" charset="0"/>
+                <a:cs typeface="Times New Roman" panose="02020603050405020304" pitchFamily="18" charset="0"/>
+              </a:rPr>
+              <a:t>We first decided to use a Late Fusion Discriminative model as the baseline with which we would compare our other models to in terms of performance. This model has an LF Encoder which concatenates the individual representations of the questions and the images, and linearly transforms this input to a desired joint representation of features. The discriminative decoder computes the similarity between the input encoding and the LSTM encoding of the answer options to get an evaluation metric.</a:t>
+            </a:r>
+            <a:endParaRPr lang="en-US" sz="2160" dirty="0" smtClean="0">
+              <a:latin typeface="Times New Roman" panose="02020603050405020304" pitchFamily="18" charset="0"/>
+              <a:cs typeface="Times New Roman" panose="02020603050405020304" pitchFamily="18" charset="0"/>
+            </a:endParaRPr>
+          </a:p>
+        </p:txBody>
+      </p:sp>
+      <p:sp>
+        <p:nvSpPr>
+          <p:cNvPr id="6" name="TextBox 5"/>
+          <p:cNvSpPr txBox="1"/>
+          <p:nvPr/>
+        </p:nvSpPr>
+        <p:spPr>
+          <a:xfrm>
+            <a:off x="1339588" y="28980839"/>
+            <a:ext cx="11506884" cy="2751522"/>
+          </a:xfrm>
+          <a:prstGeom prst="rect">
+            <a:avLst/>
+          </a:prstGeom>
+          <a:noFill/>
+        </p:spPr>
+        <p:txBody>
+          <a:bodyPr wrap="square" rtlCol="0">
+            <a:spAutoFit/>
+          </a:bodyPr>
+          <a:lstStyle/>
+          <a:p>
+            <a:r>
+              <a:rPr lang="en-US" sz="2160" dirty="0">
+                <a:latin typeface="Times New Roman" charset="0"/>
+                <a:ea typeface="Times New Roman" charset="0"/>
+                <a:cs typeface="Times New Roman" charset="0"/>
+              </a:rPr>
+              <a:t>In this part, we implement the generative model with the attention-based word decoder. At every output step, the model produces a probability distribution over the next word conditioned on all the words seen previously. The context vector is produced by an attention mechanism, which comes from question and image. The question is converted with GRU and MLP while the image is segmented first then converted with MLP. With keys and values, and the transformation of encoder features, the contexts can be created. Then we concatenate these two parts and input them along with the hidden vector into the projection to get the final distribution. In the generative process, we just initialize our first and last words as the start index and end index.</a:t>
+            </a:r>
+            <a:endParaRPr lang="en-US" sz="2160" dirty="0" smtClean="0">
+              <a:latin typeface="Times New Roman" charset="0"/>
+              <a:ea typeface="Times New Roman" charset="0"/>
+              <a:cs typeface="Times New Roman" charset="0"/>
+            </a:endParaRPr>
+          </a:p>
+        </p:txBody>
+      </p:sp>
     </p:spTree>
     <p:extLst>
       <p:ext uri="{BB962C8B-B14F-4D97-AF65-F5344CB8AC3E}">

--- a/poster.pptx
+++ b/poster.pptx
@@ -3978,7 +3978,7 @@
               <a:graphicData uri="http://schemas.openxmlformats.org/presentationml/2006/ole">
                 <mc:AlternateContent xmlns:mc="http://schemas.openxmlformats.org/markup-compatibility/2006">
                   <mc:Choice xmlns:v="urn:schemas-microsoft-com:vml" Requires="v">
-                    <p:oleObj spid="_x0000_s1130" name="Image" r:id="rId8" imgW="1828440" imgH="1117440" progId="Photoshop.Image.13">
+                    <p:oleObj spid="_x0000_s1147" name="Image" r:id="rId8" imgW="1828440" imgH="1117440" progId="Photoshop.Image.13">
                       <p:embed/>
                     </p:oleObj>
                   </mc:Choice>
@@ -4035,7 +4035,7 @@
               <a:graphicData uri="http://schemas.openxmlformats.org/presentationml/2006/ole">
                 <mc:AlternateContent xmlns:mc="http://schemas.openxmlformats.org/markup-compatibility/2006">
                   <mc:Choice xmlns:v="urn:schemas-microsoft-com:vml" Requires="v">
-                    <p:oleObj spid="_x0000_s1131" name="Image" r:id="rId10" imgW="1828440" imgH="1117440" progId="Photoshop.Image.13">
+                    <p:oleObj spid="_x0000_s1148" name="Image" r:id="rId10" imgW="1828440" imgH="1117440" progId="Photoshop.Image.13">
                       <p:embed/>
                     </p:oleObj>
                   </mc:Choice>
@@ -5218,7 +5218,7 @@
             <a:graphicData uri="http://schemas.openxmlformats.org/presentationml/2006/ole">
               <mc:AlternateContent xmlns:mc="http://schemas.openxmlformats.org/markup-compatibility/2006">
                 <mc:Choice xmlns:v="urn:schemas-microsoft-com:vml" Requires="v">
-                  <p:oleObj spid="_x0000_s1132" name="Image" r:id="rId12" imgW="4571280" imgH="1688760" progId="Photoshop.Image.13">
+                  <p:oleObj spid="_x0000_s1149" name="Image" r:id="rId12" imgW="4571280" imgH="1688760" progId="Photoshop.Image.13">
                     <p:embed/>
                   </p:oleObj>
                 </mc:Choice>
@@ -5302,7 +5302,7 @@
             <a:graphicData uri="http://schemas.openxmlformats.org/presentationml/2006/ole">
               <mc:AlternateContent xmlns:mc="http://schemas.openxmlformats.org/markup-compatibility/2006">
                 <mc:Choice xmlns:v="urn:schemas-microsoft-com:vml" Requires="v">
-                  <p:oleObj spid="_x0000_s1133" name="Image" r:id="rId15" imgW="1574280" imgH="1053720" progId="Photoshop.Image.13">
+                  <p:oleObj spid="_x0000_s1150" name="Image" r:id="rId15" imgW="1574280" imgH="1053720" progId="Photoshop.Image.13">
                     <p:embed/>
                   </p:oleObj>
                 </mc:Choice>
@@ -7311,7 +7311,7 @@
               <a:graphicData uri="http://schemas.openxmlformats.org/presentationml/2006/ole">
                 <mc:AlternateContent xmlns:mc="http://schemas.openxmlformats.org/markup-compatibility/2006">
                   <mc:Choice xmlns:v="urn:schemas-microsoft-com:vml" Requires="v">
-                    <p:oleObj spid="_x0000_s2154" name="Image" r:id="rId8" imgW="1828440" imgH="1117440" progId="Photoshop.Image.13">
+                    <p:oleObj spid="_x0000_s2171" name="Image" r:id="rId8" imgW="1828440" imgH="1117440" progId="Photoshop.Image.13">
                       <p:embed/>
                     </p:oleObj>
                   </mc:Choice>
@@ -7368,7 +7368,7 @@
               <a:graphicData uri="http://schemas.openxmlformats.org/presentationml/2006/ole">
                 <mc:AlternateContent xmlns:mc="http://schemas.openxmlformats.org/markup-compatibility/2006">
                   <mc:Choice xmlns:v="urn:schemas-microsoft-com:vml" Requires="v">
-                    <p:oleObj spid="_x0000_s2155" name="Image" r:id="rId10" imgW="1828440" imgH="1117440" progId="Photoshop.Image.13">
+                    <p:oleObj spid="_x0000_s2172" name="Image" r:id="rId10" imgW="1828440" imgH="1117440" progId="Photoshop.Image.13">
                       <p:embed/>
                     </p:oleObj>
                   </mc:Choice>
@@ -8551,7 +8551,7 @@
             <a:graphicData uri="http://schemas.openxmlformats.org/presentationml/2006/ole">
               <mc:AlternateContent xmlns:mc="http://schemas.openxmlformats.org/markup-compatibility/2006">
                 <mc:Choice xmlns:v="urn:schemas-microsoft-com:vml" Requires="v">
-                  <p:oleObj spid="_x0000_s2156" name="Image" r:id="rId12" imgW="4571280" imgH="1688760" progId="Photoshop.Image.13">
+                  <p:oleObj spid="_x0000_s2173" name="Image" r:id="rId12" imgW="4571280" imgH="1688760" progId="Photoshop.Image.13">
                     <p:embed/>
                   </p:oleObj>
                 </mc:Choice>
@@ -8635,7 +8635,7 @@
             <a:graphicData uri="http://schemas.openxmlformats.org/presentationml/2006/ole">
               <mc:AlternateContent xmlns:mc="http://schemas.openxmlformats.org/markup-compatibility/2006">
                 <mc:Choice xmlns:v="urn:schemas-microsoft-com:vml" Requires="v">
-                  <p:oleObj spid="_x0000_s2157" name="Image" r:id="rId15" imgW="1574280" imgH="1053720" progId="Photoshop.Image.13">
+                  <p:oleObj spid="_x0000_s2174" name="Image" r:id="rId15" imgW="1574280" imgH="1053720" progId="Photoshop.Image.13">
                     <p:embed/>
                   </p:oleObj>
                 </mc:Choice>
@@ -9453,8 +9453,8 @@
         </p:nvSpPr>
         <p:spPr>
           <a:xfrm>
-            <a:off x="576461" y="5875819"/>
-            <a:ext cx="12944945" cy="3720043"/>
+            <a:off x="576461" y="5875820"/>
+            <a:ext cx="12944945" cy="4035654"/>
           </a:xfrm>
         </p:spPr>
         <p:txBody>
@@ -9468,7 +9468,138 @@
                   <a:schemeClr val="tx1"/>
                 </a:solidFill>
               </a:rPr>
-              <a:t>The Visual Dialog task has been at the forefront of deep learning research and excellent performance has already been achieved. Visual Dialog is about training a network to learn information about images, and be able to answer questions and have a conversation about those images. It involves being able to encode the relevant information (such as the images, the captions for the images, and the questions and answers about the images) into a meaningful representation, as well as being able to decode that representation and come out with a correct answer. In our project, we attempt to first reproduce the state-of-the-art method using the widely used Visual Dialog dataset, which outperforms many other sophisticated baselines. This method uses a Late Fusion encoder with a discriminative decoder.  We also decrease the model size and still obtain comparable results by using an attention mechanism. Finally, we attempt to propose a new algorithm for further improvements and outperform the existing methods.</a:t>
+              <a:t>The Visual Dialog task has been at the forefront of deep learning research and excellent performance has already been achieved. Visual Dialog is about training a network to learn information about images, and be able to answer questions and have a conversation about those images. It involves being able to encode the relevant information (such as the images, the captions for the images, and the questions and answers about the images) into a meaningful representation, as well as being able to decode that representation and come out with a correct </a:t>
+            </a:r>
+            <a:r>
+              <a:rPr lang="en-US" dirty="0" smtClean="0">
+                <a:solidFill>
+                  <a:schemeClr val="tx1"/>
+                </a:solidFill>
+              </a:rPr>
+              <a:t>answer.</a:t>
+            </a:r>
+          </a:p>
+          <a:p>
+            <a:pPr algn="just"/>
+            <a:r>
+              <a:rPr lang="en-US" dirty="0" smtClean="0">
+                <a:solidFill>
+                  <a:schemeClr val="tx1"/>
+                </a:solidFill>
+              </a:rPr>
+              <a:t>In </a:t>
+            </a:r>
+            <a:r>
+              <a:rPr lang="en-US" dirty="0">
+                <a:solidFill>
+                  <a:schemeClr val="tx1"/>
+                </a:solidFill>
+              </a:rPr>
+              <a:t>our project, we </a:t>
+            </a:r>
+            <a:r>
+              <a:rPr lang="en-US" dirty="0" smtClean="0">
+                <a:solidFill>
+                  <a:schemeClr val="tx1"/>
+                </a:solidFill>
+              </a:rPr>
+              <a:t>first attempt to </a:t>
+            </a:r>
+            <a:r>
+              <a:rPr lang="en-US" dirty="0">
+                <a:solidFill>
+                  <a:schemeClr val="tx1"/>
+                </a:solidFill>
+              </a:rPr>
+              <a:t>reproduce the state-of-the-art </a:t>
+            </a:r>
+            <a:r>
+              <a:rPr lang="en-US" dirty="0" smtClean="0">
+                <a:solidFill>
+                  <a:schemeClr val="tx1"/>
+                </a:solidFill>
+              </a:rPr>
+              <a:t>method in </a:t>
+            </a:r>
+            <a:r>
+              <a:rPr lang="en-US" dirty="0">
+                <a:solidFill>
+                  <a:schemeClr val="tx1"/>
+                </a:solidFill>
+              </a:rPr>
+              <a:t>the widely used Visual Dialog dataset, which outperforms many other sophisticated baselines. This method uses a Late Fusion encoder with a discriminative decoder.  </a:t>
+            </a:r>
+            <a:r>
+              <a:rPr lang="en-US" dirty="0" smtClean="0">
+                <a:solidFill>
+                  <a:schemeClr val="tx1"/>
+                </a:solidFill>
+              </a:rPr>
+              <a:t>Since the memory limitation, w</a:t>
+            </a:r>
+            <a:r>
+              <a:rPr lang="en-US" dirty="0" smtClean="0">
+                <a:solidFill>
+                  <a:schemeClr val="tx1"/>
+                </a:solidFill>
+              </a:rPr>
+              <a:t>e decrease </a:t>
+            </a:r>
+            <a:r>
+              <a:rPr lang="en-US" dirty="0">
+                <a:solidFill>
+                  <a:schemeClr val="tx1"/>
+                </a:solidFill>
+              </a:rPr>
+              <a:t>the model size and still obtain comparable </a:t>
+            </a:r>
+            <a:r>
+              <a:rPr lang="en-US" dirty="0" smtClean="0">
+                <a:solidFill>
+                  <a:schemeClr val="tx1"/>
+                </a:solidFill>
+              </a:rPr>
+              <a:t>results. We further introduce the sequential matching network </a:t>
+            </a:r>
+            <a:r>
+              <a:rPr lang="mr-IN" dirty="0" smtClean="0">
+                <a:solidFill>
+                  <a:schemeClr val="tx1"/>
+                </a:solidFill>
+              </a:rPr>
+              <a:t>–</a:t>
+            </a:r>
+            <a:r>
+              <a:rPr lang="en-US" dirty="0" smtClean="0">
+                <a:solidFill>
+                  <a:schemeClr val="tx1"/>
+                </a:solidFill>
+              </a:rPr>
+              <a:t> a new architecture for multi-turn response selection in retrieval-based visual dialog. </a:t>
+            </a:r>
+            <a:r>
+              <a:rPr lang="en-US" dirty="0">
+                <a:solidFill>
+                  <a:schemeClr val="tx1"/>
+                </a:solidFill>
+              </a:rPr>
+              <a:t>Finally, we </a:t>
+            </a:r>
+            <a:r>
+              <a:rPr lang="en-US" dirty="0" smtClean="0">
+                <a:solidFill>
+                  <a:schemeClr val="tx1"/>
+                </a:solidFill>
+              </a:rPr>
+              <a:t>explore deeply into the generative model with attentions, which can achieve the conversation based on given image </a:t>
+            </a:r>
+            <a:r>
+              <a:rPr lang="en-US" dirty="0">
+                <a:solidFill>
+                  <a:schemeClr val="tx1"/>
+                </a:solidFill>
+              </a:rPr>
+              <a:t>and outperform the existing methods.</a:t>
             </a:r>
           </a:p>
         </p:txBody>
@@ -9508,7 +9639,7 @@
         </p:nvSpPr>
         <p:spPr>
           <a:xfrm>
-            <a:off x="572182" y="9616503"/>
+            <a:off x="572182" y="9911473"/>
             <a:ext cx="12949224" cy="643172"/>
           </a:xfrm>
         </p:spPr>
@@ -9566,6 +9697,7 @@
           <a:bodyPr/>
           <a:lstStyle/>
           <a:p>
+            <a:pPr algn="just"/>
             <a:r>
               <a:rPr lang="en-US" b="1" dirty="0" smtClean="0">
                 <a:solidFill>
@@ -9584,6 +9716,7 @@
             </a:r>
           </a:p>
           <a:p>
+            <a:pPr algn="just"/>
             <a:r>
               <a:rPr lang="en-US" b="1" dirty="0" smtClean="0">
                 <a:solidFill>
@@ -9747,7 +9880,7 @@
         </p:nvSpPr>
         <p:spPr>
           <a:xfrm>
-            <a:off x="614328" y="10103878"/>
+            <a:off x="614328" y="10487336"/>
             <a:ext cx="12957406" cy="1393252"/>
           </a:xfrm>
         </p:spPr>
@@ -10235,6 +10368,7 @@
             </a:lvl9pPr>
           </a:lstStyle>
           <a:p>
+            <a:pPr algn="just"/>
             <a:r>
               <a:rPr lang="en-US" dirty="0">
                 <a:solidFill>
@@ -10277,6 +10411,7 @@
             </a:r>
           </a:p>
           <a:p>
+            <a:pPr algn="just"/>
             <a:r>
               <a:rPr lang="en-US" dirty="0">
                 <a:solidFill>
@@ -10319,6 +10454,7 @@
             </a:r>
           </a:p>
           <a:p>
+            <a:pPr algn="just"/>
             <a:r>
               <a:rPr lang="en-US" dirty="0">
                 <a:solidFill>
@@ -11361,7 +11497,7 @@
         </p:blipFill>
         <p:spPr>
           <a:xfrm>
-            <a:off x="2018950" y="12222780"/>
+            <a:off x="2018950" y="12429259"/>
             <a:ext cx="9982559" cy="3335433"/>
           </a:xfrm>
           <a:prstGeom prst="rect">
@@ -11379,7 +11515,7 @@
         </p:nvSpPr>
         <p:spPr>
           <a:xfrm>
-            <a:off x="535618" y="11429675"/>
+            <a:off x="535618" y="11754141"/>
             <a:ext cx="12949224" cy="643172"/>
           </a:xfrm>
           <a:prstGeom prst="rect">
@@ -11548,7 +11684,7 @@
         </p:nvSpPr>
         <p:spPr>
           <a:xfrm>
-            <a:off x="535618" y="17684427"/>
+            <a:off x="535618" y="17713924"/>
             <a:ext cx="12949224" cy="643172"/>
           </a:xfrm>
           <a:prstGeom prst="rect">
@@ -11717,7 +11853,7 @@
         </p:nvSpPr>
         <p:spPr>
           <a:xfrm>
-            <a:off x="535618" y="23788194"/>
+            <a:off x="535618" y="23847188"/>
             <a:ext cx="12949224" cy="643172"/>
           </a:xfrm>
           <a:prstGeom prst="rect">
@@ -11898,8 +12034,8 @@
         </p:blipFill>
         <p:spPr>
           <a:xfrm>
-            <a:off x="881761" y="18438716"/>
-            <a:ext cx="12422541" cy="4001933"/>
+            <a:off x="881761" y="18379722"/>
+            <a:ext cx="12422541" cy="4273800"/>
           </a:xfrm>
           <a:prstGeom prst="rect">
             <a:avLst/>
@@ -11928,7 +12064,7 @@
         </p:blipFill>
         <p:spPr>
           <a:xfrm>
-            <a:off x="896717" y="24529267"/>
+            <a:off x="896717" y="24588261"/>
             <a:ext cx="12300154" cy="4353671"/>
           </a:xfrm>
           <a:prstGeom prst="rect">
@@ -11944,7 +12080,7 @@
         </p:nvSpPr>
         <p:spPr>
           <a:xfrm>
-            <a:off x="1161806" y="15818984"/>
+            <a:off x="1161806" y="15907475"/>
             <a:ext cx="11862449" cy="1754326"/>
           </a:xfrm>
           <a:prstGeom prst="rect">
@@ -11958,6 +12094,7 @@
           </a:bodyPr>
           <a:lstStyle/>
           <a:p>
+            <a:pPr algn="just"/>
             <a:r>
               <a:rPr lang="en-US" sz="2160" dirty="0" smtClean="0">
                 <a:latin typeface="Times New Roman" panose="02020603050405020304" pitchFamily="18" charset="0"/>
@@ -11965,10 +12102,6 @@
               </a:rPr>
               <a:t>We first decided to use a Late Fusion Discriminative model as the baseline with which we would compare our other models to in terms of performance. This model has an LF Encoder which concatenates the individual representations of the questions and the images, and linearly transforms this input to a desired joint representation of features. The discriminative decoder computes the similarity between the input encoding and the LSTM encoding of the answer options to get an evaluation metric.</a:t>
             </a:r>
-            <a:endParaRPr lang="en-US" sz="2160" dirty="0" smtClean="0">
-              <a:latin typeface="Times New Roman" panose="02020603050405020304" pitchFamily="18" charset="0"/>
-              <a:cs typeface="Times New Roman" panose="02020603050405020304" pitchFamily="18" charset="0"/>
-            </a:endParaRPr>
           </a:p>
         </p:txBody>
       </p:sp>
@@ -11994,6 +12127,7 @@
           </a:bodyPr>
           <a:lstStyle/>
           <a:p>
+            <a:pPr algn="just"/>
             <a:r>
               <a:rPr lang="en-US" sz="2160" dirty="0">
                 <a:latin typeface="Times New Roman" charset="0"/>

--- a/poster.pptx
+++ b/poster.pptx
@@ -3978,7 +3978,7 @@
               <a:graphicData uri="http://schemas.openxmlformats.org/presentationml/2006/ole">
                 <mc:AlternateContent xmlns:mc="http://schemas.openxmlformats.org/markup-compatibility/2006">
                   <mc:Choice xmlns:v="urn:schemas-microsoft-com:vml" Requires="v">
-                    <p:oleObj spid="_x0000_s1147" name="Image" r:id="rId8" imgW="1828440" imgH="1117440" progId="Photoshop.Image.13">
+                    <p:oleObj spid="_x0000_s1155" name="Image" r:id="rId8" imgW="1828440" imgH="1117440" progId="Photoshop.Image.13">
                       <p:embed/>
                     </p:oleObj>
                   </mc:Choice>
@@ -4035,7 +4035,7 @@
               <a:graphicData uri="http://schemas.openxmlformats.org/presentationml/2006/ole">
                 <mc:AlternateContent xmlns:mc="http://schemas.openxmlformats.org/markup-compatibility/2006">
                   <mc:Choice xmlns:v="urn:schemas-microsoft-com:vml" Requires="v">
-                    <p:oleObj spid="_x0000_s1148" name="Image" r:id="rId10" imgW="1828440" imgH="1117440" progId="Photoshop.Image.13">
+                    <p:oleObj spid="_x0000_s1156" name="Image" r:id="rId10" imgW="1828440" imgH="1117440" progId="Photoshop.Image.13">
                       <p:embed/>
                     </p:oleObj>
                   </mc:Choice>
@@ -5218,7 +5218,7 @@
             <a:graphicData uri="http://schemas.openxmlformats.org/presentationml/2006/ole">
               <mc:AlternateContent xmlns:mc="http://schemas.openxmlformats.org/markup-compatibility/2006">
                 <mc:Choice xmlns:v="urn:schemas-microsoft-com:vml" Requires="v">
-                  <p:oleObj spid="_x0000_s1149" name="Image" r:id="rId12" imgW="4571280" imgH="1688760" progId="Photoshop.Image.13">
+                  <p:oleObj spid="_x0000_s1157" name="Image" r:id="rId12" imgW="4571280" imgH="1688760" progId="Photoshop.Image.13">
                     <p:embed/>
                   </p:oleObj>
                 </mc:Choice>
@@ -5302,7 +5302,7 @@
             <a:graphicData uri="http://schemas.openxmlformats.org/presentationml/2006/ole">
               <mc:AlternateContent xmlns:mc="http://schemas.openxmlformats.org/markup-compatibility/2006">
                 <mc:Choice xmlns:v="urn:schemas-microsoft-com:vml" Requires="v">
-                  <p:oleObj spid="_x0000_s1150" name="Image" r:id="rId15" imgW="1574280" imgH="1053720" progId="Photoshop.Image.13">
+                  <p:oleObj spid="_x0000_s1158" name="Image" r:id="rId15" imgW="1574280" imgH="1053720" progId="Photoshop.Image.13">
                     <p:embed/>
                   </p:oleObj>
                 </mc:Choice>
@@ -7311,7 +7311,7 @@
               <a:graphicData uri="http://schemas.openxmlformats.org/presentationml/2006/ole">
                 <mc:AlternateContent xmlns:mc="http://schemas.openxmlformats.org/markup-compatibility/2006">
                   <mc:Choice xmlns:v="urn:schemas-microsoft-com:vml" Requires="v">
-                    <p:oleObj spid="_x0000_s2171" name="Image" r:id="rId8" imgW="1828440" imgH="1117440" progId="Photoshop.Image.13">
+                    <p:oleObj spid="_x0000_s2179" name="Image" r:id="rId8" imgW="1828440" imgH="1117440" progId="Photoshop.Image.13">
                       <p:embed/>
                     </p:oleObj>
                   </mc:Choice>
@@ -7368,7 +7368,7 @@
               <a:graphicData uri="http://schemas.openxmlformats.org/presentationml/2006/ole">
                 <mc:AlternateContent xmlns:mc="http://schemas.openxmlformats.org/markup-compatibility/2006">
                   <mc:Choice xmlns:v="urn:schemas-microsoft-com:vml" Requires="v">
-                    <p:oleObj spid="_x0000_s2172" name="Image" r:id="rId10" imgW="1828440" imgH="1117440" progId="Photoshop.Image.13">
+                    <p:oleObj spid="_x0000_s2180" name="Image" r:id="rId10" imgW="1828440" imgH="1117440" progId="Photoshop.Image.13">
                       <p:embed/>
                     </p:oleObj>
                   </mc:Choice>
@@ -8551,7 +8551,7 @@
             <a:graphicData uri="http://schemas.openxmlformats.org/presentationml/2006/ole">
               <mc:AlternateContent xmlns:mc="http://schemas.openxmlformats.org/markup-compatibility/2006">
                 <mc:Choice xmlns:v="urn:schemas-microsoft-com:vml" Requires="v">
-                  <p:oleObj spid="_x0000_s2173" name="Image" r:id="rId12" imgW="4571280" imgH="1688760" progId="Photoshop.Image.13">
+                  <p:oleObj spid="_x0000_s2181" name="Image" r:id="rId12" imgW="4571280" imgH="1688760" progId="Photoshop.Image.13">
                     <p:embed/>
                   </p:oleObj>
                 </mc:Choice>
@@ -8635,7 +8635,7 @@
             <a:graphicData uri="http://schemas.openxmlformats.org/presentationml/2006/ole">
               <mc:AlternateContent xmlns:mc="http://schemas.openxmlformats.org/markup-compatibility/2006">
                 <mc:Choice xmlns:v="urn:schemas-microsoft-com:vml" Requires="v">
-                  <p:oleObj spid="_x0000_s2174" name="Image" r:id="rId15" imgW="1574280" imgH="1053720" progId="Photoshop.Image.13">
+                  <p:oleObj spid="_x0000_s2182" name="Image" r:id="rId15" imgW="1574280" imgH="1053720" progId="Photoshop.Image.13">
                     <p:embed/>
                   </p:oleObj>
                 </mc:Choice>
@@ -9453,8 +9453,8 @@
         </p:nvSpPr>
         <p:spPr>
           <a:xfrm>
-            <a:off x="576461" y="5875820"/>
-            <a:ext cx="12944945" cy="4035654"/>
+            <a:off x="576461" y="5875821"/>
+            <a:ext cx="12944945" cy="3937752"/>
           </a:xfrm>
         </p:spPr>
         <p:txBody>
@@ -9527,7 +9527,23 @@
                   <a:schemeClr val="tx1"/>
                 </a:solidFill>
               </a:rPr>
-              <a:t>the widely used Visual Dialog dataset, which outperforms many other sophisticated baselines. This method uses a Late Fusion encoder with a discriminative decoder.  </a:t>
+              <a:t>the widely used Visual Dialog </a:t>
+            </a:r>
+            <a:r>
+              <a:rPr lang="en-US" dirty="0" smtClean="0">
+                <a:solidFill>
+                  <a:schemeClr val="tx1"/>
+                </a:solidFill>
+              </a:rPr>
+              <a:t>dataset. This </a:t>
+            </a:r>
+            <a:r>
+              <a:rPr lang="en-US" dirty="0">
+                <a:solidFill>
+                  <a:schemeClr val="tx1"/>
+                </a:solidFill>
+              </a:rPr>
+              <a:t>method uses a Late Fusion encoder with a discriminative decoder.  </a:t>
             </a:r>
             <a:r>
               <a:rPr lang="en-US" dirty="0" smtClean="0">
@@ -9639,7 +9655,7 @@
         </p:nvSpPr>
         <p:spPr>
           <a:xfrm>
-            <a:off x="572182" y="9911473"/>
+            <a:off x="572182" y="9881976"/>
             <a:ext cx="12949224" cy="643172"/>
           </a:xfrm>
         </p:spPr>
@@ -9880,7 +9896,7 @@
         </p:nvSpPr>
         <p:spPr>
           <a:xfrm>
-            <a:off x="614328" y="10487336"/>
+            <a:off x="614328" y="10457839"/>
             <a:ext cx="12957406" cy="1393252"/>
           </a:xfrm>
         </p:spPr>
@@ -11497,8 +11513,8 @@
         </p:blipFill>
         <p:spPr>
           <a:xfrm>
-            <a:off x="2018950" y="12429259"/>
-            <a:ext cx="9982559" cy="3335433"/>
+            <a:off x="1785310" y="12429259"/>
+            <a:ext cx="10393182" cy="3472633"/>
           </a:xfrm>
           <a:prstGeom prst="rect">
             <a:avLst/>
@@ -11515,7 +11531,7 @@
         </p:nvSpPr>
         <p:spPr>
           <a:xfrm>
-            <a:off x="535618" y="11754141"/>
+            <a:off x="535618" y="11724644"/>
             <a:ext cx="12949224" cy="643172"/>
           </a:xfrm>
           <a:prstGeom prst="rect">
@@ -11684,7 +11700,7 @@
         </p:nvSpPr>
         <p:spPr>
           <a:xfrm>
-            <a:off x="535618" y="17713924"/>
+            <a:off x="535618" y="17831912"/>
             <a:ext cx="12949224" cy="643172"/>
           </a:xfrm>
           <a:prstGeom prst="rect">
@@ -11853,7 +11869,7 @@
         </p:nvSpPr>
         <p:spPr>
           <a:xfrm>
-            <a:off x="535618" y="23847188"/>
+            <a:off x="535618" y="24348637"/>
             <a:ext cx="12949224" cy="643172"/>
           </a:xfrm>
           <a:prstGeom prst="rect">
@@ -12034,7 +12050,7 @@
         </p:blipFill>
         <p:spPr>
           <a:xfrm>
-            <a:off x="881761" y="18379722"/>
+            <a:off x="881761" y="18586201"/>
             <a:ext cx="12422541" cy="4273800"/>
           </a:xfrm>
           <a:prstGeom prst="rect">
@@ -12064,7 +12080,7 @@
         </p:blipFill>
         <p:spPr>
           <a:xfrm>
-            <a:off x="896717" y="24588261"/>
+            <a:off x="896717" y="25089710"/>
             <a:ext cx="12300154" cy="4353671"/>
           </a:xfrm>
           <a:prstGeom prst="rect">
@@ -12080,8 +12096,8 @@
         </p:nvSpPr>
         <p:spPr>
           <a:xfrm>
-            <a:off x="1161806" y="15907475"/>
-            <a:ext cx="11862449" cy="1754326"/>
+            <a:off x="896717" y="16025463"/>
+            <a:ext cx="12300153" cy="1754326"/>
           </a:xfrm>
           <a:prstGeom prst="rect">
             <a:avLst/>
@@ -12100,7 +12116,21 @@
                 <a:latin typeface="Times New Roman" panose="02020603050405020304" pitchFamily="18" charset="0"/>
                 <a:cs typeface="Times New Roman" panose="02020603050405020304" pitchFamily="18" charset="0"/>
               </a:rPr>
-              <a:t>We first decided to use a Late Fusion Discriminative model as the baseline with which we would compare our other models to in terms of performance. This model has an LF Encoder which concatenates the individual representations of the questions and the images, and linearly transforms this input to a desired joint representation of features. The discriminative decoder computes the similarity between the input encoding and the LSTM encoding of the answer options to get an evaluation metric.</a:t>
+              <a:t>We first decided to use a Late Fusion Discriminative model as the baseline with which we would compare our other models to in terms of performance. This model has an LF Encoder which concatenates the individual representations of the questions and the images, and linearly transforms this input to a desired joint representation of features. The discriminative decoder computes the similarity between the input encoding and the </a:t>
+            </a:r>
+            <a:r>
+              <a:rPr lang="en-US" sz="2160" dirty="0" smtClean="0">
+                <a:latin typeface="Times New Roman" panose="02020603050405020304" pitchFamily="18" charset="0"/>
+                <a:cs typeface="Times New Roman" panose="02020603050405020304" pitchFamily="18" charset="0"/>
+              </a:rPr>
+              <a:t>GRU encoding </a:t>
+            </a:r>
+            <a:r>
+              <a:rPr lang="en-US" sz="2160" dirty="0" smtClean="0">
+                <a:latin typeface="Times New Roman" panose="02020603050405020304" pitchFamily="18" charset="0"/>
+                <a:cs typeface="Times New Roman" panose="02020603050405020304" pitchFamily="18" charset="0"/>
+              </a:rPr>
+              <a:t>of the answer options to get an evaluation metric.</a:t>
             </a:r>
           </a:p>
         </p:txBody>
@@ -12113,8 +12143,8 @@
         </p:nvSpPr>
         <p:spPr>
           <a:xfrm>
-            <a:off x="1339588" y="28980839"/>
-            <a:ext cx="11506884" cy="2751522"/>
+            <a:off x="896717" y="29482288"/>
+            <a:ext cx="12300154" cy="2086725"/>
           </a:xfrm>
           <a:prstGeom prst="rect">
             <a:avLst/>
@@ -12134,7 +12164,31 @@
                 <a:ea typeface="Times New Roman" charset="0"/>
                 <a:cs typeface="Times New Roman" charset="0"/>
               </a:rPr>
-              <a:t>In this part, we implement the generative model with the attention-based word decoder. At every output step, the model produces a probability distribution over the next word conditioned on all the words seen previously. The context vector is produced by an attention mechanism, which comes from question and image. The question is converted with GRU and MLP while the image is segmented first then converted with MLP. With keys and values, and the transformation of encoder features, the contexts can be created. Then we concatenate these two parts and input them along with the hidden vector into the projection to get the final distribution. In the generative process, we just initialize our first and last words as the start index and end index.</a:t>
+              <a:t>In this part, we implement the generative model with the attention-based word decoder. At every output step, the model produces a probability distribution over the next word conditioned on all the words seen previously. The context vector is produced by an attention mechanism, </a:t>
+            </a:r>
+            <a:r>
+              <a:rPr lang="en-US" sz="2160" dirty="0" smtClean="0">
+                <a:latin typeface="Times New Roman" charset="0"/>
+                <a:ea typeface="Times New Roman" charset="0"/>
+                <a:cs typeface="Times New Roman" charset="0"/>
+              </a:rPr>
+              <a:t>where the </a:t>
+            </a:r>
+            <a:r>
+              <a:rPr lang="en-US" sz="2160" dirty="0">
+                <a:latin typeface="Times New Roman" charset="0"/>
+                <a:ea typeface="Times New Roman" charset="0"/>
+                <a:cs typeface="Times New Roman" charset="0"/>
+              </a:rPr>
+              <a:t>question is converted with GRU and MLP while the image is segmented first then converted with MLP. With keys and values, and the transformation of encoder features, the contexts can be created. Then we concatenate these two parts and input them along with the hidden vector into the projection to get the final </a:t>
+            </a:r>
+            <a:r>
+              <a:rPr lang="en-US" sz="2160" dirty="0" smtClean="0">
+                <a:latin typeface="Times New Roman" charset="0"/>
+                <a:ea typeface="Times New Roman" charset="0"/>
+                <a:cs typeface="Times New Roman" charset="0"/>
+              </a:rPr>
+              <a:t>distribution.</a:t>
             </a:r>
             <a:endParaRPr lang="en-US" sz="2160" dirty="0" smtClean="0">
               <a:latin typeface="Times New Roman" charset="0"/>

--- a/poster.pptx
+++ b/poster.pptx
@@ -3978,7 +3978,7 @@
               <a:graphicData uri="http://schemas.openxmlformats.org/presentationml/2006/ole">
                 <mc:AlternateContent xmlns:mc="http://schemas.openxmlformats.org/markup-compatibility/2006">
                   <mc:Choice xmlns:v="urn:schemas-microsoft-com:vml" Requires="v">
-                    <p:oleObj spid="_x0000_s1155" name="Image" r:id="rId8" imgW="1828440" imgH="1117440" progId="Photoshop.Image.13">
+                    <p:oleObj spid="_x0000_s1179" name="Image" r:id="rId8" imgW="1828440" imgH="1117440" progId="Photoshop.Image.13">
                       <p:embed/>
                     </p:oleObj>
                   </mc:Choice>
@@ -4035,7 +4035,7 @@
               <a:graphicData uri="http://schemas.openxmlformats.org/presentationml/2006/ole">
                 <mc:AlternateContent xmlns:mc="http://schemas.openxmlformats.org/markup-compatibility/2006">
                   <mc:Choice xmlns:v="urn:schemas-microsoft-com:vml" Requires="v">
-                    <p:oleObj spid="_x0000_s1156" name="Image" r:id="rId10" imgW="1828440" imgH="1117440" progId="Photoshop.Image.13">
+                    <p:oleObj spid="_x0000_s1180" name="Image" r:id="rId10" imgW="1828440" imgH="1117440" progId="Photoshop.Image.13">
                       <p:embed/>
                     </p:oleObj>
                   </mc:Choice>
@@ -5218,7 +5218,7 @@
             <a:graphicData uri="http://schemas.openxmlformats.org/presentationml/2006/ole">
               <mc:AlternateContent xmlns:mc="http://schemas.openxmlformats.org/markup-compatibility/2006">
                 <mc:Choice xmlns:v="urn:schemas-microsoft-com:vml" Requires="v">
-                  <p:oleObj spid="_x0000_s1157" name="Image" r:id="rId12" imgW="4571280" imgH="1688760" progId="Photoshop.Image.13">
+                  <p:oleObj spid="_x0000_s1181" name="Image" r:id="rId12" imgW="4571280" imgH="1688760" progId="Photoshop.Image.13">
                     <p:embed/>
                   </p:oleObj>
                 </mc:Choice>
@@ -5302,7 +5302,7 @@
             <a:graphicData uri="http://schemas.openxmlformats.org/presentationml/2006/ole">
               <mc:AlternateContent xmlns:mc="http://schemas.openxmlformats.org/markup-compatibility/2006">
                 <mc:Choice xmlns:v="urn:schemas-microsoft-com:vml" Requires="v">
-                  <p:oleObj spid="_x0000_s1158" name="Image" r:id="rId15" imgW="1574280" imgH="1053720" progId="Photoshop.Image.13">
+                  <p:oleObj spid="_x0000_s1182" name="Image" r:id="rId15" imgW="1574280" imgH="1053720" progId="Photoshop.Image.13">
                     <p:embed/>
                   </p:oleObj>
                 </mc:Choice>
@@ -7311,7 +7311,7 @@
               <a:graphicData uri="http://schemas.openxmlformats.org/presentationml/2006/ole">
                 <mc:AlternateContent xmlns:mc="http://schemas.openxmlformats.org/markup-compatibility/2006">
                   <mc:Choice xmlns:v="urn:schemas-microsoft-com:vml" Requires="v">
-                    <p:oleObj spid="_x0000_s2179" name="Image" r:id="rId8" imgW="1828440" imgH="1117440" progId="Photoshop.Image.13">
+                    <p:oleObj spid="_x0000_s2203" name="Image" r:id="rId8" imgW="1828440" imgH="1117440" progId="Photoshop.Image.13">
                       <p:embed/>
                     </p:oleObj>
                   </mc:Choice>
@@ -7368,7 +7368,7 @@
               <a:graphicData uri="http://schemas.openxmlformats.org/presentationml/2006/ole">
                 <mc:AlternateContent xmlns:mc="http://schemas.openxmlformats.org/markup-compatibility/2006">
                   <mc:Choice xmlns:v="urn:schemas-microsoft-com:vml" Requires="v">
-                    <p:oleObj spid="_x0000_s2180" name="Image" r:id="rId10" imgW="1828440" imgH="1117440" progId="Photoshop.Image.13">
+                    <p:oleObj spid="_x0000_s2204" name="Image" r:id="rId10" imgW="1828440" imgH="1117440" progId="Photoshop.Image.13">
                       <p:embed/>
                     </p:oleObj>
                   </mc:Choice>
@@ -8551,7 +8551,7 @@
             <a:graphicData uri="http://schemas.openxmlformats.org/presentationml/2006/ole">
               <mc:AlternateContent xmlns:mc="http://schemas.openxmlformats.org/markup-compatibility/2006">
                 <mc:Choice xmlns:v="urn:schemas-microsoft-com:vml" Requires="v">
-                  <p:oleObj spid="_x0000_s2181" name="Image" r:id="rId12" imgW="4571280" imgH="1688760" progId="Photoshop.Image.13">
+                  <p:oleObj spid="_x0000_s2205" name="Image" r:id="rId12" imgW="4571280" imgH="1688760" progId="Photoshop.Image.13">
                     <p:embed/>
                   </p:oleObj>
                 </mc:Choice>
@@ -8635,7 +8635,7 @@
             <a:graphicData uri="http://schemas.openxmlformats.org/presentationml/2006/ole">
               <mc:AlternateContent xmlns:mc="http://schemas.openxmlformats.org/markup-compatibility/2006">
                 <mc:Choice xmlns:v="urn:schemas-microsoft-com:vml" Requires="v">
-                  <p:oleObj spid="_x0000_s2182" name="Image" r:id="rId15" imgW="1574280" imgH="1053720" progId="Photoshop.Image.13">
+                  <p:oleObj spid="_x0000_s2206" name="Image" r:id="rId15" imgW="1574280" imgH="1053720" progId="Photoshop.Image.13">
                     <p:embed/>
                   </p:oleObj>
                 </mc:Choice>
@@ -9739,7 +9739,7 @@
                   <a:schemeClr val="tx1"/>
                 </a:solidFill>
               </a:rPr>
-              <a:t>Limitation</a:t>
+              <a:t>Constraints</a:t>
             </a:r>
             <a:r>
               <a:rPr lang="en-US" dirty="0" smtClean="0">
@@ -9747,13 +9747,24 @@
                   <a:schemeClr val="tx1"/>
                 </a:solidFill>
               </a:rPr>
-              <a:t>: Due to hardware constraints, we use smaller hidden size (200) and word embedding size (200) as opposed to 512 and 300 in Das et al.. We are able to get results that are close to what were reported by the authors.</a:t>
-            </a:r>
-            <a:endParaRPr lang="en-US" dirty="0">
-              <a:solidFill>
-                <a:schemeClr val="tx1"/>
-              </a:solidFill>
-            </a:endParaRPr>
+              <a:t>: </a:t>
+            </a:r>
+            <a:r>
+              <a:rPr lang="en-US" dirty="0" smtClean="0">
+                <a:solidFill>
+                  <a:schemeClr val="tx1"/>
+                </a:solidFill>
+              </a:rPr>
+              <a:t>Due to hardware constraints, we use smaller hidden size (200) and word embedding size (200) as opposed to 512 and 300 in Das et al.. We are able to get results that are close to what were reported by the </a:t>
+            </a:r>
+            <a:r>
+              <a:rPr lang="en-US" dirty="0" smtClean="0">
+                <a:solidFill>
+                  <a:schemeClr val="tx1"/>
+                </a:solidFill>
+              </a:rPr>
+              <a:t>author.</a:t>
+            </a:r>
           </a:p>
         </p:txBody>
       </p:sp>
@@ -9769,7 +9780,7 @@
         </p:nvSpPr>
         <p:spPr>
           <a:xfrm>
-            <a:off x="13856717" y="19787377"/>
+            <a:off x="13856717" y="19757880"/>
             <a:ext cx="12942336" cy="643172"/>
           </a:xfrm>
         </p:spPr>
@@ -9798,14 +9809,94 @@
         <p:spPr>
           <a:xfrm>
             <a:off x="13856717" y="20418960"/>
-            <a:ext cx="12947298" cy="728455"/>
+            <a:ext cx="12947298" cy="2789340"/>
           </a:xfrm>
         </p:spPr>
         <p:txBody>
           <a:bodyPr/>
           <a:lstStyle/>
           <a:p>
-            <a:endParaRPr lang="en-US" dirty="0"/>
+            <a:pPr algn="just"/>
+            <a:r>
+              <a:rPr lang="en-US" dirty="0" smtClean="0">
+                <a:solidFill>
+                  <a:schemeClr val="tx1"/>
+                </a:solidFill>
+              </a:rPr>
+              <a:t>To summarize, we reproduce an AI task </a:t>
+            </a:r>
+            <a:r>
+              <a:rPr lang="mr-IN" dirty="0" smtClean="0">
+                <a:solidFill>
+                  <a:schemeClr val="tx1"/>
+                </a:solidFill>
+              </a:rPr>
+              <a:t>–</a:t>
+            </a:r>
+            <a:r>
+              <a:rPr lang="en-US" dirty="0" smtClean="0">
+                <a:solidFill>
+                  <a:schemeClr val="tx1"/>
+                </a:solidFill>
+              </a:rPr>
+              <a:t> Visual Dialog, where an AI agent mush hold a dialog with a human about visual content. Based on Late Fusion encoder, we first implement the discriminative and generative models as our baselines. Then we come up with methods focusing on improving the performance. For example, we apply sequential matching network into the discriminative model and implement question &amp; image attention in the generative model.</a:t>
+            </a:r>
+          </a:p>
+          <a:p>
+            <a:pPr algn="just"/>
+            <a:r>
+              <a:rPr lang="en-US" dirty="0">
+                <a:solidFill>
+                  <a:schemeClr val="tx1"/>
+                </a:solidFill>
+              </a:rPr>
+              <a:t>O</a:t>
+            </a:r>
+            <a:r>
+              <a:rPr lang="en-US" dirty="0" smtClean="0">
+                <a:solidFill>
+                  <a:schemeClr val="tx1"/>
+                </a:solidFill>
+              </a:rPr>
+              <a:t>ur baseline models </a:t>
+            </a:r>
+            <a:r>
+              <a:rPr lang="en-US" dirty="0">
+                <a:solidFill>
+                  <a:schemeClr val="tx1"/>
+                </a:solidFill>
+              </a:rPr>
+              <a:t>are comparable to the results in the paper, </a:t>
+            </a:r>
+            <a:r>
+              <a:rPr lang="en-US" dirty="0" smtClean="0">
+                <a:solidFill>
+                  <a:schemeClr val="tx1"/>
+                </a:solidFill>
+              </a:rPr>
+              <a:t>since </a:t>
+            </a:r>
+            <a:r>
+              <a:rPr lang="en-US" dirty="0">
+                <a:solidFill>
+                  <a:schemeClr val="tx1"/>
+                </a:solidFill>
+              </a:rPr>
+              <a:t>we use smaller hidden size and word embedding </a:t>
+            </a:r>
+            <a:r>
+              <a:rPr lang="en-US" dirty="0" smtClean="0">
+                <a:solidFill>
+                  <a:schemeClr val="tx1"/>
+                </a:solidFill>
+              </a:rPr>
+              <a:t>size. Furthermore,  the sequential matching network </a:t>
+            </a:r>
+            <a:endParaRPr lang="en-US" dirty="0">
+              <a:solidFill>
+                <a:schemeClr val="tx1"/>
+              </a:solidFill>
+            </a:endParaRPr>
           </a:p>
         </p:txBody>
       </p:sp>
@@ -10540,7 +10631,7 @@
         </p:nvSpPr>
         <p:spPr>
           <a:xfrm>
-            <a:off x="13856718" y="28604296"/>
+            <a:off x="13856718" y="28663290"/>
             <a:ext cx="12935857" cy="643172"/>
           </a:xfrm>
           <a:prstGeom prst="rect">
@@ -10905,15 +10996,19 @@
             </a:r>
             <a:r>
               <a:rPr lang="en-US" dirty="0" smtClean="0"/>
-              <a:t>, CIT, </a:t>
+              <a:t>, </a:t>
+            </a:r>
+            <a:r>
+              <a:rPr lang="en-US" dirty="0" smtClean="0"/>
+              <a:t>ECE</a:t>
+            </a:r>
+            <a:r>
+              <a:rPr lang="en-US" dirty="0" smtClean="0"/>
+              <a:t>, </a:t>
             </a:r>
             <a:r>
               <a:rPr lang="en-US" dirty="0"/>
-              <a:t>E</a:t>
-            </a:r>
-            <a:r>
-              <a:rPr lang="en-US" dirty="0" smtClean="0"/>
-              <a:t>CE, </a:t>
+              <a:t>CIT, </a:t>
             </a:r>
             <a:r>
               <a:rPr lang="en-US" dirty="0" smtClean="0">
@@ -11513,7 +11608,7 @@
         </p:blipFill>
         <p:spPr>
           <a:xfrm>
-            <a:off x="1785310" y="12429259"/>
+            <a:off x="1785310" y="12333007"/>
             <a:ext cx="10393182" cy="3472633"/>
           </a:xfrm>
           <a:prstGeom prst="rect">
@@ -11531,7 +11626,7 @@
         </p:nvSpPr>
         <p:spPr>
           <a:xfrm>
-            <a:off x="535618" y="11724644"/>
+            <a:off x="535618" y="11652455"/>
             <a:ext cx="12949224" cy="643172"/>
           </a:xfrm>
           <a:prstGeom prst="rect">
@@ -11700,7 +11795,7 @@
         </p:nvSpPr>
         <p:spPr>
           <a:xfrm>
-            <a:off x="535618" y="17831912"/>
+            <a:off x="535618" y="17663471"/>
             <a:ext cx="12949224" cy="643172"/>
           </a:xfrm>
           <a:prstGeom prst="rect">
@@ -11869,7 +11964,7 @@
         </p:nvSpPr>
         <p:spPr>
           <a:xfrm>
-            <a:off x="535618" y="24348637"/>
+            <a:off x="607807" y="24324574"/>
             <a:ext cx="12949224" cy="643172"/>
           </a:xfrm>
           <a:prstGeom prst="rect">
@@ -12050,7 +12145,7 @@
         </p:blipFill>
         <p:spPr>
           <a:xfrm>
-            <a:off x="881761" y="18586201"/>
+            <a:off x="881761" y="18369634"/>
             <a:ext cx="12422541" cy="4273800"/>
           </a:xfrm>
           <a:prstGeom prst="rect">
@@ -12080,7 +12175,7 @@
         </p:blipFill>
         <p:spPr>
           <a:xfrm>
-            <a:off x="896717" y="25089710"/>
+            <a:off x="831824" y="25004923"/>
             <a:ext cx="12300154" cy="4353671"/>
           </a:xfrm>
           <a:prstGeom prst="rect">
@@ -12096,7 +12191,7 @@
         </p:nvSpPr>
         <p:spPr>
           <a:xfrm>
-            <a:off x="896717" y="16025463"/>
+            <a:off x="896717" y="15905148"/>
             <a:ext cx="12300153" cy="1754326"/>
           </a:xfrm>
           <a:prstGeom prst="rect">
@@ -12198,6 +12293,83 @@
           </a:p>
         </p:txBody>
       </p:sp>
+      <p:sp>
+        <p:nvSpPr>
+          <p:cNvPr id="34" name="TextBox 33"/>
+          <p:cNvSpPr txBox="1"/>
+          <p:nvPr/>
+        </p:nvSpPr>
+        <p:spPr>
+          <a:xfrm>
+            <a:off x="881761" y="22630720"/>
+            <a:ext cx="12300153" cy="1754326"/>
+          </a:xfrm>
+          <a:prstGeom prst="rect">
+            <a:avLst/>
+          </a:prstGeom>
+          <a:noFill/>
+        </p:spPr>
+        <p:txBody>
+          <a:bodyPr wrap="square" rtlCol="0">
+            <a:spAutoFit/>
+          </a:bodyPr>
+          <a:lstStyle/>
+          <a:p>
+            <a:pPr algn="just"/>
+            <a:r>
+              <a:rPr lang="en-US" sz="2160" dirty="0">
+                <a:latin typeface="Times New Roman" charset="0"/>
+                <a:ea typeface="Times New Roman" charset="0"/>
+                <a:cs typeface="Times New Roman" charset="0"/>
+              </a:rPr>
+              <a:t>The sequential matching network is a new idea in turn-based dialog, whereby questions and answer options are matched in terms of how appropriate the response is to that particular question and image. The model first embeds and passes all three components through an LSTM to get a feature representation, then matches each answer to a question and image and scores how appropriate that answer is, after convolving, pooling, and concatenation</a:t>
+            </a:r>
+            <a:r>
+              <a:rPr lang="en-US" sz="2160" dirty="0" smtClean="0">
+                <a:latin typeface="Times New Roman" charset="0"/>
+                <a:ea typeface="Times New Roman" charset="0"/>
+                <a:cs typeface="Times New Roman" charset="0"/>
+              </a:rPr>
+              <a:t>.</a:t>
+            </a:r>
+            <a:endParaRPr lang="en-US" sz="2160" dirty="0">
+              <a:latin typeface="Times New Roman" charset="0"/>
+              <a:ea typeface="Times New Roman" charset="0"/>
+              <a:cs typeface="Times New Roman" charset="0"/>
+            </a:endParaRPr>
+          </a:p>
+        </p:txBody>
+      </p:sp>
+      <p:pic>
+        <p:nvPicPr>
+          <p:cNvPr id="11" name="Picture 10"/>
+          <p:cNvPicPr>
+            <a:picLocks noChangeAspect="1"/>
+          </p:cNvPicPr>
+          <p:nvPr/>
+        </p:nvPicPr>
+        <p:blipFill>
+          <a:blip r:embed="rId10">
+            <a:extLst>
+              <a:ext uri="{28A0092B-C50C-407E-A947-70E740481C1C}">
+                <a14:useLocalDpi xmlns:a14="http://schemas.microsoft.com/office/drawing/2010/main" val="0"/>
+              </a:ext>
+            </a:extLst>
+          </a:blip>
+          <a:stretch>
+            <a:fillRect/>
+          </a:stretch>
+        </p:blipFill>
+        <p:spPr>
+          <a:xfrm>
+            <a:off x="14405604" y="7084828"/>
+            <a:ext cx="11394913" cy="5939902"/>
+          </a:xfrm>
+          <a:prstGeom prst="rect">
+            <a:avLst/>
+          </a:prstGeom>
+        </p:spPr>
+      </p:pic>
     </p:spTree>
     <p:extLst>
       <p:ext uri="{BB962C8B-B14F-4D97-AF65-F5344CB8AC3E}">

--- a/poster.pptx
+++ b/poster.pptx
@@ -3978,7 +3978,7 @@
               <a:graphicData uri="http://schemas.openxmlformats.org/presentationml/2006/ole">
                 <mc:AlternateContent xmlns:mc="http://schemas.openxmlformats.org/markup-compatibility/2006">
                   <mc:Choice xmlns:v="urn:schemas-microsoft-com:vml" Requires="v">
-                    <p:oleObj spid="_x0000_s1179" name="Image" r:id="rId8" imgW="1828440" imgH="1117440" progId="Photoshop.Image.13">
+                    <p:oleObj spid="_x0000_s1187" name="Image" r:id="rId8" imgW="1828440" imgH="1117440" progId="Photoshop.Image.13">
                       <p:embed/>
                     </p:oleObj>
                   </mc:Choice>
@@ -4035,7 +4035,7 @@
               <a:graphicData uri="http://schemas.openxmlformats.org/presentationml/2006/ole">
                 <mc:AlternateContent xmlns:mc="http://schemas.openxmlformats.org/markup-compatibility/2006">
                   <mc:Choice xmlns:v="urn:schemas-microsoft-com:vml" Requires="v">
-                    <p:oleObj spid="_x0000_s1180" name="Image" r:id="rId10" imgW="1828440" imgH="1117440" progId="Photoshop.Image.13">
+                    <p:oleObj spid="_x0000_s1188" name="Image" r:id="rId10" imgW="1828440" imgH="1117440" progId="Photoshop.Image.13">
                       <p:embed/>
                     </p:oleObj>
                   </mc:Choice>
@@ -5218,7 +5218,7 @@
             <a:graphicData uri="http://schemas.openxmlformats.org/presentationml/2006/ole">
               <mc:AlternateContent xmlns:mc="http://schemas.openxmlformats.org/markup-compatibility/2006">
                 <mc:Choice xmlns:v="urn:schemas-microsoft-com:vml" Requires="v">
-                  <p:oleObj spid="_x0000_s1181" name="Image" r:id="rId12" imgW="4571280" imgH="1688760" progId="Photoshop.Image.13">
+                  <p:oleObj spid="_x0000_s1189" name="Image" r:id="rId12" imgW="4571280" imgH="1688760" progId="Photoshop.Image.13">
                     <p:embed/>
                   </p:oleObj>
                 </mc:Choice>
@@ -5302,7 +5302,7 @@
             <a:graphicData uri="http://schemas.openxmlformats.org/presentationml/2006/ole">
               <mc:AlternateContent xmlns:mc="http://schemas.openxmlformats.org/markup-compatibility/2006">
                 <mc:Choice xmlns:v="urn:schemas-microsoft-com:vml" Requires="v">
-                  <p:oleObj spid="_x0000_s1182" name="Image" r:id="rId15" imgW="1574280" imgH="1053720" progId="Photoshop.Image.13">
+                  <p:oleObj spid="_x0000_s1190" name="Image" r:id="rId15" imgW="1574280" imgH="1053720" progId="Photoshop.Image.13">
                     <p:embed/>
                   </p:oleObj>
                 </mc:Choice>
@@ -7311,7 +7311,7 @@
               <a:graphicData uri="http://schemas.openxmlformats.org/presentationml/2006/ole">
                 <mc:AlternateContent xmlns:mc="http://schemas.openxmlformats.org/markup-compatibility/2006">
                   <mc:Choice xmlns:v="urn:schemas-microsoft-com:vml" Requires="v">
-                    <p:oleObj spid="_x0000_s2203" name="Image" r:id="rId8" imgW="1828440" imgH="1117440" progId="Photoshop.Image.13">
+                    <p:oleObj spid="_x0000_s2211" name="Image" r:id="rId8" imgW="1828440" imgH="1117440" progId="Photoshop.Image.13">
                       <p:embed/>
                     </p:oleObj>
                   </mc:Choice>
@@ -7368,7 +7368,7 @@
               <a:graphicData uri="http://schemas.openxmlformats.org/presentationml/2006/ole">
                 <mc:AlternateContent xmlns:mc="http://schemas.openxmlformats.org/markup-compatibility/2006">
                   <mc:Choice xmlns:v="urn:schemas-microsoft-com:vml" Requires="v">
-                    <p:oleObj spid="_x0000_s2204" name="Image" r:id="rId10" imgW="1828440" imgH="1117440" progId="Photoshop.Image.13">
+                    <p:oleObj spid="_x0000_s2212" name="Image" r:id="rId10" imgW="1828440" imgH="1117440" progId="Photoshop.Image.13">
                       <p:embed/>
                     </p:oleObj>
                   </mc:Choice>
@@ -8551,7 +8551,7 @@
             <a:graphicData uri="http://schemas.openxmlformats.org/presentationml/2006/ole">
               <mc:AlternateContent xmlns:mc="http://schemas.openxmlformats.org/markup-compatibility/2006">
                 <mc:Choice xmlns:v="urn:schemas-microsoft-com:vml" Requires="v">
-                  <p:oleObj spid="_x0000_s2205" name="Image" r:id="rId12" imgW="4571280" imgH="1688760" progId="Photoshop.Image.13">
+                  <p:oleObj spid="_x0000_s2213" name="Image" r:id="rId12" imgW="4571280" imgH="1688760" progId="Photoshop.Image.13">
                     <p:embed/>
                   </p:oleObj>
                 </mc:Choice>
@@ -8635,7 +8635,7 @@
             <a:graphicData uri="http://schemas.openxmlformats.org/presentationml/2006/ole">
               <mc:AlternateContent xmlns:mc="http://schemas.openxmlformats.org/markup-compatibility/2006">
                 <mc:Choice xmlns:v="urn:schemas-microsoft-com:vml" Requires="v">
-                  <p:oleObj spid="_x0000_s2206" name="Image" r:id="rId15" imgW="1574280" imgH="1053720" progId="Photoshop.Image.13">
+                  <p:oleObj spid="_x0000_s2214" name="Image" r:id="rId15" imgW="1574280" imgH="1053720" progId="Photoshop.Image.13">
                     <p:embed/>
                   </p:oleObj>
                 </mc:Choice>
@@ -11964,7 +11964,7 @@
         </p:nvSpPr>
         <p:spPr>
           <a:xfrm>
-            <a:off x="607807" y="24324574"/>
+            <a:off x="607807" y="24372700"/>
             <a:ext cx="12949224" cy="643172"/>
           </a:xfrm>
           <a:prstGeom prst="rect">
@@ -12153,36 +12153,6 @@
           </a:prstGeom>
         </p:spPr>
       </p:pic>
-      <p:pic>
-        <p:nvPicPr>
-          <p:cNvPr id="5" name="Picture 4"/>
-          <p:cNvPicPr>
-            <a:picLocks noChangeAspect="1"/>
-          </p:cNvPicPr>
-          <p:nvPr/>
-        </p:nvPicPr>
-        <p:blipFill>
-          <a:blip r:embed="rId9">
-            <a:extLst>
-              <a:ext uri="{28A0092B-C50C-407E-A947-70E740481C1C}">
-                <a14:useLocalDpi xmlns:a14="http://schemas.microsoft.com/office/drawing/2010/main" val="0"/>
-              </a:ext>
-            </a:extLst>
-          </a:blip>
-          <a:stretch>
-            <a:fillRect/>
-          </a:stretch>
-        </p:blipFill>
-        <p:spPr>
-          <a:xfrm>
-            <a:off x="831824" y="25004923"/>
-            <a:ext cx="12300154" cy="4353671"/>
-          </a:xfrm>
-          <a:prstGeom prst="rect">
-            <a:avLst/>
-          </a:prstGeom>
-        </p:spPr>
-      </p:pic>
       <p:sp>
         <p:nvSpPr>
           <p:cNvPr id="2" name="TextBox 1"/>
@@ -12301,7 +12271,7 @@
         </p:nvSpPr>
         <p:spPr>
           <a:xfrm>
-            <a:off x="881761" y="22630720"/>
+            <a:off x="881761" y="22678846"/>
             <a:ext cx="12300153" cy="1754326"/>
           </a:xfrm>
           <a:prstGeom prst="rect">
@@ -12343,6 +12313,36 @@
       <p:pic>
         <p:nvPicPr>
           <p:cNvPr id="11" name="Picture 10"/>
+          <p:cNvPicPr>
+            <a:picLocks noChangeAspect="1"/>
+          </p:cNvPicPr>
+          <p:nvPr/>
+        </p:nvPicPr>
+        <p:blipFill>
+          <a:blip r:embed="rId9">
+            <a:extLst>
+              <a:ext uri="{28A0092B-C50C-407E-A947-70E740481C1C}">
+                <a14:useLocalDpi xmlns:a14="http://schemas.microsoft.com/office/drawing/2010/main" val="0"/>
+              </a:ext>
+            </a:extLst>
+          </a:blip>
+          <a:stretch>
+            <a:fillRect/>
+          </a:stretch>
+        </p:blipFill>
+        <p:spPr>
+          <a:xfrm>
+            <a:off x="14405604" y="7084828"/>
+            <a:ext cx="11394913" cy="5939902"/>
+          </a:xfrm>
+          <a:prstGeom prst="rect">
+            <a:avLst/>
+          </a:prstGeom>
+        </p:spPr>
+      </p:pic>
+      <p:pic>
+        <p:nvPicPr>
+          <p:cNvPr id="12" name="Picture 11"/>
           <p:cNvPicPr>
             <a:picLocks noChangeAspect="1"/>
           </p:cNvPicPr>
@@ -12362,8 +12362,8 @@
         </p:blipFill>
         <p:spPr>
           <a:xfrm>
-            <a:off x="14405604" y="7084828"/>
-            <a:ext cx="11394913" cy="5939902"/>
+            <a:off x="776402" y="25061437"/>
+            <a:ext cx="12564062" cy="4459498"/>
           </a:xfrm>
           <a:prstGeom prst="rect">
             <a:avLst/>

--- a/poster.pptx
+++ b/poster.pptx
@@ -3978,7 +3978,7 @@
               <a:graphicData uri="http://schemas.openxmlformats.org/presentationml/2006/ole">
                 <mc:AlternateContent xmlns:mc="http://schemas.openxmlformats.org/markup-compatibility/2006">
                   <mc:Choice xmlns:v="urn:schemas-microsoft-com:vml" Requires="v">
-                    <p:oleObj spid="_x0000_s1187" name="Image" r:id="rId8" imgW="1828440" imgH="1117440" progId="Photoshop.Image.13">
+                    <p:oleObj spid="_x0000_s1188" name="Image" r:id="rId8" imgW="1828440" imgH="1117440" progId="Photoshop.Image.13">
                       <p:embed/>
                     </p:oleObj>
                   </mc:Choice>
@@ -4035,7 +4035,7 @@
               <a:graphicData uri="http://schemas.openxmlformats.org/presentationml/2006/ole">
                 <mc:AlternateContent xmlns:mc="http://schemas.openxmlformats.org/markup-compatibility/2006">
                   <mc:Choice xmlns:v="urn:schemas-microsoft-com:vml" Requires="v">
-                    <p:oleObj spid="_x0000_s1188" name="Image" r:id="rId10" imgW="1828440" imgH="1117440" progId="Photoshop.Image.13">
+                    <p:oleObj spid="_x0000_s1189" name="Image" r:id="rId10" imgW="1828440" imgH="1117440" progId="Photoshop.Image.13">
                       <p:embed/>
                     </p:oleObj>
                   </mc:Choice>
@@ -5218,7 +5218,7 @@
             <a:graphicData uri="http://schemas.openxmlformats.org/presentationml/2006/ole">
               <mc:AlternateContent xmlns:mc="http://schemas.openxmlformats.org/markup-compatibility/2006">
                 <mc:Choice xmlns:v="urn:schemas-microsoft-com:vml" Requires="v">
-                  <p:oleObj spid="_x0000_s1189" name="Image" r:id="rId12" imgW="4571280" imgH="1688760" progId="Photoshop.Image.13">
+                  <p:oleObj spid="_x0000_s1190" name="Image" r:id="rId12" imgW="4571280" imgH="1688760" progId="Photoshop.Image.13">
                     <p:embed/>
                   </p:oleObj>
                 </mc:Choice>
@@ -5302,7 +5302,7 @@
             <a:graphicData uri="http://schemas.openxmlformats.org/presentationml/2006/ole">
               <mc:AlternateContent xmlns:mc="http://schemas.openxmlformats.org/markup-compatibility/2006">
                 <mc:Choice xmlns:v="urn:schemas-microsoft-com:vml" Requires="v">
-                  <p:oleObj spid="_x0000_s1190" name="Image" r:id="rId15" imgW="1574280" imgH="1053720" progId="Photoshop.Image.13">
+                  <p:oleObj spid="_x0000_s1191" name="Image" r:id="rId15" imgW="1574280" imgH="1053720" progId="Photoshop.Image.13">
                     <p:embed/>
                   </p:oleObj>
                 </mc:Choice>
@@ -7311,7 +7311,7 @@
               <a:graphicData uri="http://schemas.openxmlformats.org/presentationml/2006/ole">
                 <mc:AlternateContent xmlns:mc="http://schemas.openxmlformats.org/markup-compatibility/2006">
                   <mc:Choice xmlns:v="urn:schemas-microsoft-com:vml" Requires="v">
-                    <p:oleObj spid="_x0000_s2211" name="Image" r:id="rId8" imgW="1828440" imgH="1117440" progId="Photoshop.Image.13">
+                    <p:oleObj spid="_x0000_s2212" name="Image" r:id="rId8" imgW="1828440" imgH="1117440" progId="Photoshop.Image.13">
                       <p:embed/>
                     </p:oleObj>
                   </mc:Choice>
@@ -7368,7 +7368,7 @@
               <a:graphicData uri="http://schemas.openxmlformats.org/presentationml/2006/ole">
                 <mc:AlternateContent xmlns:mc="http://schemas.openxmlformats.org/markup-compatibility/2006">
                   <mc:Choice xmlns:v="urn:schemas-microsoft-com:vml" Requires="v">
-                    <p:oleObj spid="_x0000_s2212" name="Image" r:id="rId10" imgW="1828440" imgH="1117440" progId="Photoshop.Image.13">
+                    <p:oleObj spid="_x0000_s2213" name="Image" r:id="rId10" imgW="1828440" imgH="1117440" progId="Photoshop.Image.13">
                       <p:embed/>
                     </p:oleObj>
                   </mc:Choice>
@@ -8551,7 +8551,7 @@
             <a:graphicData uri="http://schemas.openxmlformats.org/presentationml/2006/ole">
               <mc:AlternateContent xmlns:mc="http://schemas.openxmlformats.org/markup-compatibility/2006">
                 <mc:Choice xmlns:v="urn:schemas-microsoft-com:vml" Requires="v">
-                  <p:oleObj spid="_x0000_s2213" name="Image" r:id="rId12" imgW="4571280" imgH="1688760" progId="Photoshop.Image.13">
+                  <p:oleObj spid="_x0000_s2214" name="Image" r:id="rId12" imgW="4571280" imgH="1688760" progId="Photoshop.Image.13">
                     <p:embed/>
                   </p:oleObj>
                 </mc:Choice>
@@ -8635,7 +8635,7 @@
             <a:graphicData uri="http://schemas.openxmlformats.org/presentationml/2006/ole">
               <mc:AlternateContent xmlns:mc="http://schemas.openxmlformats.org/markup-compatibility/2006">
                 <mc:Choice xmlns:v="urn:schemas-microsoft-com:vml" Requires="v">
-                  <p:oleObj spid="_x0000_s2214" name="Image" r:id="rId15" imgW="1574280" imgH="1053720" progId="Photoshop.Image.13">
+                  <p:oleObj spid="_x0000_s2215" name="Image" r:id="rId15" imgW="1574280" imgH="1053720" progId="Photoshop.Image.13">
                     <p:embed/>
                   </p:oleObj>
                 </mc:Choice>
@@ -9551,15 +9551,7 @@
                   <a:schemeClr val="tx1"/>
                 </a:solidFill>
               </a:rPr>
-              <a:t>Since the memory limitation, w</a:t>
-            </a:r>
-            <a:r>
-              <a:rPr lang="en-US" dirty="0" smtClean="0">
-                <a:solidFill>
-                  <a:schemeClr val="tx1"/>
-                </a:solidFill>
-              </a:rPr>
-              <a:t>e decrease </a:t>
+              <a:t>Since the memory limitation, we decrease </a:t>
             </a:r>
             <a:r>
               <a:rPr lang="en-US" dirty="0">
@@ -9706,7 +9698,7 @@
         <p:spPr>
           <a:xfrm>
             <a:off x="13846682" y="5875819"/>
-            <a:ext cx="12955929" cy="1792144"/>
+            <a:ext cx="12955929" cy="2789340"/>
           </a:xfrm>
         </p:spPr>
         <p:txBody>
@@ -9728,8 +9720,21 @@
                   <a:schemeClr val="tx1"/>
                 </a:solidFill>
               </a:rPr>
-              <a:t>: We conduct the experiments on the retrieval task, which is evaluated with Mean Reciprocal Rank (MRR) and Recall at N (R@N).</a:t>
-            </a:r>
+              <a:t>: We conduct the experiments on the retrieval task, which is evaluated with Mean Reciprocal Rank (MRR) and Recall at N (R@N</a:t>
+            </a:r>
+            <a:r>
+              <a:rPr lang="en-US" dirty="0" smtClean="0">
+                <a:solidFill>
+                  <a:schemeClr val="tx1"/>
+                </a:solidFill>
+              </a:rPr>
+              <a:t>). Mean Reciprocal Rank will essentially look at what rank the model gave the correct response, and take the mean of all the reciprocals of the ranks given. The higher this value, the better the model performed. Recall at N, the other evaluation metric, looks at whether the correct response exists within the top N ranked responses given by the model. </a:t>
+            </a:r>
+            <a:endParaRPr lang="en-US" dirty="0" smtClean="0">
+              <a:solidFill>
+                <a:schemeClr val="tx1"/>
+              </a:solidFill>
+            </a:endParaRPr>
           </a:p>
           <a:p>
             <a:pPr algn="just"/>
@@ -9747,23 +9752,7 @@
                   <a:schemeClr val="tx1"/>
                 </a:solidFill>
               </a:rPr>
-              <a:t>: </a:t>
-            </a:r>
-            <a:r>
-              <a:rPr lang="en-US" dirty="0" smtClean="0">
-                <a:solidFill>
-                  <a:schemeClr val="tx1"/>
-                </a:solidFill>
-              </a:rPr>
-              <a:t>Due to hardware constraints, we use smaller hidden size (200) and word embedding size (200) as opposed to 512 and 300 in Das et al.. We are able to get results that are close to what were reported by the </a:t>
-            </a:r>
-            <a:r>
-              <a:rPr lang="en-US" dirty="0" smtClean="0">
-                <a:solidFill>
-                  <a:schemeClr val="tx1"/>
-                </a:solidFill>
-              </a:rPr>
-              <a:t>author.</a:t>
+              <a:t>: Due to hardware constraints, we use smaller hidden size (200) and word embedding size (200) as opposed to 512 and 300 in Das et al.. We are able to get results that are close to what were reported by the author.</a:t>
             </a:r>
           </a:p>
         </p:txBody>
@@ -9780,7 +9769,7 @@
         </p:nvSpPr>
         <p:spPr>
           <a:xfrm>
-            <a:off x="13856717" y="19757880"/>
+            <a:off x="13846682" y="19225715"/>
             <a:ext cx="12942336" cy="643172"/>
           </a:xfrm>
         </p:spPr>
@@ -9808,8 +9797,8 @@
         </p:nvSpPr>
         <p:spPr>
           <a:xfrm>
-            <a:off x="13856717" y="20418960"/>
-            <a:ext cx="12947298" cy="2789340"/>
+            <a:off x="13856717" y="20012622"/>
+            <a:ext cx="12947298" cy="4517826"/>
           </a:xfrm>
         </p:spPr>
         <p:txBody>
@@ -9818,20 +9807,28 @@
           <a:p>
             <a:pPr algn="just"/>
             <a:r>
+              <a:rPr lang="en-US" dirty="0">
+                <a:solidFill>
+                  <a:schemeClr val="tx1"/>
+                </a:solidFill>
+              </a:rPr>
+              <a:t>To summarize, we reproduce an AI task – Visual Dialog, where an AI agent </a:t>
+            </a:r>
+            <a:r>
               <a:rPr lang="en-US" dirty="0" smtClean="0">
                 <a:solidFill>
                   <a:schemeClr val="tx1"/>
                 </a:solidFill>
               </a:rPr>
-              <a:t>To summarize, we reproduce an AI task </a:t>
-            </a:r>
-            <a:r>
-              <a:rPr lang="mr-IN" dirty="0" smtClean="0">
+              <a:t>must </a:t>
+            </a:r>
+            <a:r>
+              <a:rPr lang="en-US" dirty="0">
                 <a:solidFill>
                   <a:schemeClr val="tx1"/>
                 </a:solidFill>
               </a:rPr>
-              <a:t>–</a:t>
+              <a:t>hold a dialog with a human about visual content. Based on Late Fusion encoder, we first </a:t>
             </a:r>
             <a:r>
               <a:rPr lang="en-US" dirty="0" smtClean="0">
@@ -9839,18 +9836,63 @@
                   <a:schemeClr val="tx1"/>
                 </a:solidFill>
               </a:rPr>
-              <a:t> Visual Dialog, where an AI agent mush hold a dialog with a human about visual content. Based on Late Fusion encoder, we first implement the discriminative and generative models as our baselines. Then we come up with methods focusing on improving the performance. For example, we apply sequential matching network into the discriminative model and implement question &amp; image attention in the generative model.</a:t>
-            </a:r>
+              <a:t>implemented </a:t>
+            </a:r>
+            <a:r>
+              <a:rPr lang="en-US" dirty="0">
+                <a:solidFill>
+                  <a:schemeClr val="tx1"/>
+                </a:solidFill>
+              </a:rPr>
+              <a:t>the </a:t>
+            </a:r>
+            <a:r>
+              <a:rPr lang="en-US" dirty="0" smtClean="0">
+                <a:solidFill>
+                  <a:schemeClr val="tx1"/>
+                </a:solidFill>
+              </a:rPr>
+              <a:t>discriminative and generative models </a:t>
+            </a:r>
+            <a:r>
+              <a:rPr lang="en-US" dirty="0">
+                <a:solidFill>
+                  <a:schemeClr val="tx1"/>
+                </a:solidFill>
+              </a:rPr>
+              <a:t>as our baselines. Then we come up with methods focusing on improving the performance. For example, we apply sequential matching network into the discriminative model and implement question &amp; image attention in the generative model. </a:t>
+            </a:r>
+            <a:endParaRPr lang="en-US" dirty="0" smtClean="0">
+              <a:solidFill>
+                <a:schemeClr val="tx1"/>
+              </a:solidFill>
+            </a:endParaRPr>
           </a:p>
           <a:p>
             <a:pPr algn="just"/>
             <a:r>
+              <a:rPr lang="en-US" dirty="0" smtClean="0">
+                <a:solidFill>
+                  <a:schemeClr val="tx1"/>
+                </a:solidFill>
+              </a:rPr>
+              <a:t>Our </a:t>
+            </a:r>
+            <a:r>
               <a:rPr lang="en-US" dirty="0">
                 <a:solidFill>
                   <a:schemeClr val="tx1"/>
                 </a:solidFill>
               </a:rPr>
-              <a:t>O</a:t>
+              <a:t>baseline models are comparable to the results in the paper, since we use smaller hidden size and word embedding size. The sequential matching network in the discriminative model can slightly improve the performance, both on MRR and </a:t>
+            </a:r>
+            <a:r>
+              <a:rPr lang="en-US" dirty="0" err="1" smtClean="0">
+                <a:solidFill>
+                  <a:schemeClr val="tx1"/>
+                </a:solidFill>
+              </a:rPr>
+              <a:t>Recall@N</a:t>
             </a:r>
             <a:r>
               <a:rPr lang="en-US" dirty="0" smtClean="0">
@@ -9858,7 +9900,7 @@
                   <a:schemeClr val="tx1"/>
                 </a:solidFill>
               </a:rPr>
-              <a:t>ur baseline models </a:t>
+              <a:t>. </a:t>
             </a:r>
             <a:r>
               <a:rPr lang="en-US" dirty="0">
@@ -9866,7 +9908,7 @@
                   <a:schemeClr val="tx1"/>
                 </a:solidFill>
               </a:rPr>
-              <a:t>are comparable to the results in the paper, </a:t>
+              <a:t>And the attention model takes in the concatenation context of the question and image, which greatly improve the performance. Furthermore, we add non-linear functions for the context, but the results don’t get </a:t>
             </a:r>
             <a:r>
               <a:rPr lang="en-US" dirty="0" smtClean="0">
@@ -9874,7 +9916,18 @@
                   <a:schemeClr val="tx1"/>
                 </a:solidFill>
               </a:rPr>
-              <a:t>since </a:t>
+              <a:t>better.</a:t>
+            </a:r>
+          </a:p>
+          <a:p>
+            <a:pPr algn="just"/>
+            <a:r>
+              <a:rPr lang="en-US" dirty="0" smtClean="0">
+                <a:solidFill>
+                  <a:schemeClr val="tx1"/>
+                </a:solidFill>
+              </a:rPr>
+              <a:t>In </a:t>
             </a:r>
             <a:r>
               <a:rPr lang="en-US" dirty="0">
@@ -9882,15 +9935,7 @@
                   <a:schemeClr val="tx1"/>
                 </a:solidFill>
               </a:rPr>
-              <a:t>we use smaller hidden size and word embedding </a:t>
-            </a:r>
-            <a:r>
-              <a:rPr lang="en-US" dirty="0" smtClean="0">
-                <a:solidFill>
-                  <a:schemeClr val="tx1"/>
-                </a:solidFill>
-              </a:rPr>
-              <a:t>size. Furthermore,  the sequential matching network </a:t>
+              <a:t>conclusion, our project demonstrates that sequential matching and attention methods can h. With them, our models can outperform the state-of-the-art methods.</a:t>
             </a:r>
             <a:endParaRPr lang="en-US" dirty="0">
               <a:solidFill>
@@ -10154,7 +10199,7 @@
         </p:nvSpPr>
         <p:spPr>
           <a:xfrm>
-            <a:off x="13846682" y="15996905"/>
+            <a:off x="13846682" y="15537057"/>
             <a:ext cx="12945893" cy="643172"/>
           </a:xfrm>
           <a:prstGeom prst="rect">
@@ -10324,7 +10369,7 @@
         </p:nvSpPr>
         <p:spPr>
           <a:xfrm>
-            <a:off x="13856717" y="16671967"/>
+            <a:off x="13856717" y="16326830"/>
             <a:ext cx="12947298" cy="2855832"/>
           </a:xfrm>
           <a:prstGeom prst="rect">
@@ -10996,15 +11041,7 @@
             </a:r>
             <a:r>
               <a:rPr lang="en-US" dirty="0" smtClean="0"/>
-              <a:t>, </a:t>
-            </a:r>
-            <a:r>
-              <a:rPr lang="en-US" dirty="0" smtClean="0"/>
-              <a:t>ECE</a:t>
-            </a:r>
-            <a:r>
-              <a:rPr lang="en-US" dirty="0" smtClean="0"/>
-              <a:t>, </a:t>
+              <a:t>, ECE, </a:t>
             </a:r>
             <a:r>
               <a:rPr lang="en-US" dirty="0"/>
@@ -11964,7 +12001,7 @@
         </p:nvSpPr>
         <p:spPr>
           <a:xfrm>
-            <a:off x="607807" y="24372700"/>
+            <a:off x="607807" y="24324574"/>
             <a:ext cx="12949224" cy="643172"/>
           </a:xfrm>
           <a:prstGeom prst="rect">
@@ -12153,6 +12190,36 @@
           </a:prstGeom>
         </p:spPr>
       </p:pic>
+      <p:pic>
+        <p:nvPicPr>
+          <p:cNvPr id="5" name="Picture 4"/>
+          <p:cNvPicPr>
+            <a:picLocks noChangeAspect="1"/>
+          </p:cNvPicPr>
+          <p:nvPr/>
+        </p:nvPicPr>
+        <p:blipFill>
+          <a:blip r:embed="rId9">
+            <a:extLst>
+              <a:ext uri="{28A0092B-C50C-407E-A947-70E740481C1C}">
+                <a14:useLocalDpi xmlns:a14="http://schemas.microsoft.com/office/drawing/2010/main" val="0"/>
+              </a:ext>
+            </a:extLst>
+          </a:blip>
+          <a:stretch>
+            <a:fillRect/>
+          </a:stretch>
+        </p:blipFill>
+        <p:spPr>
+          <a:xfrm>
+            <a:off x="831824" y="25004923"/>
+            <a:ext cx="12300154" cy="4353671"/>
+          </a:xfrm>
+          <a:prstGeom prst="rect">
+            <a:avLst/>
+          </a:prstGeom>
+        </p:spPr>
+      </p:pic>
       <p:sp>
         <p:nvSpPr>
           <p:cNvPr id="2" name="TextBox 1"/>
@@ -12181,21 +12248,21 @@
                 <a:latin typeface="Times New Roman" panose="02020603050405020304" pitchFamily="18" charset="0"/>
                 <a:cs typeface="Times New Roman" panose="02020603050405020304" pitchFamily="18" charset="0"/>
               </a:rPr>
-              <a:t>We first decided to use a Late Fusion Discriminative model as the baseline with which we would compare our other models to in terms of performance. This model has an LF Encoder which concatenates the individual representations of the questions and the images, and linearly transforms this input to a desired joint representation of features. The discriminative decoder computes the similarity between the input encoding and the </a:t>
+              <a:t>We first decided to use a Late Fusion Discriminative model as </a:t>
             </a:r>
             <a:r>
               <a:rPr lang="en-US" sz="2160" dirty="0" smtClean="0">
                 <a:latin typeface="Times New Roman" panose="02020603050405020304" pitchFamily="18" charset="0"/>
                 <a:cs typeface="Times New Roman" panose="02020603050405020304" pitchFamily="18" charset="0"/>
               </a:rPr>
-              <a:t>GRU encoding </a:t>
+              <a:t>one of the baselines </a:t>
             </a:r>
             <a:r>
               <a:rPr lang="en-US" sz="2160" dirty="0" smtClean="0">
                 <a:latin typeface="Times New Roman" panose="02020603050405020304" pitchFamily="18" charset="0"/>
                 <a:cs typeface="Times New Roman" panose="02020603050405020304" pitchFamily="18" charset="0"/>
               </a:rPr>
-              <a:t>of the answer options to get an evaluation metric.</a:t>
+              <a:t>with which we would compare our other models to in terms of performance. This model has an LF Encoder which concatenates the individual representations of the questions and the images, and linearly transforms this input to a desired joint representation of features. The discriminative decoder computes the similarity between the input encoding and the GRU encoding of the answer options to get an evaluation metric.</a:t>
             </a:r>
           </a:p>
         </p:txBody>
@@ -12255,11 +12322,6 @@
               </a:rPr>
               <a:t>distribution.</a:t>
             </a:r>
-            <a:endParaRPr lang="en-US" sz="2160" dirty="0" smtClean="0">
-              <a:latin typeface="Times New Roman" charset="0"/>
-              <a:ea typeface="Times New Roman" charset="0"/>
-              <a:cs typeface="Times New Roman" charset="0"/>
-            </a:endParaRPr>
           </a:p>
         </p:txBody>
       </p:sp>
@@ -12271,7 +12333,7 @@
         </p:nvSpPr>
         <p:spPr>
           <a:xfrm>
-            <a:off x="881761" y="22678846"/>
+            <a:off x="881761" y="22630720"/>
             <a:ext cx="12300153" cy="1754326"/>
           </a:xfrm>
           <a:prstGeom prst="rect">
@@ -12292,7 +12354,23 @@
                 <a:ea typeface="Times New Roman" charset="0"/>
                 <a:cs typeface="Times New Roman" charset="0"/>
               </a:rPr>
-              <a:t>The sequential matching network is a new idea in turn-based dialog, whereby questions and answer options are matched in terms of how appropriate the response is to that particular question and image. The model first embeds and passes all three components through an LSTM to get a feature representation, then matches each answer to a question and image and scores how appropriate that answer is, after convolving, pooling, and concatenation</a:t>
+              <a:t>The sequential matching network is a new idea in turn-based dialog, whereby questions and answer options are matched in terms of how appropriate the response is to that particular question and image. The model first embeds and passes all three components through an </a:t>
+            </a:r>
+            <a:r>
+              <a:rPr lang="en-US" sz="2160" dirty="0" smtClean="0">
+                <a:latin typeface="Times New Roman" charset="0"/>
+                <a:ea typeface="Times New Roman" charset="0"/>
+                <a:cs typeface="Times New Roman" charset="0"/>
+              </a:rPr>
+              <a:t>GRU to </a:t>
+            </a:r>
+            <a:r>
+              <a:rPr lang="en-US" sz="2160" dirty="0">
+                <a:latin typeface="Times New Roman" charset="0"/>
+                <a:ea typeface="Times New Roman" charset="0"/>
+                <a:cs typeface="Times New Roman" charset="0"/>
+              </a:rPr>
+              <a:t>get a feature representation, then matches each answer to a question and image and scores how appropriate that answer is, after convolving, pooling, and concatenation</a:t>
             </a:r>
             <a:r>
               <a:rPr lang="en-US" sz="2160" dirty="0" smtClean="0">
@@ -12313,36 +12391,6 @@
       <p:pic>
         <p:nvPicPr>
           <p:cNvPr id="11" name="Picture 10"/>
-          <p:cNvPicPr>
-            <a:picLocks noChangeAspect="1"/>
-          </p:cNvPicPr>
-          <p:nvPr/>
-        </p:nvPicPr>
-        <p:blipFill>
-          <a:blip r:embed="rId9">
-            <a:extLst>
-              <a:ext uri="{28A0092B-C50C-407E-A947-70E740481C1C}">
-                <a14:useLocalDpi xmlns:a14="http://schemas.microsoft.com/office/drawing/2010/main" val="0"/>
-              </a:ext>
-            </a:extLst>
-          </a:blip>
-          <a:stretch>
-            <a:fillRect/>
-          </a:stretch>
-        </p:blipFill>
-        <p:spPr>
-          <a:xfrm>
-            <a:off x="14405604" y="7084828"/>
-            <a:ext cx="11394913" cy="5939902"/>
-          </a:xfrm>
-          <a:prstGeom prst="rect">
-            <a:avLst/>
-          </a:prstGeom>
-        </p:spPr>
-      </p:pic>
-      <p:pic>
-        <p:nvPicPr>
-          <p:cNvPr id="12" name="Picture 11"/>
           <p:cNvPicPr>
             <a:picLocks noChangeAspect="1"/>
           </p:cNvPicPr>
@@ -12362,8 +12410,8 @@
         </p:blipFill>
         <p:spPr>
           <a:xfrm>
-            <a:off x="776402" y="25061437"/>
-            <a:ext cx="12564062" cy="4459498"/>
+            <a:off x="14044657" y="8959174"/>
+            <a:ext cx="12031101" cy="6271532"/>
           </a:xfrm>
           <a:prstGeom prst="rect">
             <a:avLst/>

--- a/poster.pptx
+++ b/poster.pptx
@@ -3978,7 +3978,7 @@
               <a:graphicData uri="http://schemas.openxmlformats.org/presentationml/2006/ole">
                 <mc:AlternateContent xmlns:mc="http://schemas.openxmlformats.org/markup-compatibility/2006">
                   <mc:Choice xmlns:v="urn:schemas-microsoft-com:vml" Requires="v">
-                    <p:oleObj spid="_x0000_s1188" name="Image" r:id="rId8" imgW="1828440" imgH="1117440" progId="Photoshop.Image.13">
+                    <p:oleObj spid="_x0000_s1200" name="Image" r:id="rId8" imgW="1828440" imgH="1117440" progId="Photoshop.Image.13">
                       <p:embed/>
                     </p:oleObj>
                   </mc:Choice>
@@ -4035,7 +4035,7 @@
               <a:graphicData uri="http://schemas.openxmlformats.org/presentationml/2006/ole">
                 <mc:AlternateContent xmlns:mc="http://schemas.openxmlformats.org/markup-compatibility/2006">
                   <mc:Choice xmlns:v="urn:schemas-microsoft-com:vml" Requires="v">
-                    <p:oleObj spid="_x0000_s1189" name="Image" r:id="rId10" imgW="1828440" imgH="1117440" progId="Photoshop.Image.13">
+                    <p:oleObj spid="_x0000_s1201" name="Image" r:id="rId10" imgW="1828440" imgH="1117440" progId="Photoshop.Image.13">
                       <p:embed/>
                     </p:oleObj>
                   </mc:Choice>
@@ -5218,7 +5218,7 @@
             <a:graphicData uri="http://schemas.openxmlformats.org/presentationml/2006/ole">
               <mc:AlternateContent xmlns:mc="http://schemas.openxmlformats.org/markup-compatibility/2006">
                 <mc:Choice xmlns:v="urn:schemas-microsoft-com:vml" Requires="v">
-                  <p:oleObj spid="_x0000_s1190" name="Image" r:id="rId12" imgW="4571280" imgH="1688760" progId="Photoshop.Image.13">
+                  <p:oleObj spid="_x0000_s1202" name="Image" r:id="rId12" imgW="4571280" imgH="1688760" progId="Photoshop.Image.13">
                     <p:embed/>
                   </p:oleObj>
                 </mc:Choice>
@@ -5302,7 +5302,7 @@
             <a:graphicData uri="http://schemas.openxmlformats.org/presentationml/2006/ole">
               <mc:AlternateContent xmlns:mc="http://schemas.openxmlformats.org/markup-compatibility/2006">
                 <mc:Choice xmlns:v="urn:schemas-microsoft-com:vml" Requires="v">
-                  <p:oleObj spid="_x0000_s1191" name="Image" r:id="rId15" imgW="1574280" imgH="1053720" progId="Photoshop.Image.13">
+                  <p:oleObj spid="_x0000_s1203" name="Image" r:id="rId15" imgW="1574280" imgH="1053720" progId="Photoshop.Image.13">
                     <p:embed/>
                   </p:oleObj>
                 </mc:Choice>
@@ -7311,7 +7311,7 @@
               <a:graphicData uri="http://schemas.openxmlformats.org/presentationml/2006/ole">
                 <mc:AlternateContent xmlns:mc="http://schemas.openxmlformats.org/markup-compatibility/2006">
                   <mc:Choice xmlns:v="urn:schemas-microsoft-com:vml" Requires="v">
-                    <p:oleObj spid="_x0000_s2212" name="Image" r:id="rId8" imgW="1828440" imgH="1117440" progId="Photoshop.Image.13">
+                    <p:oleObj spid="_x0000_s2224" name="Image" r:id="rId8" imgW="1828440" imgH="1117440" progId="Photoshop.Image.13">
                       <p:embed/>
                     </p:oleObj>
                   </mc:Choice>
@@ -7368,7 +7368,7 @@
               <a:graphicData uri="http://schemas.openxmlformats.org/presentationml/2006/ole">
                 <mc:AlternateContent xmlns:mc="http://schemas.openxmlformats.org/markup-compatibility/2006">
                   <mc:Choice xmlns:v="urn:schemas-microsoft-com:vml" Requires="v">
-                    <p:oleObj spid="_x0000_s2213" name="Image" r:id="rId10" imgW="1828440" imgH="1117440" progId="Photoshop.Image.13">
+                    <p:oleObj spid="_x0000_s2225" name="Image" r:id="rId10" imgW="1828440" imgH="1117440" progId="Photoshop.Image.13">
                       <p:embed/>
                     </p:oleObj>
                   </mc:Choice>
@@ -8551,7 +8551,7 @@
             <a:graphicData uri="http://schemas.openxmlformats.org/presentationml/2006/ole">
               <mc:AlternateContent xmlns:mc="http://schemas.openxmlformats.org/markup-compatibility/2006">
                 <mc:Choice xmlns:v="urn:schemas-microsoft-com:vml" Requires="v">
-                  <p:oleObj spid="_x0000_s2214" name="Image" r:id="rId12" imgW="4571280" imgH="1688760" progId="Photoshop.Image.13">
+                  <p:oleObj spid="_x0000_s2226" name="Image" r:id="rId12" imgW="4571280" imgH="1688760" progId="Photoshop.Image.13">
                     <p:embed/>
                   </p:oleObj>
                 </mc:Choice>
@@ -8635,7 +8635,7 @@
             <a:graphicData uri="http://schemas.openxmlformats.org/presentationml/2006/ole">
               <mc:AlternateContent xmlns:mc="http://schemas.openxmlformats.org/markup-compatibility/2006">
                 <mc:Choice xmlns:v="urn:schemas-microsoft-com:vml" Requires="v">
-                  <p:oleObj spid="_x0000_s2215" name="Image" r:id="rId15" imgW="1574280" imgH="1053720" progId="Photoshop.Image.13">
+                  <p:oleObj spid="_x0000_s2227" name="Image" r:id="rId15" imgW="1574280" imgH="1053720" progId="Photoshop.Image.13">
                     <p:embed/>
                   </p:oleObj>
                 </mc:Choice>
@@ -9828,7 +9828,23 @@
                   <a:schemeClr val="tx1"/>
                 </a:solidFill>
               </a:rPr>
-              <a:t>hold a dialog with a human about visual content. Based on Late Fusion encoder, we first </a:t>
+              <a:t>hold a dialog with a human about visual content. Based on </a:t>
+            </a:r>
+            <a:r>
+              <a:rPr lang="en-US" dirty="0" smtClean="0">
+                <a:solidFill>
+                  <a:schemeClr val="tx1"/>
+                </a:solidFill>
+              </a:rPr>
+              <a:t>the Late </a:t>
+            </a:r>
+            <a:r>
+              <a:rPr lang="en-US" dirty="0">
+                <a:solidFill>
+                  <a:schemeClr val="tx1"/>
+                </a:solidFill>
+              </a:rPr>
+              <a:t>Fusion encoder, we first </a:t>
             </a:r>
             <a:r>
               <a:rPr lang="en-US" dirty="0" smtClean="0">
@@ -9860,7 +9876,55 @@
                   <a:schemeClr val="tx1"/>
                 </a:solidFill>
               </a:rPr>
-              <a:t>as our baselines. Then we come up with methods focusing on improving the performance. For example, we apply sequential matching network into the discriminative model and implement question &amp; image attention in the generative model. </a:t>
+              <a:t>as our baselines. Then we </a:t>
+            </a:r>
+            <a:r>
+              <a:rPr lang="en-US" dirty="0" smtClean="0">
+                <a:solidFill>
+                  <a:schemeClr val="tx1"/>
+                </a:solidFill>
+              </a:rPr>
+              <a:t>came </a:t>
+            </a:r>
+            <a:r>
+              <a:rPr lang="en-US" dirty="0">
+                <a:solidFill>
+                  <a:schemeClr val="tx1"/>
+                </a:solidFill>
+              </a:rPr>
+              <a:t>up with methods focusing on improving the performance. For example, we </a:t>
+            </a:r>
+            <a:r>
+              <a:rPr lang="en-US" dirty="0" smtClean="0">
+                <a:solidFill>
+                  <a:schemeClr val="tx1"/>
+                </a:solidFill>
+              </a:rPr>
+              <a:t>applied a </a:t>
+            </a:r>
+            <a:r>
+              <a:rPr lang="en-US" dirty="0">
+                <a:solidFill>
+                  <a:schemeClr val="tx1"/>
+                </a:solidFill>
+              </a:rPr>
+              <a:t>sequential matching network into the discriminative model and </a:t>
+            </a:r>
+            <a:r>
+              <a:rPr lang="en-US" dirty="0" smtClean="0">
+                <a:solidFill>
+                  <a:schemeClr val="tx1"/>
+                </a:solidFill>
+              </a:rPr>
+              <a:t>implemented </a:t>
+            </a:r>
+            <a:r>
+              <a:rPr lang="en-US" dirty="0">
+                <a:solidFill>
+                  <a:schemeClr val="tx1"/>
+                </a:solidFill>
+              </a:rPr>
+              <a:t>question &amp; image attention in the generative model. </a:t>
             </a:r>
             <a:endParaRPr lang="en-US" dirty="0" smtClean="0">
               <a:solidFill>
@@ -9884,7 +9948,23 @@
                   <a:schemeClr val="tx1"/>
                 </a:solidFill>
               </a:rPr>
-              <a:t>baseline models are comparable to the results in the paper, since we use smaller hidden size and word embedding size. The sequential matching network in the discriminative model can slightly improve the performance, both on MRR and </a:t>
+              <a:t>baseline models are comparable to the results in the paper, since we </a:t>
+            </a:r>
+            <a:r>
+              <a:rPr lang="en-US" dirty="0" smtClean="0">
+                <a:solidFill>
+                  <a:schemeClr val="tx1"/>
+                </a:solidFill>
+              </a:rPr>
+              <a:t>used </a:t>
+            </a:r>
+            <a:r>
+              <a:rPr lang="en-US" dirty="0">
+                <a:solidFill>
+                  <a:schemeClr val="tx1"/>
+                </a:solidFill>
+              </a:rPr>
+              <a:t>smaller hidden size and word embedding size. The sequential matching network in the discriminative model can slightly improve the performance, both on MRR and </a:t>
             </a:r>
             <a:r>
               <a:rPr lang="en-US" dirty="0" err="1" smtClean="0">
@@ -9903,12 +9983,20 @@
               <a:t>. </a:t>
             </a:r>
             <a:r>
+              <a:rPr lang="en-US" smtClean="0">
+                <a:solidFill>
+                  <a:schemeClr val="tx1"/>
+                </a:solidFill>
+              </a:rPr>
+              <a:t>The </a:t>
+            </a:r>
+            <a:r>
               <a:rPr lang="en-US" dirty="0">
                 <a:solidFill>
                   <a:schemeClr val="tx1"/>
                 </a:solidFill>
               </a:rPr>
-              <a:t>And the attention model takes in the concatenation context of the question and image, which greatly improve the performance. Furthermore, we add non-linear functions for the context, but the results don’t get </a:t>
+              <a:t>attention model takes in the concatenation context of the question and image, which greatly </a:t>
             </a:r>
             <a:r>
               <a:rPr lang="en-US" dirty="0" smtClean="0">
@@ -9916,7 +10004,39 @@
                   <a:schemeClr val="tx1"/>
                 </a:solidFill>
               </a:rPr>
-              <a:t>better.</a:t>
+              <a:t>improves </a:t>
+            </a:r>
+            <a:r>
+              <a:rPr lang="en-US" dirty="0">
+                <a:solidFill>
+                  <a:schemeClr val="tx1"/>
+                </a:solidFill>
+              </a:rPr>
+              <a:t>the performance. Furthermore, we </a:t>
+            </a:r>
+            <a:r>
+              <a:rPr lang="en-US" dirty="0" smtClean="0">
+                <a:solidFill>
+                  <a:schemeClr val="tx1"/>
+                </a:solidFill>
+              </a:rPr>
+              <a:t>attempted to add </a:t>
+            </a:r>
+            <a:r>
+              <a:rPr lang="en-US" dirty="0">
+                <a:solidFill>
+                  <a:schemeClr val="tx1"/>
+                </a:solidFill>
+              </a:rPr>
+              <a:t>non-linear functions for the context, but the </a:t>
+            </a:r>
+            <a:r>
+              <a:rPr lang="en-US" dirty="0" smtClean="0">
+                <a:solidFill>
+                  <a:schemeClr val="tx1"/>
+                </a:solidFill>
+              </a:rPr>
+              <a:t>improvement was not significant.</a:t>
             </a:r>
           </a:p>
           <a:p>
@@ -9935,7 +10055,15 @@
                   <a:schemeClr val="tx1"/>
                 </a:solidFill>
               </a:rPr>
-              <a:t>conclusion, our project demonstrates that sequential matching and attention methods can h. With them, our models can outperform the state-of-the-art methods.</a:t>
+              <a:t>conclusion, our project demonstrates that sequential matching and attention </a:t>
+            </a:r>
+            <a:r>
+              <a:rPr lang="en-US" dirty="0" smtClean="0">
+                <a:solidFill>
+                  <a:schemeClr val="tx1"/>
+                </a:solidFill>
+              </a:rPr>
+              <a:t>mechanisms can improve performance on the Visual Dialog dataset according to the MRR and R@N metrics. </a:t>
             </a:r>
             <a:endParaRPr lang="en-US" dirty="0">
               <a:solidFill>

--- a/poster.pptx
+++ b/poster.pptx
@@ -3978,7 +3978,7 @@
               <a:graphicData uri="http://schemas.openxmlformats.org/presentationml/2006/ole">
                 <mc:AlternateContent xmlns:mc="http://schemas.openxmlformats.org/markup-compatibility/2006">
                   <mc:Choice xmlns:v="urn:schemas-microsoft-com:vml" Requires="v">
-                    <p:oleObj spid="_x0000_s1200" name="Image" r:id="rId8" imgW="1828440" imgH="1117440" progId="Photoshop.Image.13">
+                    <p:oleObj spid="_x0000_s1225" name="Image" r:id="rId8" imgW="1828440" imgH="1117440" progId="Photoshop.Image.13">
                       <p:embed/>
                     </p:oleObj>
                   </mc:Choice>
@@ -4035,7 +4035,7 @@
               <a:graphicData uri="http://schemas.openxmlformats.org/presentationml/2006/ole">
                 <mc:AlternateContent xmlns:mc="http://schemas.openxmlformats.org/markup-compatibility/2006">
                   <mc:Choice xmlns:v="urn:schemas-microsoft-com:vml" Requires="v">
-                    <p:oleObj spid="_x0000_s1201" name="Image" r:id="rId10" imgW="1828440" imgH="1117440" progId="Photoshop.Image.13">
+                    <p:oleObj spid="_x0000_s1226" name="Image" r:id="rId10" imgW="1828440" imgH="1117440" progId="Photoshop.Image.13">
                       <p:embed/>
                     </p:oleObj>
                   </mc:Choice>
@@ -5218,7 +5218,7 @@
             <a:graphicData uri="http://schemas.openxmlformats.org/presentationml/2006/ole">
               <mc:AlternateContent xmlns:mc="http://schemas.openxmlformats.org/markup-compatibility/2006">
                 <mc:Choice xmlns:v="urn:schemas-microsoft-com:vml" Requires="v">
-                  <p:oleObj spid="_x0000_s1202" name="Image" r:id="rId12" imgW="4571280" imgH="1688760" progId="Photoshop.Image.13">
+                  <p:oleObj spid="_x0000_s1227" name="Image" r:id="rId12" imgW="4571280" imgH="1688760" progId="Photoshop.Image.13">
                     <p:embed/>
                   </p:oleObj>
                 </mc:Choice>
@@ -5302,7 +5302,7 @@
             <a:graphicData uri="http://schemas.openxmlformats.org/presentationml/2006/ole">
               <mc:AlternateContent xmlns:mc="http://schemas.openxmlformats.org/markup-compatibility/2006">
                 <mc:Choice xmlns:v="urn:schemas-microsoft-com:vml" Requires="v">
-                  <p:oleObj spid="_x0000_s1203" name="Image" r:id="rId15" imgW="1574280" imgH="1053720" progId="Photoshop.Image.13">
+                  <p:oleObj spid="_x0000_s1228" name="Image" r:id="rId15" imgW="1574280" imgH="1053720" progId="Photoshop.Image.13">
                     <p:embed/>
                   </p:oleObj>
                 </mc:Choice>
@@ -7311,7 +7311,7 @@
               <a:graphicData uri="http://schemas.openxmlformats.org/presentationml/2006/ole">
                 <mc:AlternateContent xmlns:mc="http://schemas.openxmlformats.org/markup-compatibility/2006">
                   <mc:Choice xmlns:v="urn:schemas-microsoft-com:vml" Requires="v">
-                    <p:oleObj spid="_x0000_s2224" name="Image" r:id="rId8" imgW="1828440" imgH="1117440" progId="Photoshop.Image.13">
+                    <p:oleObj spid="_x0000_s2249" name="Image" r:id="rId8" imgW="1828440" imgH="1117440" progId="Photoshop.Image.13">
                       <p:embed/>
                     </p:oleObj>
                   </mc:Choice>
@@ -7368,7 +7368,7 @@
               <a:graphicData uri="http://schemas.openxmlformats.org/presentationml/2006/ole">
                 <mc:AlternateContent xmlns:mc="http://schemas.openxmlformats.org/markup-compatibility/2006">
                   <mc:Choice xmlns:v="urn:schemas-microsoft-com:vml" Requires="v">
-                    <p:oleObj spid="_x0000_s2225" name="Image" r:id="rId10" imgW="1828440" imgH="1117440" progId="Photoshop.Image.13">
+                    <p:oleObj spid="_x0000_s2250" name="Image" r:id="rId10" imgW="1828440" imgH="1117440" progId="Photoshop.Image.13">
                       <p:embed/>
                     </p:oleObj>
                   </mc:Choice>
@@ -8551,7 +8551,7 @@
             <a:graphicData uri="http://schemas.openxmlformats.org/presentationml/2006/ole">
               <mc:AlternateContent xmlns:mc="http://schemas.openxmlformats.org/markup-compatibility/2006">
                 <mc:Choice xmlns:v="urn:schemas-microsoft-com:vml" Requires="v">
-                  <p:oleObj spid="_x0000_s2226" name="Image" r:id="rId12" imgW="4571280" imgH="1688760" progId="Photoshop.Image.13">
+                  <p:oleObj spid="_x0000_s2251" name="Image" r:id="rId12" imgW="4571280" imgH="1688760" progId="Photoshop.Image.13">
                     <p:embed/>
                   </p:oleObj>
                 </mc:Choice>
@@ -8635,7 +8635,7 @@
             <a:graphicData uri="http://schemas.openxmlformats.org/presentationml/2006/ole">
               <mc:AlternateContent xmlns:mc="http://schemas.openxmlformats.org/markup-compatibility/2006">
                 <mc:Choice xmlns:v="urn:schemas-microsoft-com:vml" Requires="v">
-                  <p:oleObj spid="_x0000_s2227" name="Image" r:id="rId15" imgW="1574280" imgH="1053720" progId="Photoshop.Image.13">
+                  <p:oleObj spid="_x0000_s2252" name="Image" r:id="rId15" imgW="1574280" imgH="1053720" progId="Photoshop.Image.13">
                     <p:embed/>
                   </p:oleObj>
                 </mc:Choice>
@@ -9697,7 +9697,7 @@
         </p:nvSpPr>
         <p:spPr>
           <a:xfrm>
-            <a:off x="13846682" y="5875819"/>
+            <a:off x="13846682" y="5896601"/>
             <a:ext cx="12955929" cy="2789340"/>
           </a:xfrm>
         </p:spPr>
@@ -9712,7 +9712,7 @@
                   <a:schemeClr val="tx1"/>
                 </a:solidFill>
               </a:rPr>
-              <a:t>Evaluation</a:t>
+              <a:t>Metrics</a:t>
             </a:r>
             <a:r>
               <a:rPr lang="en-US" dirty="0" smtClean="0">
@@ -9720,7 +9720,7 @@
                   <a:schemeClr val="tx1"/>
                 </a:solidFill>
               </a:rPr>
-              <a:t>: We conduct the experiments on the retrieval task, which is evaluated with Mean Reciprocal Rank (MRR) and Recall at N (R@N</a:t>
+              <a:t>: </a:t>
             </a:r>
             <a:r>
               <a:rPr lang="en-US" dirty="0" smtClean="0">
@@ -9728,13 +9728,8 @@
                   <a:schemeClr val="tx1"/>
                 </a:solidFill>
               </a:rPr>
-              <a:t>). Mean Reciprocal Rank will essentially look at what rank the model gave the correct response, and take the mean of all the reciprocals of the ranks given. The higher this value, the better the model performed. Recall at N, the other evaluation metric, looks at whether the correct response exists within the top N ranked responses given by the model. </a:t>
-            </a:r>
-            <a:endParaRPr lang="en-US" dirty="0" smtClean="0">
-              <a:solidFill>
-                <a:schemeClr val="tx1"/>
-              </a:solidFill>
-            </a:endParaRPr>
+              <a:t>We conduct the experiments on the retrieval task, which is evaluated with Mean Reciprocal Rank (MRR) and Recall at N (R@N). Mean Reciprocal Rank will essentially look at what rank the model gave the correct response, and take the mean of all the reciprocals of the ranks given. The higher this value, the better the model performed. Recall at N, the other evaluation metric, looks at whether the correct response exists within the top N ranked responses given by the model. </a:t>
+            </a:r>
           </a:p>
           <a:p>
             <a:pPr algn="just"/>
@@ -9967,12 +9962,12 @@
               <a:t>smaller hidden size and word embedding size. The sequential matching network in the discriminative model can slightly improve the performance, both on MRR and </a:t>
             </a:r>
             <a:r>
-              <a:rPr lang="en-US" dirty="0" err="1" smtClean="0">
+              <a:rPr lang="en-US" dirty="0" smtClean="0">
                 <a:solidFill>
                   <a:schemeClr val="tx1"/>
                 </a:solidFill>
               </a:rPr>
-              <a:t>Recall@N</a:t>
+              <a:t>@N</a:t>
             </a:r>
             <a:r>
               <a:rPr lang="en-US" dirty="0" smtClean="0">
@@ -9980,15 +9975,7 @@
                   <a:schemeClr val="tx1"/>
                 </a:solidFill>
               </a:rPr>
-              <a:t>. </a:t>
-            </a:r>
-            <a:r>
-              <a:rPr lang="en-US" smtClean="0">
-                <a:solidFill>
-                  <a:schemeClr val="tx1"/>
-                </a:solidFill>
-              </a:rPr>
-              <a:t>The </a:t>
+              <a:t>. The </a:t>
             </a:r>
             <a:r>
               <a:rPr lang="en-US" dirty="0">
@@ -10327,7 +10314,7 @@
         </p:nvSpPr>
         <p:spPr>
           <a:xfrm>
-            <a:off x="13846682" y="15537057"/>
+            <a:off x="13846682" y="15516275"/>
             <a:ext cx="12945893" cy="643172"/>
           </a:xfrm>
           <a:prstGeom prst="rect">
@@ -10497,7 +10484,7 @@
         </p:nvSpPr>
         <p:spPr>
           <a:xfrm>
-            <a:off x="13856717" y="16326830"/>
+            <a:off x="13856717" y="16306048"/>
             <a:ext cx="12947298" cy="2855832"/>
           </a:xfrm>
           <a:prstGeom prst="rect">
@@ -12376,21 +12363,7 @@
                 <a:latin typeface="Times New Roman" panose="02020603050405020304" pitchFamily="18" charset="0"/>
                 <a:cs typeface="Times New Roman" panose="02020603050405020304" pitchFamily="18" charset="0"/>
               </a:rPr>
-              <a:t>We first decided to use a Late Fusion Discriminative model as </a:t>
-            </a:r>
-            <a:r>
-              <a:rPr lang="en-US" sz="2160" dirty="0" smtClean="0">
-                <a:latin typeface="Times New Roman" panose="02020603050405020304" pitchFamily="18" charset="0"/>
-                <a:cs typeface="Times New Roman" panose="02020603050405020304" pitchFamily="18" charset="0"/>
-              </a:rPr>
-              <a:t>one of the baselines </a:t>
-            </a:r>
-            <a:r>
-              <a:rPr lang="en-US" sz="2160" dirty="0" smtClean="0">
-                <a:latin typeface="Times New Roman" panose="02020603050405020304" pitchFamily="18" charset="0"/>
-                <a:cs typeface="Times New Roman" panose="02020603050405020304" pitchFamily="18" charset="0"/>
-              </a:rPr>
-              <a:t>with which we would compare our other models to in terms of performance. This model has an LF Encoder which concatenates the individual representations of the questions and the images, and linearly transforms this input to a desired joint representation of features. The discriminative decoder computes the similarity between the input encoding and the GRU encoding of the answer options to get an evaluation metric.</a:t>
+              <a:t>We first decided to use a Late Fusion Discriminative model as one of the baselines with which we would compare our other models to in terms of performance. This model has an LF Encoder which concatenates the individual representations of the questions and the images, and linearly transforms this input to a desired joint representation of features. The discriminative decoder computes the similarity between the input encoding and the GRU encoding of the answer options to get an evaluation metric.</a:t>
             </a:r>
           </a:p>
         </p:txBody>
@@ -12538,7 +12511,7 @@
         </p:blipFill>
         <p:spPr>
           <a:xfrm>
-            <a:off x="14044657" y="8959174"/>
+            <a:off x="14044657" y="8252586"/>
             <a:ext cx="12031101" cy="6271532"/>
           </a:xfrm>
           <a:prstGeom prst="rect">
@@ -12546,6 +12519,248 @@
           </a:prstGeom>
         </p:spPr>
       </p:pic>
+      <p:sp>
+        <p:nvSpPr>
+          <p:cNvPr id="32" name="Text Placeholder 86"/>
+          <p:cNvSpPr txBox="1">
+            <a:spLocks/>
+          </p:cNvSpPr>
+          <p:nvPr/>
+        </p:nvSpPr>
+        <p:spPr>
+          <a:xfrm>
+            <a:off x="13856717" y="14044299"/>
+            <a:ext cx="12955929" cy="1393252"/>
+          </a:xfrm>
+          <a:prstGeom prst="rect">
+            <a:avLst/>
+          </a:prstGeom>
+        </p:spPr>
+        <p:txBody>
+          <a:bodyPr wrap="square" lIns="196113" tIns="196113" rIns="196113" bIns="196113">
+            <a:spAutoFit/>
+          </a:bodyPr>
+          <a:lstStyle>
+            <a:lvl1pPr marL="0" indent="0" algn="l" defTabSz="3388829" rtl="0" eaLnBrk="1" latinLnBrk="0" hangingPunct="1">
+              <a:spcBef>
+                <a:spcPct val="20000"/>
+              </a:spcBef>
+              <a:buFont typeface="Arial" pitchFamily="34" charset="0"/>
+              <a:buNone/>
+              <a:defRPr sz="2160" kern="1200">
+                <a:solidFill>
+                  <a:schemeClr val="accent5">
+                    <a:lumMod val="50000"/>
+                  </a:schemeClr>
+                </a:solidFill>
+                <a:latin typeface="Times New Roman" panose="02020603050405020304" pitchFamily="18" charset="0"/>
+                <a:ea typeface="+mn-ea"/>
+                <a:cs typeface="Times New Roman" panose="02020603050405020304" pitchFamily="18" charset="0"/>
+              </a:defRPr>
+            </a:lvl1pPr>
+            <a:lvl2pPr marL="1147260" indent="-441254" algn="l" defTabSz="3388829" rtl="0" eaLnBrk="1" latinLnBrk="0" hangingPunct="1">
+              <a:spcBef>
+                <a:spcPct val="20000"/>
+              </a:spcBef>
+              <a:buFont typeface="Arial" pitchFamily="34" charset="0"/>
+              <a:buChar char="–"/>
+              <a:defRPr sz="1980" kern="1200">
+                <a:solidFill>
+                  <a:schemeClr val="tx1"/>
+                </a:solidFill>
+                <a:latin typeface="Trebuchet MS" pitchFamily="34" charset="0"/>
+                <a:ea typeface="+mn-ea"/>
+                <a:cs typeface="+mn-cs"/>
+              </a:defRPr>
+            </a:lvl2pPr>
+            <a:lvl3pPr marL="1588514" indent="-441254" algn="l" defTabSz="3388829" rtl="0" eaLnBrk="1" latinLnBrk="0" hangingPunct="1">
+              <a:spcBef>
+                <a:spcPct val="20000"/>
+              </a:spcBef>
+              <a:buFont typeface="Arial" pitchFamily="34" charset="0"/>
+              <a:buChar char="•"/>
+              <a:defRPr sz="1980" kern="1200">
+                <a:solidFill>
+                  <a:schemeClr val="tx1"/>
+                </a:solidFill>
+                <a:latin typeface="Trebuchet MS" pitchFamily="34" charset="0"/>
+                <a:ea typeface="+mn-ea"/>
+                <a:cs typeface="+mn-cs"/>
+              </a:defRPr>
+            </a:lvl3pPr>
+            <a:lvl4pPr marL="2073893" indent="-485379" algn="l" defTabSz="3388829" rtl="0" eaLnBrk="1" latinLnBrk="0" hangingPunct="1">
+              <a:spcBef>
+                <a:spcPct val="20000"/>
+              </a:spcBef>
+              <a:buFont typeface="Arial" pitchFamily="34" charset="0"/>
+              <a:buChar char="–"/>
+              <a:defRPr sz="1980" kern="1200">
+                <a:solidFill>
+                  <a:schemeClr val="tx1"/>
+                </a:solidFill>
+                <a:latin typeface="Trebuchet MS" pitchFamily="34" charset="0"/>
+                <a:ea typeface="+mn-ea"/>
+                <a:cs typeface="+mn-cs"/>
+              </a:defRPr>
+            </a:lvl4pPr>
+            <a:lvl5pPr marL="2426896" indent="-353003" algn="l" defTabSz="3388829" rtl="0" eaLnBrk="1" latinLnBrk="0" hangingPunct="1">
+              <a:spcBef>
+                <a:spcPct val="20000"/>
+              </a:spcBef>
+              <a:buFont typeface="Arial" pitchFamily="34" charset="0"/>
+              <a:buChar char="»"/>
+              <a:defRPr sz="1980" kern="1200">
+                <a:solidFill>
+                  <a:schemeClr val="tx1"/>
+                </a:solidFill>
+                <a:latin typeface="Trebuchet MS" pitchFamily="34" charset="0"/>
+                <a:ea typeface="+mn-ea"/>
+                <a:cs typeface="+mn-cs"/>
+              </a:defRPr>
+            </a:lvl5pPr>
+            <a:lvl6pPr marL="9319281" indent="-847208" algn="l" defTabSz="3388829" rtl="0" eaLnBrk="1" latinLnBrk="0" hangingPunct="1">
+              <a:spcBef>
+                <a:spcPct val="20000"/>
+              </a:spcBef>
+              <a:buFont typeface="Arial" pitchFamily="34" charset="0"/>
+              <a:buChar char="•"/>
+              <a:defRPr sz="7470" kern="1200">
+                <a:solidFill>
+                  <a:schemeClr val="tx1"/>
+                </a:solidFill>
+                <a:latin typeface="+mn-lt"/>
+                <a:ea typeface="+mn-ea"/>
+                <a:cs typeface="+mn-cs"/>
+              </a:defRPr>
+            </a:lvl6pPr>
+            <a:lvl7pPr marL="11013695" indent="-847208" algn="l" defTabSz="3388829" rtl="0" eaLnBrk="1" latinLnBrk="0" hangingPunct="1">
+              <a:spcBef>
+                <a:spcPct val="20000"/>
+              </a:spcBef>
+              <a:buFont typeface="Arial" pitchFamily="34" charset="0"/>
+              <a:buChar char="•"/>
+              <a:defRPr sz="7470" kern="1200">
+                <a:solidFill>
+                  <a:schemeClr val="tx1"/>
+                </a:solidFill>
+                <a:latin typeface="+mn-lt"/>
+                <a:ea typeface="+mn-ea"/>
+                <a:cs typeface="+mn-cs"/>
+              </a:defRPr>
+            </a:lvl7pPr>
+            <a:lvl8pPr marL="12708110" indent="-847208" algn="l" defTabSz="3388829" rtl="0" eaLnBrk="1" latinLnBrk="0" hangingPunct="1">
+              <a:spcBef>
+                <a:spcPct val="20000"/>
+              </a:spcBef>
+              <a:buFont typeface="Arial" pitchFamily="34" charset="0"/>
+              <a:buChar char="•"/>
+              <a:defRPr sz="7470" kern="1200">
+                <a:solidFill>
+                  <a:schemeClr val="tx1"/>
+                </a:solidFill>
+                <a:latin typeface="+mn-lt"/>
+                <a:ea typeface="+mn-ea"/>
+                <a:cs typeface="+mn-cs"/>
+              </a:defRPr>
+            </a:lvl8pPr>
+            <a:lvl9pPr marL="14402525" indent="-847208" algn="l" defTabSz="3388829" rtl="0" eaLnBrk="1" latinLnBrk="0" hangingPunct="1">
+              <a:spcBef>
+                <a:spcPct val="20000"/>
+              </a:spcBef>
+              <a:buFont typeface="Arial" pitchFamily="34" charset="0"/>
+              <a:buChar char="•"/>
+              <a:defRPr sz="7470" kern="1200">
+                <a:solidFill>
+                  <a:schemeClr val="tx1"/>
+                </a:solidFill>
+                <a:latin typeface="+mn-lt"/>
+                <a:ea typeface="+mn-ea"/>
+                <a:cs typeface="+mn-cs"/>
+              </a:defRPr>
+            </a:lvl9pPr>
+          </a:lstStyle>
+          <a:p>
+            <a:pPr algn="just"/>
+            <a:r>
+              <a:rPr lang="en-US" b="1" dirty="0" smtClean="0">
+                <a:solidFill>
+                  <a:schemeClr val="tx1"/>
+                </a:solidFill>
+              </a:rPr>
+              <a:t>Evaluation</a:t>
+            </a:r>
+            <a:r>
+              <a:rPr lang="en-US" dirty="0" smtClean="0">
+                <a:solidFill>
+                  <a:schemeClr val="tx1"/>
+                </a:solidFill>
+              </a:rPr>
+              <a:t>: </a:t>
+            </a:r>
+            <a:r>
+              <a:rPr lang="en-US" dirty="0">
+                <a:solidFill>
+                  <a:schemeClr val="tx1"/>
+                </a:solidFill>
+              </a:rPr>
+              <a:t>Our baselines are based on Late Fusion, with the representation of questions and image. Compared to the </a:t>
+            </a:r>
+            <a:r>
+              <a:rPr lang="en-US" dirty="0" smtClean="0">
+                <a:solidFill>
+                  <a:schemeClr val="tx1"/>
+                </a:solidFill>
+              </a:rPr>
+              <a:t>discriminative baseline, our SMN method improves MRR by 0.18% and R@N by 0.31% on average. In the generative models, our best one improves MRR by 4.04% </a:t>
+            </a:r>
+            <a:r>
+              <a:rPr lang="en-US" smtClean="0">
+                <a:solidFill>
+                  <a:schemeClr val="tx1"/>
+                </a:solidFill>
+              </a:rPr>
+              <a:t>and R@N </a:t>
+            </a:r>
+            <a:r>
+              <a:rPr lang="en-US" dirty="0" smtClean="0">
+                <a:solidFill>
+                  <a:schemeClr val="tx1"/>
+                </a:solidFill>
+              </a:rPr>
+              <a:t>by 4.15%.</a:t>
+            </a:r>
+          </a:p>
+        </p:txBody>
+      </p:sp>
+      <p:sp>
+        <p:nvSpPr>
+          <p:cNvPr id="7" name="TextBox 6"/>
+          <p:cNvSpPr txBox="1"/>
+          <p:nvPr/>
+        </p:nvSpPr>
+        <p:spPr>
+          <a:xfrm>
+            <a:off x="17664545" y="14713527"/>
+            <a:ext cx="184731" cy="461665"/>
+          </a:xfrm>
+          <a:prstGeom prst="rect">
+            <a:avLst/>
+          </a:prstGeom>
+          <a:noFill/>
+        </p:spPr>
+        <p:txBody>
+          <a:bodyPr wrap="none" rtlCol="0">
+            <a:spAutoFit/>
+          </a:bodyPr>
+          <a:lstStyle/>
+          <a:p>
+            <a:endParaRPr lang="en-US" sz="2400" dirty="0" smtClean="0">
+              <a:latin typeface="Times New Roman" panose="02020603050405020304" pitchFamily="18" charset="0"/>
+              <a:cs typeface="Times New Roman" panose="02020603050405020304" pitchFamily="18" charset="0"/>
+            </a:endParaRPr>
+          </a:p>
+        </p:txBody>
+      </p:sp>
     </p:spTree>
     <p:extLst>
       <p:ext uri="{BB962C8B-B14F-4D97-AF65-F5344CB8AC3E}">

--- a/poster.pptx
+++ b/poster.pptx
@@ -3978,7 +3978,7 @@
               <a:graphicData uri="http://schemas.openxmlformats.org/presentationml/2006/ole">
                 <mc:AlternateContent xmlns:mc="http://schemas.openxmlformats.org/markup-compatibility/2006">
                   <mc:Choice xmlns:v="urn:schemas-microsoft-com:vml" Requires="v">
-                    <p:oleObj spid="_x0000_s1225" name="Image" r:id="rId8" imgW="1828440" imgH="1117440" progId="Photoshop.Image.13">
+                    <p:oleObj spid="_x0000_s1274" name="Image" r:id="rId8" imgW="1828440" imgH="1117440" progId="Photoshop.Image.13">
                       <p:embed/>
                     </p:oleObj>
                   </mc:Choice>
@@ -4035,7 +4035,7 @@
               <a:graphicData uri="http://schemas.openxmlformats.org/presentationml/2006/ole">
                 <mc:AlternateContent xmlns:mc="http://schemas.openxmlformats.org/markup-compatibility/2006">
                   <mc:Choice xmlns:v="urn:schemas-microsoft-com:vml" Requires="v">
-                    <p:oleObj spid="_x0000_s1226" name="Image" r:id="rId10" imgW="1828440" imgH="1117440" progId="Photoshop.Image.13">
+                    <p:oleObj spid="_x0000_s1275" name="Image" r:id="rId10" imgW="1828440" imgH="1117440" progId="Photoshop.Image.13">
                       <p:embed/>
                     </p:oleObj>
                   </mc:Choice>
@@ -5218,7 +5218,7 @@
             <a:graphicData uri="http://schemas.openxmlformats.org/presentationml/2006/ole">
               <mc:AlternateContent xmlns:mc="http://schemas.openxmlformats.org/markup-compatibility/2006">
                 <mc:Choice xmlns:v="urn:schemas-microsoft-com:vml" Requires="v">
-                  <p:oleObj spid="_x0000_s1227" name="Image" r:id="rId12" imgW="4571280" imgH="1688760" progId="Photoshop.Image.13">
+                  <p:oleObj spid="_x0000_s1276" name="Image" r:id="rId12" imgW="4571280" imgH="1688760" progId="Photoshop.Image.13">
                     <p:embed/>
                   </p:oleObj>
                 </mc:Choice>
@@ -5302,7 +5302,7 @@
             <a:graphicData uri="http://schemas.openxmlformats.org/presentationml/2006/ole">
               <mc:AlternateContent xmlns:mc="http://schemas.openxmlformats.org/markup-compatibility/2006">
                 <mc:Choice xmlns:v="urn:schemas-microsoft-com:vml" Requires="v">
-                  <p:oleObj spid="_x0000_s1228" name="Image" r:id="rId15" imgW="1574280" imgH="1053720" progId="Photoshop.Image.13">
+                  <p:oleObj spid="_x0000_s1277" name="Image" r:id="rId15" imgW="1574280" imgH="1053720" progId="Photoshop.Image.13">
                     <p:embed/>
                   </p:oleObj>
                 </mc:Choice>
@@ -7311,7 +7311,7 @@
               <a:graphicData uri="http://schemas.openxmlformats.org/presentationml/2006/ole">
                 <mc:AlternateContent xmlns:mc="http://schemas.openxmlformats.org/markup-compatibility/2006">
                   <mc:Choice xmlns:v="urn:schemas-microsoft-com:vml" Requires="v">
-                    <p:oleObj spid="_x0000_s2249" name="Image" r:id="rId8" imgW="1828440" imgH="1117440" progId="Photoshop.Image.13">
+                    <p:oleObj spid="_x0000_s2298" name="Image" r:id="rId8" imgW="1828440" imgH="1117440" progId="Photoshop.Image.13">
                       <p:embed/>
                     </p:oleObj>
                   </mc:Choice>
@@ -7368,7 +7368,7 @@
               <a:graphicData uri="http://schemas.openxmlformats.org/presentationml/2006/ole">
                 <mc:AlternateContent xmlns:mc="http://schemas.openxmlformats.org/markup-compatibility/2006">
                   <mc:Choice xmlns:v="urn:schemas-microsoft-com:vml" Requires="v">
-                    <p:oleObj spid="_x0000_s2250" name="Image" r:id="rId10" imgW="1828440" imgH="1117440" progId="Photoshop.Image.13">
+                    <p:oleObj spid="_x0000_s2299" name="Image" r:id="rId10" imgW="1828440" imgH="1117440" progId="Photoshop.Image.13">
                       <p:embed/>
                     </p:oleObj>
                   </mc:Choice>
@@ -8551,7 +8551,7 @@
             <a:graphicData uri="http://schemas.openxmlformats.org/presentationml/2006/ole">
               <mc:AlternateContent xmlns:mc="http://schemas.openxmlformats.org/markup-compatibility/2006">
                 <mc:Choice xmlns:v="urn:schemas-microsoft-com:vml" Requires="v">
-                  <p:oleObj spid="_x0000_s2251" name="Image" r:id="rId12" imgW="4571280" imgH="1688760" progId="Photoshop.Image.13">
+                  <p:oleObj spid="_x0000_s2300" name="Image" r:id="rId12" imgW="4571280" imgH="1688760" progId="Photoshop.Image.13">
                     <p:embed/>
                   </p:oleObj>
                 </mc:Choice>
@@ -8635,7 +8635,7 @@
             <a:graphicData uri="http://schemas.openxmlformats.org/presentationml/2006/ole">
               <mc:AlternateContent xmlns:mc="http://schemas.openxmlformats.org/markup-compatibility/2006">
                 <mc:Choice xmlns:v="urn:schemas-microsoft-com:vml" Requires="v">
-                  <p:oleObj spid="_x0000_s2252" name="Image" r:id="rId15" imgW="1574280" imgH="1053720" progId="Photoshop.Image.13">
+                  <p:oleObj spid="_x0000_s2301" name="Image" r:id="rId15" imgW="1574280" imgH="1053720" progId="Photoshop.Image.13">
                     <p:embed/>
                   </p:oleObj>
                 </mc:Choice>
@@ -9454,7 +9454,7 @@
         <p:spPr>
           <a:xfrm>
             <a:off x="576461" y="5875821"/>
-            <a:ext cx="12944945" cy="3937752"/>
+            <a:ext cx="12944945" cy="4118935"/>
           </a:xfrm>
         </p:spPr>
         <p:txBody>
@@ -9551,7 +9551,23 @@
                   <a:schemeClr val="tx1"/>
                 </a:solidFill>
               </a:rPr>
-              <a:t>Since the memory limitation, we decrease </a:t>
+              <a:t>Because of the </a:t>
+            </a:r>
+            <a:r>
+              <a:rPr lang="en-US" dirty="0" smtClean="0">
+                <a:solidFill>
+                  <a:schemeClr val="tx1"/>
+                </a:solidFill>
+              </a:rPr>
+              <a:t>memory limitation, we </a:t>
+            </a:r>
+            <a:r>
+              <a:rPr lang="en-US" dirty="0" smtClean="0">
+                <a:solidFill>
+                  <a:schemeClr val="tx1"/>
+                </a:solidFill>
+              </a:rPr>
+              <a:t>decreased </a:t>
             </a:r>
             <a:r>
               <a:rPr lang="en-US" dirty="0">
@@ -9559,7 +9575,23 @@
                   <a:schemeClr val="tx1"/>
                 </a:solidFill>
               </a:rPr>
-              <a:t>the model size and still obtain comparable </a:t>
+              <a:t>the model size and still </a:t>
+            </a:r>
+            <a:r>
+              <a:rPr lang="en-US" dirty="0" smtClean="0">
+                <a:solidFill>
+                  <a:schemeClr val="tx1"/>
+                </a:solidFill>
+              </a:rPr>
+              <a:t>obtained </a:t>
+            </a:r>
+            <a:r>
+              <a:rPr lang="en-US" dirty="0">
+                <a:solidFill>
+                  <a:schemeClr val="tx1"/>
+                </a:solidFill>
+              </a:rPr>
+              <a:t>comparable </a:t>
             </a:r>
             <a:r>
               <a:rPr lang="en-US" dirty="0" smtClean="0">
@@ -9599,7 +9631,55 @@
                   <a:schemeClr val="tx1"/>
                 </a:solidFill>
               </a:rPr>
-              <a:t>explore deeply into the generative model with attentions, which can achieve the conversation based on given image </a:t>
+              <a:t>explore </a:t>
+            </a:r>
+            <a:r>
+              <a:rPr lang="en-US" dirty="0" smtClean="0">
+                <a:solidFill>
+                  <a:schemeClr val="tx1"/>
+                </a:solidFill>
+              </a:rPr>
+              <a:t>a generative </a:t>
+            </a:r>
+            <a:r>
+              <a:rPr lang="en-US" dirty="0" smtClean="0">
+                <a:solidFill>
+                  <a:schemeClr val="tx1"/>
+                </a:solidFill>
+              </a:rPr>
+              <a:t>model with </a:t>
+            </a:r>
+            <a:r>
+              <a:rPr lang="en-US" dirty="0" smtClean="0">
+                <a:solidFill>
+                  <a:schemeClr val="tx1"/>
+                </a:solidFill>
+              </a:rPr>
+              <a:t>attention, </a:t>
+            </a:r>
+            <a:r>
+              <a:rPr lang="en-US" dirty="0" smtClean="0">
+                <a:solidFill>
+                  <a:schemeClr val="tx1"/>
+                </a:solidFill>
+              </a:rPr>
+              <a:t>which can achieve the conversation based on </a:t>
+            </a:r>
+            <a:r>
+              <a:rPr lang="en-US" dirty="0" smtClean="0">
+                <a:solidFill>
+                  <a:schemeClr val="tx1"/>
+                </a:solidFill>
+              </a:rPr>
+              <a:t>a given </a:t>
+            </a:r>
+            <a:r>
+              <a:rPr lang="en-US" dirty="0" smtClean="0">
+                <a:solidFill>
+                  <a:schemeClr val="tx1"/>
+                </a:solidFill>
+              </a:rPr>
+              <a:t>image </a:t>
             </a:r>
             <a:r>
               <a:rPr lang="en-US" dirty="0">
@@ -9720,15 +9800,7 @@
                   <a:schemeClr val="tx1"/>
                 </a:solidFill>
               </a:rPr>
-              <a:t>: </a:t>
-            </a:r>
-            <a:r>
-              <a:rPr lang="en-US" dirty="0" smtClean="0">
-                <a:solidFill>
-                  <a:schemeClr val="tx1"/>
-                </a:solidFill>
-              </a:rPr>
-              <a:t>We conduct the experiments on the retrieval task, which is evaluated with Mean Reciprocal Rank (MRR) and Recall at N (R@N). Mean Reciprocal Rank will essentially look at what rank the model gave the correct response, and take the mean of all the reciprocals of the ranks given. The higher this value, the better the model performed. Recall at N, the other evaluation metric, looks at whether the correct response exists within the top N ranked responses given by the model. </a:t>
+              <a:t>: We conduct the experiments on the retrieval task, which is evaluated with Mean Reciprocal Rank (MRR) and Recall at N (R@N). Mean Reciprocal Rank will essentially look at what rank the model gave the correct response, and take the mean of all the reciprocals of the ranks given. The higher this value, the better the model performed. Recall at N, the other evaluation metric, looks at whether the correct response exists within the top N ranked responses given by the model. </a:t>
             </a:r>
           </a:p>
           <a:p>
@@ -9807,7 +9879,23 @@
                   <a:schemeClr val="tx1"/>
                 </a:solidFill>
               </a:rPr>
-              <a:t>To summarize, we reproduce an AI task – Visual Dialog, where an AI agent </a:t>
+              <a:t>To summarize, we </a:t>
+            </a:r>
+            <a:r>
+              <a:rPr lang="en-US" dirty="0" smtClean="0">
+                <a:solidFill>
+                  <a:schemeClr val="tx1"/>
+                </a:solidFill>
+              </a:rPr>
+              <a:t>reproduced </a:t>
+            </a:r>
+            <a:r>
+              <a:rPr lang="en-US" dirty="0">
+                <a:solidFill>
+                  <a:schemeClr val="tx1"/>
+                </a:solidFill>
+              </a:rPr>
+              <a:t>an AI task – Visual Dialog, where an AI agent </a:t>
             </a:r>
             <a:r>
               <a:rPr lang="en-US" dirty="0" smtClean="0">
@@ -9967,15 +10055,7 @@
                   <a:schemeClr val="tx1"/>
                 </a:solidFill>
               </a:rPr>
-              <a:t>@N</a:t>
-            </a:r>
-            <a:r>
-              <a:rPr lang="en-US" dirty="0" smtClean="0">
-                <a:solidFill>
-                  <a:schemeClr val="tx1"/>
-                </a:solidFill>
-              </a:rPr>
-              <a:t>. The </a:t>
+              <a:t>@N. The </a:t>
             </a:r>
             <a:r>
               <a:rPr lang="en-US" dirty="0">
@@ -10642,7 +10722,23 @@
                   <a:schemeClr val="tx1"/>
                 </a:solidFill>
               </a:rPr>
-              <a:t>Our Visual Dialog system involves in deep learning approaches such as CNNs and RNNs with </a:t>
+              <a:t>Our Visual Dialog system </a:t>
+            </a:r>
+            <a:r>
+              <a:rPr lang="en-US" dirty="0" smtClean="0">
+                <a:solidFill>
+                  <a:schemeClr val="tx1"/>
+                </a:solidFill>
+              </a:rPr>
+              <a:t>involves </a:t>
+            </a:r>
+            <a:r>
+              <a:rPr lang="en-US" dirty="0">
+                <a:solidFill>
+                  <a:schemeClr val="tx1"/>
+                </a:solidFill>
+              </a:rPr>
+              <a:t>deep learning approaches such as CNNs and RNNs with </a:t>
             </a:r>
             <a:r>
               <a:rPr lang="en-US" dirty="0" smtClean="0">
@@ -10658,7 +10754,23 @@
                   <a:schemeClr val="tx1"/>
                 </a:solidFill>
               </a:rPr>
-              <a:t>to better understanding the images and questions. Therefore, also based on literature research, we decide to deploy the network based on </a:t>
+              <a:t>to better </a:t>
+            </a:r>
+            <a:r>
+              <a:rPr lang="en-US" dirty="0" smtClean="0">
+                <a:solidFill>
+                  <a:schemeClr val="tx1"/>
+                </a:solidFill>
+              </a:rPr>
+              <a:t>understand </a:t>
+            </a:r>
+            <a:r>
+              <a:rPr lang="en-US" dirty="0">
+                <a:solidFill>
+                  <a:schemeClr val="tx1"/>
+                </a:solidFill>
+              </a:rPr>
+              <a:t>the images and questions. Therefore, also based on literature research, we decide to deploy the network based on </a:t>
             </a:r>
             <a:r>
               <a:rPr lang="en-US" dirty="0" err="1">
@@ -10744,7 +10856,31 @@
                   <a:schemeClr val="tx1"/>
                 </a:solidFill>
               </a:rPr>
-              <a:t>, due to GPU memory limitation, we reduce the size of hidden layer in </a:t>
+              <a:t>, due to GPU memory limitation, we reduce the size </a:t>
+            </a:r>
+            <a:r>
+              <a:rPr lang="en-US">
+                <a:solidFill>
+                  <a:schemeClr val="tx1"/>
+                </a:solidFill>
+              </a:rPr>
+              <a:t>of </a:t>
+            </a:r>
+            <a:r>
+              <a:rPr lang="en-US" smtClean="0">
+                <a:solidFill>
+                  <a:schemeClr val="tx1"/>
+                </a:solidFill>
+              </a:rPr>
+              <a:t>the hidden </a:t>
+            </a:r>
+            <a:r>
+              <a:rPr lang="en-US" dirty="0">
+                <a:solidFill>
+                  <a:schemeClr val="tx1"/>
+                </a:solidFill>
+              </a:rPr>
+              <a:t>layer in </a:t>
             </a:r>
             <a:r>
               <a:rPr lang="en-US" dirty="0" err="1">
@@ -12305,36 +12441,6 @@
           </a:prstGeom>
         </p:spPr>
       </p:pic>
-      <p:pic>
-        <p:nvPicPr>
-          <p:cNvPr id="5" name="Picture 4"/>
-          <p:cNvPicPr>
-            <a:picLocks noChangeAspect="1"/>
-          </p:cNvPicPr>
-          <p:nvPr/>
-        </p:nvPicPr>
-        <p:blipFill>
-          <a:blip r:embed="rId9">
-            <a:extLst>
-              <a:ext uri="{28A0092B-C50C-407E-A947-70E740481C1C}">
-                <a14:useLocalDpi xmlns:a14="http://schemas.microsoft.com/office/drawing/2010/main" val="0"/>
-              </a:ext>
-            </a:extLst>
-          </a:blip>
-          <a:stretch>
-            <a:fillRect/>
-          </a:stretch>
-        </p:blipFill>
-        <p:spPr>
-          <a:xfrm>
-            <a:off x="831824" y="25004923"/>
-            <a:ext cx="12300154" cy="4353671"/>
-          </a:xfrm>
-          <a:prstGeom prst="rect">
-            <a:avLst/>
-          </a:prstGeom>
-        </p:spPr>
-      </p:pic>
       <p:sp>
         <p:nvSpPr>
           <p:cNvPr id="2" name="TextBox 1"/>
@@ -12498,7 +12604,7 @@
           <p:nvPr/>
         </p:nvPicPr>
         <p:blipFill>
-          <a:blip r:embed="rId10">
+          <a:blip r:embed="rId9">
             <a:extLst>
               <a:ext uri="{28A0092B-C50C-407E-A947-70E740481C1C}">
                 <a14:useLocalDpi xmlns:a14="http://schemas.microsoft.com/office/drawing/2010/main" val="0"/>
@@ -12761,6 +12867,36 @@
           </a:p>
         </p:txBody>
       </p:sp>
+      <p:pic>
+        <p:nvPicPr>
+          <p:cNvPr id="8" name="Picture 7"/>
+          <p:cNvPicPr>
+            <a:picLocks noChangeAspect="1"/>
+          </p:cNvPicPr>
+          <p:nvPr/>
+        </p:nvPicPr>
+        <p:blipFill>
+          <a:blip r:embed="rId10" cstate="print">
+            <a:extLst>
+              <a:ext uri="{28A0092B-C50C-407E-A947-70E740481C1C}">
+                <a14:useLocalDpi xmlns:a14="http://schemas.microsoft.com/office/drawing/2010/main" val="0"/>
+              </a:ext>
+            </a:extLst>
+          </a:blip>
+          <a:stretch>
+            <a:fillRect/>
+          </a:stretch>
+        </p:blipFill>
+        <p:spPr>
+          <a:xfrm>
+            <a:off x="1288820" y="25197312"/>
+            <a:ext cx="11325744" cy="4019967"/>
+          </a:xfrm>
+          <a:prstGeom prst="rect">
+            <a:avLst/>
+          </a:prstGeom>
+        </p:spPr>
+      </p:pic>
     </p:spTree>
     <p:extLst>
       <p:ext uri="{BB962C8B-B14F-4D97-AF65-F5344CB8AC3E}">

--- a/poster.pptx
+++ b/poster.pptx
@@ -489,38 +489,37 @@
           <a:p>
             <a:pPr lvl="0"/>
             <a:r>
-              <a:rPr lang="en-US" smtClean="0"/>
+              <a:rPr lang="en-US"/>
               <a:t>Click to edit Master text styles</a:t>
             </a:r>
           </a:p>
           <a:p>
             <a:pPr lvl="1"/>
             <a:r>
-              <a:rPr lang="en-US" smtClean="0"/>
+              <a:rPr lang="en-US"/>
               <a:t>Second level</a:t>
             </a:r>
           </a:p>
           <a:p>
             <a:pPr lvl="2"/>
             <a:r>
-              <a:rPr lang="en-US" smtClean="0"/>
+              <a:rPr lang="en-US"/>
               <a:t>Third level</a:t>
             </a:r>
           </a:p>
           <a:p>
             <a:pPr lvl="3"/>
             <a:r>
-              <a:rPr lang="en-US" smtClean="0"/>
+              <a:rPr lang="en-US"/>
               <a:t>Fourth level</a:t>
             </a:r>
           </a:p>
           <a:p>
             <a:pPr lvl="4"/>
             <a:r>
-              <a:rPr lang="en-US" smtClean="0"/>
+              <a:rPr lang="en-US"/>
               <a:t>Fifth level</a:t>
             </a:r>
-            <a:endParaRPr lang="en-US"/>
           </a:p>
         </p:txBody>
       </p:sp>
@@ -856,10 +855,9 @@
           <a:p>
             <a:pPr lvl="0"/>
             <a:r>
-              <a:rPr lang="en-US" dirty="0" smtClean="0"/>
+              <a:rPr lang="en-US" dirty="0"/>
               <a:t>Type in or paste your text here</a:t>
             </a:r>
-            <a:endParaRPr lang="en-US" dirty="0"/>
           </a:p>
         </p:txBody>
       </p:sp>
@@ -902,10 +900,9 @@
           <a:p>
             <a:pPr lvl="0"/>
             <a:r>
-              <a:rPr lang="en-US" dirty="0" smtClean="0"/>
+              <a:rPr lang="en-US" dirty="0"/>
               <a:t>(click to edit) INTRODUCTION or ABSTRACT</a:t>
             </a:r>
-            <a:endParaRPr lang="en-US" dirty="0"/>
           </a:p>
         </p:txBody>
       </p:sp>
@@ -948,10 +945,9 @@
           <a:p>
             <a:pPr lvl="0"/>
             <a:r>
-              <a:rPr lang="en-US" dirty="0" smtClean="0"/>
+              <a:rPr lang="en-US" dirty="0"/>
               <a:t>(click to edit)  OBJECTIVES</a:t>
             </a:r>
-            <a:endParaRPr lang="en-US" dirty="0"/>
           </a:p>
         </p:txBody>
       </p:sp>
@@ -994,10 +990,9 @@
           <a:p>
             <a:pPr lvl="0"/>
             <a:r>
-              <a:rPr lang="en-US" dirty="0" smtClean="0"/>
+              <a:rPr lang="en-US" dirty="0"/>
               <a:t>(click to edit)  CONCLUSIONS</a:t>
             </a:r>
-            <a:endParaRPr lang="en-US" dirty="0"/>
           </a:p>
         </p:txBody>
       </p:sp>
@@ -1061,10 +1056,9 @@
           <a:p>
             <a:pPr lvl="0"/>
             <a:r>
-              <a:rPr lang="en-US" dirty="0" smtClean="0"/>
+              <a:rPr lang="en-US" dirty="0"/>
               <a:t>Type in or paste your text here</a:t>
             </a:r>
-            <a:endParaRPr lang="en-US" dirty="0"/>
           </a:p>
         </p:txBody>
       </p:sp>
@@ -1107,10 +1101,9 @@
           <a:p>
             <a:pPr lvl="0"/>
             <a:r>
-              <a:rPr lang="en-US" dirty="0" smtClean="0"/>
+              <a:rPr lang="en-US" dirty="0"/>
               <a:t>(click to edit)  REFERENCES</a:t>
             </a:r>
-            <a:endParaRPr lang="en-US" dirty="0"/>
           </a:p>
         </p:txBody>
       </p:sp>
@@ -1174,10 +1167,9 @@
           <a:p>
             <a:pPr lvl="0"/>
             <a:r>
-              <a:rPr lang="en-US" dirty="0" smtClean="0"/>
+              <a:rPr lang="en-US" dirty="0"/>
               <a:t>Type in or paste your text here</a:t>
             </a:r>
-            <a:endParaRPr lang="en-US" dirty="0"/>
           </a:p>
         </p:txBody>
       </p:sp>
@@ -1220,10 +1212,9 @@
           <a:p>
             <a:pPr lvl="0"/>
             <a:r>
-              <a:rPr lang="en-US" dirty="0" smtClean="0"/>
+              <a:rPr lang="en-US" dirty="0"/>
               <a:t>(click to edit)  ACKNOWLEDGEMENTS or  CONTACT</a:t>
             </a:r>
-            <a:endParaRPr lang="en-US" dirty="0"/>
           </a:p>
         </p:txBody>
       </p:sp>
@@ -1287,10 +1278,9 @@
           <a:p>
             <a:pPr lvl="0"/>
             <a:r>
-              <a:rPr lang="en-US" dirty="0" smtClean="0"/>
+              <a:rPr lang="en-US" dirty="0"/>
               <a:t>Type in or paste your text here</a:t>
             </a:r>
-            <a:endParaRPr lang="en-US" dirty="0"/>
           </a:p>
         </p:txBody>
       </p:sp>
@@ -1354,10 +1344,9 @@
           <a:p>
             <a:pPr lvl="0"/>
             <a:r>
-              <a:rPr lang="en-US" dirty="0" smtClean="0"/>
+              <a:rPr lang="en-US" dirty="0"/>
               <a:t>Type in or paste your text here</a:t>
             </a:r>
-            <a:endParaRPr lang="en-US" dirty="0"/>
           </a:p>
         </p:txBody>
       </p:sp>
@@ -1419,10 +1408,9 @@
           <a:p>
             <a:pPr lvl="0"/>
             <a:r>
-              <a:rPr lang="en-US" dirty="0" smtClean="0"/>
+              <a:rPr lang="en-US" dirty="0"/>
               <a:t>Click here to add affiliations</a:t>
             </a:r>
-            <a:endParaRPr lang="en-US" dirty="0"/>
           </a:p>
         </p:txBody>
       </p:sp>
@@ -1484,10 +1472,9 @@
           <a:p>
             <a:pPr lvl="0"/>
             <a:r>
-              <a:rPr lang="en-US" dirty="0" smtClean="0"/>
+              <a:rPr lang="en-US" dirty="0"/>
               <a:t>Click here to add authors</a:t>
             </a:r>
-            <a:endParaRPr lang="en-US" dirty="0"/>
           </a:p>
         </p:txBody>
       </p:sp>
@@ -1549,10 +1536,9 @@
           <a:p>
             <a:pPr lvl="0"/>
             <a:r>
-              <a:rPr lang="en-US" dirty="0" smtClean="0"/>
+              <a:rPr lang="en-US" dirty="0"/>
               <a:t>Click here to add title</a:t>
             </a:r>
-            <a:endParaRPr lang="en-US" dirty="0"/>
           </a:p>
         </p:txBody>
       </p:sp>
@@ -1561,13 +1547,6 @@
   <p:clrMapOvr>
     <a:masterClrMapping/>
   </p:clrMapOvr>
-  <p:timing>
-    <p:tnLst>
-      <p:par>
-        <p:cTn id="1" dur="indefinite" restart="never" nodeType="tmRoot"/>
-      </p:par>
-    </p:tnLst>
-  </p:timing>
 </p:sldLayout>
 </file>
 
@@ -1648,10 +1627,9 @@
           <a:p>
             <a:pPr lvl="0"/>
             <a:r>
-              <a:rPr lang="en-US" dirty="0" smtClean="0"/>
+              <a:rPr lang="en-US" dirty="0"/>
               <a:t>Enter your text here</a:t>
             </a:r>
-            <a:endParaRPr lang="en-US" dirty="0"/>
           </a:p>
         </p:txBody>
       </p:sp>
@@ -1694,10 +1672,9 @@
           <a:p>
             <a:pPr lvl="0"/>
             <a:r>
-              <a:rPr lang="en-US" dirty="0" smtClean="0"/>
+              <a:rPr lang="en-US" dirty="0"/>
               <a:t>(click to add) INTRODUCTION</a:t>
             </a:r>
-            <a:endParaRPr lang="en-US" dirty="0"/>
           </a:p>
         </p:txBody>
       </p:sp>
@@ -1761,10 +1738,9 @@
           <a:p>
             <a:pPr lvl="0"/>
             <a:r>
-              <a:rPr lang="en-US" dirty="0" smtClean="0"/>
+              <a:rPr lang="en-US" dirty="0"/>
               <a:t>Enter your text here</a:t>
             </a:r>
-            <a:endParaRPr lang="en-US" dirty="0"/>
           </a:p>
         </p:txBody>
       </p:sp>
@@ -1807,10 +1783,9 @@
           <a:p>
             <a:pPr lvl="0"/>
             <a:r>
-              <a:rPr lang="en-US" dirty="0" smtClean="0"/>
+              <a:rPr lang="en-US" dirty="0"/>
               <a:t>(click to add)  OBJECTIVES</a:t>
             </a:r>
-            <a:endParaRPr lang="en-US" dirty="0"/>
           </a:p>
         </p:txBody>
       </p:sp>
@@ -1874,10 +1849,9 @@
           <a:p>
             <a:pPr lvl="0"/>
             <a:r>
-              <a:rPr lang="en-US" dirty="0" smtClean="0"/>
+              <a:rPr lang="en-US" dirty="0"/>
               <a:t>Enter your text here</a:t>
             </a:r>
-            <a:endParaRPr lang="en-US" dirty="0"/>
           </a:p>
         </p:txBody>
       </p:sp>
@@ -1920,10 +1894,9 @@
           <a:p>
             <a:pPr lvl="0"/>
             <a:r>
-              <a:rPr lang="en-US" dirty="0" smtClean="0"/>
+              <a:rPr lang="en-US" dirty="0"/>
               <a:t>(header)  MATERIALS &amp; METHODS</a:t>
             </a:r>
-            <a:endParaRPr lang="en-US" dirty="0"/>
           </a:p>
         </p:txBody>
       </p:sp>
@@ -1987,10 +1960,9 @@
           <a:p>
             <a:pPr lvl="0"/>
             <a:r>
-              <a:rPr lang="en-US" dirty="0" smtClean="0"/>
+              <a:rPr lang="en-US" dirty="0"/>
               <a:t>Enter your text here</a:t>
             </a:r>
-            <a:endParaRPr lang="en-US" dirty="0"/>
           </a:p>
         </p:txBody>
       </p:sp>
@@ -2033,10 +2005,9 @@
           <a:p>
             <a:pPr lvl="0"/>
             <a:r>
-              <a:rPr lang="en-US" dirty="0" smtClean="0"/>
+              <a:rPr lang="en-US" dirty="0"/>
               <a:t>(click to add)  RESULTS</a:t>
             </a:r>
-            <a:endParaRPr lang="en-US" dirty="0"/>
           </a:p>
         </p:txBody>
       </p:sp>
@@ -2079,10 +2050,9 @@
           <a:p>
             <a:pPr lvl="0"/>
             <a:r>
-              <a:rPr lang="en-US" dirty="0" smtClean="0"/>
+              <a:rPr lang="en-US" dirty="0"/>
               <a:t>(click to add) CONCLUSIONS</a:t>
             </a:r>
-            <a:endParaRPr lang="en-US" dirty="0"/>
           </a:p>
         </p:txBody>
       </p:sp>
@@ -2146,10 +2116,9 @@
           <a:p>
             <a:pPr lvl="0"/>
             <a:r>
-              <a:rPr lang="en-US" dirty="0" smtClean="0"/>
+              <a:rPr lang="en-US" dirty="0"/>
               <a:t>Enter your text here</a:t>
             </a:r>
-            <a:endParaRPr lang="en-US" dirty="0"/>
           </a:p>
         </p:txBody>
       </p:sp>
@@ -2192,10 +2161,9 @@
           <a:p>
             <a:pPr lvl="0"/>
             <a:r>
-              <a:rPr lang="en-US" dirty="0" smtClean="0"/>
+              <a:rPr lang="en-US" dirty="0"/>
               <a:t>(click to add) REFERENCES</a:t>
             </a:r>
-            <a:endParaRPr lang="en-US" dirty="0"/>
           </a:p>
         </p:txBody>
       </p:sp>
@@ -2259,10 +2227,9 @@
           <a:p>
             <a:pPr lvl="0"/>
             <a:r>
-              <a:rPr lang="en-US" dirty="0" smtClean="0"/>
+              <a:rPr lang="en-US" dirty="0"/>
               <a:t>Enter your text here</a:t>
             </a:r>
-            <a:endParaRPr lang="en-US" dirty="0"/>
           </a:p>
         </p:txBody>
       </p:sp>
@@ -2305,10 +2272,9 @@
           <a:p>
             <a:pPr lvl="0"/>
             <a:r>
-              <a:rPr lang="en-US" dirty="0" smtClean="0"/>
+              <a:rPr lang="en-US" dirty="0"/>
               <a:t>(click to add) CONTACT</a:t>
             </a:r>
-            <a:endParaRPr lang="en-US" dirty="0"/>
           </a:p>
         </p:txBody>
       </p:sp>
@@ -2372,10 +2338,9 @@
           <a:p>
             <a:pPr lvl="0"/>
             <a:r>
-              <a:rPr lang="en-US" dirty="0" smtClean="0"/>
+              <a:rPr lang="en-US" dirty="0"/>
               <a:t>Enter your text here</a:t>
             </a:r>
-            <a:endParaRPr lang="en-US" dirty="0"/>
           </a:p>
         </p:txBody>
       </p:sp>
@@ -2437,10 +2402,9 @@
           <a:p>
             <a:pPr lvl="0"/>
             <a:r>
-              <a:rPr lang="en-US" dirty="0" smtClean="0"/>
+              <a:rPr lang="en-US" dirty="0"/>
               <a:t>Click here to add affiliations</a:t>
             </a:r>
-            <a:endParaRPr lang="en-US" dirty="0"/>
           </a:p>
         </p:txBody>
       </p:sp>
@@ -2502,10 +2466,9 @@
           <a:p>
             <a:pPr lvl="0"/>
             <a:r>
-              <a:rPr lang="en-US" dirty="0" smtClean="0"/>
+              <a:rPr lang="en-US" dirty="0"/>
               <a:t>Click here to add authors</a:t>
             </a:r>
-            <a:endParaRPr lang="en-US" dirty="0"/>
           </a:p>
         </p:txBody>
       </p:sp>
@@ -2567,10 +2530,9 @@
           <a:p>
             <a:pPr lvl="0"/>
             <a:r>
-              <a:rPr lang="en-US" dirty="0" smtClean="0"/>
+              <a:rPr lang="en-US" dirty="0"/>
               <a:t>Click here to add title</a:t>
             </a:r>
-            <a:endParaRPr lang="en-US" dirty="0"/>
           </a:p>
         </p:txBody>
       </p:sp>
@@ -2579,13 +2541,6 @@
   <p:clrMapOvr>
     <a:masterClrMapping/>
   </p:clrMapOvr>
-  <p:timing>
-    <p:tnLst>
-      <p:par>
-        <p:cTn id="1" dur="indefinite" restart="never" nodeType="tmRoot"/>
-      </p:par>
-    </p:tnLst>
-  </p:timing>
 </p:sldLayout>
 </file>
 
@@ -2905,7 +2860,7 @@
                 <a:defRPr/>
               </a:pPr>
               <a:r>
-                <a:rPr lang="en-US" sz="2880" b="1" spc="0" dirty="0" smtClean="0">
+                <a:rPr lang="en-US" sz="2880" b="1" spc="0" dirty="0">
                   <a:solidFill>
                     <a:srgbClr val="FF0000"/>
                   </a:solidFill>
@@ -2913,7 +2868,7 @@
                 </a:rPr>
                 <a:t>(—THIS SIDEBAR DOES NOT PRINT—)</a:t>
               </a:r>
-              <a:endParaRPr lang="en-US" sz="2880" b="1" spc="540" dirty="0" smtClean="0">
+              <a:endParaRPr lang="en-US" sz="2880" b="1" spc="540" dirty="0">
                 <a:solidFill>
                   <a:schemeClr val="bg1"/>
                 </a:solidFill>
@@ -2923,7 +2878,7 @@
             <a:p>
               <a:pPr algn="ctr"/>
               <a:r>
-                <a:rPr lang="en-US" sz="3600" b="1" spc="540" dirty="0" smtClean="0">
+                <a:rPr lang="en-US" sz="3600" b="1" spc="540" dirty="0">
                   <a:solidFill>
                     <a:schemeClr val="bg1"/>
                   </a:solidFill>
@@ -2932,7 +2887,7 @@
                 <a:t>DESIGN</a:t>
               </a:r>
               <a:r>
-                <a:rPr lang="en-US" sz="3600" b="1" spc="540" baseline="0" dirty="0" smtClean="0">
+                <a:rPr lang="en-US" sz="3600" b="1" spc="540" baseline="0" dirty="0">
                   <a:solidFill>
                     <a:schemeClr val="bg1"/>
                   </a:solidFill>
@@ -2941,7 +2896,7 @@
                 <a:t> </a:t>
               </a:r>
               <a:r>
-                <a:rPr lang="en-US" sz="3600" b="1" spc="540" dirty="0" smtClean="0">
+                <a:rPr lang="en-US" sz="3600" b="1" spc="540" dirty="0">
                   <a:solidFill>
                     <a:schemeClr val="bg1"/>
                   </a:solidFill>
@@ -2952,80 +2907,80 @@
             </a:p>
             <a:p>
               <a:pPr algn="ctr"/>
-              <a:endParaRPr lang="en-US" sz="2520" b="1" dirty="0" smtClean="0">
+              <a:endParaRPr lang="en-US" sz="2520" b="1" dirty="0">
                 <a:latin typeface="Trebuchet MS" pitchFamily="34" charset="0"/>
               </a:endParaRPr>
             </a:p>
             <a:p>
               <a:pPr defTabSz="3389075"/>
               <a:r>
-                <a:rPr lang="en-US" sz="2520" i="0" dirty="0" smtClean="0">
+                <a:rPr lang="en-US" sz="2520" i="0" dirty="0">
                   <a:latin typeface="Trebuchet MS" pitchFamily="34" charset="0"/>
                 </a:rPr>
                 <a:t>This PowerPoint</a:t>
               </a:r>
               <a:r>
-                <a:rPr lang="en-US" sz="2520" i="0" baseline="0" dirty="0" smtClean="0">
+                <a:rPr lang="en-US" sz="2520" i="0" baseline="0" dirty="0">
                   <a:latin typeface="Trebuchet MS" pitchFamily="34" charset="0"/>
                 </a:rPr>
                 <a:t> </a:t>
               </a:r>
               <a:r>
-                <a:rPr lang="en-US" sz="2520" i="0" dirty="0" smtClean="0">
+                <a:rPr lang="en-US" sz="2520" i="0" dirty="0">
                   <a:latin typeface="Trebuchet MS" pitchFamily="34" charset="0"/>
                 </a:rPr>
                 <a:t>2007 template produces</a:t>
               </a:r>
               <a:r>
-                <a:rPr lang="en-US" sz="2520" i="0" baseline="0" dirty="0" smtClean="0">
+                <a:rPr lang="en-US" sz="2520" i="0" baseline="0" dirty="0">
                   <a:latin typeface="Trebuchet MS" pitchFamily="34" charset="0"/>
                 </a:rPr>
                 <a:t> </a:t>
               </a:r>
               <a:r>
-                <a:rPr lang="en-US" sz="2520" i="0" dirty="0" smtClean="0">
+                <a:rPr lang="en-US" sz="2520" i="0" dirty="0">
                   <a:latin typeface="Trebuchet MS" pitchFamily="34" charset="0"/>
                 </a:rPr>
                 <a:t>a 30”x40” presentation poster. </a:t>
               </a:r>
               <a:r>
-                <a:rPr lang="en-US" sz="2520" dirty="0" smtClean="0">
+                <a:rPr lang="en-US" sz="2520" dirty="0">
                   <a:latin typeface="Trebuchet MS" pitchFamily="34" charset="0"/>
                 </a:rPr>
                 <a:t>You</a:t>
               </a:r>
               <a:r>
-                <a:rPr lang="en-US" sz="2520" baseline="0" dirty="0" smtClean="0">
+                <a:rPr lang="en-US" sz="2520" baseline="0" dirty="0">
                   <a:latin typeface="Trebuchet MS" pitchFamily="34" charset="0"/>
                 </a:rPr>
                 <a:t> can u</a:t>
               </a:r>
               <a:r>
-                <a:rPr lang="en-US" sz="2520" dirty="0" smtClean="0">
+                <a:rPr lang="en-US" sz="2520" dirty="0">
                   <a:latin typeface="Trebuchet MS" pitchFamily="34" charset="0"/>
                 </a:rPr>
                 <a:t>se</a:t>
               </a:r>
               <a:r>
-                <a:rPr lang="en-US" sz="2520" baseline="0" dirty="0" smtClean="0">
+                <a:rPr lang="en-US" sz="2520" baseline="0" dirty="0">
                   <a:latin typeface="Trebuchet MS" pitchFamily="34" charset="0"/>
                 </a:rPr>
                 <a:t> it to create your research poster and </a:t>
               </a:r>
               <a:r>
-                <a:rPr lang="en-US" sz="2520" dirty="0" smtClean="0">
+                <a:rPr lang="en-US" sz="2520" dirty="0">
                   <a:latin typeface="Trebuchet MS" pitchFamily="34" charset="0"/>
                 </a:rPr>
                 <a:t>save valuable time placing titles, subtitles,</a:t>
               </a:r>
               <a:r>
-                <a:rPr lang="en-US" sz="2520" baseline="0" dirty="0" smtClean="0">
+                <a:rPr lang="en-US" sz="2520" baseline="0" dirty="0">
                   <a:latin typeface="Trebuchet MS" pitchFamily="34" charset="0"/>
                 </a:rPr>
                 <a:t> text, and graphics</a:t>
               </a:r>
               <a:r>
-                <a:rPr lang="en-US" sz="2520" dirty="0" smtClean="0">
+                <a:rPr lang="en-US" sz="2520" dirty="0">
                   <a:latin typeface="Trebuchet MS" pitchFamily="34" charset="0"/>
                 </a:rPr>
                 <a:t>. </a:t>
@@ -3033,20 +2988,20 @@
             </a:p>
             <a:p>
               <a:pPr defTabSz="3389075"/>
-              <a:endParaRPr lang="en-US" sz="2520" dirty="0" smtClean="0">
+              <a:endParaRPr lang="en-US" sz="2520" dirty="0">
                 <a:latin typeface="Trebuchet MS" pitchFamily="34" charset="0"/>
               </a:endParaRPr>
             </a:p>
             <a:p>
               <a:pPr defTabSz="3950297"/>
               <a:r>
-                <a:rPr lang="en-US" sz="2520" dirty="0" smtClean="0">
+                <a:rPr lang="en-US" sz="2520" dirty="0">
                   <a:latin typeface="Trebuchet MS" pitchFamily="34" charset="0"/>
                 </a:rPr>
                 <a:t>We provide a series of online tutorials that will guide you through the poster design process and answer your poster production questions. To view our template tutorials, go online to </a:t>
               </a:r>
               <a:r>
-                <a:rPr lang="en-US" sz="2520" b="1" dirty="0" smtClean="0">
+                <a:rPr lang="en-US" sz="2520" b="1" dirty="0">
                   <a:solidFill>
                     <a:srgbClr val="FFC000"/>
                   </a:solidFill>
@@ -3055,7 +3010,7 @@
                 <a:t>PosterPresentations.com</a:t>
               </a:r>
               <a:r>
-                <a:rPr lang="en-US" sz="2520" b="1" dirty="0" smtClean="0">
+                <a:rPr lang="en-US" sz="2520" b="1" dirty="0">
                   <a:solidFill>
                     <a:schemeClr val="bg1"/>
                   </a:solidFill>
@@ -3064,7 +3019,7 @@
                 <a:t> </a:t>
               </a:r>
               <a:r>
-                <a:rPr lang="en-US" sz="2520" dirty="0" smtClean="0">
+                <a:rPr lang="en-US" sz="2520" dirty="0">
                   <a:solidFill>
                     <a:schemeClr val="bg1"/>
                   </a:solidFill>
@@ -3075,14 +3030,14 @@
             </a:p>
             <a:p>
               <a:pPr defTabSz="3950297"/>
-              <a:endParaRPr lang="en-US" sz="2520" dirty="0" smtClean="0">
+              <a:endParaRPr lang="en-US" sz="2520" dirty="0">
                 <a:latin typeface="Trebuchet MS" pitchFamily="34" charset="0"/>
               </a:endParaRPr>
             </a:p>
             <a:p>
               <a:pPr defTabSz="3950297"/>
               <a:r>
-                <a:rPr lang="en-US" sz="2520" dirty="0" smtClean="0">
+                <a:rPr lang="en-US" sz="2520" dirty="0">
                   <a:solidFill>
                     <a:schemeClr val="bg1"/>
                   </a:solidFill>
@@ -3091,7 +3046,7 @@
                 <a:t>When</a:t>
               </a:r>
               <a:r>
-                <a:rPr lang="en-US" sz="2520" baseline="0" dirty="0" smtClean="0">
+                <a:rPr lang="en-US" sz="2520" baseline="0" dirty="0">
                   <a:solidFill>
                     <a:schemeClr val="bg1"/>
                   </a:solidFill>
@@ -3100,7 +3055,7 @@
                 <a:t> you are ready to print your poster</a:t>
               </a:r>
               <a:r>
-                <a:rPr lang="en-US" sz="2520" dirty="0" smtClean="0">
+                <a:rPr lang="en-US" sz="2520" dirty="0">
                   <a:solidFill>
                     <a:schemeClr val="bg1"/>
                   </a:solidFill>
@@ -3109,7 +3064,7 @@
                 <a:t>,</a:t>
               </a:r>
               <a:r>
-                <a:rPr lang="en-US" sz="2520" baseline="0" dirty="0" smtClean="0">
+                <a:rPr lang="en-US" sz="2520" baseline="0" dirty="0">
                   <a:solidFill>
                     <a:schemeClr val="bg1"/>
                   </a:solidFill>
@@ -3118,7 +3073,7 @@
                 <a:t> go online to </a:t>
               </a:r>
               <a:r>
-                <a:rPr lang="en-US" sz="2520" b="0" dirty="0" smtClean="0">
+                <a:rPr lang="en-US" sz="2520" b="0" dirty="0">
                   <a:solidFill>
                     <a:schemeClr val="bg1"/>
                   </a:solidFill>
@@ -3126,24 +3081,63 @@
                 </a:rPr>
                 <a:t>PosterPresentations.com</a:t>
               </a:r>
-              <a:r>
-                <a:rPr lang="en-US" sz="2520" dirty="0" smtClean="0">
+              <a:br>
+                <a:rPr lang="en-US" sz="2520" dirty="0">
                   <a:solidFill>
                     <a:schemeClr val="bg1"/>
                   </a:solidFill>
                   <a:latin typeface="Trebuchet MS" pitchFamily="34" charset="0"/>
                 </a:rPr>
-                <a:t/>
-              </a:r>
-              <a:br>
-                <a:rPr lang="en-US" sz="2520" dirty="0" smtClean="0">
+              </a:br>
+              <a:endParaRPr lang="en-US" sz="2520" dirty="0">
+                <a:solidFill>
+                  <a:schemeClr val="bg1"/>
+                </a:solidFill>
+                <a:latin typeface="Trebuchet MS" pitchFamily="34" charset="0"/>
+              </a:endParaRPr>
+            </a:p>
+            <a:p>
+              <a:pPr algn="l" defTabSz="3389075"/>
+              <a:r>
+                <a:rPr lang="en-US" sz="2520" b="0" dirty="0">
                   <a:solidFill>
                     <a:schemeClr val="bg1"/>
                   </a:solidFill>
                   <a:latin typeface="Trebuchet MS" pitchFamily="34" charset="0"/>
                 </a:rPr>
-              </a:br>
-              <a:endParaRPr lang="en-US" sz="2520" dirty="0" smtClean="0">
+                <a:t>Need</a:t>
+              </a:r>
+              <a:r>
+                <a:rPr lang="en-US" sz="2520" b="0" baseline="0" dirty="0">
+                  <a:solidFill>
+                    <a:schemeClr val="bg1"/>
+                  </a:solidFill>
+                  <a:latin typeface="Trebuchet MS" pitchFamily="34" charset="0"/>
+                </a:rPr>
+                <a:t> assistance? Call us at </a:t>
+              </a:r>
+              <a:r>
+                <a:rPr lang="en-US" sz="2520" b="0" dirty="0">
+                  <a:solidFill>
+                    <a:srgbClr val="FFC000"/>
+                  </a:solidFill>
+                  <a:latin typeface="Trebuchet MS" pitchFamily="34" charset="0"/>
+                </a:rPr>
+                <a:t>1.510.649.3001</a:t>
+              </a:r>
+            </a:p>
+            <a:p>
+              <a:pPr algn="l" defTabSz="3389075"/>
+              <a:endParaRPr lang="en-US" sz="3240" b="1" dirty="0">
+                <a:solidFill>
+                  <a:srgbClr val="FFFF00"/>
+                </a:solidFill>
+                <a:latin typeface="Trebuchet MS" pitchFamily="34" charset="0"/>
+              </a:endParaRPr>
+            </a:p>
+            <a:p>
+              <a:pPr algn="ctr"/>
+              <a:endParaRPr lang="en-US" sz="2160" b="1" dirty="0">
                 <a:solidFill>
                   <a:schemeClr val="bg1"/>
                 </a:solidFill>
@@ -3151,78 +3145,30 @@
               </a:endParaRPr>
             </a:p>
             <a:p>
-              <a:pPr algn="l" defTabSz="3389075"/>
-              <a:r>
-                <a:rPr lang="en-US" sz="2520" b="0" dirty="0" smtClean="0">
+              <a:pPr algn="ctr"/>
+              <a:r>
+                <a:rPr lang="en-US" sz="3600" b="1" spc="540" dirty="0">
                   <a:solidFill>
                     <a:schemeClr val="bg1"/>
                   </a:solidFill>
                   <a:latin typeface="Trebuchet MS" pitchFamily="34" charset="0"/>
                 </a:rPr>
-                <a:t>Need</a:t>
-              </a:r>
-              <a:r>
-                <a:rPr lang="en-US" sz="2520" b="0" baseline="0" dirty="0" smtClean="0">
-                  <a:solidFill>
-                    <a:schemeClr val="bg1"/>
-                  </a:solidFill>
-                  <a:latin typeface="Trebuchet MS" pitchFamily="34" charset="0"/>
-                </a:rPr>
-                <a:t> assistance? Call us at </a:t>
-              </a:r>
-              <a:r>
-                <a:rPr lang="en-US" sz="2520" b="0" dirty="0" smtClean="0">
-                  <a:solidFill>
-                    <a:srgbClr val="FFC000"/>
-                  </a:solidFill>
-                  <a:latin typeface="Trebuchet MS" pitchFamily="34" charset="0"/>
-                </a:rPr>
-                <a:t>1.510.649.3001</a:t>
-              </a:r>
-            </a:p>
-            <a:p>
-              <a:pPr algn="l" defTabSz="3389075"/>
-              <a:endParaRPr lang="en-US" sz="3240" b="1" dirty="0" smtClean="0">
-                <a:solidFill>
-                  <a:srgbClr val="FFFF00"/>
+                <a:t>QUICK START</a:t>
+              </a:r>
+            </a:p>
+            <a:p>
+              <a:pPr algn="ctr"/>
+              <a:endParaRPr lang="en-US" sz="2880" b="1" baseline="0" dirty="0">
+                <a:solidFill>
+                  <a:schemeClr val="bg1"/>
                 </a:solidFill>
                 <a:latin typeface="Trebuchet MS" pitchFamily="34" charset="0"/>
               </a:endParaRPr>
             </a:p>
             <a:p>
               <a:pPr algn="ctr"/>
-              <a:endParaRPr lang="en-US" sz="2160" b="1" dirty="0" smtClean="0">
-                <a:solidFill>
-                  <a:schemeClr val="bg1"/>
-                </a:solidFill>
-                <a:latin typeface="Trebuchet MS" pitchFamily="34" charset="0"/>
-              </a:endParaRPr>
-            </a:p>
-            <a:p>
-              <a:pPr algn="ctr"/>
-              <a:r>
-                <a:rPr lang="en-US" sz="3600" b="1" spc="540" dirty="0" smtClean="0">
-                  <a:solidFill>
-                    <a:schemeClr val="bg1"/>
-                  </a:solidFill>
-                  <a:latin typeface="Trebuchet MS" pitchFamily="34" charset="0"/>
-                </a:rPr>
-                <a:t>QUICK START</a:t>
-              </a:r>
-            </a:p>
-            <a:p>
-              <a:pPr algn="ctr"/>
-              <a:endParaRPr lang="en-US" sz="2880" b="1" baseline="0" dirty="0" smtClean="0">
-                <a:solidFill>
-                  <a:schemeClr val="bg1"/>
-                </a:solidFill>
-                <a:latin typeface="Trebuchet MS" pitchFamily="34" charset="0"/>
-              </a:endParaRPr>
-            </a:p>
-            <a:p>
-              <a:pPr algn="ctr"/>
-              <a:r>
-                <a:rPr lang="en-US" sz="2880" b="1" baseline="0" dirty="0" smtClean="0">
+              <a:r>
+                <a:rPr lang="en-US" sz="2880" b="1" baseline="0" dirty="0">
                   <a:solidFill>
                     <a:srgbClr val="FFC000"/>
                   </a:solidFill>
@@ -3236,7 +3182,7 @@
                 <a:tabLst/>
               </a:pPr>
               <a:r>
-                <a:rPr lang="en-US" sz="2160" b="0" baseline="0" dirty="0" smtClean="0">
+                <a:rPr lang="en-US" sz="2160" b="0" baseline="0" dirty="0">
                   <a:solidFill>
                     <a:schemeClr val="bg1"/>
                   </a:solidFill>
@@ -3245,7 +3191,7 @@
                 <a:t>	</a:t>
               </a:r>
               <a:r>
-                <a:rPr lang="en-US" sz="2160" b="0" baseline="0" dirty="0" smtClean="0">
+                <a:rPr lang="en-US" sz="2160" b="0" baseline="0" dirty="0">
                   <a:solidFill>
                     <a:schemeClr val="bg1">
                       <a:lumMod val="75000"/>
@@ -3258,7 +3204,7 @@
             </a:p>
             <a:p>
               <a:pPr algn="l"/>
-              <a:endParaRPr lang="en-US" sz="2520" b="0" baseline="0" dirty="0" smtClean="0">
+              <a:endParaRPr lang="en-US" sz="2520" b="0" baseline="0" dirty="0">
                 <a:solidFill>
                   <a:schemeClr val="bg1"/>
                 </a:solidFill>
@@ -3268,7 +3214,7 @@
             <a:p>
               <a:pPr algn="ctr"/>
               <a:r>
-                <a:rPr lang="en-US" sz="2880" b="1" baseline="0" dirty="0" smtClean="0">
+                <a:rPr lang="en-US" sz="2880" b="1" baseline="0" dirty="0">
                   <a:solidFill>
                     <a:srgbClr val="FFC000"/>
                   </a:solidFill>
@@ -3280,7 +3226,7 @@
             <a:p>
               <a:pPr algn="l"/>
               <a:r>
-                <a:rPr lang="en-US" sz="2160" b="0" baseline="0" dirty="0" smtClean="0">
+                <a:rPr lang="en-US" sz="2160" b="0" baseline="0" dirty="0">
                   <a:solidFill>
                     <a:schemeClr val="bg1">
                       <a:lumMod val="75000"/>
@@ -3291,7 +3237,7 @@
                 <a:t>Start designing your poster by adding the title, the names of the authors, and the affiliated institutions. </a:t>
               </a:r>
               <a:r>
-                <a:rPr lang="en-US" sz="2160" b="0" spc="0" baseline="0" dirty="0" smtClean="0">
+                <a:rPr lang="en-US" sz="2160" b="0" spc="0" baseline="0" dirty="0">
                   <a:solidFill>
                     <a:schemeClr val="bg1">
                       <a:lumMod val="75000"/>
@@ -3304,7 +3250,7 @@
             </a:p>
             <a:p>
               <a:pPr algn="l"/>
-              <a:endParaRPr lang="en-US" sz="2160" b="0" spc="0" baseline="0" dirty="0" smtClean="0">
+              <a:endParaRPr lang="en-US" sz="2160" b="0" spc="0" baseline="0" dirty="0">
                 <a:solidFill>
                   <a:schemeClr val="bg1">
                     <a:lumMod val="75000"/>
@@ -3316,7 +3262,7 @@
             <a:p>
               <a:pPr algn="l"/>
               <a:r>
-                <a:rPr lang="en-US" sz="2160" b="1" spc="270" baseline="0" dirty="0" smtClean="0">
+                <a:rPr lang="en-US" sz="2160" b="1" spc="270" baseline="0" dirty="0">
                   <a:solidFill>
                     <a:srgbClr val="FFC000"/>
                   </a:solidFill>
@@ -3325,7 +3271,7 @@
                 <a:t>TIP</a:t>
               </a:r>
               <a:r>
-                <a:rPr lang="en-US" sz="2160" b="1" baseline="0" dirty="0" smtClean="0">
+                <a:rPr lang="en-US" sz="2160" b="1" baseline="0" dirty="0">
                   <a:solidFill>
                     <a:srgbClr val="FFC000"/>
                   </a:solidFill>
@@ -3334,7 +3280,7 @@
                 <a:t>: </a:t>
               </a:r>
               <a:r>
-                <a:rPr lang="en-US" sz="2160" b="0" baseline="0" dirty="0" smtClean="0">
+                <a:rPr lang="en-US" sz="2160" b="0" baseline="0" dirty="0">
                   <a:solidFill>
                     <a:schemeClr val="bg1">
                       <a:lumMod val="75000"/>
@@ -3347,24 +3293,15 @@
             </a:p>
             <a:p>
               <a:pPr algn="l"/>
-              <a:r>
-                <a:rPr lang="en-US" sz="2520" b="1" baseline="0" dirty="0" smtClean="0">
+              <a:br>
+                <a:rPr lang="en-US" sz="2520" b="1" baseline="0" dirty="0">
                   <a:solidFill>
                     <a:schemeClr val="bg1"/>
                   </a:solidFill>
                   <a:latin typeface="Trebuchet MS" pitchFamily="34" charset="0"/>
                 </a:rPr>
-                <a:t/>
-              </a:r>
-              <a:br>
-                <a:rPr lang="en-US" sz="2520" b="1" baseline="0" dirty="0" smtClean="0">
-                  <a:solidFill>
-                    <a:schemeClr val="bg1"/>
-                  </a:solidFill>
-                  <a:latin typeface="Trebuchet MS" pitchFamily="34" charset="0"/>
-                </a:rPr>
               </a:br>
-              <a:endParaRPr lang="en-US" sz="2520" b="1" dirty="0" smtClean="0">
+              <a:endParaRPr lang="en-US" sz="2520" b="1" dirty="0">
                 <a:solidFill>
                   <a:schemeClr val="bg1"/>
                 </a:solidFill>
@@ -3373,7 +3310,7 @@
             </a:p>
             <a:p>
               <a:pPr algn="ctr"/>
-              <a:endParaRPr lang="en-US" sz="2520" b="1" dirty="0" smtClean="0">
+              <a:endParaRPr lang="en-US" sz="2520" b="1" dirty="0">
                 <a:solidFill>
                   <a:srgbClr val="FFC000"/>
                 </a:solidFill>
@@ -3382,7 +3319,7 @@
             </a:p>
             <a:p>
               <a:pPr algn="ctr"/>
-              <a:endParaRPr lang="en-US" sz="2520" b="1" dirty="0" smtClean="0">
+              <a:endParaRPr lang="en-US" sz="2520" b="1" dirty="0">
                 <a:solidFill>
                   <a:srgbClr val="FFC000"/>
                 </a:solidFill>
@@ -3392,7 +3329,7 @@
             <a:p>
               <a:pPr algn="ctr"/>
               <a:r>
-                <a:rPr lang="en-US" sz="2880" b="1" dirty="0" smtClean="0">
+                <a:rPr lang="en-US" sz="2880" b="1" dirty="0">
                   <a:solidFill>
                     <a:srgbClr val="FFC000"/>
                   </a:solidFill>
@@ -3401,7 +3338,7 @@
                 <a:t>Adding Logos</a:t>
               </a:r>
               <a:r>
-                <a:rPr lang="en-US" sz="2880" b="1" baseline="0" dirty="0" smtClean="0">
+                <a:rPr lang="en-US" sz="2880" b="1" baseline="0" dirty="0">
                   <a:solidFill>
                     <a:srgbClr val="FFC000"/>
                   </a:solidFill>
@@ -3413,7 +3350,7 @@
             <a:p>
               <a:pPr algn="l"/>
               <a:r>
-                <a:rPr lang="en-US" sz="2160" b="0" baseline="0" dirty="0" smtClean="0">
+                <a:rPr lang="en-US" sz="2160" b="0" baseline="0" dirty="0">
                   <a:solidFill>
                     <a:schemeClr val="bg1">
                       <a:lumMod val="75000"/>
@@ -3426,7 +3363,7 @@
             </a:p>
             <a:p>
               <a:pPr algn="l"/>
-              <a:endParaRPr lang="en-US" sz="2160" b="0" spc="270" baseline="0" dirty="0" smtClean="0">
+              <a:endParaRPr lang="en-US" sz="2160" b="0" spc="270" baseline="0" dirty="0">
                 <a:solidFill>
                   <a:schemeClr val="bg1">
                     <a:lumMod val="75000"/>
@@ -3438,7 +3375,7 @@
             <a:p>
               <a:pPr algn="l"/>
               <a:r>
-                <a:rPr lang="en-US" sz="2160" b="1" spc="270" baseline="0" dirty="0" smtClean="0">
+                <a:rPr lang="en-US" sz="2160" b="1" spc="270" baseline="0" dirty="0">
                   <a:solidFill>
                     <a:srgbClr val="FFC000"/>
                   </a:solidFill>
@@ -3447,7 +3384,7 @@
                 <a:t>TIP:</a:t>
               </a:r>
               <a:r>
-                <a:rPr lang="en-US" sz="2160" b="1" spc="0" baseline="0" dirty="0" smtClean="0">
+                <a:rPr lang="en-US" sz="2160" b="1" spc="0" baseline="0" dirty="0">
                   <a:solidFill>
                     <a:srgbClr val="FFC000"/>
                   </a:solidFill>
@@ -3456,7 +3393,7 @@
                 <a:t> </a:t>
               </a:r>
               <a:r>
-                <a:rPr lang="en-US" sz="2160" b="0" baseline="0" dirty="0" smtClean="0">
+                <a:rPr lang="en-US" sz="2160" b="0" baseline="0" dirty="0">
                   <a:solidFill>
                     <a:schemeClr val="bg1">
                       <a:lumMod val="75000"/>
@@ -3469,14 +3406,14 @@
             </a:p>
             <a:p>
               <a:pPr algn="l"/>
-              <a:endParaRPr lang="en-US" sz="2160" b="0" baseline="0" dirty="0" smtClean="0">
+              <a:endParaRPr lang="en-US" sz="2160" b="0" baseline="0" dirty="0">
                 <a:latin typeface="Trebuchet MS" pitchFamily="34" charset="0"/>
               </a:endParaRPr>
             </a:p>
             <a:p>
               <a:pPr algn="ctr"/>
               <a:r>
-                <a:rPr lang="en-US" sz="2880" b="1" baseline="0" dirty="0" smtClean="0">
+                <a:rPr lang="en-US" sz="2880" b="1" baseline="0" dirty="0">
                   <a:solidFill>
                     <a:srgbClr val="FFC000"/>
                   </a:solidFill>
@@ -3488,7 +3425,7 @@
             <a:p>
               <a:pPr algn="l" defTabSz="880110"/>
               <a:r>
-                <a:rPr lang="en-US" sz="2160" b="0" baseline="0" dirty="0" smtClean="0">
+                <a:rPr lang="en-US" sz="2160" b="0" baseline="0" dirty="0">
                   <a:solidFill>
                     <a:schemeClr val="bg1">
                       <a:lumMod val="75000"/>
@@ -3499,7 +3436,7 @@
                 <a:t>You can add images by dragging and dropping from your desktop, copy and paste, or by going to INSERT &gt; PICTURES. Resize images proportionally by holding down the SHIFT key and dragging one of the corner handles. For a professional-looking poster, do not distort your images by enlarging them </a:t>
               </a:r>
               <a:r>
-                <a:rPr lang="en-US" sz="2160" b="0" spc="0" baseline="0" dirty="0" smtClean="0">
+                <a:rPr lang="en-US" sz="2160" b="0" spc="0" baseline="0" dirty="0">
                   <a:solidFill>
                     <a:schemeClr val="bg1">
                       <a:lumMod val="75000"/>
@@ -3512,13 +3449,13 @@
             </a:p>
             <a:p>
               <a:pPr algn="l" defTabSz="880110"/>
-              <a:endParaRPr lang="en-US" sz="2160" b="0" baseline="0" dirty="0" smtClean="0">
+              <a:endParaRPr lang="en-US" sz="2160" b="0" baseline="0" dirty="0">
                 <a:latin typeface="Trebuchet MS" pitchFamily="34" charset="0"/>
               </a:endParaRPr>
             </a:p>
             <a:p>
               <a:pPr algn="ctr"/>
-              <a:endParaRPr lang="en-US" sz="2520" b="1" baseline="0" dirty="0" smtClean="0">
+              <a:endParaRPr lang="en-US" sz="2520" b="1" baseline="0" dirty="0">
                 <a:solidFill>
                   <a:srgbClr val="FFC000"/>
                 </a:solidFill>
@@ -3527,7 +3464,7 @@
             </a:p>
             <a:p>
               <a:pPr algn="ctr"/>
-              <a:endParaRPr lang="en-US" sz="2520" b="1" baseline="0" dirty="0" smtClean="0">
+              <a:endParaRPr lang="en-US" sz="2520" b="1" baseline="0" dirty="0">
                 <a:solidFill>
                   <a:srgbClr val="FFC000"/>
                 </a:solidFill>
@@ -3536,7 +3473,7 @@
             </a:p>
             <a:p>
               <a:pPr algn="ctr"/>
-              <a:endParaRPr lang="en-US" sz="2520" b="1" baseline="0" dirty="0" smtClean="0">
+              <a:endParaRPr lang="en-US" sz="2520" b="1" baseline="0" dirty="0">
                 <a:solidFill>
                   <a:srgbClr val="FFC000"/>
                 </a:solidFill>
@@ -3545,7 +3482,7 @@
             </a:p>
             <a:p>
               <a:pPr algn="ctr"/>
-              <a:endParaRPr lang="en-US" sz="2520" b="1" baseline="0" dirty="0" smtClean="0">
+              <a:endParaRPr lang="en-US" sz="2520" b="1" baseline="0" dirty="0">
                 <a:solidFill>
                   <a:srgbClr val="FFC000"/>
                 </a:solidFill>
@@ -3554,7 +3491,7 @@
             </a:p>
             <a:p>
               <a:pPr algn="ctr"/>
-              <a:endParaRPr lang="en-US" sz="2520" b="1" baseline="0" dirty="0" smtClean="0">
+              <a:endParaRPr lang="en-US" sz="2520" b="1" baseline="0" dirty="0">
                 <a:solidFill>
                   <a:srgbClr val="FFC000"/>
                 </a:solidFill>
@@ -3563,7 +3500,7 @@
             </a:p>
             <a:p>
               <a:pPr algn="ctr"/>
-              <a:endParaRPr lang="en-US" sz="2520" b="1" baseline="0" dirty="0" smtClean="0">
+              <a:endParaRPr lang="en-US" sz="2520" b="1" baseline="0" dirty="0">
                 <a:solidFill>
                   <a:srgbClr val="FFC000"/>
                 </a:solidFill>
@@ -3572,7 +3509,7 @@
             </a:p>
             <a:p>
               <a:pPr algn="ctr"/>
-              <a:endParaRPr lang="en-US" sz="2520" b="1" baseline="0" dirty="0" smtClean="0">
+              <a:endParaRPr lang="en-US" sz="2520" b="1" baseline="0" dirty="0">
                 <a:solidFill>
                   <a:srgbClr val="FFC000"/>
                 </a:solidFill>
@@ -3582,7 +3519,7 @@
             <a:p>
               <a:pPr algn="ctr"/>
               <a:r>
-                <a:rPr lang="en-US" sz="2880" b="1" baseline="0" dirty="0" smtClean="0">
+                <a:rPr lang="en-US" sz="2880" b="1" baseline="0" dirty="0">
                   <a:solidFill>
                     <a:srgbClr val="FFC000"/>
                   </a:solidFill>
@@ -3594,7 +3531,7 @@
             <a:p>
               <a:pPr lvl="0" algn="l" defTabSz="880110"/>
               <a:r>
-                <a:rPr lang="en-US" sz="2160" b="0" baseline="0" dirty="0" smtClean="0">
+                <a:rPr lang="en-US" sz="2160" b="0" baseline="0" dirty="0">
                   <a:solidFill>
                     <a:schemeClr val="bg1">
                       <a:lumMod val="75000"/>
@@ -3604,7 +3541,7 @@
                 </a:rPr>
                 <a:t>Zoom in and look at your images at 100% magnification. If they look good they will print well. </a:t>
               </a:r>
-              <a:endParaRPr lang="en-US" sz="2520" b="0" dirty="0" smtClean="0">
+              <a:endParaRPr lang="en-US" sz="2520" b="0" dirty="0">
                 <a:latin typeface="Trebuchet MS" pitchFamily="34" charset="0"/>
               </a:endParaRPr>
             </a:p>
@@ -3774,18 +3711,13 @@
                 <a:p>
                   <a:pPr algn="ctr"/>
                   <a:r>
-                    <a:rPr lang="en-US" sz="1800" b="1" dirty="0" smtClean="0">
+                    <a:rPr lang="en-US" sz="1800" b="1" dirty="0">
                       <a:solidFill>
                         <a:schemeClr val="tx1"/>
                       </a:solidFill>
                     </a:rPr>
                     <a:t>ORIGINAL</a:t>
                   </a:r>
-                  <a:endParaRPr lang="en-US" sz="1800" b="1" dirty="0">
-                    <a:solidFill>
-                      <a:schemeClr val="tx1"/>
-                    </a:solidFill>
-                  </a:endParaRPr>
                 </a:p>
               </p:txBody>
             </p:sp>
@@ -3854,7 +3786,7 @@
                 <a:p>
                   <a:pPr algn="ctr"/>
                   <a:r>
-                    <a:rPr lang="en-US" sz="1800" b="1" dirty="0" smtClean="0">
+                    <a:rPr lang="en-US" sz="1800" b="1" dirty="0">
                       <a:solidFill>
                         <a:schemeClr val="bg1"/>
                       </a:solidFill>
@@ -3918,7 +3850,7 @@
               <a:p>
                 <a:pPr algn="ctr"/>
                 <a:r>
-                  <a:rPr lang="en-US" sz="1440" dirty="0" smtClean="0">
+                  <a:rPr lang="en-US" sz="1440" dirty="0">
                     <a:solidFill>
                       <a:schemeClr val="bg1"/>
                     </a:solidFill>
@@ -3926,7 +3858,7 @@
                   <a:t>Corner</a:t>
                 </a:r>
                 <a:r>
-                  <a:rPr lang="en-US" sz="1440" baseline="0" dirty="0" smtClean="0">
+                  <a:rPr lang="en-US" sz="1440" baseline="0" dirty="0">
                     <a:solidFill>
                       <a:schemeClr val="bg1"/>
                     </a:solidFill>
@@ -3978,7 +3910,7 @@
               <a:graphicData uri="http://schemas.openxmlformats.org/presentationml/2006/ole">
                 <mc:AlternateContent xmlns:mc="http://schemas.openxmlformats.org/markup-compatibility/2006">
                   <mc:Choice xmlns:v="urn:schemas-microsoft-com:vml" Requires="v">
-                    <p:oleObj spid="_x0000_s1274" name="Image" r:id="rId8" imgW="1828440" imgH="1117440" progId="Photoshop.Image.13">
+                    <p:oleObj spid="_x0000_s1278" name="Image" r:id="rId8" imgW="1828440" imgH="1117440" progId="Photoshop.Image.13">
                       <p:embed/>
                     </p:oleObj>
                   </mc:Choice>
@@ -4035,7 +3967,7 @@
               <a:graphicData uri="http://schemas.openxmlformats.org/presentationml/2006/ole">
                 <mc:AlternateContent xmlns:mc="http://schemas.openxmlformats.org/markup-compatibility/2006">
                   <mc:Choice xmlns:v="urn:schemas-microsoft-com:vml" Requires="v">
-                    <p:oleObj spid="_x0000_s1275" name="Image" r:id="rId10" imgW="1828440" imgH="1117440" progId="Photoshop.Image.13">
+                    <p:oleObj spid="_x0000_s1279" name="Image" r:id="rId10" imgW="1828440" imgH="1117440" progId="Photoshop.Image.13">
                       <p:embed/>
                     </p:oleObj>
                   </mc:Choice>
@@ -4094,7 +4026,7 @@
               <a:p>
                 <a:pPr algn="ctr"/>
                 <a:r>
-                  <a:rPr lang="en-US" sz="1800" dirty="0" smtClean="0">
+                  <a:rPr lang="en-US" sz="1800" dirty="0">
                     <a:solidFill>
                       <a:srgbClr val="92D050"/>
                     </a:solidFill>
@@ -4102,7 +4034,7 @@
                   <a:t>Good</a:t>
                 </a:r>
                 <a:r>
-                  <a:rPr lang="en-US" sz="1800" baseline="0" dirty="0" smtClean="0">
+                  <a:rPr lang="en-US" sz="1800" baseline="0" dirty="0">
                     <a:solidFill>
                       <a:srgbClr val="92D050"/>
                     </a:solidFill>
@@ -4110,7 +4042,7 @@
                   <a:t> </a:t>
                 </a:r>
                 <a:r>
-                  <a:rPr lang="en-US" sz="1800" baseline="0" dirty="0" smtClean="0">
+                  <a:rPr lang="en-US" sz="1800" baseline="0" dirty="0">
                     <a:solidFill>
                       <a:schemeClr val="bg1"/>
                     </a:solidFill>
@@ -4149,7 +4081,7 @@
               <a:p>
                 <a:pPr algn="ctr"/>
                 <a:r>
-                  <a:rPr lang="en-US" sz="1800" dirty="0" smtClean="0">
+                  <a:rPr lang="en-US" sz="1800" dirty="0">
                     <a:solidFill>
                       <a:srgbClr val="FF0000"/>
                     </a:solidFill>
@@ -4157,18 +4089,13 @@
                   <a:t>Bad </a:t>
                 </a:r>
                 <a:r>
-                  <a:rPr lang="en-US" sz="1800" dirty="0" smtClean="0">
+                  <a:rPr lang="en-US" sz="1800" dirty="0">
                     <a:solidFill>
                       <a:schemeClr val="bg1"/>
                     </a:solidFill>
                   </a:rPr>
                   <a:t>printing quality</a:t>
                 </a:r>
-                <a:endParaRPr lang="en-US" sz="1800" dirty="0">
-                  <a:solidFill>
-                    <a:schemeClr val="bg1"/>
-                  </a:solidFill>
-                </a:endParaRPr>
               </a:p>
             </p:txBody>
           </p:sp>
@@ -4234,7 +4161,7 @@
             <a:p>
               <a:pPr algn="ctr"/>
               <a:r>
-                <a:rPr lang="en-US" sz="3600" b="1" spc="540" dirty="0" smtClean="0">
+                <a:rPr lang="en-US" sz="3600" b="1" spc="540" dirty="0">
                   <a:solidFill>
                     <a:schemeClr val="bg1"/>
                   </a:solidFill>
@@ -4245,7 +4172,7 @@
             </a:p>
             <a:p>
               <a:pPr algn="ctr"/>
-              <a:endParaRPr lang="en-US" sz="3240" b="1" baseline="0" dirty="0" smtClean="0">
+              <a:endParaRPr lang="en-US" sz="3240" b="1" baseline="0" dirty="0">
                 <a:solidFill>
                   <a:schemeClr val="bg1"/>
                 </a:solidFill>
@@ -4255,7 +4182,7 @@
             <a:p>
               <a:pPr algn="ctr"/>
               <a:r>
-                <a:rPr lang="en-US" sz="2880" b="1" baseline="0" dirty="0" smtClean="0">
+                <a:rPr lang="en-US" sz="2880" b="1" baseline="0" dirty="0">
                   <a:solidFill>
                     <a:srgbClr val="FFC000"/>
                   </a:solidFill>
@@ -4283,7 +4210,7 @@
                 <a:defRPr/>
               </a:pPr>
               <a:r>
-                <a:rPr lang="en-US" sz="2160" b="0" baseline="0" dirty="0" smtClean="0">
+                <a:rPr lang="en-US" sz="2160" b="0" baseline="0" dirty="0">
                   <a:solidFill>
                     <a:schemeClr val="bg1">
                       <a:lumMod val="75000"/>
@@ -4294,7 +4221,7 @@
                 <a:t>You can easily change the color theme of your poster by going to the DESIGN menu, click on COLORS, and choose the color theme of your choice. You can </a:t>
               </a:r>
               <a:r>
-                <a:rPr lang="en-US" sz="2160" b="0" spc="0" baseline="0" dirty="0" smtClean="0">
+                <a:rPr lang="en-US" sz="2160" b="0" spc="0" baseline="0" dirty="0">
                   <a:solidFill>
                     <a:schemeClr val="bg1">
                       <a:lumMod val="75000"/>
@@ -4323,7 +4250,7 @@
                 <a:tabLst/>
                 <a:defRPr/>
               </a:pPr>
-              <a:endParaRPr lang="en-US" sz="2160" b="0" baseline="0" dirty="0" smtClean="0">
+              <a:endParaRPr lang="en-US" sz="2160" b="0" baseline="0" dirty="0">
                 <a:solidFill>
                   <a:schemeClr val="bg1">
                     <a:lumMod val="75000"/>
@@ -4334,7 +4261,7 @@
             </a:p>
             <a:p>
               <a:pPr marL="0" indent="0" algn="l" defTabSz="102870"/>
-              <a:endParaRPr lang="en-US" sz="2160" b="0" baseline="0" dirty="0" smtClean="0">
+              <a:endParaRPr lang="en-US" sz="2160" b="0" baseline="0" dirty="0">
                 <a:solidFill>
                   <a:schemeClr val="bg1">
                     <a:lumMod val="75000"/>
@@ -4345,7 +4272,7 @@
             </a:p>
             <a:p>
               <a:pPr marL="0" indent="0" algn="l" defTabSz="102870"/>
-              <a:endParaRPr lang="en-US" sz="2160" b="0" baseline="0" dirty="0" smtClean="0">
+              <a:endParaRPr lang="en-US" sz="2160" b="0" baseline="0" dirty="0">
                 <a:solidFill>
                   <a:schemeClr val="bg1">
                     <a:lumMod val="75000"/>
@@ -4356,7 +4283,7 @@
             </a:p>
             <a:p>
               <a:pPr marL="0" indent="0" algn="l" defTabSz="102870"/>
-              <a:endParaRPr lang="en-US" sz="2160" b="0" baseline="0" dirty="0" smtClean="0">
+              <a:endParaRPr lang="en-US" sz="2160" b="0" baseline="0" dirty="0">
                 <a:solidFill>
                   <a:schemeClr val="bg1">
                     <a:lumMod val="75000"/>
@@ -4367,7 +4294,7 @@
             </a:p>
             <a:p>
               <a:pPr marL="0" indent="0" algn="l" defTabSz="102870"/>
-              <a:endParaRPr lang="en-US" sz="2160" b="0" baseline="0" dirty="0" smtClean="0">
+              <a:endParaRPr lang="en-US" sz="2160" b="0" baseline="0" dirty="0">
                 <a:solidFill>
                   <a:schemeClr val="bg1">
                     <a:lumMod val="75000"/>
@@ -4378,7 +4305,7 @@
             </a:p>
             <a:p>
               <a:pPr marL="0" indent="0" algn="l" defTabSz="102870"/>
-              <a:endParaRPr lang="en-US" sz="2160" b="0" baseline="0" dirty="0" smtClean="0">
+              <a:endParaRPr lang="en-US" sz="2160" b="0" baseline="0" dirty="0">
                 <a:solidFill>
                   <a:schemeClr val="bg1">
                     <a:lumMod val="75000"/>
@@ -4389,7 +4316,7 @@
             </a:p>
             <a:p>
               <a:pPr marL="0" indent="0" algn="l" defTabSz="102870"/>
-              <a:endParaRPr lang="en-US" sz="2160" b="0" baseline="0" dirty="0" smtClean="0">
+              <a:endParaRPr lang="en-US" sz="2160" b="0" baseline="0" dirty="0">
                 <a:solidFill>
                   <a:schemeClr val="bg1">
                     <a:lumMod val="75000"/>
@@ -4400,7 +4327,7 @@
             </a:p>
             <a:p>
               <a:pPr marL="0" indent="0" algn="l" defTabSz="102870"/>
-              <a:endParaRPr lang="en-US" sz="2160" b="0" baseline="0" dirty="0" smtClean="0">
+              <a:endParaRPr lang="en-US" sz="2160" b="0" baseline="0" dirty="0">
                 <a:solidFill>
                   <a:schemeClr val="bg1">
                     <a:lumMod val="75000"/>
@@ -4411,7 +4338,7 @@
             </a:p>
             <a:p>
               <a:pPr marL="0" indent="0" algn="l" defTabSz="102870"/>
-              <a:endParaRPr lang="en-US" sz="2160" b="0" baseline="0" dirty="0" smtClean="0">
+              <a:endParaRPr lang="en-US" sz="2160" b="0" baseline="0" dirty="0">
                 <a:solidFill>
                   <a:schemeClr val="bg1">
                     <a:lumMod val="75000"/>
@@ -4423,7 +4350,7 @@
             <a:p>
               <a:pPr marL="0" indent="0" algn="l" defTabSz="102870"/>
               <a:r>
-                <a:rPr lang="en-US" sz="2160" b="0" baseline="0" dirty="0" smtClean="0">
+                <a:rPr lang="en-US" sz="2160" b="0" baseline="0" dirty="0">
                   <a:solidFill>
                     <a:schemeClr val="bg1">
                       <a:lumMod val="75000"/>
@@ -4436,7 +4363,7 @@
             </a:p>
             <a:p>
               <a:pPr marL="0" indent="0" algn="l" defTabSz="102870"/>
-              <a:endParaRPr lang="en-US" sz="2160" b="0" baseline="0" dirty="0" smtClean="0">
+              <a:endParaRPr lang="en-US" sz="2160" b="0" baseline="0" dirty="0">
                 <a:solidFill>
                   <a:schemeClr val="bg1">
                     <a:lumMod val="75000"/>
@@ -4448,7 +4375,7 @@
             <a:p>
               <a:pPr algn="ctr"/>
               <a:r>
-                <a:rPr lang="en-US" sz="2880" b="1" baseline="0" dirty="0" smtClean="0">
+                <a:rPr lang="en-US" sz="2880" b="1" baseline="0" dirty="0">
                   <a:solidFill>
                     <a:srgbClr val="FFC000"/>
                   </a:solidFill>
@@ -4460,7 +4387,7 @@
             <a:p>
               <a:pPr marL="3086100" lvl="2" indent="0" algn="l" defTabSz="102870"/>
               <a:r>
-                <a:rPr lang="en-US" sz="2160" b="0" baseline="0" dirty="0" smtClean="0">
+                <a:rPr lang="en-US" sz="2160" b="0" baseline="0" dirty="0">
                   <a:solidFill>
                     <a:schemeClr val="bg1">
                       <a:lumMod val="75000"/>
@@ -4473,7 +4400,7 @@
             </a:p>
             <a:p>
               <a:pPr marL="1366507" lvl="2" indent="0" algn="l" defTabSz="102870"/>
-              <a:endParaRPr lang="en-US" sz="2160" b="0" baseline="0" dirty="0" smtClean="0">
+              <a:endParaRPr lang="en-US" sz="2160" b="0" baseline="0" dirty="0">
                 <a:solidFill>
                   <a:schemeClr val="bg1">
                     <a:lumMod val="75000"/>
@@ -4501,7 +4428,7 @@
                 <a:defRPr/>
               </a:pPr>
               <a:r>
-                <a:rPr lang="en-US" sz="2160" b="0" baseline="0" dirty="0" smtClean="0">
+                <a:rPr lang="en-US" sz="2160" b="0" baseline="0" dirty="0">
                   <a:solidFill>
                     <a:schemeClr val="bg1">
                       <a:lumMod val="75000"/>
@@ -4512,7 +4439,7 @@
                 <a:t> </a:t>
               </a:r>
               <a:r>
-                <a:rPr kumimoji="0" lang="en-US" sz="2880" b="1" i="0" u="none" strike="noStrike" kern="1200" cap="none" spc="0" normalizeH="0" baseline="0" noProof="0" dirty="0" smtClean="0">
+                <a:rPr kumimoji="0" lang="en-US" sz="2880" b="1" i="0" u="none" strike="noStrike" kern="1200" cap="none" spc="0" normalizeH="0" baseline="0" noProof="0" dirty="0">
                   <a:ln>
                     <a:noFill/>
                   </a:ln>
@@ -4546,7 +4473,7 @@
                 <a:defRPr/>
               </a:pPr>
               <a:r>
-                <a:rPr kumimoji="0" lang="en-US" sz="2160" b="0" i="0" u="none" strike="noStrike" kern="1200" cap="none" spc="0" normalizeH="0" baseline="0" noProof="0" dirty="0" smtClean="0">
+                <a:rPr kumimoji="0" lang="en-US" sz="2160" b="0" i="0" u="none" strike="noStrike" kern="1200" cap="none" spc="0" normalizeH="0" baseline="0" noProof="0" dirty="0">
                   <a:ln>
                     <a:noFill/>
                   </a:ln>
@@ -4563,7 +4490,7 @@
                 <a:t>Adjust the size of your text based on how much content you have to present. </a:t>
               </a:r>
               <a:br>
-                <a:rPr kumimoji="0" lang="en-US" sz="2160" b="0" i="0" u="none" strike="noStrike" kern="1200" cap="none" spc="0" normalizeH="0" baseline="0" noProof="0" dirty="0" smtClean="0">
+                <a:rPr kumimoji="0" lang="en-US" sz="2160" b="0" i="0" u="none" strike="noStrike" kern="1200" cap="none" spc="0" normalizeH="0" baseline="0" noProof="0" dirty="0">
                   <a:ln>
                     <a:noFill/>
                   </a:ln>
@@ -4579,7 +4506,7 @@
                 </a:rPr>
               </a:br>
               <a:r>
-                <a:rPr kumimoji="0" lang="en-US" sz="2160" b="0" i="0" u="none" strike="noStrike" kern="1200" cap="none" spc="0" normalizeH="0" baseline="0" noProof="0" dirty="0" smtClean="0">
+                <a:rPr kumimoji="0" lang="en-US" sz="2160" b="0" i="0" u="none" strike="noStrike" kern="1200" cap="none" spc="0" normalizeH="0" baseline="0" noProof="0" dirty="0">
                   <a:ln>
                     <a:noFill/>
                   </a:ln>
@@ -4595,7 +4522,7 @@
                 </a:rPr>
                 <a:t>The default template text offers a good starting point. Follow the conference requirements.</a:t>
               </a:r>
-              <a:endParaRPr lang="en-US" sz="2160" b="0" baseline="0" dirty="0" smtClean="0">
+              <a:endParaRPr lang="en-US" sz="2160" b="0" baseline="0" dirty="0">
                 <a:solidFill>
                   <a:schemeClr val="bg1">
                     <a:lumMod val="75000"/>
@@ -4606,7 +4533,7 @@
             </a:p>
             <a:p>
               <a:pPr marL="1366507" lvl="2" indent="0" algn="l" defTabSz="102870"/>
-              <a:endParaRPr lang="en-US" sz="2160" b="0" baseline="0" dirty="0" smtClean="0">
+              <a:endParaRPr lang="en-US" sz="2160" b="0" baseline="0" dirty="0">
                 <a:solidFill>
                   <a:schemeClr val="bg1">
                     <a:lumMod val="75000"/>
@@ -4618,7 +4545,7 @@
             <a:p>
               <a:pPr algn="ctr"/>
               <a:r>
-                <a:rPr lang="en-US" sz="2880" b="1" baseline="0" dirty="0" smtClean="0">
+                <a:rPr lang="en-US" sz="2880" b="1" baseline="0" dirty="0">
                   <a:solidFill>
                     <a:srgbClr val="FFC000"/>
                   </a:solidFill>
@@ -4630,7 +4557,7 @@
             <a:p>
               <a:pPr marL="1800225" lvl="1" indent="0" algn="l" defTabSz="102870"/>
               <a:r>
-                <a:rPr lang="en-US" sz="2160" b="0" baseline="0" dirty="0" smtClean="0">
+                <a:rPr lang="en-US" sz="2160" b="0" baseline="0" dirty="0">
                   <a:solidFill>
                     <a:schemeClr val="bg1">
                       <a:lumMod val="75000"/>
@@ -4641,7 +4568,7 @@
                 <a:t>To add a table from scratch go to the INSERT menu and </a:t>
               </a:r>
               <a:br>
-                <a:rPr lang="en-US" sz="2160" b="0" baseline="0" dirty="0" smtClean="0">
+                <a:rPr lang="en-US" sz="2160" b="0" baseline="0" dirty="0">
                   <a:solidFill>
                     <a:schemeClr val="bg1">
                       <a:lumMod val="75000"/>
@@ -4651,7 +4578,7 @@
                 </a:rPr>
               </a:br>
               <a:r>
-                <a:rPr lang="en-US" sz="2160" b="0" baseline="0" dirty="0" smtClean="0">
+                <a:rPr lang="en-US" sz="2160" b="0" baseline="0" dirty="0">
                   <a:solidFill>
                     <a:schemeClr val="bg1">
                       <a:lumMod val="75000"/>
@@ -4665,7 +4592,7 @@
             <a:p>
               <a:pPr marL="0" lvl="0" indent="0" algn="l" defTabSz="102870"/>
               <a:r>
-                <a:rPr lang="en-US" sz="2160" b="0" baseline="0" dirty="0" smtClean="0">
+                <a:rPr lang="en-US" sz="2160" b="0" baseline="0" dirty="0">
                   <a:solidFill>
                     <a:schemeClr val="bg1">
                       <a:lumMod val="75000"/>
@@ -4678,7 +4605,7 @@
             </a:p>
             <a:p>
               <a:pPr marL="0" lvl="0" indent="0" algn="l" defTabSz="102870"/>
-              <a:endParaRPr lang="en-US" sz="2160" b="0" baseline="0" dirty="0" smtClean="0">
+              <a:endParaRPr lang="en-US" sz="2160" b="0" baseline="0" dirty="0">
                 <a:solidFill>
                   <a:schemeClr val="bg1">
                     <a:lumMod val="75000"/>
@@ -4706,7 +4633,7 @@
                 <a:defRPr/>
               </a:pPr>
               <a:r>
-                <a:rPr kumimoji="0" lang="en-US" sz="2880" b="1" i="0" u="none" strike="noStrike" kern="1200" cap="none" spc="0" normalizeH="0" baseline="0" noProof="0" dirty="0" smtClean="0">
+                <a:rPr kumimoji="0" lang="en-US" sz="2880" b="1" i="0" u="none" strike="noStrike" kern="1200" cap="none" spc="0" normalizeH="0" baseline="0" noProof="0" dirty="0">
                   <a:ln>
                     <a:noFill/>
                   </a:ln>
@@ -4740,7 +4667,7 @@
                 <a:defRPr/>
               </a:pPr>
               <a:r>
-                <a:rPr kumimoji="0" lang="en-US" sz="2160" b="0" i="0" u="none" strike="noStrike" kern="1200" cap="none" spc="0" normalizeH="0" baseline="0" noProof="0" dirty="0" smtClean="0">
+                <a:rPr kumimoji="0" lang="en-US" sz="2160" b="0" i="0" u="none" strike="noStrike" kern="1200" cap="none" spc="0" normalizeH="0" baseline="0" noProof="0" dirty="0">
                   <a:ln>
                     <a:noFill/>
                   </a:ln>
@@ -4775,7 +4702,7 @@
                 <a:tabLst/>
                 <a:defRPr/>
               </a:pPr>
-              <a:endParaRPr kumimoji="0" lang="en-US" sz="2160" b="0" i="0" u="none" strike="noStrike" kern="1200" cap="none" spc="0" normalizeH="0" baseline="0" noProof="0" dirty="0" smtClean="0">
+              <a:endParaRPr kumimoji="0" lang="en-US" sz="2160" b="0" i="0" u="none" strike="noStrike" kern="1200" cap="none" spc="0" normalizeH="0" baseline="0" noProof="0" dirty="0">
                 <a:ln>
                   <a:noFill/>
                 </a:ln>
@@ -4809,7 +4736,7 @@
                 <a:defRPr/>
               </a:pPr>
               <a:r>
-                <a:rPr kumimoji="0" lang="en-US" sz="2880" b="1" i="0" u="none" strike="noStrike" kern="1200" cap="none" spc="0" normalizeH="0" baseline="0" noProof="0" dirty="0" smtClean="0">
+                <a:rPr kumimoji="0" lang="en-US" sz="2880" b="1" i="0" u="none" strike="noStrike" kern="1200" cap="none" spc="0" normalizeH="0" baseline="0" noProof="0" dirty="0">
                   <a:ln>
                     <a:noFill/>
                   </a:ln>
@@ -4843,7 +4770,7 @@
                 <a:defRPr/>
               </a:pPr>
               <a:r>
-                <a:rPr kumimoji="0" lang="en-US" sz="2160" b="0" i="0" u="none" strike="noStrike" kern="1200" cap="none" spc="0" normalizeH="0" baseline="0" noProof="0" dirty="0" smtClean="0">
+                <a:rPr kumimoji="0" lang="en-US" sz="2160" b="0" i="0" u="none" strike="noStrike" kern="1200" cap="none" spc="0" normalizeH="0" baseline="0" noProof="0" dirty="0">
                   <a:ln>
                     <a:noFill/>
                   </a:ln>
@@ -4878,7 +4805,7 @@
                 <a:tabLst/>
                 <a:defRPr/>
               </a:pPr>
-              <a:endParaRPr kumimoji="0" lang="en-US" sz="2880" b="1" i="0" u="none" strike="noStrike" kern="1200" cap="none" spc="0" normalizeH="0" baseline="0" noProof="0" dirty="0" smtClean="0">
+              <a:endParaRPr kumimoji="0" lang="en-US" sz="2880" b="1" i="0" u="none" strike="noStrike" kern="1200" cap="none" spc="0" normalizeH="0" baseline="0" noProof="0" dirty="0">
                 <a:ln>
                   <a:noFill/>
                 </a:ln>
@@ -4910,7 +4837,7 @@
                 <a:defRPr/>
               </a:pPr>
               <a:r>
-                <a:rPr kumimoji="0" lang="en-US" sz="2880" b="1" i="0" u="none" strike="noStrike" kern="1200" cap="none" spc="0" normalizeH="0" baseline="0" noProof="0" dirty="0" smtClean="0">
+                <a:rPr kumimoji="0" lang="en-US" sz="2880" b="1" i="0" u="none" strike="noStrike" kern="1200" cap="none" spc="0" normalizeH="0" baseline="0" noProof="0" dirty="0">
                   <a:ln>
                     <a:noFill/>
                   </a:ln>
@@ -4944,7 +4871,7 @@
                 <a:defRPr/>
               </a:pPr>
               <a:r>
-                <a:rPr kumimoji="0" lang="en-US" sz="2160" b="0" i="0" u="none" strike="noStrike" kern="1200" cap="none" spc="0" normalizeH="0" baseline="0" noProof="0" dirty="0" smtClean="0">
+                <a:rPr kumimoji="0" lang="en-US" sz="2160" b="0" i="0" u="none" strike="noStrike" kern="1200" cap="none" spc="0" normalizeH="0" baseline="0" noProof="0" dirty="0">
                   <a:ln>
                     <a:noFill/>
                   </a:ln>
@@ -4979,7 +4906,7 @@
                 <a:tabLst/>
                 <a:defRPr/>
               </a:pPr>
-              <a:endParaRPr kumimoji="0" lang="en-US" sz="2160" b="0" i="0" u="none" strike="noStrike" kern="1200" cap="none" spc="0" normalizeH="0" baseline="0" noProof="0" dirty="0" smtClean="0">
+              <a:endParaRPr kumimoji="0" lang="en-US" sz="2160" b="0" i="0" u="none" strike="noStrike" kern="1200" cap="none" spc="0" normalizeH="0" baseline="0" noProof="0" dirty="0">
                 <a:ln>
                   <a:noFill/>
                 </a:ln>
@@ -5013,7 +4940,7 @@
                 <a:defRPr/>
               </a:pPr>
               <a:r>
-                <a:rPr kumimoji="0" lang="en-US" sz="2880" b="1" i="0" u="none" strike="noStrike" kern="1200" cap="none" spc="0" normalizeH="0" baseline="0" noProof="0" dirty="0" smtClean="0">
+                <a:rPr kumimoji="0" lang="en-US" sz="2880" b="1" i="0" u="none" strike="noStrike" kern="1200" cap="none" spc="0" normalizeH="0" baseline="0" noProof="0" dirty="0">
                   <a:ln>
                     <a:noFill/>
                   </a:ln>
@@ -5047,7 +4974,7 @@
                 <a:defRPr/>
               </a:pPr>
               <a:r>
-                <a:rPr kumimoji="0" lang="en-US" sz="2160" b="0" i="0" u="none" strike="noStrike" kern="1200" cap="none" spc="0" normalizeH="0" baseline="0" noProof="0" dirty="0" smtClean="0">
+                <a:rPr kumimoji="0" lang="en-US" sz="2160" b="0" i="0" u="none" strike="noStrike" kern="1200" cap="none" spc="0" normalizeH="0" baseline="0" noProof="0" dirty="0">
                   <a:ln>
                     <a:noFill/>
                   </a:ln>
@@ -5082,7 +5009,7 @@
                 <a:tabLst/>
                 <a:defRPr/>
               </a:pPr>
-              <a:endParaRPr lang="en-US" sz="2160" b="0" baseline="0" dirty="0" smtClean="0">
+              <a:endParaRPr lang="en-US" sz="2160" b="0" baseline="0" dirty="0">
                 <a:solidFill>
                   <a:schemeClr val="bg1">
                     <a:lumMod val="75000"/>
@@ -5110,7 +5037,7 @@
                 <a:defRPr/>
               </a:pPr>
               <a:r>
-                <a:rPr kumimoji="0" lang="en-US" sz="2880" b="1" i="0" u="none" strike="noStrike" kern="1200" cap="none" spc="0" normalizeH="0" baseline="0" noProof="0" dirty="0" smtClean="0">
+                <a:rPr kumimoji="0" lang="en-US" sz="2880" b="1" i="0" u="none" strike="noStrike" kern="1200" cap="none" spc="0" normalizeH="0" baseline="0" noProof="0" dirty="0">
                   <a:ln>
                     <a:noFill/>
                   </a:ln>
@@ -5144,7 +5071,7 @@
                 <a:defRPr/>
               </a:pPr>
               <a:r>
-                <a:rPr kumimoji="0" lang="en-US" sz="2160" b="0" i="0" u="none" strike="noStrike" kern="1200" cap="none" spc="0" normalizeH="0" baseline="0" noProof="0" dirty="0" smtClean="0">
+                <a:rPr kumimoji="0" lang="en-US" sz="2160" b="0" i="0" u="none" strike="noStrike" kern="1200" cap="none" spc="0" normalizeH="0" baseline="0" noProof="0" dirty="0">
                   <a:ln>
                     <a:noFill/>
                   </a:ln>
@@ -5179,7 +5106,7 @@
                 <a:tabLst/>
                 <a:defRPr/>
               </a:pPr>
-              <a:endParaRPr kumimoji="0" lang="en-US" sz="2520" b="0" i="0" u="none" strike="noStrike" kern="1200" cap="none" spc="0" normalizeH="0" baseline="0" noProof="0" dirty="0" smtClean="0">
+              <a:endParaRPr kumimoji="0" lang="en-US" sz="2520" b="0" i="0" u="none" strike="noStrike" kern="1200" cap="none" spc="0" normalizeH="0" baseline="0" noProof="0" dirty="0">
                 <a:ln>
                   <a:noFill/>
                 </a:ln>
@@ -5218,7 +5145,7 @@
             <a:graphicData uri="http://schemas.openxmlformats.org/presentationml/2006/ole">
               <mc:AlternateContent xmlns:mc="http://schemas.openxmlformats.org/markup-compatibility/2006">
                 <mc:Choice xmlns:v="urn:schemas-microsoft-com:vml" Requires="v">
-                  <p:oleObj spid="_x0000_s1276" name="Image" r:id="rId12" imgW="4571280" imgH="1688760" progId="Photoshop.Image.13">
+                  <p:oleObj spid="_x0000_s1280" name="Image" r:id="rId12" imgW="4571280" imgH="1688760" progId="Photoshop.Image.13">
                     <p:embed/>
                   </p:oleObj>
                 </mc:Choice>
@@ -5302,7 +5229,7 @@
             <a:graphicData uri="http://schemas.openxmlformats.org/presentationml/2006/ole">
               <mc:AlternateContent xmlns:mc="http://schemas.openxmlformats.org/markup-compatibility/2006">
                 <mc:Choice xmlns:v="urn:schemas-microsoft-com:vml" Requires="v">
-                  <p:oleObj spid="_x0000_s1277" name="Image" r:id="rId15" imgW="1574280" imgH="1053720" progId="Photoshop.Image.13">
+                  <p:oleObj spid="_x0000_s1281" name="Image" r:id="rId15" imgW="1574280" imgH="1053720" progId="Photoshop.Image.13">
                     <p:embed/>
                   </p:oleObj>
                 </mc:Choice>
@@ -5454,7 +5381,7 @@
               <a:lstStyle/>
               <a:p>
                 <a:r>
-                  <a:rPr lang="en-US" sz="2160" dirty="0" smtClean="0">
+                  <a:rPr lang="en-US" sz="2160" dirty="0">
                     <a:solidFill>
                       <a:schemeClr val="tx2"/>
                     </a:solidFill>
@@ -5463,7 +5390,7 @@
                   <a:t>Student</a:t>
                 </a:r>
                 <a:r>
-                  <a:rPr lang="en-US" sz="2160" baseline="0" dirty="0" smtClean="0">
+                  <a:rPr lang="en-US" sz="2160" baseline="0" dirty="0">
                     <a:solidFill>
                       <a:schemeClr val="tx2"/>
                     </a:solidFill>
@@ -5472,7 +5399,7 @@
                   <a:t> discounts are available on our </a:t>
                 </a:r>
                 <a:r>
-                  <a:rPr lang="en-US" sz="2160" baseline="0" dirty="0" err="1" smtClean="0">
+                  <a:rPr lang="en-US" sz="2160" baseline="0" dirty="0" err="1">
                     <a:solidFill>
                       <a:schemeClr val="tx2"/>
                     </a:solidFill>
@@ -5481,7 +5408,7 @@
                   <a:t>Facebook</a:t>
                 </a:r>
                 <a:r>
-                  <a:rPr lang="en-US" sz="2160" baseline="0" dirty="0" smtClean="0">
+                  <a:rPr lang="en-US" sz="2160" baseline="0" dirty="0">
                     <a:solidFill>
                       <a:schemeClr val="tx2"/>
                     </a:solidFill>
@@ -5490,7 +5417,7 @@
                   <a:t> page.</a:t>
                 </a:r>
                 <a:br>
-                  <a:rPr lang="en-US" sz="2160" baseline="0" dirty="0" smtClean="0">
+                  <a:rPr lang="en-US" sz="2160" baseline="0" dirty="0">
                     <a:solidFill>
                       <a:schemeClr val="tx2"/>
                     </a:solidFill>
@@ -5498,7 +5425,7 @@
                   </a:rPr>
                 </a:br>
                 <a:r>
-                  <a:rPr lang="en-US" sz="2160" baseline="0" dirty="0" smtClean="0">
+                  <a:rPr lang="en-US" sz="2160" baseline="0" dirty="0">
                     <a:solidFill>
                       <a:schemeClr val="tx2"/>
                     </a:solidFill>
@@ -5507,7 +5434,7 @@
                   <a:t>Go to </a:t>
                 </a:r>
                 <a:r>
-                  <a:rPr lang="en-US" sz="2160" u="sng" baseline="0" dirty="0" smtClean="0">
+                  <a:rPr lang="en-US" sz="2160" u="sng" baseline="0" dirty="0">
                     <a:solidFill>
                       <a:schemeClr val="tx2"/>
                     </a:solidFill>
@@ -5516,7 +5443,7 @@
                   <a:t>PosterPresentations.com</a:t>
                 </a:r>
                 <a:r>
-                  <a:rPr lang="en-US" sz="2160" baseline="0" dirty="0" smtClean="0">
+                  <a:rPr lang="en-US" sz="2160" baseline="0" dirty="0">
                     <a:solidFill>
                       <a:schemeClr val="tx2"/>
                     </a:solidFill>
@@ -5562,7 +5489,7 @@
                 </a:lnSpc>
               </a:pPr>
               <a:r>
-                <a:rPr lang="en-US" sz="2520" dirty="0" smtClean="0">
+                <a:rPr lang="en-US" sz="2520" dirty="0">
                   <a:solidFill>
                     <a:schemeClr val="bg1"/>
                   </a:solidFill>
@@ -5570,7 +5497,7 @@
                 <a:t>©2015</a:t>
               </a:r>
               <a:r>
-                <a:rPr lang="en-US" sz="2520" baseline="0" dirty="0" smtClean="0">
+                <a:rPr lang="en-US" sz="2520" baseline="0" dirty="0">
                   <a:solidFill>
                     <a:schemeClr val="bg1"/>
                   </a:solidFill>
@@ -5578,7 +5505,7 @@
                 <a:t> </a:t>
               </a:r>
               <a:r>
-                <a:rPr lang="en-US" sz="2520" dirty="0" smtClean="0">
+                <a:rPr lang="en-US" sz="2520" dirty="0">
                   <a:solidFill>
                     <a:schemeClr val="bg1"/>
                   </a:solidFill>
@@ -5586,14 +5513,14 @@
                 <a:t>PosterPresentations.com</a:t>
               </a:r>
               <a:br>
-                <a:rPr lang="en-US" sz="2520" dirty="0" smtClean="0">
+                <a:rPr lang="en-US" sz="2520" dirty="0">
                   <a:solidFill>
                     <a:schemeClr val="bg1"/>
                   </a:solidFill>
                 </a:rPr>
               </a:br>
               <a:r>
-                <a:rPr lang="en-US" sz="2160" dirty="0" smtClean="0">
+                <a:rPr lang="en-US" sz="2160" dirty="0">
                   <a:solidFill>
                     <a:schemeClr val="bg1"/>
                   </a:solidFill>
@@ -5601,7 +5528,7 @@
                 <a:t>2117 Fourth Street ,</a:t>
               </a:r>
               <a:r>
-                <a:rPr lang="en-US" sz="2160" baseline="0" dirty="0" smtClean="0">
+                <a:rPr lang="en-US" sz="2160" baseline="0" dirty="0">
                   <a:solidFill>
                     <a:schemeClr val="bg1"/>
                   </a:solidFill>
@@ -5616,7 +5543,7 @@
                 </a:lnSpc>
               </a:pPr>
               <a:r>
-                <a:rPr lang="en-US" sz="2160" baseline="0" dirty="0" smtClean="0">
+                <a:rPr lang="en-US" sz="2160" baseline="0" dirty="0">
                   <a:solidFill>
                     <a:schemeClr val="bg1"/>
                   </a:solidFill>
@@ -5624,30 +5551,22 @@
                 <a:t>Berkeley CA </a:t>
               </a:r>
               <a:r>
-                <a:rPr lang="en-US" sz="1800" baseline="0" dirty="0" smtClean="0">
+                <a:rPr lang="en-US" sz="1800" baseline="0" dirty="0">
                   <a:solidFill>
                     <a:schemeClr val="bg1"/>
                   </a:solidFill>
                 </a:rPr>
                 <a:t>94710</a:t>
               </a:r>
-              <a:r>
-                <a:rPr lang="en-US" sz="2160" baseline="0" dirty="0" smtClean="0">
+              <a:br>
+                <a:rPr lang="en-US" sz="2160" baseline="0" dirty="0">
                   <a:solidFill>
                     <a:schemeClr val="bg1"/>
                   </a:solidFill>
                 </a:rPr>
-                <a:t/>
-              </a:r>
-              <a:br>
-                <a:rPr lang="en-US" sz="2160" baseline="0" dirty="0" smtClean="0">
-                  <a:solidFill>
-                    <a:schemeClr val="bg1"/>
-                  </a:solidFill>
-                </a:rPr>
               </a:br>
               <a:r>
-                <a:rPr lang="en-US" sz="2160" b="1" baseline="0" dirty="0" smtClean="0">
+                <a:rPr lang="en-US" sz="2160" b="1" baseline="0" dirty="0">
                   <a:solidFill>
                     <a:srgbClr val="FFFF00"/>
                   </a:solidFill>
@@ -5704,7 +5623,7 @@
               <a:defRPr/>
             </a:pPr>
             <a:r>
-              <a:rPr lang="en-US" sz="540" b="1" dirty="0" smtClean="0">
+              <a:rPr lang="en-US" sz="540" b="1" dirty="0">
                 <a:solidFill>
                   <a:schemeClr val="bg1">
                     <a:lumMod val="75000"/>
@@ -5712,38 +5631,8 @@
                 </a:solidFill>
                 <a:latin typeface="Arial" charset="0"/>
               </a:rPr>
-              <a:t>RESEARCH POSTER PRESENTATION </a:t>
-            </a:r>
-            <a:r>
-              <a:rPr lang="en-US" sz="540" b="1" dirty="0">
-                <a:solidFill>
-                  <a:schemeClr val="bg1">
-                    <a:lumMod val="75000"/>
-                  </a:schemeClr>
-                </a:solidFill>
-                <a:latin typeface="Arial" charset="0"/>
-              </a:rPr>
-              <a:t>DESIGN © </a:t>
-            </a:r>
-            <a:r>
-              <a:rPr lang="en-US" sz="540" b="1" dirty="0" smtClean="0">
-                <a:solidFill>
-                  <a:schemeClr val="bg1">
-                    <a:lumMod val="75000"/>
-                  </a:schemeClr>
-                </a:solidFill>
-                <a:latin typeface="Arial" charset="0"/>
-              </a:rPr>
-              <a:t>2015</a:t>
-            </a:r>
-            <a:endParaRPr lang="en-US" sz="540" b="1" dirty="0">
-              <a:solidFill>
-                <a:schemeClr val="bg1">
-                  <a:lumMod val="75000"/>
-                </a:schemeClr>
-              </a:solidFill>
-              <a:latin typeface="Arial" charset="0"/>
-            </a:endParaRPr>
+              <a:t>RESEARCH POSTER PRESENTATION DESIGN © 2015</a:t>
+            </a:r>
           </a:p>
           <a:p>
             <a:pPr eaLnBrk="0" hangingPunct="0">
@@ -5775,13 +5664,6 @@
   <p:sldLayoutIdLst>
     <p:sldLayoutId id="2147483659" r:id="rId1"/>
   </p:sldLayoutIdLst>
-  <p:timing>
-    <p:tnLst>
-      <p:par>
-        <p:cTn id="1" dur="indefinite" restart="never" nodeType="tmRoot"/>
-      </p:par>
-    </p:tnLst>
-  </p:timing>
   <p:txStyles>
     <p:titleStyle>
       <a:lvl1pPr algn="ctr" defTabSz="3388829" rtl="0" eaLnBrk="1" latinLnBrk="0" hangingPunct="1">
@@ -6238,7 +6120,7 @@
                 <a:defRPr/>
               </a:pPr>
               <a:r>
-                <a:rPr lang="en-US" sz="2880" b="1" spc="0" dirty="0" smtClean="0">
+                <a:rPr lang="en-US" sz="2880" b="1" spc="0" dirty="0">
                   <a:solidFill>
                     <a:srgbClr val="FF0000"/>
                   </a:solidFill>
@@ -6246,7 +6128,7 @@
                 </a:rPr>
                 <a:t>(—THIS SIDEBAR DOES NOT PRINT—)</a:t>
               </a:r>
-              <a:endParaRPr lang="en-US" sz="2880" b="1" spc="540" dirty="0" smtClean="0">
+              <a:endParaRPr lang="en-US" sz="2880" b="1" spc="540" dirty="0">
                 <a:solidFill>
                   <a:schemeClr val="bg1"/>
                 </a:solidFill>
@@ -6256,7 +6138,7 @@
             <a:p>
               <a:pPr algn="ctr"/>
               <a:r>
-                <a:rPr lang="en-US" sz="3600" b="1" spc="540" dirty="0" smtClean="0">
+                <a:rPr lang="en-US" sz="3600" b="1" spc="540" dirty="0">
                   <a:solidFill>
                     <a:schemeClr val="bg1"/>
                   </a:solidFill>
@@ -6265,7 +6147,7 @@
                 <a:t>DESIGN</a:t>
               </a:r>
               <a:r>
-                <a:rPr lang="en-US" sz="3600" b="1" spc="540" baseline="0" dirty="0" smtClean="0">
+                <a:rPr lang="en-US" sz="3600" b="1" spc="540" baseline="0" dirty="0">
                   <a:solidFill>
                     <a:schemeClr val="bg1"/>
                   </a:solidFill>
@@ -6274,7 +6156,7 @@
                 <a:t> </a:t>
               </a:r>
               <a:r>
-                <a:rPr lang="en-US" sz="3600" b="1" spc="540" dirty="0" smtClean="0">
+                <a:rPr lang="en-US" sz="3600" b="1" spc="540" dirty="0">
                   <a:solidFill>
                     <a:schemeClr val="bg1"/>
                   </a:solidFill>
@@ -6285,80 +6167,80 @@
             </a:p>
             <a:p>
               <a:pPr algn="ctr"/>
-              <a:endParaRPr lang="en-US" sz="2520" b="1" dirty="0" smtClean="0">
+              <a:endParaRPr lang="en-US" sz="2520" b="1" dirty="0">
                 <a:latin typeface="Trebuchet MS" pitchFamily="34" charset="0"/>
               </a:endParaRPr>
             </a:p>
             <a:p>
               <a:pPr defTabSz="3389075"/>
               <a:r>
-                <a:rPr lang="en-US" sz="2520" i="0" dirty="0" smtClean="0">
+                <a:rPr lang="en-US" sz="2520" i="0" dirty="0">
                   <a:latin typeface="Trebuchet MS" pitchFamily="34" charset="0"/>
                 </a:rPr>
                 <a:t>This PowerPoint</a:t>
               </a:r>
               <a:r>
-                <a:rPr lang="en-US" sz="2520" i="0" baseline="0" dirty="0" smtClean="0">
+                <a:rPr lang="en-US" sz="2520" i="0" baseline="0" dirty="0">
                   <a:latin typeface="Trebuchet MS" pitchFamily="34" charset="0"/>
                 </a:rPr>
                 <a:t> </a:t>
               </a:r>
               <a:r>
-                <a:rPr lang="en-US" sz="2520" i="0" dirty="0" smtClean="0">
+                <a:rPr lang="en-US" sz="2520" i="0" dirty="0">
                   <a:latin typeface="Trebuchet MS" pitchFamily="34" charset="0"/>
                 </a:rPr>
                 <a:t>2007 template produces</a:t>
               </a:r>
               <a:r>
-                <a:rPr lang="en-US" sz="2520" i="0" baseline="0" dirty="0" smtClean="0">
+                <a:rPr lang="en-US" sz="2520" i="0" baseline="0" dirty="0">
                   <a:latin typeface="Trebuchet MS" pitchFamily="34" charset="0"/>
                 </a:rPr>
                 <a:t> </a:t>
               </a:r>
               <a:r>
-                <a:rPr lang="en-US" sz="2520" i="0" dirty="0" smtClean="0">
+                <a:rPr lang="en-US" sz="2520" i="0" dirty="0">
                   <a:latin typeface="Trebuchet MS" pitchFamily="34" charset="0"/>
                 </a:rPr>
                 <a:t>a 30”x40” presentation poster. </a:t>
               </a:r>
               <a:r>
-                <a:rPr lang="en-US" sz="2520" dirty="0" smtClean="0">
+                <a:rPr lang="en-US" sz="2520" dirty="0">
                   <a:latin typeface="Trebuchet MS" pitchFamily="34" charset="0"/>
                 </a:rPr>
                 <a:t>You</a:t>
               </a:r>
               <a:r>
-                <a:rPr lang="en-US" sz="2520" baseline="0" dirty="0" smtClean="0">
+                <a:rPr lang="en-US" sz="2520" baseline="0" dirty="0">
                   <a:latin typeface="Trebuchet MS" pitchFamily="34" charset="0"/>
                 </a:rPr>
                 <a:t> can u</a:t>
               </a:r>
               <a:r>
-                <a:rPr lang="en-US" sz="2520" dirty="0" smtClean="0">
+                <a:rPr lang="en-US" sz="2520" dirty="0">
                   <a:latin typeface="Trebuchet MS" pitchFamily="34" charset="0"/>
                 </a:rPr>
                 <a:t>se</a:t>
               </a:r>
               <a:r>
-                <a:rPr lang="en-US" sz="2520" baseline="0" dirty="0" smtClean="0">
+                <a:rPr lang="en-US" sz="2520" baseline="0" dirty="0">
                   <a:latin typeface="Trebuchet MS" pitchFamily="34" charset="0"/>
                 </a:rPr>
                 <a:t> it to create your research poster and </a:t>
               </a:r>
               <a:r>
-                <a:rPr lang="en-US" sz="2520" dirty="0" smtClean="0">
+                <a:rPr lang="en-US" sz="2520" dirty="0">
                   <a:latin typeface="Trebuchet MS" pitchFamily="34" charset="0"/>
                 </a:rPr>
                 <a:t>save valuable time placing titles, subtitles,</a:t>
               </a:r>
               <a:r>
-                <a:rPr lang="en-US" sz="2520" baseline="0" dirty="0" smtClean="0">
+                <a:rPr lang="en-US" sz="2520" baseline="0" dirty="0">
                   <a:latin typeface="Trebuchet MS" pitchFamily="34" charset="0"/>
                 </a:rPr>
                 <a:t> text, and graphics</a:t>
               </a:r>
               <a:r>
-                <a:rPr lang="en-US" sz="2520" dirty="0" smtClean="0">
+                <a:rPr lang="en-US" sz="2520" dirty="0">
                   <a:latin typeface="Trebuchet MS" pitchFamily="34" charset="0"/>
                 </a:rPr>
                 <a:t>. </a:t>
@@ -6366,20 +6248,20 @@
             </a:p>
             <a:p>
               <a:pPr defTabSz="3389075"/>
-              <a:endParaRPr lang="en-US" sz="2520" dirty="0" smtClean="0">
+              <a:endParaRPr lang="en-US" sz="2520" dirty="0">
                 <a:latin typeface="Trebuchet MS" pitchFamily="34" charset="0"/>
               </a:endParaRPr>
             </a:p>
             <a:p>
               <a:pPr defTabSz="3950297"/>
               <a:r>
-                <a:rPr lang="en-US" sz="2520" dirty="0" smtClean="0">
+                <a:rPr lang="en-US" sz="2520" dirty="0">
                   <a:latin typeface="Trebuchet MS" pitchFamily="34" charset="0"/>
                 </a:rPr>
                 <a:t>We provide a series of online tutorials that will guide you through the poster design process and answer your poster production questions. To view our template tutorials, go online to </a:t>
               </a:r>
               <a:r>
-                <a:rPr lang="en-US" sz="2520" b="1" dirty="0" smtClean="0">
+                <a:rPr lang="en-US" sz="2520" b="1" dirty="0">
                   <a:solidFill>
                     <a:srgbClr val="FFC000"/>
                   </a:solidFill>
@@ -6388,7 +6270,7 @@
                 <a:t>PosterPresentations.com</a:t>
               </a:r>
               <a:r>
-                <a:rPr lang="en-US" sz="2520" b="1" dirty="0" smtClean="0">
+                <a:rPr lang="en-US" sz="2520" b="1" dirty="0">
                   <a:solidFill>
                     <a:schemeClr val="bg1"/>
                   </a:solidFill>
@@ -6397,7 +6279,7 @@
                 <a:t> </a:t>
               </a:r>
               <a:r>
-                <a:rPr lang="en-US" sz="2520" dirty="0" smtClean="0">
+                <a:rPr lang="en-US" sz="2520" dirty="0">
                   <a:solidFill>
                     <a:schemeClr val="bg1"/>
                   </a:solidFill>
@@ -6408,14 +6290,14 @@
             </a:p>
             <a:p>
               <a:pPr defTabSz="3950297"/>
-              <a:endParaRPr lang="en-US" sz="2520" dirty="0" smtClean="0">
+              <a:endParaRPr lang="en-US" sz="2520" dirty="0">
                 <a:latin typeface="Trebuchet MS" pitchFamily="34" charset="0"/>
               </a:endParaRPr>
             </a:p>
             <a:p>
               <a:pPr defTabSz="3950297"/>
               <a:r>
-                <a:rPr lang="en-US" sz="2520" dirty="0" smtClean="0">
+                <a:rPr lang="en-US" sz="2520" dirty="0">
                   <a:solidFill>
                     <a:schemeClr val="bg1"/>
                   </a:solidFill>
@@ -6424,7 +6306,7 @@
                 <a:t>When</a:t>
               </a:r>
               <a:r>
-                <a:rPr lang="en-US" sz="2520" baseline="0" dirty="0" smtClean="0">
+                <a:rPr lang="en-US" sz="2520" baseline="0" dirty="0">
                   <a:solidFill>
                     <a:schemeClr val="bg1"/>
                   </a:solidFill>
@@ -6433,7 +6315,7 @@
                 <a:t> you are ready to print your poster</a:t>
               </a:r>
               <a:r>
-                <a:rPr lang="en-US" sz="2520" dirty="0" smtClean="0">
+                <a:rPr lang="en-US" sz="2520" dirty="0">
                   <a:solidFill>
                     <a:schemeClr val="bg1"/>
                   </a:solidFill>
@@ -6442,7 +6324,7 @@
                 <a:t>,</a:t>
               </a:r>
               <a:r>
-                <a:rPr lang="en-US" sz="2520" baseline="0" dirty="0" smtClean="0">
+                <a:rPr lang="en-US" sz="2520" baseline="0" dirty="0">
                   <a:solidFill>
                     <a:schemeClr val="bg1"/>
                   </a:solidFill>
@@ -6451,7 +6333,7 @@
                 <a:t> go online to </a:t>
               </a:r>
               <a:r>
-                <a:rPr lang="en-US" sz="2520" b="0" dirty="0" smtClean="0">
+                <a:rPr lang="en-US" sz="2520" b="0" dirty="0">
                   <a:solidFill>
                     <a:schemeClr val="bg1"/>
                   </a:solidFill>
@@ -6459,24 +6341,63 @@
                 </a:rPr>
                 <a:t>PosterPresentations.com</a:t>
               </a:r>
-              <a:r>
-                <a:rPr lang="en-US" sz="2520" dirty="0" smtClean="0">
+              <a:br>
+                <a:rPr lang="en-US" sz="2520" dirty="0">
                   <a:solidFill>
                     <a:schemeClr val="bg1"/>
                   </a:solidFill>
                   <a:latin typeface="Trebuchet MS" pitchFamily="34" charset="0"/>
                 </a:rPr>
-                <a:t/>
-              </a:r>
-              <a:br>
-                <a:rPr lang="en-US" sz="2520" dirty="0" smtClean="0">
+              </a:br>
+              <a:endParaRPr lang="en-US" sz="2520" dirty="0">
+                <a:solidFill>
+                  <a:schemeClr val="bg1"/>
+                </a:solidFill>
+                <a:latin typeface="Trebuchet MS" pitchFamily="34" charset="0"/>
+              </a:endParaRPr>
+            </a:p>
+            <a:p>
+              <a:pPr algn="l" defTabSz="3389075"/>
+              <a:r>
+                <a:rPr lang="en-US" sz="2520" b="0" dirty="0">
                   <a:solidFill>
                     <a:schemeClr val="bg1"/>
                   </a:solidFill>
                   <a:latin typeface="Trebuchet MS" pitchFamily="34" charset="0"/>
                 </a:rPr>
-              </a:br>
-              <a:endParaRPr lang="en-US" sz="2520" dirty="0" smtClean="0">
+                <a:t>Need</a:t>
+              </a:r>
+              <a:r>
+                <a:rPr lang="en-US" sz="2520" b="0" baseline="0" dirty="0">
+                  <a:solidFill>
+                    <a:schemeClr val="bg1"/>
+                  </a:solidFill>
+                  <a:latin typeface="Trebuchet MS" pitchFamily="34" charset="0"/>
+                </a:rPr>
+                <a:t> assistance? Call us at </a:t>
+              </a:r>
+              <a:r>
+                <a:rPr lang="en-US" sz="2520" b="0" dirty="0">
+                  <a:solidFill>
+                    <a:srgbClr val="FFC000"/>
+                  </a:solidFill>
+                  <a:latin typeface="Trebuchet MS" pitchFamily="34" charset="0"/>
+                </a:rPr>
+                <a:t>1.510.649.3001</a:t>
+              </a:r>
+            </a:p>
+            <a:p>
+              <a:pPr algn="l" defTabSz="3389075"/>
+              <a:endParaRPr lang="en-US" sz="3240" b="1" dirty="0">
+                <a:solidFill>
+                  <a:srgbClr val="FFFF00"/>
+                </a:solidFill>
+                <a:latin typeface="Trebuchet MS" pitchFamily="34" charset="0"/>
+              </a:endParaRPr>
+            </a:p>
+            <a:p>
+              <a:pPr algn="ctr"/>
+              <a:endParaRPr lang="en-US" sz="2160" b="1" dirty="0">
                 <a:solidFill>
                   <a:schemeClr val="bg1"/>
                 </a:solidFill>
@@ -6484,78 +6405,30 @@
               </a:endParaRPr>
             </a:p>
             <a:p>
-              <a:pPr algn="l" defTabSz="3389075"/>
-              <a:r>
-                <a:rPr lang="en-US" sz="2520" b="0" dirty="0" smtClean="0">
+              <a:pPr algn="ctr"/>
+              <a:r>
+                <a:rPr lang="en-US" sz="3600" b="1" spc="540" dirty="0">
                   <a:solidFill>
                     <a:schemeClr val="bg1"/>
                   </a:solidFill>
                   <a:latin typeface="Trebuchet MS" pitchFamily="34" charset="0"/>
                 </a:rPr>
-                <a:t>Need</a:t>
-              </a:r>
-              <a:r>
-                <a:rPr lang="en-US" sz="2520" b="0" baseline="0" dirty="0" smtClean="0">
-                  <a:solidFill>
-                    <a:schemeClr val="bg1"/>
-                  </a:solidFill>
-                  <a:latin typeface="Trebuchet MS" pitchFamily="34" charset="0"/>
-                </a:rPr>
-                <a:t> assistance? Call us at </a:t>
-              </a:r>
-              <a:r>
-                <a:rPr lang="en-US" sz="2520" b="0" dirty="0" smtClean="0">
-                  <a:solidFill>
-                    <a:srgbClr val="FFC000"/>
-                  </a:solidFill>
-                  <a:latin typeface="Trebuchet MS" pitchFamily="34" charset="0"/>
-                </a:rPr>
-                <a:t>1.510.649.3001</a:t>
-              </a:r>
-            </a:p>
-            <a:p>
-              <a:pPr algn="l" defTabSz="3389075"/>
-              <a:endParaRPr lang="en-US" sz="3240" b="1" dirty="0" smtClean="0">
-                <a:solidFill>
-                  <a:srgbClr val="FFFF00"/>
+                <a:t>QUICK START</a:t>
+              </a:r>
+            </a:p>
+            <a:p>
+              <a:pPr algn="ctr"/>
+              <a:endParaRPr lang="en-US" sz="2880" b="1" baseline="0" dirty="0">
+                <a:solidFill>
+                  <a:schemeClr val="bg1"/>
                 </a:solidFill>
                 <a:latin typeface="Trebuchet MS" pitchFamily="34" charset="0"/>
               </a:endParaRPr>
             </a:p>
             <a:p>
               <a:pPr algn="ctr"/>
-              <a:endParaRPr lang="en-US" sz="2160" b="1" dirty="0" smtClean="0">
-                <a:solidFill>
-                  <a:schemeClr val="bg1"/>
-                </a:solidFill>
-                <a:latin typeface="Trebuchet MS" pitchFamily="34" charset="0"/>
-              </a:endParaRPr>
-            </a:p>
-            <a:p>
-              <a:pPr algn="ctr"/>
-              <a:r>
-                <a:rPr lang="en-US" sz="3600" b="1" spc="540" dirty="0" smtClean="0">
-                  <a:solidFill>
-                    <a:schemeClr val="bg1"/>
-                  </a:solidFill>
-                  <a:latin typeface="Trebuchet MS" pitchFamily="34" charset="0"/>
-                </a:rPr>
-                <a:t>QUICK START</a:t>
-              </a:r>
-            </a:p>
-            <a:p>
-              <a:pPr algn="ctr"/>
-              <a:endParaRPr lang="en-US" sz="2880" b="1" baseline="0" dirty="0" smtClean="0">
-                <a:solidFill>
-                  <a:schemeClr val="bg1"/>
-                </a:solidFill>
-                <a:latin typeface="Trebuchet MS" pitchFamily="34" charset="0"/>
-              </a:endParaRPr>
-            </a:p>
-            <a:p>
-              <a:pPr algn="ctr"/>
-              <a:r>
-                <a:rPr lang="en-US" sz="2880" b="1" baseline="0" dirty="0" smtClean="0">
+              <a:r>
+                <a:rPr lang="en-US" sz="2880" b="1" baseline="0" dirty="0">
                   <a:solidFill>
                     <a:srgbClr val="FFC000"/>
                   </a:solidFill>
@@ -6569,7 +6442,7 @@
                 <a:tabLst/>
               </a:pPr>
               <a:r>
-                <a:rPr lang="en-US" sz="2160" b="0" baseline="0" dirty="0" smtClean="0">
+                <a:rPr lang="en-US" sz="2160" b="0" baseline="0" dirty="0">
                   <a:solidFill>
                     <a:schemeClr val="bg1"/>
                   </a:solidFill>
@@ -6578,7 +6451,7 @@
                 <a:t>	</a:t>
               </a:r>
               <a:r>
-                <a:rPr lang="en-US" sz="2160" b="0" baseline="0" dirty="0" smtClean="0">
+                <a:rPr lang="en-US" sz="2160" b="0" baseline="0" dirty="0">
                   <a:solidFill>
                     <a:schemeClr val="bg1">
                       <a:lumMod val="75000"/>
@@ -6591,7 +6464,7 @@
             </a:p>
             <a:p>
               <a:pPr algn="l"/>
-              <a:endParaRPr lang="en-US" sz="2520" b="0" baseline="0" dirty="0" smtClean="0">
+              <a:endParaRPr lang="en-US" sz="2520" b="0" baseline="0" dirty="0">
                 <a:solidFill>
                   <a:schemeClr val="bg1"/>
                 </a:solidFill>
@@ -6601,7 +6474,7 @@
             <a:p>
               <a:pPr algn="ctr"/>
               <a:r>
-                <a:rPr lang="en-US" sz="2880" b="1" baseline="0" dirty="0" smtClean="0">
+                <a:rPr lang="en-US" sz="2880" b="1" baseline="0" dirty="0">
                   <a:solidFill>
                     <a:srgbClr val="FFC000"/>
                   </a:solidFill>
@@ -6613,7 +6486,7 @@
             <a:p>
               <a:pPr algn="l"/>
               <a:r>
-                <a:rPr lang="en-US" sz="2160" b="0" baseline="0" dirty="0" smtClean="0">
+                <a:rPr lang="en-US" sz="2160" b="0" baseline="0" dirty="0">
                   <a:solidFill>
                     <a:schemeClr val="bg1">
                       <a:lumMod val="75000"/>
@@ -6624,7 +6497,7 @@
                 <a:t>Start designing your poster by adding the title, the names of the authors, and the affiliated institutions. </a:t>
               </a:r>
               <a:r>
-                <a:rPr lang="en-US" sz="2160" b="0" spc="0" baseline="0" dirty="0" smtClean="0">
+                <a:rPr lang="en-US" sz="2160" b="0" spc="0" baseline="0" dirty="0">
                   <a:solidFill>
                     <a:schemeClr val="bg1">
                       <a:lumMod val="75000"/>
@@ -6637,7 +6510,7 @@
             </a:p>
             <a:p>
               <a:pPr algn="l"/>
-              <a:endParaRPr lang="en-US" sz="2160" b="0" spc="0" baseline="0" dirty="0" smtClean="0">
+              <a:endParaRPr lang="en-US" sz="2160" b="0" spc="0" baseline="0" dirty="0">
                 <a:solidFill>
                   <a:schemeClr val="bg1">
                     <a:lumMod val="75000"/>
@@ -6649,7 +6522,7 @@
             <a:p>
               <a:pPr algn="l"/>
               <a:r>
-                <a:rPr lang="en-US" sz="2160" b="1" spc="270" baseline="0" dirty="0" smtClean="0">
+                <a:rPr lang="en-US" sz="2160" b="1" spc="270" baseline="0" dirty="0">
                   <a:solidFill>
                     <a:srgbClr val="FFC000"/>
                   </a:solidFill>
@@ -6658,7 +6531,7 @@
                 <a:t>TIP</a:t>
               </a:r>
               <a:r>
-                <a:rPr lang="en-US" sz="2160" b="1" baseline="0" dirty="0" smtClean="0">
+                <a:rPr lang="en-US" sz="2160" b="1" baseline="0" dirty="0">
                   <a:solidFill>
                     <a:srgbClr val="FFC000"/>
                   </a:solidFill>
@@ -6667,7 +6540,7 @@
                 <a:t>: </a:t>
               </a:r>
               <a:r>
-                <a:rPr lang="en-US" sz="2160" b="0" baseline="0" dirty="0" smtClean="0">
+                <a:rPr lang="en-US" sz="2160" b="0" baseline="0" dirty="0">
                   <a:solidFill>
                     <a:schemeClr val="bg1">
                       <a:lumMod val="75000"/>
@@ -6680,24 +6553,15 @@
             </a:p>
             <a:p>
               <a:pPr algn="l"/>
-              <a:r>
-                <a:rPr lang="en-US" sz="2520" b="1" baseline="0" dirty="0" smtClean="0">
+              <a:br>
+                <a:rPr lang="en-US" sz="2520" b="1" baseline="0" dirty="0">
                   <a:solidFill>
                     <a:schemeClr val="bg1"/>
                   </a:solidFill>
                   <a:latin typeface="Trebuchet MS" pitchFamily="34" charset="0"/>
                 </a:rPr>
-                <a:t/>
-              </a:r>
-              <a:br>
-                <a:rPr lang="en-US" sz="2520" b="1" baseline="0" dirty="0" smtClean="0">
-                  <a:solidFill>
-                    <a:schemeClr val="bg1"/>
-                  </a:solidFill>
-                  <a:latin typeface="Trebuchet MS" pitchFamily="34" charset="0"/>
-                </a:rPr>
               </a:br>
-              <a:endParaRPr lang="en-US" sz="2520" b="1" dirty="0" smtClean="0">
+              <a:endParaRPr lang="en-US" sz="2520" b="1" dirty="0">
                 <a:solidFill>
                   <a:schemeClr val="bg1"/>
                 </a:solidFill>
@@ -6706,7 +6570,7 @@
             </a:p>
             <a:p>
               <a:pPr algn="ctr"/>
-              <a:endParaRPr lang="en-US" sz="2520" b="1" dirty="0" smtClean="0">
+              <a:endParaRPr lang="en-US" sz="2520" b="1" dirty="0">
                 <a:solidFill>
                   <a:srgbClr val="FFC000"/>
                 </a:solidFill>
@@ -6715,7 +6579,7 @@
             </a:p>
             <a:p>
               <a:pPr algn="ctr"/>
-              <a:endParaRPr lang="en-US" sz="2520" b="1" dirty="0" smtClean="0">
+              <a:endParaRPr lang="en-US" sz="2520" b="1" dirty="0">
                 <a:solidFill>
                   <a:srgbClr val="FFC000"/>
                 </a:solidFill>
@@ -6725,7 +6589,7 @@
             <a:p>
               <a:pPr algn="ctr"/>
               <a:r>
-                <a:rPr lang="en-US" sz="2880" b="1" dirty="0" smtClean="0">
+                <a:rPr lang="en-US" sz="2880" b="1" dirty="0">
                   <a:solidFill>
                     <a:srgbClr val="FFC000"/>
                   </a:solidFill>
@@ -6734,7 +6598,7 @@
                 <a:t>Adding Logos</a:t>
               </a:r>
               <a:r>
-                <a:rPr lang="en-US" sz="2880" b="1" baseline="0" dirty="0" smtClean="0">
+                <a:rPr lang="en-US" sz="2880" b="1" baseline="0" dirty="0">
                   <a:solidFill>
                     <a:srgbClr val="FFC000"/>
                   </a:solidFill>
@@ -6746,7 +6610,7 @@
             <a:p>
               <a:pPr algn="l"/>
               <a:r>
-                <a:rPr lang="en-US" sz="2160" b="0" baseline="0" dirty="0" smtClean="0">
+                <a:rPr lang="en-US" sz="2160" b="0" baseline="0" dirty="0">
                   <a:solidFill>
                     <a:schemeClr val="bg1">
                       <a:lumMod val="75000"/>
@@ -6759,7 +6623,7 @@
             </a:p>
             <a:p>
               <a:pPr algn="l"/>
-              <a:endParaRPr lang="en-US" sz="2160" b="0" spc="270" baseline="0" dirty="0" smtClean="0">
+              <a:endParaRPr lang="en-US" sz="2160" b="0" spc="270" baseline="0" dirty="0">
                 <a:solidFill>
                   <a:schemeClr val="bg1">
                     <a:lumMod val="75000"/>
@@ -6771,7 +6635,7 @@
             <a:p>
               <a:pPr algn="l"/>
               <a:r>
-                <a:rPr lang="en-US" sz="2160" b="1" spc="270" baseline="0" dirty="0" smtClean="0">
+                <a:rPr lang="en-US" sz="2160" b="1" spc="270" baseline="0" dirty="0">
                   <a:solidFill>
                     <a:srgbClr val="FFC000"/>
                   </a:solidFill>
@@ -6780,7 +6644,7 @@
                 <a:t>TIP:</a:t>
               </a:r>
               <a:r>
-                <a:rPr lang="en-US" sz="2160" b="1" spc="0" baseline="0" dirty="0" smtClean="0">
+                <a:rPr lang="en-US" sz="2160" b="1" spc="0" baseline="0" dirty="0">
                   <a:solidFill>
                     <a:srgbClr val="FFC000"/>
                   </a:solidFill>
@@ -6789,7 +6653,7 @@
                 <a:t> </a:t>
               </a:r>
               <a:r>
-                <a:rPr lang="en-US" sz="2160" b="0" baseline="0" dirty="0" smtClean="0">
+                <a:rPr lang="en-US" sz="2160" b="0" baseline="0" dirty="0">
                   <a:solidFill>
                     <a:schemeClr val="bg1">
                       <a:lumMod val="75000"/>
@@ -6802,14 +6666,14 @@
             </a:p>
             <a:p>
               <a:pPr algn="l"/>
-              <a:endParaRPr lang="en-US" sz="2160" b="0" baseline="0" dirty="0" smtClean="0">
+              <a:endParaRPr lang="en-US" sz="2160" b="0" baseline="0" dirty="0">
                 <a:latin typeface="Trebuchet MS" pitchFamily="34" charset="0"/>
               </a:endParaRPr>
             </a:p>
             <a:p>
               <a:pPr algn="ctr"/>
               <a:r>
-                <a:rPr lang="en-US" sz="2880" b="1" baseline="0" dirty="0" smtClean="0">
+                <a:rPr lang="en-US" sz="2880" b="1" baseline="0" dirty="0">
                   <a:solidFill>
                     <a:srgbClr val="FFC000"/>
                   </a:solidFill>
@@ -6821,7 +6685,7 @@
             <a:p>
               <a:pPr algn="l" defTabSz="880110"/>
               <a:r>
-                <a:rPr lang="en-US" sz="2160" b="0" baseline="0" dirty="0" smtClean="0">
+                <a:rPr lang="en-US" sz="2160" b="0" baseline="0" dirty="0">
                   <a:solidFill>
                     <a:schemeClr val="bg1">
                       <a:lumMod val="75000"/>
@@ -6832,7 +6696,7 @@
                 <a:t>You can add images by dragging and dropping from your desktop, copy and paste, or by going to INSERT &gt; PICTURES. Resize images proportionally by holding down the SHIFT key and dragging one of the corner handles. For a professional-looking poster, do not distort your images by enlarging them </a:t>
               </a:r>
               <a:r>
-                <a:rPr lang="en-US" sz="2160" b="0" spc="0" baseline="0" dirty="0" smtClean="0">
+                <a:rPr lang="en-US" sz="2160" b="0" spc="0" baseline="0" dirty="0">
                   <a:solidFill>
                     <a:schemeClr val="bg1">
                       <a:lumMod val="75000"/>
@@ -6845,13 +6709,13 @@
             </a:p>
             <a:p>
               <a:pPr algn="l" defTabSz="880110"/>
-              <a:endParaRPr lang="en-US" sz="2160" b="0" baseline="0" dirty="0" smtClean="0">
+              <a:endParaRPr lang="en-US" sz="2160" b="0" baseline="0" dirty="0">
                 <a:latin typeface="Trebuchet MS" pitchFamily="34" charset="0"/>
               </a:endParaRPr>
             </a:p>
             <a:p>
               <a:pPr algn="ctr"/>
-              <a:endParaRPr lang="en-US" sz="2520" b="1" baseline="0" dirty="0" smtClean="0">
+              <a:endParaRPr lang="en-US" sz="2520" b="1" baseline="0" dirty="0">
                 <a:solidFill>
                   <a:srgbClr val="FFC000"/>
                 </a:solidFill>
@@ -6860,7 +6724,7 @@
             </a:p>
             <a:p>
               <a:pPr algn="ctr"/>
-              <a:endParaRPr lang="en-US" sz="2520" b="1" baseline="0" dirty="0" smtClean="0">
+              <a:endParaRPr lang="en-US" sz="2520" b="1" baseline="0" dirty="0">
                 <a:solidFill>
                   <a:srgbClr val="FFC000"/>
                 </a:solidFill>
@@ -6869,7 +6733,7 @@
             </a:p>
             <a:p>
               <a:pPr algn="ctr"/>
-              <a:endParaRPr lang="en-US" sz="2520" b="1" baseline="0" dirty="0" smtClean="0">
+              <a:endParaRPr lang="en-US" sz="2520" b="1" baseline="0" dirty="0">
                 <a:solidFill>
                   <a:srgbClr val="FFC000"/>
                 </a:solidFill>
@@ -6878,7 +6742,7 @@
             </a:p>
             <a:p>
               <a:pPr algn="ctr"/>
-              <a:endParaRPr lang="en-US" sz="2520" b="1" baseline="0" dirty="0" smtClean="0">
+              <a:endParaRPr lang="en-US" sz="2520" b="1" baseline="0" dirty="0">
                 <a:solidFill>
                   <a:srgbClr val="FFC000"/>
                 </a:solidFill>
@@ -6887,7 +6751,7 @@
             </a:p>
             <a:p>
               <a:pPr algn="ctr"/>
-              <a:endParaRPr lang="en-US" sz="2520" b="1" baseline="0" dirty="0" smtClean="0">
+              <a:endParaRPr lang="en-US" sz="2520" b="1" baseline="0" dirty="0">
                 <a:solidFill>
                   <a:srgbClr val="FFC000"/>
                 </a:solidFill>
@@ -6896,7 +6760,7 @@
             </a:p>
             <a:p>
               <a:pPr algn="ctr"/>
-              <a:endParaRPr lang="en-US" sz="2520" b="1" baseline="0" dirty="0" smtClean="0">
+              <a:endParaRPr lang="en-US" sz="2520" b="1" baseline="0" dirty="0">
                 <a:solidFill>
                   <a:srgbClr val="FFC000"/>
                 </a:solidFill>
@@ -6905,7 +6769,7 @@
             </a:p>
             <a:p>
               <a:pPr algn="ctr"/>
-              <a:endParaRPr lang="en-US" sz="2520" b="1" baseline="0" dirty="0" smtClean="0">
+              <a:endParaRPr lang="en-US" sz="2520" b="1" baseline="0" dirty="0">
                 <a:solidFill>
                   <a:srgbClr val="FFC000"/>
                 </a:solidFill>
@@ -6915,7 +6779,7 @@
             <a:p>
               <a:pPr algn="ctr"/>
               <a:r>
-                <a:rPr lang="en-US" sz="2880" b="1" baseline="0" dirty="0" smtClean="0">
+                <a:rPr lang="en-US" sz="2880" b="1" baseline="0" dirty="0">
                   <a:solidFill>
                     <a:srgbClr val="FFC000"/>
                   </a:solidFill>
@@ -6927,7 +6791,7 @@
             <a:p>
               <a:pPr lvl="0" algn="l" defTabSz="880110"/>
               <a:r>
-                <a:rPr lang="en-US" sz="2160" b="0" baseline="0" dirty="0" smtClean="0">
+                <a:rPr lang="en-US" sz="2160" b="0" baseline="0" dirty="0">
                   <a:solidFill>
                     <a:schemeClr val="bg1">
                       <a:lumMod val="75000"/>
@@ -6937,7 +6801,7 @@
                 </a:rPr>
                 <a:t>Zoom in and look at your images at 100% magnification. If they look good they will print well. </a:t>
               </a:r>
-              <a:endParaRPr lang="en-US" sz="2520" b="0" dirty="0" smtClean="0">
+              <a:endParaRPr lang="en-US" sz="2520" b="0" dirty="0">
                 <a:latin typeface="Trebuchet MS" pitchFamily="34" charset="0"/>
               </a:endParaRPr>
             </a:p>
@@ -7107,18 +6971,13 @@
                 <a:p>
                   <a:pPr algn="ctr"/>
                   <a:r>
-                    <a:rPr lang="en-US" sz="1800" b="1" dirty="0" smtClean="0">
+                    <a:rPr lang="en-US" sz="1800" b="1" dirty="0">
                       <a:solidFill>
                         <a:schemeClr val="tx1"/>
                       </a:solidFill>
                     </a:rPr>
                     <a:t>ORIGINAL</a:t>
                   </a:r>
-                  <a:endParaRPr lang="en-US" sz="1800" b="1" dirty="0">
-                    <a:solidFill>
-                      <a:schemeClr val="tx1"/>
-                    </a:solidFill>
-                  </a:endParaRPr>
                 </a:p>
               </p:txBody>
             </p:sp>
@@ -7187,7 +7046,7 @@
                 <a:p>
                   <a:pPr algn="ctr"/>
                   <a:r>
-                    <a:rPr lang="en-US" sz="1800" b="1" dirty="0" smtClean="0">
+                    <a:rPr lang="en-US" sz="1800" b="1" dirty="0">
                       <a:solidFill>
                         <a:schemeClr val="bg1"/>
                       </a:solidFill>
@@ -7251,7 +7110,7 @@
               <a:p>
                 <a:pPr algn="ctr"/>
                 <a:r>
-                  <a:rPr lang="en-US" sz="1440" dirty="0" smtClean="0">
+                  <a:rPr lang="en-US" sz="1440" dirty="0">
                     <a:solidFill>
                       <a:schemeClr val="bg1"/>
                     </a:solidFill>
@@ -7259,7 +7118,7 @@
                   <a:t>Corner</a:t>
                 </a:r>
                 <a:r>
-                  <a:rPr lang="en-US" sz="1440" baseline="0" dirty="0" smtClean="0">
+                  <a:rPr lang="en-US" sz="1440" baseline="0" dirty="0">
                     <a:solidFill>
                       <a:schemeClr val="bg1"/>
                     </a:solidFill>
@@ -7311,7 +7170,7 @@
               <a:graphicData uri="http://schemas.openxmlformats.org/presentationml/2006/ole">
                 <mc:AlternateContent xmlns:mc="http://schemas.openxmlformats.org/markup-compatibility/2006">
                   <mc:Choice xmlns:v="urn:schemas-microsoft-com:vml" Requires="v">
-                    <p:oleObj spid="_x0000_s2298" name="Image" r:id="rId8" imgW="1828440" imgH="1117440" progId="Photoshop.Image.13">
+                    <p:oleObj spid="_x0000_s2302" name="Image" r:id="rId8" imgW="1828440" imgH="1117440" progId="Photoshop.Image.13">
                       <p:embed/>
                     </p:oleObj>
                   </mc:Choice>
@@ -7368,7 +7227,7 @@
               <a:graphicData uri="http://schemas.openxmlformats.org/presentationml/2006/ole">
                 <mc:AlternateContent xmlns:mc="http://schemas.openxmlformats.org/markup-compatibility/2006">
                   <mc:Choice xmlns:v="urn:schemas-microsoft-com:vml" Requires="v">
-                    <p:oleObj spid="_x0000_s2299" name="Image" r:id="rId10" imgW="1828440" imgH="1117440" progId="Photoshop.Image.13">
+                    <p:oleObj spid="_x0000_s2303" name="Image" r:id="rId10" imgW="1828440" imgH="1117440" progId="Photoshop.Image.13">
                       <p:embed/>
                     </p:oleObj>
                   </mc:Choice>
@@ -7427,7 +7286,7 @@
               <a:p>
                 <a:pPr algn="ctr"/>
                 <a:r>
-                  <a:rPr lang="en-US" sz="1800" dirty="0" smtClean="0">
+                  <a:rPr lang="en-US" sz="1800" dirty="0">
                     <a:solidFill>
                       <a:srgbClr val="92D050"/>
                     </a:solidFill>
@@ -7435,7 +7294,7 @@
                   <a:t>Good</a:t>
                 </a:r>
                 <a:r>
-                  <a:rPr lang="en-US" sz="1800" baseline="0" dirty="0" smtClean="0">
+                  <a:rPr lang="en-US" sz="1800" baseline="0" dirty="0">
                     <a:solidFill>
                       <a:srgbClr val="92D050"/>
                     </a:solidFill>
@@ -7443,7 +7302,7 @@
                   <a:t> </a:t>
                 </a:r>
                 <a:r>
-                  <a:rPr lang="en-US" sz="1800" baseline="0" dirty="0" smtClean="0">
+                  <a:rPr lang="en-US" sz="1800" baseline="0" dirty="0">
                     <a:solidFill>
                       <a:schemeClr val="bg1"/>
                     </a:solidFill>
@@ -7482,7 +7341,7 @@
               <a:p>
                 <a:pPr algn="ctr"/>
                 <a:r>
-                  <a:rPr lang="en-US" sz="1800" dirty="0" smtClean="0">
+                  <a:rPr lang="en-US" sz="1800" dirty="0">
                     <a:solidFill>
                       <a:srgbClr val="FF0000"/>
                     </a:solidFill>
@@ -7490,18 +7349,13 @@
                   <a:t>Bad </a:t>
                 </a:r>
                 <a:r>
-                  <a:rPr lang="en-US" sz="1800" dirty="0" smtClean="0">
+                  <a:rPr lang="en-US" sz="1800" dirty="0">
                     <a:solidFill>
                       <a:schemeClr val="bg1"/>
                     </a:solidFill>
                   </a:rPr>
                   <a:t>printing quality</a:t>
                 </a:r>
-                <a:endParaRPr lang="en-US" sz="1800" dirty="0">
-                  <a:solidFill>
-                    <a:schemeClr val="bg1"/>
-                  </a:solidFill>
-                </a:endParaRPr>
               </a:p>
             </p:txBody>
           </p:sp>
@@ -7567,7 +7421,7 @@
             <a:p>
               <a:pPr algn="ctr"/>
               <a:r>
-                <a:rPr lang="en-US" sz="3600" b="1" spc="540" dirty="0" smtClean="0">
+                <a:rPr lang="en-US" sz="3600" b="1" spc="540" dirty="0">
                   <a:solidFill>
                     <a:schemeClr val="bg1"/>
                   </a:solidFill>
@@ -7578,7 +7432,7 @@
             </a:p>
             <a:p>
               <a:pPr algn="ctr"/>
-              <a:endParaRPr lang="en-US" sz="3240" b="1" baseline="0" dirty="0" smtClean="0">
+              <a:endParaRPr lang="en-US" sz="3240" b="1" baseline="0" dirty="0">
                 <a:solidFill>
                   <a:schemeClr val="bg1"/>
                 </a:solidFill>
@@ -7588,7 +7442,7 @@
             <a:p>
               <a:pPr algn="ctr"/>
               <a:r>
-                <a:rPr lang="en-US" sz="2880" b="1" baseline="0" dirty="0" smtClean="0">
+                <a:rPr lang="en-US" sz="2880" b="1" baseline="0" dirty="0">
                   <a:solidFill>
                     <a:srgbClr val="FFC000"/>
                   </a:solidFill>
@@ -7616,7 +7470,7 @@
                 <a:defRPr/>
               </a:pPr>
               <a:r>
-                <a:rPr lang="en-US" sz="2160" b="0" baseline="0" dirty="0" smtClean="0">
+                <a:rPr lang="en-US" sz="2160" b="0" baseline="0" dirty="0">
                   <a:solidFill>
                     <a:schemeClr val="bg1">
                       <a:lumMod val="75000"/>
@@ -7627,7 +7481,7 @@
                 <a:t>You can easily change the color theme of your poster by going to the DESIGN menu, click on COLORS, and choose the color theme of your choice. You can </a:t>
               </a:r>
               <a:r>
-                <a:rPr lang="en-US" sz="2160" b="0" spc="0" baseline="0" dirty="0" smtClean="0">
+                <a:rPr lang="en-US" sz="2160" b="0" spc="0" baseline="0" dirty="0">
                   <a:solidFill>
                     <a:schemeClr val="bg1">
                       <a:lumMod val="75000"/>
@@ -7656,7 +7510,7 @@
                 <a:tabLst/>
                 <a:defRPr/>
               </a:pPr>
-              <a:endParaRPr lang="en-US" sz="2160" b="0" baseline="0" dirty="0" smtClean="0">
+              <a:endParaRPr lang="en-US" sz="2160" b="0" baseline="0" dirty="0">
                 <a:solidFill>
                   <a:schemeClr val="bg1">
                     <a:lumMod val="75000"/>
@@ -7667,7 +7521,7 @@
             </a:p>
             <a:p>
               <a:pPr marL="0" indent="0" algn="l" defTabSz="102870"/>
-              <a:endParaRPr lang="en-US" sz="2160" b="0" baseline="0" dirty="0" smtClean="0">
+              <a:endParaRPr lang="en-US" sz="2160" b="0" baseline="0" dirty="0">
                 <a:solidFill>
                   <a:schemeClr val="bg1">
                     <a:lumMod val="75000"/>
@@ -7678,7 +7532,7 @@
             </a:p>
             <a:p>
               <a:pPr marL="0" indent="0" algn="l" defTabSz="102870"/>
-              <a:endParaRPr lang="en-US" sz="2160" b="0" baseline="0" dirty="0" smtClean="0">
+              <a:endParaRPr lang="en-US" sz="2160" b="0" baseline="0" dirty="0">
                 <a:solidFill>
                   <a:schemeClr val="bg1">
                     <a:lumMod val="75000"/>
@@ -7689,7 +7543,7 @@
             </a:p>
             <a:p>
               <a:pPr marL="0" indent="0" algn="l" defTabSz="102870"/>
-              <a:endParaRPr lang="en-US" sz="2160" b="0" baseline="0" dirty="0" smtClean="0">
+              <a:endParaRPr lang="en-US" sz="2160" b="0" baseline="0" dirty="0">
                 <a:solidFill>
                   <a:schemeClr val="bg1">
                     <a:lumMod val="75000"/>
@@ -7700,7 +7554,7 @@
             </a:p>
             <a:p>
               <a:pPr marL="0" indent="0" algn="l" defTabSz="102870"/>
-              <a:endParaRPr lang="en-US" sz="2160" b="0" baseline="0" dirty="0" smtClean="0">
+              <a:endParaRPr lang="en-US" sz="2160" b="0" baseline="0" dirty="0">
                 <a:solidFill>
                   <a:schemeClr val="bg1">
                     <a:lumMod val="75000"/>
@@ -7711,7 +7565,7 @@
             </a:p>
             <a:p>
               <a:pPr marL="0" indent="0" algn="l" defTabSz="102870"/>
-              <a:endParaRPr lang="en-US" sz="2160" b="0" baseline="0" dirty="0" smtClean="0">
+              <a:endParaRPr lang="en-US" sz="2160" b="0" baseline="0" dirty="0">
                 <a:solidFill>
                   <a:schemeClr val="bg1">
                     <a:lumMod val="75000"/>
@@ -7722,7 +7576,7 @@
             </a:p>
             <a:p>
               <a:pPr marL="0" indent="0" algn="l" defTabSz="102870"/>
-              <a:endParaRPr lang="en-US" sz="2160" b="0" baseline="0" dirty="0" smtClean="0">
+              <a:endParaRPr lang="en-US" sz="2160" b="0" baseline="0" dirty="0">
                 <a:solidFill>
                   <a:schemeClr val="bg1">
                     <a:lumMod val="75000"/>
@@ -7733,7 +7587,7 @@
             </a:p>
             <a:p>
               <a:pPr marL="0" indent="0" algn="l" defTabSz="102870"/>
-              <a:endParaRPr lang="en-US" sz="2160" b="0" baseline="0" dirty="0" smtClean="0">
+              <a:endParaRPr lang="en-US" sz="2160" b="0" baseline="0" dirty="0">
                 <a:solidFill>
                   <a:schemeClr val="bg1">
                     <a:lumMod val="75000"/>
@@ -7744,7 +7598,7 @@
             </a:p>
             <a:p>
               <a:pPr marL="0" indent="0" algn="l" defTabSz="102870"/>
-              <a:endParaRPr lang="en-US" sz="2160" b="0" baseline="0" dirty="0" smtClean="0">
+              <a:endParaRPr lang="en-US" sz="2160" b="0" baseline="0" dirty="0">
                 <a:solidFill>
                   <a:schemeClr val="bg1">
                     <a:lumMod val="75000"/>
@@ -7756,7 +7610,7 @@
             <a:p>
               <a:pPr marL="0" indent="0" algn="l" defTabSz="102870"/>
               <a:r>
-                <a:rPr lang="en-US" sz="2160" b="0" baseline="0" dirty="0" smtClean="0">
+                <a:rPr lang="en-US" sz="2160" b="0" baseline="0" dirty="0">
                   <a:solidFill>
                     <a:schemeClr val="bg1">
                       <a:lumMod val="75000"/>
@@ -7769,7 +7623,7 @@
             </a:p>
             <a:p>
               <a:pPr marL="0" indent="0" algn="l" defTabSz="102870"/>
-              <a:endParaRPr lang="en-US" sz="2160" b="0" baseline="0" dirty="0" smtClean="0">
+              <a:endParaRPr lang="en-US" sz="2160" b="0" baseline="0" dirty="0">
                 <a:solidFill>
                   <a:schemeClr val="bg1">
                     <a:lumMod val="75000"/>
@@ -7781,7 +7635,7 @@
             <a:p>
               <a:pPr algn="ctr"/>
               <a:r>
-                <a:rPr lang="en-US" sz="2880" b="1" baseline="0" dirty="0" smtClean="0">
+                <a:rPr lang="en-US" sz="2880" b="1" baseline="0" dirty="0">
                   <a:solidFill>
                     <a:srgbClr val="FFC000"/>
                   </a:solidFill>
@@ -7793,7 +7647,7 @@
             <a:p>
               <a:pPr marL="3086100" lvl="2" indent="0" algn="l" defTabSz="102870"/>
               <a:r>
-                <a:rPr lang="en-US" sz="2160" b="0" baseline="0" dirty="0" smtClean="0">
+                <a:rPr lang="en-US" sz="2160" b="0" baseline="0" dirty="0">
                   <a:solidFill>
                     <a:schemeClr val="bg1">
                       <a:lumMod val="75000"/>
@@ -7806,7 +7660,7 @@
             </a:p>
             <a:p>
               <a:pPr marL="1366507" lvl="2" indent="0" algn="l" defTabSz="102870"/>
-              <a:endParaRPr lang="en-US" sz="2160" b="0" baseline="0" dirty="0" smtClean="0">
+              <a:endParaRPr lang="en-US" sz="2160" b="0" baseline="0" dirty="0">
                 <a:solidFill>
                   <a:schemeClr val="bg1">
                     <a:lumMod val="75000"/>
@@ -7834,7 +7688,7 @@
                 <a:defRPr/>
               </a:pPr>
               <a:r>
-                <a:rPr lang="en-US" sz="2160" b="0" baseline="0" dirty="0" smtClean="0">
+                <a:rPr lang="en-US" sz="2160" b="0" baseline="0" dirty="0">
                   <a:solidFill>
                     <a:schemeClr val="bg1">
                       <a:lumMod val="75000"/>
@@ -7845,7 +7699,7 @@
                 <a:t> </a:t>
               </a:r>
               <a:r>
-                <a:rPr kumimoji="0" lang="en-US" sz="2880" b="1" i="0" u="none" strike="noStrike" kern="1200" cap="none" spc="0" normalizeH="0" baseline="0" noProof="0" dirty="0" smtClean="0">
+                <a:rPr kumimoji="0" lang="en-US" sz="2880" b="1" i="0" u="none" strike="noStrike" kern="1200" cap="none" spc="0" normalizeH="0" baseline="0" noProof="0" dirty="0">
                   <a:ln>
                     <a:noFill/>
                   </a:ln>
@@ -7879,7 +7733,7 @@
                 <a:defRPr/>
               </a:pPr>
               <a:r>
-                <a:rPr kumimoji="0" lang="en-US" sz="2160" b="0" i="0" u="none" strike="noStrike" kern="1200" cap="none" spc="0" normalizeH="0" baseline="0" noProof="0" dirty="0" smtClean="0">
+                <a:rPr kumimoji="0" lang="en-US" sz="2160" b="0" i="0" u="none" strike="noStrike" kern="1200" cap="none" spc="0" normalizeH="0" baseline="0" noProof="0" dirty="0">
                   <a:ln>
                     <a:noFill/>
                   </a:ln>
@@ -7896,7 +7750,7 @@
                 <a:t>Adjust the size of your text based on how much content you have to present. </a:t>
               </a:r>
               <a:br>
-                <a:rPr kumimoji="0" lang="en-US" sz="2160" b="0" i="0" u="none" strike="noStrike" kern="1200" cap="none" spc="0" normalizeH="0" baseline="0" noProof="0" dirty="0" smtClean="0">
+                <a:rPr kumimoji="0" lang="en-US" sz="2160" b="0" i="0" u="none" strike="noStrike" kern="1200" cap="none" spc="0" normalizeH="0" baseline="0" noProof="0" dirty="0">
                   <a:ln>
                     <a:noFill/>
                   </a:ln>
@@ -7912,7 +7766,7 @@
                 </a:rPr>
               </a:br>
               <a:r>
-                <a:rPr kumimoji="0" lang="en-US" sz="2160" b="0" i="0" u="none" strike="noStrike" kern="1200" cap="none" spc="0" normalizeH="0" baseline="0" noProof="0" dirty="0" smtClean="0">
+                <a:rPr kumimoji="0" lang="en-US" sz="2160" b="0" i="0" u="none" strike="noStrike" kern="1200" cap="none" spc="0" normalizeH="0" baseline="0" noProof="0" dirty="0">
                   <a:ln>
                     <a:noFill/>
                   </a:ln>
@@ -7928,7 +7782,7 @@
                 </a:rPr>
                 <a:t>The default template text offers a good starting point. Follow the conference requirements.</a:t>
               </a:r>
-              <a:endParaRPr lang="en-US" sz="2160" b="0" baseline="0" dirty="0" smtClean="0">
+              <a:endParaRPr lang="en-US" sz="2160" b="0" baseline="0" dirty="0">
                 <a:solidFill>
                   <a:schemeClr val="bg1">
                     <a:lumMod val="75000"/>
@@ -7939,7 +7793,7 @@
             </a:p>
             <a:p>
               <a:pPr marL="1366507" lvl="2" indent="0" algn="l" defTabSz="102870"/>
-              <a:endParaRPr lang="en-US" sz="2160" b="0" baseline="0" dirty="0" smtClean="0">
+              <a:endParaRPr lang="en-US" sz="2160" b="0" baseline="0" dirty="0">
                 <a:solidFill>
                   <a:schemeClr val="bg1">
                     <a:lumMod val="75000"/>
@@ -7951,7 +7805,7 @@
             <a:p>
               <a:pPr algn="ctr"/>
               <a:r>
-                <a:rPr lang="en-US" sz="2880" b="1" baseline="0" dirty="0" smtClean="0">
+                <a:rPr lang="en-US" sz="2880" b="1" baseline="0" dirty="0">
                   <a:solidFill>
                     <a:srgbClr val="FFC000"/>
                   </a:solidFill>
@@ -7963,7 +7817,7 @@
             <a:p>
               <a:pPr marL="1800225" lvl="1" indent="0" algn="l" defTabSz="102870"/>
               <a:r>
-                <a:rPr lang="en-US" sz="2160" b="0" baseline="0" dirty="0" smtClean="0">
+                <a:rPr lang="en-US" sz="2160" b="0" baseline="0" dirty="0">
                   <a:solidFill>
                     <a:schemeClr val="bg1">
                       <a:lumMod val="75000"/>
@@ -7974,7 +7828,7 @@
                 <a:t>To add a table from scratch go to the INSERT menu and </a:t>
               </a:r>
               <a:br>
-                <a:rPr lang="en-US" sz="2160" b="0" baseline="0" dirty="0" smtClean="0">
+                <a:rPr lang="en-US" sz="2160" b="0" baseline="0" dirty="0">
                   <a:solidFill>
                     <a:schemeClr val="bg1">
                       <a:lumMod val="75000"/>
@@ -7984,7 +7838,7 @@
                 </a:rPr>
               </a:br>
               <a:r>
-                <a:rPr lang="en-US" sz="2160" b="0" baseline="0" dirty="0" smtClean="0">
+                <a:rPr lang="en-US" sz="2160" b="0" baseline="0" dirty="0">
                   <a:solidFill>
                     <a:schemeClr val="bg1">
                       <a:lumMod val="75000"/>
@@ -7998,7 +7852,7 @@
             <a:p>
               <a:pPr marL="0" lvl="0" indent="0" algn="l" defTabSz="102870"/>
               <a:r>
-                <a:rPr lang="en-US" sz="2160" b="0" baseline="0" dirty="0" smtClean="0">
+                <a:rPr lang="en-US" sz="2160" b="0" baseline="0" dirty="0">
                   <a:solidFill>
                     <a:schemeClr val="bg1">
                       <a:lumMod val="75000"/>
@@ -8011,7 +7865,7 @@
             </a:p>
             <a:p>
               <a:pPr marL="0" lvl="0" indent="0" algn="l" defTabSz="102870"/>
-              <a:endParaRPr lang="en-US" sz="2160" b="0" baseline="0" dirty="0" smtClean="0">
+              <a:endParaRPr lang="en-US" sz="2160" b="0" baseline="0" dirty="0">
                 <a:solidFill>
                   <a:schemeClr val="bg1">
                     <a:lumMod val="75000"/>
@@ -8039,7 +7893,7 @@
                 <a:defRPr/>
               </a:pPr>
               <a:r>
-                <a:rPr kumimoji="0" lang="en-US" sz="2880" b="1" i="0" u="none" strike="noStrike" kern="1200" cap="none" spc="0" normalizeH="0" baseline="0" noProof="0" dirty="0" smtClean="0">
+                <a:rPr kumimoji="0" lang="en-US" sz="2880" b="1" i="0" u="none" strike="noStrike" kern="1200" cap="none" spc="0" normalizeH="0" baseline="0" noProof="0" dirty="0">
                   <a:ln>
                     <a:noFill/>
                   </a:ln>
@@ -8073,7 +7927,7 @@
                 <a:defRPr/>
               </a:pPr>
               <a:r>
-                <a:rPr kumimoji="0" lang="en-US" sz="2160" b="0" i="0" u="none" strike="noStrike" kern="1200" cap="none" spc="0" normalizeH="0" baseline="0" noProof="0" dirty="0" smtClean="0">
+                <a:rPr kumimoji="0" lang="en-US" sz="2160" b="0" i="0" u="none" strike="noStrike" kern="1200" cap="none" spc="0" normalizeH="0" baseline="0" noProof="0" dirty="0">
                   <a:ln>
                     <a:noFill/>
                   </a:ln>
@@ -8108,7 +7962,7 @@
                 <a:tabLst/>
                 <a:defRPr/>
               </a:pPr>
-              <a:endParaRPr kumimoji="0" lang="en-US" sz="2160" b="0" i="0" u="none" strike="noStrike" kern="1200" cap="none" spc="0" normalizeH="0" baseline="0" noProof="0" dirty="0" smtClean="0">
+              <a:endParaRPr kumimoji="0" lang="en-US" sz="2160" b="0" i="0" u="none" strike="noStrike" kern="1200" cap="none" spc="0" normalizeH="0" baseline="0" noProof="0" dirty="0">
                 <a:ln>
                   <a:noFill/>
                 </a:ln>
@@ -8142,7 +7996,7 @@
                 <a:defRPr/>
               </a:pPr>
               <a:r>
-                <a:rPr kumimoji="0" lang="en-US" sz="2880" b="1" i="0" u="none" strike="noStrike" kern="1200" cap="none" spc="0" normalizeH="0" baseline="0" noProof="0" dirty="0" smtClean="0">
+                <a:rPr kumimoji="0" lang="en-US" sz="2880" b="1" i="0" u="none" strike="noStrike" kern="1200" cap="none" spc="0" normalizeH="0" baseline="0" noProof="0" dirty="0">
                   <a:ln>
                     <a:noFill/>
                   </a:ln>
@@ -8176,7 +8030,7 @@
                 <a:defRPr/>
               </a:pPr>
               <a:r>
-                <a:rPr kumimoji="0" lang="en-US" sz="2160" b="0" i="0" u="none" strike="noStrike" kern="1200" cap="none" spc="0" normalizeH="0" baseline="0" noProof="0" dirty="0" smtClean="0">
+                <a:rPr kumimoji="0" lang="en-US" sz="2160" b="0" i="0" u="none" strike="noStrike" kern="1200" cap="none" spc="0" normalizeH="0" baseline="0" noProof="0" dirty="0">
                   <a:ln>
                     <a:noFill/>
                   </a:ln>
@@ -8211,7 +8065,7 @@
                 <a:tabLst/>
                 <a:defRPr/>
               </a:pPr>
-              <a:endParaRPr kumimoji="0" lang="en-US" sz="2880" b="1" i="0" u="none" strike="noStrike" kern="1200" cap="none" spc="0" normalizeH="0" baseline="0" noProof="0" dirty="0" smtClean="0">
+              <a:endParaRPr kumimoji="0" lang="en-US" sz="2880" b="1" i="0" u="none" strike="noStrike" kern="1200" cap="none" spc="0" normalizeH="0" baseline="0" noProof="0" dirty="0">
                 <a:ln>
                   <a:noFill/>
                 </a:ln>
@@ -8243,7 +8097,7 @@
                 <a:defRPr/>
               </a:pPr>
               <a:r>
-                <a:rPr kumimoji="0" lang="en-US" sz="2880" b="1" i="0" u="none" strike="noStrike" kern="1200" cap="none" spc="0" normalizeH="0" baseline="0" noProof="0" dirty="0" smtClean="0">
+                <a:rPr kumimoji="0" lang="en-US" sz="2880" b="1" i="0" u="none" strike="noStrike" kern="1200" cap="none" spc="0" normalizeH="0" baseline="0" noProof="0" dirty="0">
                   <a:ln>
                     <a:noFill/>
                   </a:ln>
@@ -8277,7 +8131,7 @@
                 <a:defRPr/>
               </a:pPr>
               <a:r>
-                <a:rPr kumimoji="0" lang="en-US" sz="2160" b="0" i="0" u="none" strike="noStrike" kern="1200" cap="none" spc="0" normalizeH="0" baseline="0" noProof="0" dirty="0" smtClean="0">
+                <a:rPr kumimoji="0" lang="en-US" sz="2160" b="0" i="0" u="none" strike="noStrike" kern="1200" cap="none" spc="0" normalizeH="0" baseline="0" noProof="0" dirty="0">
                   <a:ln>
                     <a:noFill/>
                   </a:ln>
@@ -8312,7 +8166,7 @@
                 <a:tabLst/>
                 <a:defRPr/>
               </a:pPr>
-              <a:endParaRPr kumimoji="0" lang="en-US" sz="2160" b="0" i="0" u="none" strike="noStrike" kern="1200" cap="none" spc="0" normalizeH="0" baseline="0" noProof="0" dirty="0" smtClean="0">
+              <a:endParaRPr kumimoji="0" lang="en-US" sz="2160" b="0" i="0" u="none" strike="noStrike" kern="1200" cap="none" spc="0" normalizeH="0" baseline="0" noProof="0" dirty="0">
                 <a:ln>
                   <a:noFill/>
                 </a:ln>
@@ -8346,7 +8200,7 @@
                 <a:defRPr/>
               </a:pPr>
               <a:r>
-                <a:rPr kumimoji="0" lang="en-US" sz="2880" b="1" i="0" u="none" strike="noStrike" kern="1200" cap="none" spc="0" normalizeH="0" baseline="0" noProof="0" dirty="0" smtClean="0">
+                <a:rPr kumimoji="0" lang="en-US" sz="2880" b="1" i="0" u="none" strike="noStrike" kern="1200" cap="none" spc="0" normalizeH="0" baseline="0" noProof="0" dirty="0">
                   <a:ln>
                     <a:noFill/>
                   </a:ln>
@@ -8380,7 +8234,7 @@
                 <a:defRPr/>
               </a:pPr>
               <a:r>
-                <a:rPr kumimoji="0" lang="en-US" sz="2160" b="0" i="0" u="none" strike="noStrike" kern="1200" cap="none" spc="0" normalizeH="0" baseline="0" noProof="0" dirty="0" smtClean="0">
+                <a:rPr kumimoji="0" lang="en-US" sz="2160" b="0" i="0" u="none" strike="noStrike" kern="1200" cap="none" spc="0" normalizeH="0" baseline="0" noProof="0" dirty="0">
                   <a:ln>
                     <a:noFill/>
                   </a:ln>
@@ -8415,7 +8269,7 @@
                 <a:tabLst/>
                 <a:defRPr/>
               </a:pPr>
-              <a:endParaRPr lang="en-US" sz="2160" b="0" baseline="0" dirty="0" smtClean="0">
+              <a:endParaRPr lang="en-US" sz="2160" b="0" baseline="0" dirty="0">
                 <a:solidFill>
                   <a:schemeClr val="bg1">
                     <a:lumMod val="75000"/>
@@ -8443,7 +8297,7 @@
                 <a:defRPr/>
               </a:pPr>
               <a:r>
-                <a:rPr kumimoji="0" lang="en-US" sz="2880" b="1" i="0" u="none" strike="noStrike" kern="1200" cap="none" spc="0" normalizeH="0" baseline="0" noProof="0" dirty="0" smtClean="0">
+                <a:rPr kumimoji="0" lang="en-US" sz="2880" b="1" i="0" u="none" strike="noStrike" kern="1200" cap="none" spc="0" normalizeH="0" baseline="0" noProof="0" dirty="0">
                   <a:ln>
                     <a:noFill/>
                   </a:ln>
@@ -8477,7 +8331,7 @@
                 <a:defRPr/>
               </a:pPr>
               <a:r>
-                <a:rPr kumimoji="0" lang="en-US" sz="2160" b="0" i="0" u="none" strike="noStrike" kern="1200" cap="none" spc="0" normalizeH="0" baseline="0" noProof="0" dirty="0" smtClean="0">
+                <a:rPr kumimoji="0" lang="en-US" sz="2160" b="0" i="0" u="none" strike="noStrike" kern="1200" cap="none" spc="0" normalizeH="0" baseline="0" noProof="0" dirty="0">
                   <a:ln>
                     <a:noFill/>
                   </a:ln>
@@ -8512,7 +8366,7 @@
                 <a:tabLst/>
                 <a:defRPr/>
               </a:pPr>
-              <a:endParaRPr kumimoji="0" lang="en-US" sz="2520" b="0" i="0" u="none" strike="noStrike" kern="1200" cap="none" spc="0" normalizeH="0" baseline="0" noProof="0" dirty="0" smtClean="0">
+              <a:endParaRPr kumimoji="0" lang="en-US" sz="2520" b="0" i="0" u="none" strike="noStrike" kern="1200" cap="none" spc="0" normalizeH="0" baseline="0" noProof="0" dirty="0">
                 <a:ln>
                   <a:noFill/>
                 </a:ln>
@@ -8551,7 +8405,7 @@
             <a:graphicData uri="http://schemas.openxmlformats.org/presentationml/2006/ole">
               <mc:AlternateContent xmlns:mc="http://schemas.openxmlformats.org/markup-compatibility/2006">
                 <mc:Choice xmlns:v="urn:schemas-microsoft-com:vml" Requires="v">
-                  <p:oleObj spid="_x0000_s2300" name="Image" r:id="rId12" imgW="4571280" imgH="1688760" progId="Photoshop.Image.13">
+                  <p:oleObj spid="_x0000_s2304" name="Image" r:id="rId12" imgW="4571280" imgH="1688760" progId="Photoshop.Image.13">
                     <p:embed/>
                   </p:oleObj>
                 </mc:Choice>
@@ -8635,7 +8489,7 @@
             <a:graphicData uri="http://schemas.openxmlformats.org/presentationml/2006/ole">
               <mc:AlternateContent xmlns:mc="http://schemas.openxmlformats.org/markup-compatibility/2006">
                 <mc:Choice xmlns:v="urn:schemas-microsoft-com:vml" Requires="v">
-                  <p:oleObj spid="_x0000_s2301" name="Image" r:id="rId15" imgW="1574280" imgH="1053720" progId="Photoshop.Image.13">
+                  <p:oleObj spid="_x0000_s2305" name="Image" r:id="rId15" imgW="1574280" imgH="1053720" progId="Photoshop.Image.13">
                     <p:embed/>
                   </p:oleObj>
                 </mc:Choice>
@@ -8787,7 +8641,7 @@
               <a:lstStyle/>
               <a:p>
                 <a:r>
-                  <a:rPr lang="en-US" sz="2160" dirty="0" smtClean="0">
+                  <a:rPr lang="en-US" sz="2160" dirty="0">
                     <a:solidFill>
                       <a:schemeClr val="tx2"/>
                     </a:solidFill>
@@ -8796,7 +8650,7 @@
                   <a:t>Student</a:t>
                 </a:r>
                 <a:r>
-                  <a:rPr lang="en-US" sz="2160" baseline="0" dirty="0" smtClean="0">
+                  <a:rPr lang="en-US" sz="2160" baseline="0" dirty="0">
                     <a:solidFill>
                       <a:schemeClr val="tx2"/>
                     </a:solidFill>
@@ -8805,7 +8659,7 @@
                   <a:t> discounts are available on our </a:t>
                 </a:r>
                 <a:r>
-                  <a:rPr lang="en-US" sz="2160" baseline="0" dirty="0" err="1" smtClean="0">
+                  <a:rPr lang="en-US" sz="2160" baseline="0" dirty="0" err="1">
                     <a:solidFill>
                       <a:schemeClr val="tx2"/>
                     </a:solidFill>
@@ -8814,7 +8668,7 @@
                   <a:t>Facebook</a:t>
                 </a:r>
                 <a:r>
-                  <a:rPr lang="en-US" sz="2160" baseline="0" dirty="0" smtClean="0">
+                  <a:rPr lang="en-US" sz="2160" baseline="0" dirty="0">
                     <a:solidFill>
                       <a:schemeClr val="tx2"/>
                     </a:solidFill>
@@ -8823,7 +8677,7 @@
                   <a:t> page.</a:t>
                 </a:r>
                 <a:br>
-                  <a:rPr lang="en-US" sz="2160" baseline="0" dirty="0" smtClean="0">
+                  <a:rPr lang="en-US" sz="2160" baseline="0" dirty="0">
                     <a:solidFill>
                       <a:schemeClr val="tx2"/>
                     </a:solidFill>
@@ -8831,7 +8685,7 @@
                   </a:rPr>
                 </a:br>
                 <a:r>
-                  <a:rPr lang="en-US" sz="2160" baseline="0" dirty="0" smtClean="0">
+                  <a:rPr lang="en-US" sz="2160" baseline="0" dirty="0">
                     <a:solidFill>
                       <a:schemeClr val="tx2"/>
                     </a:solidFill>
@@ -8840,7 +8694,7 @@
                   <a:t>Go to </a:t>
                 </a:r>
                 <a:r>
-                  <a:rPr lang="en-US" sz="2160" u="sng" baseline="0" dirty="0" smtClean="0">
+                  <a:rPr lang="en-US" sz="2160" u="sng" baseline="0" dirty="0">
                     <a:solidFill>
                       <a:schemeClr val="tx2"/>
                     </a:solidFill>
@@ -8849,7 +8703,7 @@
                   <a:t>PosterPresentations.com</a:t>
                 </a:r>
                 <a:r>
-                  <a:rPr lang="en-US" sz="2160" baseline="0" dirty="0" smtClean="0">
+                  <a:rPr lang="en-US" sz="2160" baseline="0" dirty="0">
                     <a:solidFill>
                       <a:schemeClr val="tx2"/>
                     </a:solidFill>
@@ -8896,7 +8750,7 @@
               </a:lnSpc>
             </a:pPr>
             <a:r>
-              <a:rPr lang="en-US" sz="2520" dirty="0" smtClean="0">
+              <a:rPr lang="en-US" sz="2520" dirty="0">
                 <a:solidFill>
                   <a:schemeClr val="bg1"/>
                 </a:solidFill>
@@ -8904,7 +8758,7 @@
               <a:t>©2015</a:t>
             </a:r>
             <a:r>
-              <a:rPr lang="en-US" sz="2520" baseline="0" dirty="0" smtClean="0">
+              <a:rPr lang="en-US" sz="2520" baseline="0" dirty="0">
                 <a:solidFill>
                   <a:schemeClr val="bg1"/>
                 </a:solidFill>
@@ -8912,7 +8766,7 @@
               <a:t> </a:t>
             </a:r>
             <a:r>
-              <a:rPr lang="en-US" sz="2520" dirty="0" smtClean="0">
+              <a:rPr lang="en-US" sz="2520" dirty="0">
                 <a:solidFill>
                   <a:schemeClr val="bg1"/>
                 </a:solidFill>
@@ -8920,14 +8774,14 @@
               <a:t>PosterPresentations.com</a:t>
             </a:r>
             <a:br>
-              <a:rPr lang="en-US" sz="2520" dirty="0" smtClean="0">
+              <a:rPr lang="en-US" sz="2520" dirty="0">
                 <a:solidFill>
                   <a:schemeClr val="bg1"/>
                 </a:solidFill>
               </a:rPr>
             </a:br>
             <a:r>
-              <a:rPr lang="en-US" sz="2160" dirty="0" smtClean="0">
+              <a:rPr lang="en-US" sz="2160" dirty="0">
                 <a:solidFill>
                   <a:schemeClr val="bg1"/>
                 </a:solidFill>
@@ -8935,7 +8789,7 @@
               <a:t>2117 Fourth Street ,</a:t>
             </a:r>
             <a:r>
-              <a:rPr lang="en-US" sz="2160" baseline="0" dirty="0" smtClean="0">
+              <a:rPr lang="en-US" sz="2160" baseline="0" dirty="0">
                 <a:solidFill>
                   <a:schemeClr val="bg1"/>
                 </a:solidFill>
@@ -8950,7 +8804,7 @@
               </a:lnSpc>
             </a:pPr>
             <a:r>
-              <a:rPr lang="en-US" sz="2160" baseline="0" dirty="0" smtClean="0">
+              <a:rPr lang="en-US" sz="2160" baseline="0" dirty="0">
                 <a:solidFill>
                   <a:schemeClr val="bg1"/>
                 </a:solidFill>
@@ -8958,30 +8812,22 @@
               <a:t>Berkeley CA </a:t>
             </a:r>
             <a:r>
-              <a:rPr lang="en-US" sz="1800" baseline="0" dirty="0" smtClean="0">
+              <a:rPr lang="en-US" sz="1800" baseline="0" dirty="0">
                 <a:solidFill>
                   <a:schemeClr val="bg1"/>
                 </a:solidFill>
               </a:rPr>
               <a:t>94710</a:t>
             </a:r>
-            <a:r>
-              <a:rPr lang="en-US" sz="2160" baseline="0" dirty="0" smtClean="0">
-                <a:solidFill>
-                  <a:schemeClr val="bg1"/>
-                </a:solidFill>
-              </a:rPr>
-              <a:t/>
-            </a:r>
             <a:br>
-              <a:rPr lang="en-US" sz="2160" baseline="0" dirty="0" smtClean="0">
+              <a:rPr lang="en-US" sz="2160" baseline="0" dirty="0">
                 <a:solidFill>
                   <a:schemeClr val="bg1"/>
                 </a:solidFill>
               </a:rPr>
             </a:br>
             <a:r>
-              <a:rPr lang="en-US" sz="2160" b="1" baseline="0" dirty="0" smtClean="0">
+              <a:rPr lang="en-US" sz="2160" b="1" baseline="0" dirty="0">
                 <a:solidFill>
                   <a:srgbClr val="FFFF00"/>
                 </a:solidFill>
@@ -9093,7 +8939,7 @@
               <a:defRPr/>
             </a:pPr>
             <a:r>
-              <a:rPr lang="en-US" sz="540" b="1" dirty="0" smtClean="0">
+              <a:rPr lang="en-US" sz="540" b="1" dirty="0">
                 <a:solidFill>
                   <a:schemeClr val="bg1">
                     <a:lumMod val="75000"/>
@@ -9101,38 +8947,8 @@
                 </a:solidFill>
                 <a:latin typeface="Arial" charset="0"/>
               </a:rPr>
-              <a:t>RESEARCH POSTER PRESENTATION </a:t>
-            </a:r>
-            <a:r>
-              <a:rPr lang="en-US" sz="540" b="1" dirty="0">
-                <a:solidFill>
-                  <a:schemeClr val="bg1">
-                    <a:lumMod val="75000"/>
-                  </a:schemeClr>
-                </a:solidFill>
-                <a:latin typeface="Arial" charset="0"/>
-              </a:rPr>
-              <a:t>DESIGN © </a:t>
-            </a:r>
-            <a:r>
-              <a:rPr lang="en-US" sz="540" b="1" dirty="0" smtClean="0">
-                <a:solidFill>
-                  <a:schemeClr val="bg1">
-                    <a:lumMod val="75000"/>
-                  </a:schemeClr>
-                </a:solidFill>
-                <a:latin typeface="Arial" charset="0"/>
-              </a:rPr>
-              <a:t>2015</a:t>
-            </a:r>
-            <a:endParaRPr lang="en-US" sz="540" b="1" dirty="0">
-              <a:solidFill>
-                <a:schemeClr val="bg1">
-                  <a:lumMod val="75000"/>
-                </a:schemeClr>
-              </a:solidFill>
-              <a:latin typeface="Arial" charset="0"/>
-            </a:endParaRPr>
+              <a:t>RESEARCH POSTER PRESENTATION DESIGN © 2015</a:t>
+            </a:r>
           </a:p>
           <a:p>
             <a:pPr eaLnBrk="0" hangingPunct="0">
@@ -9164,13 +8980,6 @@
   <p:sldLayoutIdLst>
     <p:sldLayoutId id="2147483654" r:id="rId1"/>
   </p:sldLayoutIdLst>
-  <p:timing>
-    <p:tnLst>
-      <p:par>
-        <p:cTn id="1" dur="indefinite" restart="never" nodeType="tmRoot"/>
-      </p:par>
-    </p:tnLst>
-  </p:timing>
   <p:txStyles>
     <p:titleStyle>
       <a:lvl1pPr algn="ctr" defTabSz="3388829" rtl="0" eaLnBrk="1" latinLnBrk="0" hangingPunct="1">
@@ -9468,141 +9277,53 @@
                   <a:schemeClr val="tx1"/>
                 </a:solidFill>
               </a:rPr>
-              <a:t>The Visual Dialog task has been at the forefront of deep learning research and excellent performance has already been achieved. Visual Dialog is about training a network to learn information about images, and be able to answer questions and have a conversation about those images. It involves being able to encode the relevant information (such as the images, the captions for the images, and the questions and answers about the images) into a meaningful representation, as well as being able to decode that representation and come out with a correct </a:t>
-            </a:r>
-            <a:r>
-              <a:rPr lang="en-US" dirty="0" smtClean="0">
+              <a:t>The Visual Dialog task has been at the forefront of deep learning research and excellent performance has already been achieved. Visual Dialog is about training a network to learn information about images, and be able to answer questions and have a conversation about those images. It involves being able to encode the relevant information (such as the images, the captions for the images, and the questions and answers about the images) into a meaningful representation, as well as being able to decode that representation and </a:t>
+            </a:r>
+            <a:r>
+              <a:rPr lang="en-US">
                 <a:solidFill>
                   <a:schemeClr val="tx1"/>
                 </a:solidFill>
               </a:rPr>
-              <a:t>answer.</a:t>
+              <a:t>come </a:t>
+            </a:r>
+            <a:r>
+              <a:rPr lang="en-US" altLang="zh-Hans">
+                <a:solidFill>
+                  <a:schemeClr val="tx1"/>
+                </a:solidFill>
+              </a:rPr>
+              <a:t>up</a:t>
+            </a:r>
+            <a:r>
+              <a:rPr lang="en-US">
+                <a:solidFill>
+                  <a:schemeClr val="tx1"/>
+                </a:solidFill>
+              </a:rPr>
+              <a:t> </a:t>
+            </a:r>
+            <a:r>
+              <a:rPr lang="en-US" dirty="0">
+                <a:solidFill>
+                  <a:schemeClr val="tx1"/>
+                </a:solidFill>
+              </a:rPr>
+              <a:t>with a correct answer.</a:t>
             </a:r>
           </a:p>
           <a:p>
             <a:pPr algn="just"/>
             <a:r>
-              <a:rPr lang="en-US" dirty="0" smtClean="0">
+              <a:rPr lang="en-US" dirty="0">
                 <a:solidFill>
                   <a:schemeClr val="tx1"/>
                 </a:solidFill>
               </a:rPr>
-              <a:t>In </a:t>
-            </a:r>
-            <a:r>
-              <a:rPr lang="en-US" dirty="0">
-                <a:solidFill>
-                  <a:schemeClr val="tx1"/>
-                </a:solidFill>
-              </a:rPr>
-              <a:t>our project, we </a:t>
-            </a:r>
-            <a:r>
-              <a:rPr lang="en-US" dirty="0" smtClean="0">
-                <a:solidFill>
-                  <a:schemeClr val="tx1"/>
-                </a:solidFill>
-              </a:rPr>
-              <a:t>first attempt to </a:t>
-            </a:r>
-            <a:r>
-              <a:rPr lang="en-US" dirty="0">
-                <a:solidFill>
-                  <a:schemeClr val="tx1"/>
-                </a:solidFill>
-              </a:rPr>
-              <a:t>reproduce the state-of-the-art </a:t>
-            </a:r>
-            <a:r>
-              <a:rPr lang="en-US" dirty="0" smtClean="0">
-                <a:solidFill>
-                  <a:schemeClr val="tx1"/>
-                </a:solidFill>
-              </a:rPr>
-              <a:t>method in </a:t>
-            </a:r>
-            <a:r>
-              <a:rPr lang="en-US" dirty="0">
-                <a:solidFill>
-                  <a:schemeClr val="tx1"/>
-                </a:solidFill>
-              </a:rPr>
-              <a:t>the widely used Visual Dialog </a:t>
-            </a:r>
-            <a:r>
-              <a:rPr lang="en-US" dirty="0" smtClean="0">
-                <a:solidFill>
-                  <a:schemeClr val="tx1"/>
-                </a:solidFill>
-              </a:rPr>
-              <a:t>dataset. This </a:t>
-            </a:r>
-            <a:r>
-              <a:rPr lang="en-US" dirty="0">
-                <a:solidFill>
-                  <a:schemeClr val="tx1"/>
-                </a:solidFill>
-              </a:rPr>
-              <a:t>method uses a Late Fusion encoder with a discriminative decoder.  </a:t>
-            </a:r>
-            <a:r>
-              <a:rPr lang="en-US" dirty="0" smtClean="0">
-                <a:solidFill>
-                  <a:schemeClr val="tx1"/>
-                </a:solidFill>
-              </a:rPr>
-              <a:t>Because of the </a:t>
-            </a:r>
-            <a:r>
-              <a:rPr lang="en-US" dirty="0" smtClean="0">
-                <a:solidFill>
-                  <a:schemeClr val="tx1"/>
-                </a:solidFill>
-              </a:rPr>
-              <a:t>memory limitation, we </a:t>
-            </a:r>
-            <a:r>
-              <a:rPr lang="en-US" dirty="0" smtClean="0">
-                <a:solidFill>
-                  <a:schemeClr val="tx1"/>
-                </a:solidFill>
-              </a:rPr>
-              <a:t>decreased </a:t>
-            </a:r>
-            <a:r>
-              <a:rPr lang="en-US" dirty="0">
-                <a:solidFill>
-                  <a:schemeClr val="tx1"/>
-                </a:solidFill>
-              </a:rPr>
-              <a:t>the model size and still </a:t>
-            </a:r>
-            <a:r>
-              <a:rPr lang="en-US" dirty="0" smtClean="0">
-                <a:solidFill>
-                  <a:schemeClr val="tx1"/>
-                </a:solidFill>
-              </a:rPr>
-              <a:t>obtained </a:t>
-            </a:r>
-            <a:r>
-              <a:rPr lang="en-US" dirty="0">
-                <a:solidFill>
-                  <a:schemeClr val="tx1"/>
-                </a:solidFill>
-              </a:rPr>
-              <a:t>comparable </a:t>
-            </a:r>
-            <a:r>
-              <a:rPr lang="en-US" dirty="0" smtClean="0">
-                <a:solidFill>
-                  <a:schemeClr val="tx1"/>
-                </a:solidFill>
-              </a:rPr>
-              <a:t>results. We further introduce the sequential matching network </a:t>
-            </a:r>
-            <a:r>
-              <a:rPr lang="mr-IN" dirty="0" smtClean="0">
+              <a:t>In our project, we first attempt to reproduce the state-of-the-art method in the widely used Visual Dialog dataset. This method uses a Late Fusion encoder with a discriminative decoder.  Because of the memory limitation, we decreased the model size and still obtained comparable results. We further introduce the sequential matching network </a:t>
+            </a:r>
+            <a:r>
+              <a:rPr lang="mr-IN" dirty="0">
                 <a:solidFill>
                   <a:schemeClr val="tx1"/>
                 </a:solidFill>
@@ -9610,84 +9331,12 @@
               <a:t>–</a:t>
             </a:r>
             <a:r>
-              <a:rPr lang="en-US" dirty="0" smtClean="0">
+              <a:rPr lang="en-US" dirty="0">
                 <a:solidFill>
                   <a:schemeClr val="tx1"/>
                 </a:solidFill>
               </a:rPr>
-              <a:t> a new architecture for multi-turn response selection in retrieval-based visual dialog. </a:t>
-            </a:r>
-            <a:r>
-              <a:rPr lang="en-US" dirty="0">
-                <a:solidFill>
-                  <a:schemeClr val="tx1"/>
-                </a:solidFill>
-              </a:rPr>
-              <a:t>Finally, we </a:t>
-            </a:r>
-            <a:r>
-              <a:rPr lang="en-US" dirty="0" smtClean="0">
-                <a:solidFill>
-                  <a:schemeClr val="tx1"/>
-                </a:solidFill>
-              </a:rPr>
-              <a:t>explore </a:t>
-            </a:r>
-            <a:r>
-              <a:rPr lang="en-US" dirty="0" smtClean="0">
-                <a:solidFill>
-                  <a:schemeClr val="tx1"/>
-                </a:solidFill>
-              </a:rPr>
-              <a:t>a generative </a:t>
-            </a:r>
-            <a:r>
-              <a:rPr lang="en-US" dirty="0" smtClean="0">
-                <a:solidFill>
-                  <a:schemeClr val="tx1"/>
-                </a:solidFill>
-              </a:rPr>
-              <a:t>model with </a:t>
-            </a:r>
-            <a:r>
-              <a:rPr lang="en-US" dirty="0" smtClean="0">
-                <a:solidFill>
-                  <a:schemeClr val="tx1"/>
-                </a:solidFill>
-              </a:rPr>
-              <a:t>attention, </a:t>
-            </a:r>
-            <a:r>
-              <a:rPr lang="en-US" dirty="0" smtClean="0">
-                <a:solidFill>
-                  <a:schemeClr val="tx1"/>
-                </a:solidFill>
-              </a:rPr>
-              <a:t>which can achieve the conversation based on </a:t>
-            </a:r>
-            <a:r>
-              <a:rPr lang="en-US" dirty="0" smtClean="0">
-                <a:solidFill>
-                  <a:schemeClr val="tx1"/>
-                </a:solidFill>
-              </a:rPr>
-              <a:t>a given </a:t>
-            </a:r>
-            <a:r>
-              <a:rPr lang="en-US" dirty="0" smtClean="0">
-                <a:solidFill>
-                  <a:schemeClr val="tx1"/>
-                </a:solidFill>
-              </a:rPr>
-              <a:t>image </a:t>
-            </a:r>
-            <a:r>
-              <a:rPr lang="en-US" dirty="0">
-                <a:solidFill>
-                  <a:schemeClr val="tx1"/>
-                </a:solidFill>
-              </a:rPr>
-              <a:t>and outperform the existing methods.</a:t>
+              <a:t> a new architecture for multi-turn response selection in retrieval-based visual dialog. Finally, we explore a generative model with attention, which can achieve the conversation based on a given image and outperform the existing methods.</a:t>
             </a:r>
           </a:p>
         </p:txBody>
@@ -9708,10 +9357,9 @@
           <a:lstStyle/>
           <a:p>
             <a:r>
-              <a:rPr lang="en-US" dirty="0" smtClean="0"/>
+              <a:rPr lang="en-US" dirty="0"/>
               <a:t>Overview</a:t>
             </a:r>
-            <a:endParaRPr lang="en-US" dirty="0"/>
           </a:p>
         </p:txBody>
       </p:sp>
@@ -9736,7 +9384,7 @@
           <a:lstStyle/>
           <a:p>
             <a:r>
-              <a:rPr lang="en-US" dirty="0" smtClean="0"/>
+              <a:rPr lang="en-US" dirty="0"/>
               <a:t>Models</a:t>
             </a:r>
           </a:p>
@@ -9758,10 +9406,9 @@
           <a:lstStyle/>
           <a:p>
             <a:r>
-              <a:rPr lang="en-US" dirty="0" smtClean="0"/>
+              <a:rPr lang="en-US" dirty="0"/>
               <a:t>Experiments</a:t>
             </a:r>
-            <a:endParaRPr lang="en-US" dirty="0"/>
           </a:p>
         </p:txBody>
       </p:sp>
@@ -9787,7 +9434,7 @@
           <a:p>
             <a:pPr algn="just"/>
             <a:r>
-              <a:rPr lang="en-US" b="1" dirty="0" smtClean="0">
+              <a:rPr lang="en-US" b="1" dirty="0">
                 <a:solidFill>
                   <a:schemeClr val="tx1"/>
                 </a:solidFill>
@@ -9795,7 +9442,7 @@
               <a:t>Metrics</a:t>
             </a:r>
             <a:r>
-              <a:rPr lang="en-US" dirty="0" smtClean="0">
+              <a:rPr lang="en-US" dirty="0">
                 <a:solidFill>
                   <a:schemeClr val="tx1"/>
                 </a:solidFill>
@@ -9806,7 +9453,7 @@
           <a:p>
             <a:pPr algn="just"/>
             <a:r>
-              <a:rPr lang="en-US" b="1" dirty="0" smtClean="0">
+              <a:rPr lang="en-US" b="1" dirty="0">
                 <a:solidFill>
                   <a:schemeClr val="tx1"/>
                 </a:solidFill>
@@ -9814,7 +9461,7 @@
               <a:t>Constraints</a:t>
             </a:r>
             <a:r>
-              <a:rPr lang="en-US" dirty="0" smtClean="0">
+              <a:rPr lang="en-US" dirty="0">
                 <a:solidFill>
                   <a:schemeClr val="tx1"/>
                 </a:solidFill>
@@ -9845,10 +9492,9 @@
           <a:lstStyle/>
           <a:p>
             <a:r>
-              <a:rPr lang="en-US" dirty="0" smtClean="0"/>
+              <a:rPr lang="en-US" dirty="0"/>
               <a:t>Conclusion</a:t>
             </a:r>
-            <a:endParaRPr lang="en-US" dirty="0"/>
           </a:p>
         </p:txBody>
       </p:sp>
@@ -9879,264 +9525,30 @@
                   <a:schemeClr val="tx1"/>
                 </a:solidFill>
               </a:rPr>
-              <a:t>To summarize, we </a:t>
-            </a:r>
-            <a:r>
-              <a:rPr lang="en-US" dirty="0" smtClean="0">
-                <a:solidFill>
-                  <a:schemeClr val="tx1"/>
-                </a:solidFill>
-              </a:rPr>
-              <a:t>reproduced </a:t>
-            </a:r>
-            <a:r>
-              <a:rPr lang="en-US" dirty="0">
-                <a:solidFill>
-                  <a:schemeClr val="tx1"/>
-                </a:solidFill>
-              </a:rPr>
-              <a:t>an AI task – Visual Dialog, where an AI agent </a:t>
-            </a:r>
-            <a:r>
-              <a:rPr lang="en-US" dirty="0" smtClean="0">
-                <a:solidFill>
-                  <a:schemeClr val="tx1"/>
-                </a:solidFill>
-              </a:rPr>
-              <a:t>must </a:t>
-            </a:r>
-            <a:r>
-              <a:rPr lang="en-US" dirty="0">
-                <a:solidFill>
-                  <a:schemeClr val="tx1"/>
-                </a:solidFill>
-              </a:rPr>
-              <a:t>hold a dialog with a human about visual content. Based on </a:t>
-            </a:r>
-            <a:r>
-              <a:rPr lang="en-US" dirty="0" smtClean="0">
-                <a:solidFill>
-                  <a:schemeClr val="tx1"/>
-                </a:solidFill>
-              </a:rPr>
-              <a:t>the Late </a:t>
-            </a:r>
-            <a:r>
-              <a:rPr lang="en-US" dirty="0">
-                <a:solidFill>
-                  <a:schemeClr val="tx1"/>
-                </a:solidFill>
-              </a:rPr>
-              <a:t>Fusion encoder, we first </a:t>
-            </a:r>
-            <a:r>
-              <a:rPr lang="en-US" dirty="0" smtClean="0">
-                <a:solidFill>
-                  <a:schemeClr val="tx1"/>
-                </a:solidFill>
-              </a:rPr>
-              <a:t>implemented </a:t>
-            </a:r>
-            <a:r>
-              <a:rPr lang="en-US" dirty="0">
-                <a:solidFill>
-                  <a:schemeClr val="tx1"/>
-                </a:solidFill>
-              </a:rPr>
-              <a:t>the </a:t>
-            </a:r>
-            <a:r>
-              <a:rPr lang="en-US" dirty="0" smtClean="0">
-                <a:solidFill>
-                  <a:schemeClr val="tx1"/>
-                </a:solidFill>
-              </a:rPr>
-              <a:t>discriminative and generative models </a:t>
-            </a:r>
-            <a:r>
-              <a:rPr lang="en-US" dirty="0">
-                <a:solidFill>
-                  <a:schemeClr val="tx1"/>
-                </a:solidFill>
-              </a:rPr>
-              <a:t>as our baselines. Then we </a:t>
-            </a:r>
-            <a:r>
-              <a:rPr lang="en-US" dirty="0" smtClean="0">
-                <a:solidFill>
-                  <a:schemeClr val="tx1"/>
-                </a:solidFill>
-              </a:rPr>
-              <a:t>came </a:t>
-            </a:r>
-            <a:r>
-              <a:rPr lang="en-US" dirty="0">
-                <a:solidFill>
-                  <a:schemeClr val="tx1"/>
-                </a:solidFill>
-              </a:rPr>
-              <a:t>up with methods focusing on improving the performance. For example, we </a:t>
-            </a:r>
-            <a:r>
-              <a:rPr lang="en-US" dirty="0" smtClean="0">
-                <a:solidFill>
-                  <a:schemeClr val="tx1"/>
-                </a:solidFill>
-              </a:rPr>
-              <a:t>applied a </a:t>
-            </a:r>
-            <a:r>
-              <a:rPr lang="en-US" dirty="0">
-                <a:solidFill>
-                  <a:schemeClr val="tx1"/>
-                </a:solidFill>
-              </a:rPr>
-              <a:t>sequential matching network into the discriminative model and </a:t>
-            </a:r>
-            <a:r>
-              <a:rPr lang="en-US" dirty="0" smtClean="0">
-                <a:solidFill>
-                  <a:schemeClr val="tx1"/>
-                </a:solidFill>
-              </a:rPr>
-              <a:t>implemented </a:t>
-            </a:r>
-            <a:r>
-              <a:rPr lang="en-US" dirty="0">
-                <a:solidFill>
-                  <a:schemeClr val="tx1"/>
-                </a:solidFill>
-              </a:rPr>
-              <a:t>question &amp; image attention in the generative model. </a:t>
-            </a:r>
-            <a:endParaRPr lang="en-US" dirty="0" smtClean="0">
-              <a:solidFill>
-                <a:schemeClr val="tx1"/>
-              </a:solidFill>
-            </a:endParaRPr>
+              <a:t>To summarize, we reproduced an AI task – Visual Dialog, where an AI agent must hold a dialog with a human about visual content. Based on the Late Fusion encoder, we first implemented the discriminative and generative models as our baselines. Then we came up with methods focusing on improving the performance. For example, we applied a sequential matching network into the discriminative model and implemented question &amp; image attention in the generative model. </a:t>
+            </a:r>
           </a:p>
           <a:p>
             <a:pPr algn="just"/>
             <a:r>
-              <a:rPr lang="en-US" dirty="0" smtClean="0">
+              <a:rPr lang="en-US" dirty="0">
                 <a:solidFill>
                   <a:schemeClr val="tx1"/>
                 </a:solidFill>
               </a:rPr>
-              <a:t>Our </a:t>
-            </a:r>
-            <a:r>
-              <a:rPr lang="en-US" dirty="0">
-                <a:solidFill>
-                  <a:schemeClr val="tx1"/>
-                </a:solidFill>
-              </a:rPr>
-              <a:t>baseline models are comparable to the results in the paper, since we </a:t>
-            </a:r>
-            <a:r>
-              <a:rPr lang="en-US" dirty="0" smtClean="0">
-                <a:solidFill>
-                  <a:schemeClr val="tx1"/>
-                </a:solidFill>
-              </a:rPr>
-              <a:t>used </a:t>
-            </a:r>
-            <a:r>
-              <a:rPr lang="en-US" dirty="0">
-                <a:solidFill>
-                  <a:schemeClr val="tx1"/>
-                </a:solidFill>
-              </a:rPr>
-              <a:t>smaller hidden size and word embedding size. The sequential matching network in the discriminative model can slightly improve the performance, both on MRR and </a:t>
-            </a:r>
-            <a:r>
-              <a:rPr lang="en-US" dirty="0" smtClean="0">
-                <a:solidFill>
-                  <a:schemeClr val="tx1"/>
-                </a:solidFill>
-              </a:rPr>
-              <a:t>@N. The </a:t>
-            </a:r>
-            <a:r>
-              <a:rPr lang="en-US" dirty="0">
-                <a:solidFill>
-                  <a:schemeClr val="tx1"/>
-                </a:solidFill>
-              </a:rPr>
-              <a:t>attention model takes in the concatenation context of the question and image, which greatly </a:t>
-            </a:r>
-            <a:r>
-              <a:rPr lang="en-US" dirty="0" smtClean="0">
-                <a:solidFill>
-                  <a:schemeClr val="tx1"/>
-                </a:solidFill>
-              </a:rPr>
-              <a:t>improves </a:t>
-            </a:r>
-            <a:r>
-              <a:rPr lang="en-US" dirty="0">
-                <a:solidFill>
-                  <a:schemeClr val="tx1"/>
-                </a:solidFill>
-              </a:rPr>
-              <a:t>the performance. Furthermore, we </a:t>
-            </a:r>
-            <a:r>
-              <a:rPr lang="en-US" dirty="0" smtClean="0">
-                <a:solidFill>
-                  <a:schemeClr val="tx1"/>
-                </a:solidFill>
-              </a:rPr>
-              <a:t>attempted to add </a:t>
-            </a:r>
-            <a:r>
-              <a:rPr lang="en-US" dirty="0">
-                <a:solidFill>
-                  <a:schemeClr val="tx1"/>
-                </a:solidFill>
-              </a:rPr>
-              <a:t>non-linear functions for the context, but the </a:t>
-            </a:r>
-            <a:r>
-              <a:rPr lang="en-US" dirty="0" smtClean="0">
-                <a:solidFill>
-                  <a:schemeClr val="tx1"/>
-                </a:solidFill>
-              </a:rPr>
-              <a:t>improvement was not significant.</a:t>
+              <a:t>Our baseline models are comparable to the results in the paper, since we used smaller hidden size and word embedding size. The sequential matching network in the discriminative model can slightly improve the performance, both on MRR and @N. The attention model takes in the concatenation context of the question and image, which greatly improves the performance. Furthermore, we attempted to add non-linear functions for the context, but the improvement was not significant.</a:t>
             </a:r>
           </a:p>
           <a:p>
             <a:pPr algn="just"/>
             <a:r>
-              <a:rPr lang="en-US" dirty="0" smtClean="0">
+              <a:rPr lang="en-US" dirty="0">
                 <a:solidFill>
                   <a:schemeClr val="tx1"/>
                 </a:solidFill>
               </a:rPr>
-              <a:t>In </a:t>
-            </a:r>
-            <a:r>
-              <a:rPr lang="en-US" dirty="0">
-                <a:solidFill>
-                  <a:schemeClr val="tx1"/>
-                </a:solidFill>
-              </a:rPr>
-              <a:t>conclusion, our project demonstrates that sequential matching and attention </a:t>
-            </a:r>
-            <a:r>
-              <a:rPr lang="en-US" dirty="0" smtClean="0">
-                <a:solidFill>
-                  <a:schemeClr val="tx1"/>
-                </a:solidFill>
-              </a:rPr>
-              <a:t>mechanisms can improve performance on the Visual Dialog dataset according to the MRR and R@N metrics. </a:t>
-            </a:r>
-            <a:endParaRPr lang="en-US" dirty="0">
-              <a:solidFill>
-                <a:schemeClr val="tx1"/>
-              </a:solidFill>
-            </a:endParaRPr>
+              <a:t>In conclusion, our project demonstrates that sequential matching and attention mechanisms can improve performance on the Visual Dialog dataset according to the MRR and R@N metrics. </a:t>
+            </a:r>
           </a:p>
         </p:txBody>
       </p:sp>
@@ -10161,10 +9573,9 @@
           <a:lstStyle/>
           <a:p>
             <a:r>
-              <a:rPr lang="en-US" dirty="0" smtClean="0"/>
+              <a:rPr lang="en-US" dirty="0"/>
               <a:t>Acknowledgement</a:t>
             </a:r>
-            <a:endParaRPr lang="en-US" dirty="0"/>
           </a:p>
         </p:txBody>
       </p:sp>
@@ -10189,7 +9600,7 @@
           <a:lstStyle/>
           <a:p>
             <a:r>
-              <a:rPr lang="en-US" dirty="0" smtClean="0"/>
+              <a:rPr lang="en-US" dirty="0"/>
               <a:t>We would like to thank Professor </a:t>
             </a:r>
             <a:r>
@@ -10198,19 +9609,7 @@
             </a:r>
             <a:r>
               <a:rPr lang="en-US" dirty="0"/>
-              <a:t> </a:t>
-            </a:r>
-            <a:r>
-              <a:rPr lang="en-US" dirty="0" smtClean="0"/>
-              <a:t>Raj</a:t>
-            </a:r>
-            <a:r>
-              <a:rPr lang="en-US" dirty="0"/>
-              <a:t> </a:t>
-            </a:r>
-            <a:r>
-              <a:rPr lang="en-US" dirty="0" smtClean="0"/>
-              <a:t>and all teaching assistants, for all the supports and suggestions during this semester.</a:t>
+              <a:t> Raj and all teaching assistants, for all the supports and suggestions during this semester.</a:t>
             </a:r>
           </a:p>
         </p:txBody>
@@ -10236,7 +9635,7 @@
           <a:lstStyle/>
           <a:p>
             <a:r>
-              <a:rPr lang="en-US" dirty="0" smtClean="0">
+              <a:rPr lang="en-US" dirty="0">
                 <a:solidFill>
                   <a:schemeClr val="tx1"/>
                 </a:solidFill>
@@ -10244,7 +9643,7 @@
               <a:t>In this project, we introduce a family of neural encoder-decoder models for Visual Dialog with 2 encoders </a:t>
             </a:r>
             <a:r>
-              <a:rPr lang="mr-IN" dirty="0" smtClean="0">
+              <a:rPr lang="mr-IN" dirty="0">
                 <a:solidFill>
                   <a:schemeClr val="tx1"/>
                 </a:solidFill>
@@ -10252,7 +9651,7 @@
               <a:t>–</a:t>
             </a:r>
             <a:r>
-              <a:rPr lang="en-US" dirty="0" smtClean="0">
+              <a:rPr lang="en-US" dirty="0">
                 <a:solidFill>
                   <a:schemeClr val="tx1"/>
                 </a:solidFill>
@@ -10260,7 +9659,7 @@
               <a:t> Late Fusion, Sequential Matching </a:t>
             </a:r>
             <a:r>
-              <a:rPr lang="mr-IN" dirty="0" smtClean="0">
+              <a:rPr lang="mr-IN" dirty="0">
                 <a:solidFill>
                   <a:schemeClr val="tx1"/>
                 </a:solidFill>
@@ -10268,18 +9667,13 @@
               <a:t>–</a:t>
             </a:r>
             <a:r>
-              <a:rPr lang="en-US" dirty="0" smtClean="0">
+              <a:rPr lang="en-US" dirty="0">
                 <a:solidFill>
                   <a:schemeClr val="tx1"/>
                 </a:solidFill>
               </a:rPr>
               <a:t> and 2 decoders (generative and discriminative), which are comparable to a number of sophisticated baselines.</a:t>
             </a:r>
-            <a:endParaRPr lang="en-US" dirty="0">
-              <a:solidFill>
-                <a:schemeClr val="tx1"/>
-              </a:solidFill>
-            </a:endParaRPr>
           </a:p>
         </p:txBody>
       </p:sp>
@@ -10299,10 +9693,9 @@
           <a:lstStyle/>
           <a:p>
             <a:r>
-              <a:rPr lang="en-US" dirty="0" smtClean="0"/>
+              <a:rPr lang="en-US" dirty="0"/>
               <a:t>11785 Final Project</a:t>
             </a:r>
-            <a:endParaRPr lang="en-US" dirty="0"/>
           </a:p>
         </p:txBody>
       </p:sp>
@@ -10324,23 +9717,23 @@
           <a:lstStyle/>
           <a:p>
             <a:r>
-              <a:rPr lang="en-US" dirty="0" err="1" smtClean="0"/>
+              <a:rPr lang="en-US" dirty="0" err="1"/>
               <a:t>Wenchao</a:t>
             </a:r>
             <a:r>
-              <a:rPr lang="en-US" dirty="0" smtClean="0"/>
+              <a:rPr lang="en-US" dirty="0"/>
               <a:t> Du, </a:t>
             </a:r>
             <a:r>
-              <a:rPr lang="en-US" dirty="0" err="1" smtClean="0"/>
+              <a:rPr lang="en-US" dirty="0" err="1"/>
               <a:t>Hanfu</a:t>
             </a:r>
             <a:r>
-              <a:rPr lang="en-US" dirty="0" smtClean="0"/>
+              <a:rPr lang="en-US" dirty="0"/>
               <a:t> Zhang, Prashant </a:t>
             </a:r>
             <a:r>
-              <a:rPr lang="en-US" dirty="0" err="1" smtClean="0"/>
+              <a:rPr lang="en-US" dirty="0" err="1"/>
               <a:t>Arunapuram</a:t>
             </a:r>
             <a:r>
@@ -10348,14 +9741,13 @@
               <a:t>, </a:t>
             </a:r>
             <a:r>
-              <a:rPr lang="en-US" dirty="0" err="1" smtClean="0"/>
+              <a:rPr lang="en-US" dirty="0" err="1"/>
               <a:t>Tianhao</a:t>
             </a:r>
             <a:r>
-              <a:rPr lang="en-US" dirty="0" smtClean="0"/>
+              <a:rPr lang="en-US" dirty="0"/>
               <a:t> Li</a:t>
             </a:r>
-            <a:endParaRPr lang="en-US" dirty="0"/>
           </a:p>
         </p:txBody>
       </p:sp>
@@ -10377,10 +9769,9 @@
           <a:lstStyle/>
           <a:p>
             <a:r>
-              <a:rPr lang="en-US" dirty="0" smtClean="0"/>
+              <a:rPr lang="en-US" dirty="0"/>
               <a:t>Visual Dialog</a:t>
             </a:r>
-            <a:endParaRPr lang="en-US" dirty="0"/>
           </a:p>
         </p:txBody>
       </p:sp>
@@ -10547,10 +9938,9 @@
           </a:lstStyle>
           <a:p>
             <a:r>
-              <a:rPr lang="en-US" dirty="0" smtClean="0"/>
+              <a:rPr lang="en-US" dirty="0"/>
               <a:t>Data and Technical Requirements</a:t>
             </a:r>
-            <a:endParaRPr lang="en-US" dirty="0"/>
           </a:p>
         </p:txBody>
       </p:sp>
@@ -10722,55 +10112,7 @@
                   <a:schemeClr val="tx1"/>
                 </a:solidFill>
               </a:rPr>
-              <a:t>Our Visual Dialog system </a:t>
-            </a:r>
-            <a:r>
-              <a:rPr lang="en-US" dirty="0" smtClean="0">
-                <a:solidFill>
-                  <a:schemeClr val="tx1"/>
-                </a:solidFill>
-              </a:rPr>
-              <a:t>involves </a:t>
-            </a:r>
-            <a:r>
-              <a:rPr lang="en-US" dirty="0">
-                <a:solidFill>
-                  <a:schemeClr val="tx1"/>
-                </a:solidFill>
-              </a:rPr>
-              <a:t>deep learning approaches such as CNNs and RNNs with </a:t>
-            </a:r>
-            <a:r>
-              <a:rPr lang="en-US" dirty="0" smtClean="0">
-                <a:solidFill>
-                  <a:schemeClr val="tx1"/>
-                </a:solidFill>
-              </a:rPr>
-              <a:t>attention </a:t>
-            </a:r>
-            <a:r>
-              <a:rPr lang="en-US" dirty="0">
-                <a:solidFill>
-                  <a:schemeClr val="tx1"/>
-                </a:solidFill>
-              </a:rPr>
-              <a:t>to better </a:t>
-            </a:r>
-            <a:r>
-              <a:rPr lang="en-US" dirty="0" smtClean="0">
-                <a:solidFill>
-                  <a:schemeClr val="tx1"/>
-                </a:solidFill>
-              </a:rPr>
-              <a:t>understand </a:t>
-            </a:r>
-            <a:r>
-              <a:rPr lang="en-US" dirty="0">
-                <a:solidFill>
-                  <a:schemeClr val="tx1"/>
-                </a:solidFill>
-              </a:rPr>
-              <a:t>the images and questions. Therefore, also based on literature research, we decide to deploy the network based on </a:t>
+              <a:t>Our Visual Dialog system involves deep learning approaches such as CNNs and RNNs with attention to better understand the images and questions. Therefore, also based on literature research, we decide to deploy the network based on </a:t>
             </a:r>
             <a:r>
               <a:rPr lang="en-US" dirty="0" err="1">
@@ -10864,15 +10206,7 @@
                   <a:schemeClr val="tx1"/>
                 </a:solidFill>
               </a:rPr>
-              <a:t>of </a:t>
-            </a:r>
-            <a:r>
-              <a:rPr lang="en-US" smtClean="0">
-                <a:solidFill>
-                  <a:schemeClr val="tx1"/>
-                </a:solidFill>
-              </a:rPr>
-              <a:t>the hidden </a:t>
+              <a:t>of the hidden </a:t>
             </a:r>
             <a:r>
               <a:rPr lang="en-US" dirty="0">
@@ -10896,23 +10230,7 @@
                   <a:schemeClr val="tx1"/>
                 </a:solidFill>
               </a:rPr>
-              <a:t>, aiming to produce the same comparable results with less parameters and further </a:t>
-            </a:r>
-            <a:r>
-              <a:rPr lang="en-US" dirty="0" smtClean="0">
-                <a:solidFill>
-                  <a:schemeClr val="tx1"/>
-                </a:solidFill>
-              </a:rPr>
-              <a:t>improvements</a:t>
-            </a:r>
-            <a:r>
-              <a:rPr lang="en-US" dirty="0">
-                <a:solidFill>
-                  <a:schemeClr val="tx1"/>
-                </a:solidFill>
-              </a:rPr>
-              <a:t>. </a:t>
+              <a:t>, aiming to produce the same comparable results with less parameters and further improvements. </a:t>
             </a:r>
           </a:p>
         </p:txBody>
@@ -11080,10 +10398,9 @@
           </a:lstStyle>
           <a:p>
             <a:r>
-              <a:rPr lang="en-US" dirty="0" smtClean="0"/>
+              <a:rPr lang="en-US" dirty="0"/>
               <a:t>Author</a:t>
             </a:r>
-            <a:endParaRPr lang="en-US" dirty="0"/>
           </a:p>
         </p:txBody>
       </p:sp>
@@ -11249,37 +10566,37 @@
           </a:lstStyle>
           <a:p>
             <a:r>
-              <a:rPr lang="en-US" dirty="0" err="1" smtClean="0"/>
+              <a:rPr lang="en-US" dirty="0" err="1"/>
               <a:t>Wenchao</a:t>
             </a:r>
             <a:r>
-              <a:rPr lang="en-US" dirty="0" smtClean="0"/>
+              <a:rPr lang="en-US" dirty="0"/>
               <a:t> Du, LTI, SCS, </a:t>
             </a:r>
             <a:r>
-              <a:rPr lang="en-US" dirty="0" smtClean="0">
+              <a:rPr lang="en-US" dirty="0">
                 <a:hlinkClick r:id="rId3"/>
               </a:rPr>
               <a:t>wenchaod@andrew.cmu.edu</a:t>
             </a:r>
-            <a:endParaRPr lang="en-US" dirty="0" smtClean="0"/>
+            <a:endParaRPr lang="en-US" dirty="0"/>
           </a:p>
           <a:p>
             <a:r>
-              <a:rPr lang="en-US" dirty="0" err="1" smtClean="0"/>
+              <a:rPr lang="en-US" dirty="0" err="1"/>
               <a:t>Hanfu</a:t>
             </a:r>
             <a:r>
-              <a:rPr lang="en-US" dirty="0" smtClean="0"/>
+              <a:rPr lang="en-US" dirty="0"/>
               <a:t> Zhang, ISR, SCS, </a:t>
             </a:r>
             <a:r>
-              <a:rPr lang="en-US" dirty="0" smtClean="0">
+              <a:rPr lang="en-US" dirty="0">
                 <a:hlinkClick r:id="rId4"/>
               </a:rPr>
               <a:t>hanfuz@andrew.cmu.edu</a:t>
             </a:r>
-            <a:endParaRPr lang="en-US" dirty="0" smtClean="0"/>
+            <a:endParaRPr lang="en-US" dirty="0"/>
           </a:p>
           <a:p>
             <a:r>
@@ -11287,19 +10604,15 @@
               <a:t>Prashant </a:t>
             </a:r>
             <a:r>
-              <a:rPr lang="en-US" dirty="0" err="1" smtClean="0"/>
+              <a:rPr lang="en-US" dirty="0" err="1"/>
               <a:t>Arunapuram</a:t>
             </a:r>
             <a:r>
-              <a:rPr lang="en-US" dirty="0" smtClean="0"/>
-              <a:t>, ECE, </a:t>
-            </a:r>
-            <a:r>
               <a:rPr lang="en-US" dirty="0"/>
-              <a:t>CIT, </a:t>
-            </a:r>
-            <a:r>
-              <a:rPr lang="en-US" dirty="0" smtClean="0">
+              <a:t>, ECE, CIT, </a:t>
+            </a:r>
+            <a:r>
+              <a:rPr lang="en-US" dirty="0">
                 <a:hlinkClick r:id="rId5"/>
               </a:rPr>
               <a:t>parunapu@andrew.cmu.edu</a:t>
@@ -11308,20 +10621,20 @@
           </a:p>
           <a:p>
             <a:r>
-              <a:rPr lang="en-US" dirty="0" err="1" smtClean="0"/>
+              <a:rPr lang="en-US" dirty="0" err="1"/>
               <a:t>Tianhao</a:t>
             </a:r>
             <a:r>
-              <a:rPr lang="en-US" dirty="0" smtClean="0"/>
+              <a:rPr lang="en-US" dirty="0"/>
               <a:t> Li, ISR, SCS, </a:t>
             </a:r>
             <a:r>
-              <a:rPr lang="en-US" dirty="0" smtClean="0">
+              <a:rPr lang="en-US" dirty="0">
                 <a:hlinkClick r:id="rId6"/>
               </a:rPr>
               <a:t>tianhaol@andrew.cmu.edu</a:t>
             </a:r>
-            <a:endParaRPr lang="en-US" dirty="0" smtClean="0"/>
+            <a:endParaRPr lang="en-US" dirty="0"/>
           </a:p>
         </p:txBody>
       </p:sp>
@@ -11488,10 +10801,9 @@
           </a:lstStyle>
           <a:p>
             <a:r>
-              <a:rPr lang="en-US" dirty="0" smtClean="0"/>
+              <a:rPr lang="en-US" dirty="0"/>
               <a:t>Related Work</a:t>
             </a:r>
-            <a:endParaRPr lang="en-US" dirty="0"/>
           </a:p>
         </p:txBody>
       </p:sp>
@@ -11658,20 +10970,16 @@
           <a:p>
             <a:pPr algn="just"/>
             <a:r>
-              <a:rPr lang="zh-CN" altLang="en-US" sz="2000" dirty="0" smtClean="0"/>
+              <a:rPr lang="zh-CN" altLang="en-US" sz="2000" dirty="0"/>
               <a:t>  </a:t>
             </a:r>
             <a:r>
-              <a:rPr lang="en-US" sz="2000" dirty="0" err="1" smtClean="0"/>
+              <a:rPr lang="en-US" sz="2000" dirty="0" err="1"/>
               <a:t>Akshay</a:t>
             </a:r>
             <a:r>
-              <a:rPr lang="en-US" sz="2000" dirty="0" smtClean="0"/>
-              <a:t> </a:t>
-            </a:r>
-            <a:r>
               <a:rPr lang="en-US" sz="2000" dirty="0"/>
-              <a:t>Kumar Gupta. </a:t>
+              <a:t> Kumar Gupta. </a:t>
             </a:r>
             <a:r>
               <a:rPr lang="en-US" sz="2000" b="1" i="1" dirty="0"/>
@@ -11682,44 +10990,32 @@
               <a:t> </a:t>
             </a:r>
             <a:r>
-              <a:rPr lang="en-US" sz="2000" i="1" dirty="0" err="1" smtClean="0"/>
+              <a:rPr lang="en-US" sz="2000" i="1" dirty="0" err="1"/>
               <a:t>CoRR</a:t>
             </a:r>
             <a:r>
-              <a:rPr lang="en-US" sz="2000" dirty="0" smtClean="0"/>
+              <a:rPr lang="en-US" sz="2000" dirty="0"/>
               <a:t>,</a:t>
             </a:r>
             <a:r>
-              <a:rPr lang="zh-CN" altLang="en-US" sz="2000" dirty="0" smtClean="0"/>
+              <a:rPr lang="zh-CN" altLang="en-US" sz="2000" dirty="0"/>
               <a:t> </a:t>
             </a:r>
             <a:r>
-              <a:rPr lang="en-US" sz="2000" dirty="0" smtClean="0"/>
-              <a:t>abs/1705.03865</a:t>
-            </a:r>
-            <a:r>
               <a:rPr lang="en-US" sz="2000" dirty="0"/>
-              <a:t>, 2017</a:t>
-            </a:r>
-            <a:r>
-              <a:rPr lang="en-US" sz="2000" dirty="0" smtClean="0"/>
-              <a:t>.</a:t>
-            </a:r>
-            <a:endParaRPr lang="zh-CN" altLang="en-US" sz="2000" dirty="0" smtClean="0"/>
+              <a:t>abs/1705.03865, 2017.</a:t>
+            </a:r>
+            <a:endParaRPr lang="zh-CN" altLang="en-US" sz="2000" dirty="0"/>
           </a:p>
           <a:p>
             <a:pPr algn="just"/>
             <a:r>
-              <a:rPr lang="zh-CN" altLang="en-US" sz="2000" dirty="0" smtClean="0"/>
+              <a:rPr lang="zh-CN" altLang="en-US" sz="2000" dirty="0"/>
               <a:t>  </a:t>
             </a:r>
             <a:r>
-              <a:rPr lang="en-US" sz="2000" dirty="0" smtClean="0"/>
-              <a:t>Abhishek </a:t>
-            </a:r>
-            <a:r>
               <a:rPr lang="en-US" sz="2000" dirty="0"/>
-              <a:t>Das, </a:t>
+              <a:t>Abhishek Das, </a:t>
             </a:r>
             <a:r>
               <a:rPr lang="en-US" sz="2000" dirty="0" err="1"/>
@@ -11778,46 +11074,34 @@
               <a:t> </a:t>
             </a:r>
             <a:r>
-              <a:rPr lang="en-US" sz="2000" dirty="0" err="1" smtClean="0"/>
+              <a:rPr lang="en-US" sz="2000" dirty="0" err="1"/>
               <a:t>Batra</a:t>
             </a:r>
             <a:r>
-              <a:rPr lang="en-US" sz="2000" dirty="0" smtClean="0"/>
+              <a:rPr lang="en-US" sz="2000" dirty="0"/>
               <a:t>. </a:t>
             </a:r>
             <a:r>
-              <a:rPr lang="en-US" sz="2000" b="1" i="1" dirty="0" smtClean="0"/>
-              <a:t>Visual </a:t>
-            </a:r>
-            <a:r>
               <a:rPr lang="en-US" sz="2000" b="1" i="1" dirty="0"/>
-              <a:t>dialog.</a:t>
+              <a:t>Visual dialog.</a:t>
             </a:r>
             <a:r>
               <a:rPr lang="en-US" sz="2000" dirty="0"/>
               <a:t> </a:t>
             </a:r>
             <a:r>
-              <a:rPr lang="en-US" sz="2000" i="1" dirty="0" smtClean="0"/>
-              <a:t>IEEE </a:t>
-            </a:r>
-            <a:r>
               <a:rPr lang="en-US" sz="2000" i="1" dirty="0"/>
-              <a:t>Conference on Computer Vision and Pattern Recognition, CVPR 2017</a:t>
-            </a:r>
-            <a:r>
-              <a:rPr lang="en-US" sz="2000" dirty="0" smtClean="0"/>
+              <a:t>IEEE Conference on Computer Vision and Pattern Recognition, CVPR 2017</a:t>
+            </a:r>
+            <a:r>
+              <a:rPr lang="en-US" sz="2000" dirty="0"/>
               <a:t>.</a:t>
             </a:r>
           </a:p>
           <a:p>
             <a:r>
-              <a:rPr lang="en-US" sz="2000" dirty="0" smtClean="0"/>
-              <a:t>  Yu </a:t>
-            </a:r>
-            <a:r>
               <a:rPr lang="en-US" sz="2000" dirty="0"/>
-              <a:t>Wu, Wei Wu, Ming Zhou, and </a:t>
+              <a:t>  Yu Wu, Wei Wu, Ming Zhou, and </a:t>
             </a:r>
             <a:r>
               <a:rPr lang="en-US" sz="2000" dirty="0" err="1"/>
@@ -11829,15 +11113,7 @@
             </a:r>
             <a:r>
               <a:rPr lang="en-US" sz="2000" b="1" i="1" dirty="0"/>
-              <a:t>Sequential match network: A new architecture for </a:t>
-            </a:r>
-            <a:r>
-              <a:rPr lang="en-US" sz="2000" b="1" i="1" dirty="0" smtClean="0"/>
-              <a:t>multi-turn </a:t>
-            </a:r>
-            <a:r>
-              <a:rPr lang="en-US" sz="2000" b="1" i="1" dirty="0"/>
-              <a:t>response selection in retrieval-based </a:t>
+              <a:t>Sequential match network: A new architecture for multi-turn response selection in retrieval-based </a:t>
             </a:r>
             <a:r>
               <a:rPr lang="en-US" sz="2000" b="1" i="1" dirty="0" err="1"/>
@@ -11859,18 +11135,16 @@
           <a:p>
             <a:pPr algn="just"/>
             <a:r>
-              <a:rPr lang="en-US" sz="2000" dirty="0" smtClean="0"/>
+              <a:rPr lang="en-US" sz="2000" dirty="0"/>
               <a:t> </a:t>
             </a:r>
-            <a:endParaRPr lang="en-US" sz="2000" dirty="0"/>
           </a:p>
           <a:p>
             <a:pPr algn="just"/>
             <a:r>
-              <a:rPr lang="en-US" sz="2000" dirty="0" smtClean="0"/>
+              <a:rPr lang="en-US" sz="2000" dirty="0"/>
               <a:t> </a:t>
             </a:r>
-            <a:endParaRPr lang="en-US" sz="2000" dirty="0"/>
           </a:p>
         </p:txBody>
       </p:sp>
@@ -12067,7 +11341,7 @@
           </a:lstStyle>
           <a:p>
             <a:r>
-              <a:rPr lang="en-US" b="0" dirty="0" smtClean="0"/>
+              <a:rPr lang="en-US" b="0" dirty="0"/>
               <a:t>Late Fusion - Discriminative</a:t>
             </a:r>
           </a:p>
@@ -12236,7 +11510,7 @@
           </a:lstStyle>
           <a:p>
             <a:r>
-              <a:rPr lang="en-US" b="0" dirty="0" smtClean="0"/>
+              <a:rPr lang="en-US" b="0" dirty="0"/>
               <a:t>Sequential Matching - Discriminative</a:t>
             </a:r>
           </a:p>
@@ -12405,7 +11679,7 @@
           </a:lstStyle>
           <a:p>
             <a:r>
-              <a:rPr lang="en-US" b="0" dirty="0" smtClean="0"/>
+              <a:rPr lang="en-US" b="0" dirty="0"/>
               <a:t>Late Fusion with Attention - Generative</a:t>
             </a:r>
           </a:p>
@@ -12465,7 +11739,7 @@
           <a:p>
             <a:pPr algn="just"/>
             <a:r>
-              <a:rPr lang="en-US" sz="2160" dirty="0" smtClean="0">
+              <a:rPr lang="en-US" sz="2160" dirty="0">
                 <a:latin typeface="Times New Roman" panose="02020603050405020304" pitchFamily="18" charset="0"/>
                 <a:cs typeface="Times New Roman" panose="02020603050405020304" pitchFamily="18" charset="0"/>
               </a:rPr>
@@ -12503,31 +11777,7 @@
                 <a:ea typeface="Times New Roman" charset="0"/>
                 <a:cs typeface="Times New Roman" charset="0"/>
               </a:rPr>
-              <a:t>In this part, we implement the generative model with the attention-based word decoder. At every output step, the model produces a probability distribution over the next word conditioned on all the words seen previously. The context vector is produced by an attention mechanism, </a:t>
-            </a:r>
-            <a:r>
-              <a:rPr lang="en-US" sz="2160" dirty="0" smtClean="0">
-                <a:latin typeface="Times New Roman" charset="0"/>
-                <a:ea typeface="Times New Roman" charset="0"/>
-                <a:cs typeface="Times New Roman" charset="0"/>
-              </a:rPr>
-              <a:t>where the </a:t>
-            </a:r>
-            <a:r>
-              <a:rPr lang="en-US" sz="2160" dirty="0">
-                <a:latin typeface="Times New Roman" charset="0"/>
-                <a:ea typeface="Times New Roman" charset="0"/>
-                <a:cs typeface="Times New Roman" charset="0"/>
-              </a:rPr>
-              <a:t>question is converted with GRU and MLP while the image is segmented first then converted with MLP. With keys and values, and the transformation of encoder features, the contexts can be created. Then we concatenate these two parts and input them along with the hidden vector into the projection to get the final </a:t>
-            </a:r>
-            <a:r>
-              <a:rPr lang="en-US" sz="2160" dirty="0" smtClean="0">
-                <a:latin typeface="Times New Roman" charset="0"/>
-                <a:ea typeface="Times New Roman" charset="0"/>
-                <a:cs typeface="Times New Roman" charset="0"/>
-              </a:rPr>
-              <a:t>distribution.</a:t>
+              <a:t>In this part, we implement the generative model with the attention-based word decoder. At every output step, the model produces a probability distribution over the next word conditioned on all the words seen previously. The context vector is produced by an attention mechanism, where the question is converted with GRU and MLP while the image is segmented first then converted with MLP. With keys and values, and the transformation of encoder features, the contexts can be created. Then we concatenate these two parts and input them along with the hidden vector into the projection to get the final distribution.</a:t>
             </a:r>
           </a:p>
         </p:txBody>
@@ -12561,37 +11811,8 @@
                 <a:ea typeface="Times New Roman" charset="0"/>
                 <a:cs typeface="Times New Roman" charset="0"/>
               </a:rPr>
-              <a:t>The sequential matching network is a new idea in turn-based dialog, whereby questions and answer options are matched in terms of how appropriate the response is to that particular question and image. The model first embeds and passes all three components through an </a:t>
-            </a:r>
-            <a:r>
-              <a:rPr lang="en-US" sz="2160" dirty="0" smtClean="0">
-                <a:latin typeface="Times New Roman" charset="0"/>
-                <a:ea typeface="Times New Roman" charset="0"/>
-                <a:cs typeface="Times New Roman" charset="0"/>
-              </a:rPr>
-              <a:t>GRU to </a:t>
-            </a:r>
-            <a:r>
-              <a:rPr lang="en-US" sz="2160" dirty="0">
-                <a:latin typeface="Times New Roman" charset="0"/>
-                <a:ea typeface="Times New Roman" charset="0"/>
-                <a:cs typeface="Times New Roman" charset="0"/>
-              </a:rPr>
-              <a:t>get a feature representation, then matches each answer to a question and image and scores how appropriate that answer is, after convolving, pooling, and concatenation</a:t>
-            </a:r>
-            <a:r>
-              <a:rPr lang="en-US" sz="2160" dirty="0" smtClean="0">
-                <a:latin typeface="Times New Roman" charset="0"/>
-                <a:ea typeface="Times New Roman" charset="0"/>
-                <a:cs typeface="Times New Roman" charset="0"/>
-              </a:rPr>
-              <a:t>.</a:t>
-            </a:r>
-            <a:endParaRPr lang="en-US" sz="2160" dirty="0">
-              <a:latin typeface="Times New Roman" charset="0"/>
-              <a:ea typeface="Times New Roman" charset="0"/>
-              <a:cs typeface="Times New Roman" charset="0"/>
-            </a:endParaRPr>
+              <a:t>The sequential matching network is a new idea in turn-based dialog, whereby questions and answer options are matched in terms of how appropriate the response is to that particular question and image. The model first embeds and passes all three components through an GRU to get a feature representation, then matches each answer to a question and image and scores how appropriate that answer is, after convolving, pooling, and concatenation.</a:t>
+            </a:r>
           </a:p>
         </p:txBody>
       </p:sp>
@@ -12788,7 +12009,7 @@
           <a:p>
             <a:pPr algn="just"/>
             <a:r>
-              <a:rPr lang="en-US" b="1" dirty="0" smtClean="0">
+              <a:rPr lang="en-US" b="1" dirty="0">
                 <a:solidFill>
                   <a:schemeClr val="tx1"/>
                 </a:solidFill>
@@ -12796,31 +12017,15 @@
               <a:t>Evaluation</a:t>
             </a:r>
             <a:r>
-              <a:rPr lang="en-US" dirty="0" smtClean="0">
+              <a:rPr lang="en-US" dirty="0">
                 <a:solidFill>
                   <a:schemeClr val="tx1"/>
                 </a:solidFill>
               </a:rPr>
-              <a:t>: </a:t>
-            </a:r>
-            <a:r>
-              <a:rPr lang="en-US" dirty="0">
-                <a:solidFill>
-                  <a:schemeClr val="tx1"/>
-                </a:solidFill>
-              </a:rPr>
-              <a:t>Our baselines are based on Late Fusion, with the representation of questions and image. Compared to the </a:t>
-            </a:r>
-            <a:r>
-              <a:rPr lang="en-US" dirty="0" smtClean="0">
-                <a:solidFill>
-                  <a:schemeClr val="tx1"/>
-                </a:solidFill>
-              </a:rPr>
-              <a:t>discriminative baseline, our SMN method improves MRR by 0.18% and R@N by 0.31% on average. In the generative models, our best one improves MRR by 4.04% </a:t>
-            </a:r>
-            <a:r>
-              <a:rPr lang="en-US" smtClean="0">
+              <a:t>: Our baselines are based on Late Fusion, with the representation of questions and image. Compared to the discriminative baseline, our SMN method improves MRR by 0.18% and R@N by 0.31% on average. In the generative models, our best one improves MRR by 4.04% </a:t>
+            </a:r>
+            <a:r>
+              <a:rPr lang="en-US">
                 <a:solidFill>
                   <a:schemeClr val="tx1"/>
                 </a:solidFill>
@@ -12828,7 +12033,7 @@
               <a:t>and R@N </a:t>
             </a:r>
             <a:r>
-              <a:rPr lang="en-US" dirty="0" smtClean="0">
+              <a:rPr lang="en-US" dirty="0">
                 <a:solidFill>
                   <a:schemeClr val="tx1"/>
                 </a:solidFill>
@@ -12860,7 +12065,7 @@
           </a:bodyPr>
           <a:lstStyle/>
           <a:p>
-            <a:endParaRPr lang="en-US" sz="2400" dirty="0" smtClean="0">
+            <a:endParaRPr lang="en-US" sz="2400" dirty="0">
               <a:latin typeface="Times New Roman" panose="02020603050405020304" pitchFamily="18" charset="0"/>
               <a:cs typeface="Times New Roman" panose="02020603050405020304" pitchFamily="18" charset="0"/>
             </a:endParaRPr>
@@ -12907,13 +12112,6 @@
   <p:clrMapOvr>
     <a:masterClrMapping/>
   </p:clrMapOvr>
-  <p:timing>
-    <p:tnLst>
-      <p:par>
-        <p:cTn id="1" dur="indefinite" restart="never" nodeType="tmRoot"/>
-      </p:par>
-    </p:tnLst>
-  </p:timing>
 </p:sld>
 </file>
 

--- a/poster.pptx
+++ b/poster.pptx
@@ -3910,7 +3910,7 @@
               <a:graphicData uri="http://schemas.openxmlformats.org/presentationml/2006/ole">
                 <mc:AlternateContent xmlns:mc="http://schemas.openxmlformats.org/markup-compatibility/2006">
                   <mc:Choice xmlns:v="urn:schemas-microsoft-com:vml" Requires="v">
-                    <p:oleObj spid="_x0000_s1278" name="Image" r:id="rId8" imgW="1828440" imgH="1117440" progId="Photoshop.Image.13">
+                    <p:oleObj spid="_x0000_s1286" name="Image" r:id="rId8" imgW="1828440" imgH="1117440" progId="Photoshop.Image.13">
                       <p:embed/>
                     </p:oleObj>
                   </mc:Choice>
@@ -3967,7 +3967,7 @@
               <a:graphicData uri="http://schemas.openxmlformats.org/presentationml/2006/ole">
                 <mc:AlternateContent xmlns:mc="http://schemas.openxmlformats.org/markup-compatibility/2006">
                   <mc:Choice xmlns:v="urn:schemas-microsoft-com:vml" Requires="v">
-                    <p:oleObj spid="_x0000_s1279" name="Image" r:id="rId10" imgW="1828440" imgH="1117440" progId="Photoshop.Image.13">
+                    <p:oleObj spid="_x0000_s1287" name="Image" r:id="rId10" imgW="1828440" imgH="1117440" progId="Photoshop.Image.13">
                       <p:embed/>
                     </p:oleObj>
                   </mc:Choice>
@@ -5145,7 +5145,7 @@
             <a:graphicData uri="http://schemas.openxmlformats.org/presentationml/2006/ole">
               <mc:AlternateContent xmlns:mc="http://schemas.openxmlformats.org/markup-compatibility/2006">
                 <mc:Choice xmlns:v="urn:schemas-microsoft-com:vml" Requires="v">
-                  <p:oleObj spid="_x0000_s1280" name="Image" r:id="rId12" imgW="4571280" imgH="1688760" progId="Photoshop.Image.13">
+                  <p:oleObj spid="_x0000_s1288" name="Image" r:id="rId12" imgW="4571280" imgH="1688760" progId="Photoshop.Image.13">
                     <p:embed/>
                   </p:oleObj>
                 </mc:Choice>
@@ -5229,7 +5229,7 @@
             <a:graphicData uri="http://schemas.openxmlformats.org/presentationml/2006/ole">
               <mc:AlternateContent xmlns:mc="http://schemas.openxmlformats.org/markup-compatibility/2006">
                 <mc:Choice xmlns:v="urn:schemas-microsoft-com:vml" Requires="v">
-                  <p:oleObj spid="_x0000_s1281" name="Image" r:id="rId15" imgW="1574280" imgH="1053720" progId="Photoshop.Image.13">
+                  <p:oleObj spid="_x0000_s1289" name="Image" r:id="rId15" imgW="1574280" imgH="1053720" progId="Photoshop.Image.13">
                     <p:embed/>
                   </p:oleObj>
                 </mc:Choice>
@@ -7170,7 +7170,7 @@
               <a:graphicData uri="http://schemas.openxmlformats.org/presentationml/2006/ole">
                 <mc:AlternateContent xmlns:mc="http://schemas.openxmlformats.org/markup-compatibility/2006">
                   <mc:Choice xmlns:v="urn:schemas-microsoft-com:vml" Requires="v">
-                    <p:oleObj spid="_x0000_s2302" name="Image" r:id="rId8" imgW="1828440" imgH="1117440" progId="Photoshop.Image.13">
+                    <p:oleObj spid="_x0000_s2310" name="Image" r:id="rId8" imgW="1828440" imgH="1117440" progId="Photoshop.Image.13">
                       <p:embed/>
                     </p:oleObj>
                   </mc:Choice>
@@ -7227,7 +7227,7 @@
               <a:graphicData uri="http://schemas.openxmlformats.org/presentationml/2006/ole">
                 <mc:AlternateContent xmlns:mc="http://schemas.openxmlformats.org/markup-compatibility/2006">
                   <mc:Choice xmlns:v="urn:schemas-microsoft-com:vml" Requires="v">
-                    <p:oleObj spid="_x0000_s2303" name="Image" r:id="rId10" imgW="1828440" imgH="1117440" progId="Photoshop.Image.13">
+                    <p:oleObj spid="_x0000_s2311" name="Image" r:id="rId10" imgW="1828440" imgH="1117440" progId="Photoshop.Image.13">
                       <p:embed/>
                     </p:oleObj>
                   </mc:Choice>
@@ -8405,7 +8405,7 @@
             <a:graphicData uri="http://schemas.openxmlformats.org/presentationml/2006/ole">
               <mc:AlternateContent xmlns:mc="http://schemas.openxmlformats.org/markup-compatibility/2006">
                 <mc:Choice xmlns:v="urn:schemas-microsoft-com:vml" Requires="v">
-                  <p:oleObj spid="_x0000_s2304" name="Image" r:id="rId12" imgW="4571280" imgH="1688760" progId="Photoshop.Image.13">
+                  <p:oleObj spid="_x0000_s2312" name="Image" r:id="rId12" imgW="4571280" imgH="1688760" progId="Photoshop.Image.13">
                     <p:embed/>
                   </p:oleObj>
                 </mc:Choice>
@@ -8489,7 +8489,7 @@
             <a:graphicData uri="http://schemas.openxmlformats.org/presentationml/2006/ole">
               <mc:AlternateContent xmlns:mc="http://schemas.openxmlformats.org/markup-compatibility/2006">
                 <mc:Choice xmlns:v="urn:schemas-microsoft-com:vml" Requires="v">
-                  <p:oleObj spid="_x0000_s2305" name="Image" r:id="rId15" imgW="1574280" imgH="1053720" progId="Photoshop.Image.13">
+                  <p:oleObj spid="_x0000_s2313" name="Image" r:id="rId15" imgW="1574280" imgH="1053720" progId="Photoshop.Image.13">
                     <p:embed/>
                   </p:oleObj>
                 </mc:Choice>
@@ -9536,7 +9536,7 @@
                   <a:schemeClr val="tx1"/>
                 </a:solidFill>
               </a:rPr>
-              <a:t>Our baseline models are comparable to the results in the paper, since we used smaller hidden size and word embedding size. The sequential matching network in the discriminative model can slightly improve the performance, both on MRR and @N. The attention model takes in the concatenation context of the question and image, which greatly improves the performance. Furthermore, we attempted to add non-linear functions for the context, but the improvement was not significant.</a:t>
+              <a:t>Our baseline models are comparable to the results in the paper, since we used smaller hidden size and word embedding size. The sequential matching network in the discriminative model can slightly improve the performance, both on MRR and R@N. The attention model takes in the concatenation context of the question and image, which greatly improves the performance. Furthermore, we attempted to add non-linear functions for the context, but the improvement was not significant.</a:t>
             </a:r>
           </a:p>
           <a:p>

--- a/poster.pptx
+++ b/poster.pptx
@@ -3978,7 +3978,7 @@
               <a:graphicData uri="http://schemas.openxmlformats.org/presentationml/2006/ole">
                 <mc:AlternateContent xmlns:mc="http://schemas.openxmlformats.org/markup-compatibility/2006">
                   <mc:Choice xmlns:v="urn:schemas-microsoft-com:vml" Requires="v">
-                    <p:oleObj spid="_x0000_s1274" name="Image" r:id="rId8" imgW="1828440" imgH="1117440" progId="Photoshop.Image.13">
+                    <p:oleObj spid="_x0000_s1287" name="Image" r:id="rId8" imgW="1828440" imgH="1117440" progId="Photoshop.Image.13">
                       <p:embed/>
                     </p:oleObj>
                   </mc:Choice>
@@ -4035,7 +4035,7 @@
               <a:graphicData uri="http://schemas.openxmlformats.org/presentationml/2006/ole">
                 <mc:AlternateContent xmlns:mc="http://schemas.openxmlformats.org/markup-compatibility/2006">
                   <mc:Choice xmlns:v="urn:schemas-microsoft-com:vml" Requires="v">
-                    <p:oleObj spid="_x0000_s1275" name="Image" r:id="rId10" imgW="1828440" imgH="1117440" progId="Photoshop.Image.13">
+                    <p:oleObj spid="_x0000_s1288" name="Image" r:id="rId10" imgW="1828440" imgH="1117440" progId="Photoshop.Image.13">
                       <p:embed/>
                     </p:oleObj>
                   </mc:Choice>
@@ -5218,7 +5218,7 @@
             <a:graphicData uri="http://schemas.openxmlformats.org/presentationml/2006/ole">
               <mc:AlternateContent xmlns:mc="http://schemas.openxmlformats.org/markup-compatibility/2006">
                 <mc:Choice xmlns:v="urn:schemas-microsoft-com:vml" Requires="v">
-                  <p:oleObj spid="_x0000_s1276" name="Image" r:id="rId12" imgW="4571280" imgH="1688760" progId="Photoshop.Image.13">
+                  <p:oleObj spid="_x0000_s1289" name="Image" r:id="rId12" imgW="4571280" imgH="1688760" progId="Photoshop.Image.13">
                     <p:embed/>
                   </p:oleObj>
                 </mc:Choice>
@@ -5302,7 +5302,7 @@
             <a:graphicData uri="http://schemas.openxmlformats.org/presentationml/2006/ole">
               <mc:AlternateContent xmlns:mc="http://schemas.openxmlformats.org/markup-compatibility/2006">
                 <mc:Choice xmlns:v="urn:schemas-microsoft-com:vml" Requires="v">
-                  <p:oleObj spid="_x0000_s1277" name="Image" r:id="rId15" imgW="1574280" imgH="1053720" progId="Photoshop.Image.13">
+                  <p:oleObj spid="_x0000_s1290" name="Image" r:id="rId15" imgW="1574280" imgH="1053720" progId="Photoshop.Image.13">
                     <p:embed/>
                   </p:oleObj>
                 </mc:Choice>
@@ -7311,7 +7311,7 @@
               <a:graphicData uri="http://schemas.openxmlformats.org/presentationml/2006/ole">
                 <mc:AlternateContent xmlns:mc="http://schemas.openxmlformats.org/markup-compatibility/2006">
                   <mc:Choice xmlns:v="urn:schemas-microsoft-com:vml" Requires="v">
-                    <p:oleObj spid="_x0000_s2298" name="Image" r:id="rId8" imgW="1828440" imgH="1117440" progId="Photoshop.Image.13">
+                    <p:oleObj spid="_x0000_s2311" name="Image" r:id="rId8" imgW="1828440" imgH="1117440" progId="Photoshop.Image.13">
                       <p:embed/>
                     </p:oleObj>
                   </mc:Choice>
@@ -7368,7 +7368,7 @@
               <a:graphicData uri="http://schemas.openxmlformats.org/presentationml/2006/ole">
                 <mc:AlternateContent xmlns:mc="http://schemas.openxmlformats.org/markup-compatibility/2006">
                   <mc:Choice xmlns:v="urn:schemas-microsoft-com:vml" Requires="v">
-                    <p:oleObj spid="_x0000_s2299" name="Image" r:id="rId10" imgW="1828440" imgH="1117440" progId="Photoshop.Image.13">
+                    <p:oleObj spid="_x0000_s2312" name="Image" r:id="rId10" imgW="1828440" imgH="1117440" progId="Photoshop.Image.13">
                       <p:embed/>
                     </p:oleObj>
                   </mc:Choice>
@@ -8551,7 +8551,7 @@
             <a:graphicData uri="http://schemas.openxmlformats.org/presentationml/2006/ole">
               <mc:AlternateContent xmlns:mc="http://schemas.openxmlformats.org/markup-compatibility/2006">
                 <mc:Choice xmlns:v="urn:schemas-microsoft-com:vml" Requires="v">
-                  <p:oleObj spid="_x0000_s2300" name="Image" r:id="rId12" imgW="4571280" imgH="1688760" progId="Photoshop.Image.13">
+                  <p:oleObj spid="_x0000_s2313" name="Image" r:id="rId12" imgW="4571280" imgH="1688760" progId="Photoshop.Image.13">
                     <p:embed/>
                   </p:oleObj>
                 </mc:Choice>
@@ -8635,7 +8635,7 @@
             <a:graphicData uri="http://schemas.openxmlformats.org/presentationml/2006/ole">
               <mc:AlternateContent xmlns:mc="http://schemas.openxmlformats.org/markup-compatibility/2006">
                 <mc:Choice xmlns:v="urn:schemas-microsoft-com:vml" Requires="v">
-                  <p:oleObj spid="_x0000_s2301" name="Image" r:id="rId15" imgW="1574280" imgH="1053720" progId="Photoshop.Image.13">
+                  <p:oleObj spid="_x0000_s2314" name="Image" r:id="rId15" imgW="1574280" imgH="1053720" progId="Photoshop.Image.13">
                     <p:embed/>
                   </p:oleObj>
                 </mc:Choice>
@@ -9551,23 +9551,7 @@
                   <a:schemeClr val="tx1"/>
                 </a:solidFill>
               </a:rPr>
-              <a:t>Because of the </a:t>
-            </a:r>
-            <a:r>
-              <a:rPr lang="en-US" dirty="0" smtClean="0">
-                <a:solidFill>
-                  <a:schemeClr val="tx1"/>
-                </a:solidFill>
-              </a:rPr>
-              <a:t>memory limitation, we </a:t>
-            </a:r>
-            <a:r>
-              <a:rPr lang="en-US" dirty="0" smtClean="0">
-                <a:solidFill>
-                  <a:schemeClr val="tx1"/>
-                </a:solidFill>
-              </a:rPr>
-              <a:t>decreased </a:t>
+              <a:t>Because of the memory limitation, we decreased </a:t>
             </a:r>
             <a:r>
               <a:rPr lang="en-US" dirty="0">
@@ -9631,55 +9615,7 @@
                   <a:schemeClr val="tx1"/>
                 </a:solidFill>
               </a:rPr>
-              <a:t>explore </a:t>
-            </a:r>
-            <a:r>
-              <a:rPr lang="en-US" dirty="0" smtClean="0">
-                <a:solidFill>
-                  <a:schemeClr val="tx1"/>
-                </a:solidFill>
-              </a:rPr>
-              <a:t>a generative </a:t>
-            </a:r>
-            <a:r>
-              <a:rPr lang="en-US" dirty="0" smtClean="0">
-                <a:solidFill>
-                  <a:schemeClr val="tx1"/>
-                </a:solidFill>
-              </a:rPr>
-              <a:t>model with </a:t>
-            </a:r>
-            <a:r>
-              <a:rPr lang="en-US" dirty="0" smtClean="0">
-                <a:solidFill>
-                  <a:schemeClr val="tx1"/>
-                </a:solidFill>
-              </a:rPr>
-              <a:t>attention, </a:t>
-            </a:r>
-            <a:r>
-              <a:rPr lang="en-US" dirty="0" smtClean="0">
-                <a:solidFill>
-                  <a:schemeClr val="tx1"/>
-                </a:solidFill>
-              </a:rPr>
-              <a:t>which can achieve the conversation based on </a:t>
-            </a:r>
-            <a:r>
-              <a:rPr lang="en-US" dirty="0" smtClean="0">
-                <a:solidFill>
-                  <a:schemeClr val="tx1"/>
-                </a:solidFill>
-              </a:rPr>
-              <a:t>a given </a:t>
-            </a:r>
-            <a:r>
-              <a:rPr lang="en-US" dirty="0" smtClean="0">
-                <a:solidFill>
-                  <a:schemeClr val="tx1"/>
-                </a:solidFill>
-              </a:rPr>
-              <a:t>image </a:t>
+              <a:t>explore a generative model with attention, which can achieve the conversation based on a given image </a:t>
             </a:r>
             <a:r>
               <a:rPr lang="en-US" dirty="0">
@@ -10047,7 +9983,23 @@
                   <a:schemeClr val="tx1"/>
                 </a:solidFill>
               </a:rPr>
-              <a:t>smaller hidden size and word embedding size. The sequential matching network in the discriminative model can slightly improve the performance, both on MRR and </a:t>
+              <a:t>smaller hidden size and word embedding size. The sequential matching network in the discriminative model can slightly improve the performance, both on MRR </a:t>
+            </a:r>
+            <a:r>
+              <a:rPr lang="en-US">
+                <a:solidFill>
+                  <a:schemeClr val="tx1"/>
+                </a:solidFill>
+              </a:rPr>
+              <a:t>and </a:t>
+            </a:r>
+            <a:r>
+              <a:rPr lang="en-US" smtClean="0">
+                <a:solidFill>
+                  <a:schemeClr val="tx1"/>
+                </a:solidFill>
+              </a:rPr>
+              <a:t>R@N</a:t>
             </a:r>
             <a:r>
               <a:rPr lang="en-US" dirty="0" smtClean="0">
@@ -10055,7 +10007,7 @@
                   <a:schemeClr val="tx1"/>
                 </a:solidFill>
               </a:rPr>
-              <a:t>@N. The </a:t>
+              <a:t>. The </a:t>
             </a:r>
             <a:r>
               <a:rPr lang="en-US" dirty="0">
